--- a/Slides/On-Campus/06_01_ListsAndLoops.pptx
+++ b/Slides/On-Campus/06_01_ListsAndLoops.pptx
@@ -5,23 +5,20 @@
     <p:sldMasterId id="2147483648" r:id="rId1"/>
   </p:sldMasterIdLst>
   <p:notesMasterIdLst>
-    <p:notesMasterId r:id="rId13"/>
+    <p:notesMasterId r:id="rId10"/>
   </p:notesMasterIdLst>
   <p:handoutMasterIdLst>
-    <p:handoutMasterId r:id="rId14"/>
+    <p:handoutMasterId r:id="rId11"/>
   </p:handoutMasterIdLst>
   <p:sldIdLst>
     <p:sldId id="256" r:id="rId2"/>
-    <p:sldId id="263" r:id="rId3"/>
-    <p:sldId id="264" r:id="rId4"/>
-    <p:sldId id="259" r:id="rId5"/>
-    <p:sldId id="265" r:id="rId6"/>
-    <p:sldId id="268" r:id="rId7"/>
-    <p:sldId id="257" r:id="rId8"/>
-    <p:sldId id="258" r:id="rId9"/>
-    <p:sldId id="260" r:id="rId10"/>
-    <p:sldId id="261" r:id="rId11"/>
-    <p:sldId id="262" r:id="rId12"/>
+    <p:sldId id="266" r:id="rId3"/>
+    <p:sldId id="268" r:id="rId4"/>
+    <p:sldId id="257" r:id="rId5"/>
+    <p:sldId id="258" r:id="rId6"/>
+    <p:sldId id="260" r:id="rId7"/>
+    <p:sldId id="261" r:id="rId8"/>
+    <p:sldId id="262" r:id="rId9"/>
   </p:sldIdLst>
   <p:sldSz cx="13817600" cy="7772400"/>
   <p:notesSz cx="6858000" cy="9144000"/>
@@ -224,7 +221,7 @@
           <a:p>
             <a:fld id="{4D7E51A5-B478-1E40-8CBB-0DAA8831E99D}" type="datetimeFigureOut">
               <a:rPr lang="en-US" smtClean="0"/>
-              <a:t>9/15/21</a:t>
+              <a:t>9/22/2021</a:t>
             </a:fld>
             <a:endParaRPr lang="en-US"/>
           </a:p>
@@ -389,7 +386,7 @@
           <a:p>
             <a:fld id="{D0ED587F-861E-6740-9643-E3DDAE89B8D6}" type="datetimeFigureOut">
               <a:rPr lang="en-US" smtClean="0"/>
-              <a:t>9/15/21</a:t>
+              <a:t>9/22/2021</a:t>
             </a:fld>
             <a:endParaRPr lang="en-US"/>
           </a:p>
@@ -661,7 +658,7 @@
   <p:cSld>
     <p:spTree>
       <p:nvGrpSpPr>
-        <p:cNvPr id="1" name="Shape 188"/>
+        <p:cNvPr id="1" name="Shape 222"/>
         <p:cNvGrpSpPr/>
         <p:nvPr/>
       </p:nvGrpSpPr>
@@ -675,111 +672,7 @@
       </p:grpSpPr>
       <p:sp>
         <p:nvSpPr>
-          <p:cNvPr id="189" name="Google Shape;189;g7dc7711d5b_0_0:notes"/>
-          <p:cNvSpPr>
-            <a:spLocks noGrp="1" noRot="1" noChangeAspect="1"/>
-          </p:cNvSpPr>
-          <p:nvPr>
-            <p:ph type="sldImg" idx="2"/>
-          </p:nvPr>
-        </p:nvSpPr>
-        <p:spPr>
-          <a:xfrm>
-            <a:off x="381300" y="685800"/>
-            <a:ext cx="6096000" cy="3429000"/>
-          </a:xfrm>
-          <a:custGeom>
-            <a:avLst/>
-            <a:gdLst/>
-            <a:ahLst/>
-            <a:cxnLst/>
-            <a:rect l="l" t="t" r="r" b="b"/>
-            <a:pathLst>
-              <a:path w="120000" h="120000" extrusionOk="0">
-                <a:moveTo>
-                  <a:pt x="0" y="0"/>
-                </a:moveTo>
-                <a:lnTo>
-                  <a:pt x="120000" y="0"/>
-                </a:lnTo>
-                <a:lnTo>
-                  <a:pt x="120000" y="120000"/>
-                </a:lnTo>
-                <a:lnTo>
-                  <a:pt x="0" y="120000"/>
-                </a:lnTo>
-                <a:close/>
-              </a:path>
-            </a:pathLst>
-          </a:custGeom>
-        </p:spPr>
-      </p:sp>
-      <p:sp>
-        <p:nvSpPr>
-          <p:cNvPr id="190" name="Google Shape;190;g7dc7711d5b_0_0:notes"/>
-          <p:cNvSpPr txBox="1">
-            <a:spLocks noGrp="1"/>
-          </p:cNvSpPr>
-          <p:nvPr>
-            <p:ph type="body" idx="1"/>
-          </p:nvPr>
-        </p:nvSpPr>
-        <p:spPr>
-          <a:xfrm>
-            <a:off x="685800" y="4343400"/>
-            <a:ext cx="5486400" cy="4114800"/>
-          </a:xfrm>
-          <a:prstGeom prst="rect">
-            <a:avLst/>
-          </a:prstGeom>
-        </p:spPr>
-        <p:txBody>
-          <a:bodyPr spcFirstLastPara="1" wrap="square" lIns="91425" tIns="91425" rIns="91425" bIns="91425" anchor="t" anchorCtr="0">
-            <a:noAutofit/>
-          </a:bodyPr>
-          <a:lstStyle/>
-          <a:p>
-            <a:pPr marL="0" lvl="0" indent="0" algn="l" rtl="0">
-              <a:spcBef>
-                <a:spcPts val="0"/>
-              </a:spcBef>
-              <a:spcAft>
-                <a:spcPts val="0"/>
-              </a:spcAft>
-              <a:buNone/>
-            </a:pPr>
-            <a:endParaRPr dirty="0"/>
-          </a:p>
-        </p:txBody>
-      </p:sp>
-    </p:spTree>
-  </p:cSld>
-  <p:clrMapOvr>
-    <a:masterClrMapping/>
-  </p:clrMapOvr>
-</p:notes>
-</file>
-
-<file path=ppt/notesSlides/notesSlide2.xml><?xml version="1.0" encoding="utf-8"?>
-<p:notes xmlns:a="http://schemas.openxmlformats.org/drawingml/2006/main" xmlns:r="http://schemas.openxmlformats.org/officeDocument/2006/relationships" xmlns:p="http://schemas.openxmlformats.org/presentationml/2006/main" showMasterSp="0" showMasterPhAnim="0">
-  <p:cSld>
-    <p:spTree>
-      <p:nvGrpSpPr>
-        <p:cNvPr id="1" name="Shape 194"/>
-        <p:cNvGrpSpPr/>
-        <p:nvPr/>
-      </p:nvGrpSpPr>
-      <p:grpSpPr>
-        <a:xfrm>
-          <a:off x="0" y="0"/>
-          <a:ext cx="0" cy="0"/>
-          <a:chOff x="0" y="0"/>
-          <a:chExt cx="0" cy="0"/>
-        </a:xfrm>
-      </p:grpSpPr>
-      <p:sp>
-        <p:nvSpPr>
-          <p:cNvPr id="195" name="Google Shape;195;g7dc7711d5b_0_5:notes"/>
+          <p:cNvPr id="223" name="Google Shape;223;g7dc7711cf5_0_31:notes"/>
           <p:cNvSpPr>
             <a:spLocks noGrp="1" noRot="1" noChangeAspect="1"/>
           </p:cNvSpPr>
@@ -820,215 +713,7 @@
       </p:sp>
       <p:sp>
         <p:nvSpPr>
-          <p:cNvPr id="196" name="Google Shape;196;g7dc7711d5b_0_5:notes"/>
-          <p:cNvSpPr txBox="1">
-            <a:spLocks noGrp="1"/>
-          </p:cNvSpPr>
-          <p:nvPr>
-            <p:ph type="body" idx="1"/>
-          </p:nvPr>
-        </p:nvSpPr>
-        <p:spPr>
-          <a:xfrm>
-            <a:off x="685800" y="4343400"/>
-            <a:ext cx="5486400" cy="4114800"/>
-          </a:xfrm>
-          <a:prstGeom prst="rect">
-            <a:avLst/>
-          </a:prstGeom>
-        </p:spPr>
-        <p:txBody>
-          <a:bodyPr spcFirstLastPara="1" wrap="square" lIns="91425" tIns="91425" rIns="91425" bIns="91425" anchor="t" anchorCtr="0">
-            <a:noAutofit/>
-          </a:bodyPr>
-          <a:lstStyle/>
-          <a:p>
-            <a:pPr marL="0" lvl="0" indent="0" algn="l" rtl="0">
-              <a:spcBef>
-                <a:spcPts val="0"/>
-              </a:spcBef>
-              <a:spcAft>
-                <a:spcPts val="0"/>
-              </a:spcAft>
-              <a:buNone/>
-            </a:pPr>
-            <a:endParaRPr dirty="0"/>
-          </a:p>
-        </p:txBody>
-      </p:sp>
-    </p:spTree>
-  </p:cSld>
-  <p:clrMapOvr>
-    <a:masterClrMapping/>
-  </p:clrMapOvr>
-</p:notes>
-</file>
-
-<file path=ppt/notesSlides/notesSlide3.xml><?xml version="1.0" encoding="utf-8"?>
-<p:notes xmlns:a="http://schemas.openxmlformats.org/drawingml/2006/main" xmlns:r="http://schemas.openxmlformats.org/officeDocument/2006/relationships" xmlns:p="http://schemas.openxmlformats.org/presentationml/2006/main" showMasterSp="0" showMasterPhAnim="0">
-  <p:cSld>
-    <p:spTree>
-      <p:nvGrpSpPr>
-        <p:cNvPr id="1" name="Shape 202"/>
-        <p:cNvGrpSpPr/>
-        <p:nvPr/>
-      </p:nvGrpSpPr>
-      <p:grpSpPr>
-        <a:xfrm>
-          <a:off x="0" y="0"/>
-          <a:ext cx="0" cy="0"/>
-          <a:chOff x="0" y="0"/>
-          <a:chExt cx="0" cy="0"/>
-        </a:xfrm>
-      </p:grpSpPr>
-      <p:sp>
-        <p:nvSpPr>
-          <p:cNvPr id="203" name="Google Shape;203;g7dc7711d5b_0_12:notes"/>
-          <p:cNvSpPr>
-            <a:spLocks noGrp="1" noRot="1" noChangeAspect="1"/>
-          </p:cNvSpPr>
-          <p:nvPr>
-            <p:ph type="sldImg" idx="2"/>
-          </p:nvPr>
-        </p:nvSpPr>
-        <p:spPr>
-          <a:xfrm>
-            <a:off x="381000" y="685800"/>
-            <a:ext cx="6096000" cy="3429000"/>
-          </a:xfrm>
-          <a:custGeom>
-            <a:avLst/>
-            <a:gdLst/>
-            <a:ahLst/>
-            <a:cxnLst/>
-            <a:rect l="l" t="t" r="r" b="b"/>
-            <a:pathLst>
-              <a:path w="120000" h="120000" extrusionOk="0">
-                <a:moveTo>
-                  <a:pt x="0" y="0"/>
-                </a:moveTo>
-                <a:lnTo>
-                  <a:pt x="120000" y="0"/>
-                </a:lnTo>
-                <a:lnTo>
-                  <a:pt x="120000" y="120000"/>
-                </a:lnTo>
-                <a:lnTo>
-                  <a:pt x="0" y="120000"/>
-                </a:lnTo>
-                <a:close/>
-              </a:path>
-            </a:pathLst>
-          </a:custGeom>
-        </p:spPr>
-      </p:sp>
-      <p:sp>
-        <p:nvSpPr>
-          <p:cNvPr id="204" name="Google Shape;204;g7dc7711d5b_0_12:notes"/>
-          <p:cNvSpPr txBox="1">
-            <a:spLocks noGrp="1"/>
-          </p:cNvSpPr>
-          <p:nvPr>
-            <p:ph type="body" idx="1"/>
-          </p:nvPr>
-        </p:nvSpPr>
-        <p:spPr>
-          <a:xfrm>
-            <a:off x="685800" y="4343400"/>
-            <a:ext cx="5486400" cy="4114800"/>
-          </a:xfrm>
-          <a:prstGeom prst="rect">
-            <a:avLst/>
-          </a:prstGeom>
-        </p:spPr>
-        <p:txBody>
-          <a:bodyPr spcFirstLastPara="1" wrap="square" lIns="91425" tIns="91425" rIns="91425" bIns="91425" anchor="t" anchorCtr="0">
-            <a:noAutofit/>
-          </a:bodyPr>
-          <a:lstStyle/>
-          <a:p>
-            <a:pPr marL="0" lvl="0" indent="0" algn="l" rtl="0">
-              <a:spcBef>
-                <a:spcPts val="0"/>
-              </a:spcBef>
-              <a:spcAft>
-                <a:spcPts val="0"/>
-              </a:spcAft>
-              <a:buNone/>
-            </a:pPr>
-            <a:endParaRPr dirty="0"/>
-          </a:p>
-        </p:txBody>
-      </p:sp>
-    </p:spTree>
-  </p:cSld>
-  <p:clrMapOvr>
-    <a:masterClrMapping/>
-  </p:clrMapOvr>
-</p:notes>
-</file>
-
-<file path=ppt/notesSlides/notesSlide4.xml><?xml version="1.0" encoding="utf-8"?>
-<p:notes xmlns:a="http://schemas.openxmlformats.org/drawingml/2006/main" xmlns:r="http://schemas.openxmlformats.org/officeDocument/2006/relationships" xmlns:p="http://schemas.openxmlformats.org/presentationml/2006/main" showMasterSp="0" showMasterPhAnim="0">
-  <p:cSld>
-    <p:spTree>
-      <p:nvGrpSpPr>
-        <p:cNvPr id="1" name="Shape 211"/>
-        <p:cNvGrpSpPr/>
-        <p:nvPr/>
-      </p:nvGrpSpPr>
-      <p:grpSpPr>
-        <a:xfrm>
-          <a:off x="0" y="0"/>
-          <a:ext cx="0" cy="0"/>
-          <a:chOff x="0" y="0"/>
-          <a:chExt cx="0" cy="0"/>
-        </a:xfrm>
-      </p:grpSpPr>
-      <p:sp>
-        <p:nvSpPr>
-          <p:cNvPr id="212" name="Google Shape;212;g7dc7711d5b_0_20:notes"/>
-          <p:cNvSpPr>
-            <a:spLocks noGrp="1" noRot="1" noChangeAspect="1"/>
-          </p:cNvSpPr>
-          <p:nvPr>
-            <p:ph type="sldImg" idx="2"/>
-          </p:nvPr>
-        </p:nvSpPr>
-        <p:spPr>
-          <a:xfrm>
-            <a:off x="381000" y="685800"/>
-            <a:ext cx="6096000" cy="3429000"/>
-          </a:xfrm>
-          <a:custGeom>
-            <a:avLst/>
-            <a:gdLst/>
-            <a:ahLst/>
-            <a:cxnLst/>
-            <a:rect l="l" t="t" r="r" b="b"/>
-            <a:pathLst>
-              <a:path w="120000" h="120000" extrusionOk="0">
-                <a:moveTo>
-                  <a:pt x="0" y="0"/>
-                </a:moveTo>
-                <a:lnTo>
-                  <a:pt x="120000" y="0"/>
-                </a:lnTo>
-                <a:lnTo>
-                  <a:pt x="120000" y="120000"/>
-                </a:lnTo>
-                <a:lnTo>
-                  <a:pt x="0" y="120000"/>
-                </a:lnTo>
-                <a:close/>
-              </a:path>
-            </a:pathLst>
-          </a:custGeom>
-        </p:spPr>
-      </p:sp>
-      <p:sp>
-        <p:nvSpPr>
-          <p:cNvPr id="213" name="Google Shape;213;g7dc7711d5b_0_20:notes"/>
+          <p:cNvPr id="224" name="Google Shape;224;g7dc7711cf5_0_31:notes"/>
           <p:cNvSpPr txBox="1">
             <a:spLocks noGrp="1"/>
           </p:cNvSpPr>
@@ -5028,690 +4713,6 @@
 </p:sldLayout>
 </file>
 
-<file path=ppt/slideLayouts/slideLayout26.xml><?xml version="1.0" encoding="utf-8"?>
-<p:sldLayout xmlns:a="http://schemas.openxmlformats.org/drawingml/2006/main" xmlns:r="http://schemas.openxmlformats.org/officeDocument/2006/relationships" xmlns:p="http://schemas.openxmlformats.org/presentationml/2006/main" matchingName="Content and Photo Left">
-  <p:cSld name="1_Content and Photo Left">
-    <p:spTree>
-      <p:nvGrpSpPr>
-        <p:cNvPr id="1" name="Shape 122"/>
-        <p:cNvGrpSpPr/>
-        <p:nvPr/>
-      </p:nvGrpSpPr>
-      <p:grpSpPr>
-        <a:xfrm>
-          <a:off x="0" y="0"/>
-          <a:ext cx="0" cy="0"/>
-          <a:chOff x="0" y="0"/>
-          <a:chExt cx="0" cy="0"/>
-        </a:xfrm>
-      </p:grpSpPr>
-      <p:sp>
-        <p:nvSpPr>
-          <p:cNvPr id="123" name="Google Shape;123;p25"/>
-          <p:cNvSpPr txBox="1">
-            <a:spLocks noGrp="1"/>
-          </p:cNvSpPr>
-          <p:nvPr>
-            <p:ph type="title"/>
-          </p:nvPr>
-        </p:nvSpPr>
-        <p:spPr>
-          <a:xfrm>
-            <a:off x="8333453" y="982462"/>
-            <a:ext cx="4862453" cy="1661920"/>
-          </a:xfrm>
-          <a:prstGeom prst="rect">
-            <a:avLst/>
-          </a:prstGeom>
-          <a:noFill/>
-          <a:ln>
-            <a:noFill/>
-          </a:ln>
-        </p:spPr>
-        <p:txBody>
-          <a:bodyPr spcFirstLastPara="1" wrap="square" lIns="60500" tIns="60500" rIns="60500" bIns="60500" anchor="t" anchorCtr="0">
-            <a:noAutofit/>
-          </a:bodyPr>
-          <a:lstStyle>
-            <a:lvl1pPr marR="0" lvl="0" algn="l" rtl="0">
-              <a:spcBef>
-                <a:spcPts val="0"/>
-              </a:spcBef>
-              <a:spcAft>
-                <a:spcPts val="0"/>
-              </a:spcAft>
-              <a:buClr>
-                <a:schemeClr val="dk2"/>
-              </a:buClr>
-              <a:buSzPts val="3200"/>
-              <a:buFont typeface="Arial"/>
-              <a:buNone/>
-              <a:defRPr sz="4836" b="0" i="0" u="none" strike="noStrike" cap="none">
-                <a:solidFill>
-                  <a:schemeClr val="dk2"/>
-                </a:solidFill>
-                <a:latin typeface="Arial"/>
-                <a:ea typeface="Arial"/>
-                <a:cs typeface="Arial"/>
-                <a:sym typeface="Arial"/>
-              </a:defRPr>
-            </a:lvl1pPr>
-            <a:lvl2pPr lvl="1" rtl="0">
-              <a:spcBef>
-                <a:spcPts val="0"/>
-              </a:spcBef>
-              <a:spcAft>
-                <a:spcPts val="0"/>
-              </a:spcAft>
-              <a:buSzPts val="900"/>
-              <a:buNone/>
-              <a:defRPr sz="1813"/>
-            </a:lvl2pPr>
-            <a:lvl3pPr lvl="2" rtl="0">
-              <a:spcBef>
-                <a:spcPts val="0"/>
-              </a:spcBef>
-              <a:spcAft>
-                <a:spcPts val="0"/>
-              </a:spcAft>
-              <a:buSzPts val="900"/>
-              <a:buNone/>
-              <a:defRPr sz="1813"/>
-            </a:lvl3pPr>
-            <a:lvl4pPr lvl="3" rtl="0">
-              <a:spcBef>
-                <a:spcPts val="0"/>
-              </a:spcBef>
-              <a:spcAft>
-                <a:spcPts val="0"/>
-              </a:spcAft>
-              <a:buSzPts val="900"/>
-              <a:buNone/>
-              <a:defRPr sz="1813"/>
-            </a:lvl4pPr>
-            <a:lvl5pPr lvl="4" rtl="0">
-              <a:spcBef>
-                <a:spcPts val="0"/>
-              </a:spcBef>
-              <a:spcAft>
-                <a:spcPts val="0"/>
-              </a:spcAft>
-              <a:buSzPts val="900"/>
-              <a:buNone/>
-              <a:defRPr sz="1813"/>
-            </a:lvl5pPr>
-            <a:lvl6pPr lvl="5" rtl="0">
-              <a:spcBef>
-                <a:spcPts val="0"/>
-              </a:spcBef>
-              <a:spcAft>
-                <a:spcPts val="0"/>
-              </a:spcAft>
-              <a:buSzPts val="900"/>
-              <a:buNone/>
-              <a:defRPr sz="1813"/>
-            </a:lvl6pPr>
-            <a:lvl7pPr lvl="6" rtl="0">
-              <a:spcBef>
-                <a:spcPts val="0"/>
-              </a:spcBef>
-              <a:spcAft>
-                <a:spcPts val="0"/>
-              </a:spcAft>
-              <a:buSzPts val="900"/>
-              <a:buNone/>
-              <a:defRPr sz="1813"/>
-            </a:lvl7pPr>
-            <a:lvl8pPr lvl="7" rtl="0">
-              <a:spcBef>
-                <a:spcPts val="0"/>
-              </a:spcBef>
-              <a:spcAft>
-                <a:spcPts val="0"/>
-              </a:spcAft>
-              <a:buSzPts val="900"/>
-              <a:buNone/>
-              <a:defRPr sz="1813"/>
-            </a:lvl8pPr>
-            <a:lvl9pPr lvl="8" rtl="0">
-              <a:spcBef>
-                <a:spcPts val="0"/>
-              </a:spcBef>
-              <a:spcAft>
-                <a:spcPts val="0"/>
-              </a:spcAft>
-              <a:buSzPts val="900"/>
-              <a:buNone/>
-              <a:defRPr sz="1813"/>
-            </a:lvl9pPr>
-          </a:lstStyle>
-          <a:p>
-            <a:endParaRPr/>
-          </a:p>
-        </p:txBody>
-      </p:sp>
-      <p:sp>
-        <p:nvSpPr>
-          <p:cNvPr id="124" name="Google Shape;124;p25"/>
-          <p:cNvSpPr txBox="1">
-            <a:spLocks noGrp="1"/>
-          </p:cNvSpPr>
-          <p:nvPr>
-            <p:ph type="body" idx="1"/>
-          </p:nvPr>
-        </p:nvSpPr>
-        <p:spPr>
-          <a:xfrm>
-            <a:off x="8333453" y="3052262"/>
-            <a:ext cx="4862453" cy="1976080"/>
-          </a:xfrm>
-          <a:prstGeom prst="rect">
-            <a:avLst/>
-          </a:prstGeom>
-          <a:noFill/>
-          <a:ln>
-            <a:noFill/>
-          </a:ln>
-        </p:spPr>
-        <p:txBody>
-          <a:bodyPr spcFirstLastPara="1" wrap="square" lIns="60500" tIns="60500" rIns="60500" bIns="60500" anchor="t" anchorCtr="0">
-            <a:noAutofit/>
-          </a:bodyPr>
-          <a:lstStyle>
-            <a:lvl1pPr marL="690875" marR="0" lvl="0" indent="-460583" algn="l" rtl="0">
-              <a:lnSpc>
-                <a:spcPct val="120000"/>
-              </a:lnSpc>
-              <a:spcBef>
-                <a:spcPts val="604"/>
-              </a:spcBef>
-              <a:spcAft>
-                <a:spcPts val="0"/>
-              </a:spcAft>
-              <a:buClr>
-                <a:schemeClr val="dk1"/>
-              </a:buClr>
-              <a:buSzPts val="1200"/>
-              <a:buFont typeface="Arial"/>
-              <a:buChar char="•"/>
-              <a:defRPr sz="1813" b="0" i="0" u="none" strike="noStrike" cap="none">
-                <a:solidFill>
-                  <a:schemeClr val="dk1"/>
-                </a:solidFill>
-                <a:latin typeface="Proxima Nova"/>
-                <a:ea typeface="Proxima Nova"/>
-                <a:cs typeface="Proxima Nova"/>
-                <a:sym typeface="Proxima Nova"/>
-              </a:defRPr>
-            </a:lvl1pPr>
-            <a:lvl2pPr marL="1381750" marR="0" lvl="1" indent="-450988" algn="l" rtl="0">
-              <a:lnSpc>
-                <a:spcPct val="120000"/>
-              </a:lnSpc>
-              <a:spcBef>
-                <a:spcPts val="604"/>
-              </a:spcBef>
-              <a:spcAft>
-                <a:spcPts val="0"/>
-              </a:spcAft>
-              <a:buClr>
-                <a:schemeClr val="dk1"/>
-              </a:buClr>
-              <a:buSzPts val="1100"/>
-              <a:buFont typeface="Arial"/>
-              <a:buChar char="–"/>
-              <a:defRPr sz="1662" b="0" i="0" u="none" strike="noStrike" cap="none">
-                <a:solidFill>
-                  <a:schemeClr val="dk1"/>
-                </a:solidFill>
-                <a:latin typeface="Proxima Nova"/>
-                <a:ea typeface="Proxima Nova"/>
-                <a:cs typeface="Proxima Nova"/>
-                <a:sym typeface="Proxima Nova"/>
-              </a:defRPr>
-            </a:lvl2pPr>
-            <a:lvl3pPr marL="2072625" marR="0" lvl="2" indent="-450988" algn="l" rtl="0">
-              <a:lnSpc>
-                <a:spcPct val="120000"/>
-              </a:lnSpc>
-              <a:spcBef>
-                <a:spcPts val="604"/>
-              </a:spcBef>
-              <a:spcAft>
-                <a:spcPts val="0"/>
-              </a:spcAft>
-              <a:buClr>
-                <a:schemeClr val="dk1"/>
-              </a:buClr>
-              <a:buSzPts val="1100"/>
-              <a:buFont typeface="Arial"/>
-              <a:buChar char="•"/>
-              <a:defRPr sz="1662" b="0" i="0" u="none" strike="noStrike" cap="none">
-                <a:solidFill>
-                  <a:schemeClr val="dk1"/>
-                </a:solidFill>
-                <a:latin typeface="Proxima Nova"/>
-                <a:ea typeface="Proxima Nova"/>
-                <a:cs typeface="Proxima Nova"/>
-                <a:sym typeface="Proxima Nova"/>
-              </a:defRPr>
-            </a:lvl3pPr>
-            <a:lvl4pPr marL="2763500" marR="0" lvl="3" indent="-450988" algn="l" rtl="0">
-              <a:lnSpc>
-                <a:spcPct val="120000"/>
-              </a:lnSpc>
-              <a:spcBef>
-                <a:spcPts val="604"/>
-              </a:spcBef>
-              <a:spcAft>
-                <a:spcPts val="0"/>
-              </a:spcAft>
-              <a:buClr>
-                <a:schemeClr val="dk1"/>
-              </a:buClr>
-              <a:buSzPts val="1100"/>
-              <a:buFont typeface="Arial"/>
-              <a:buChar char="–"/>
-              <a:defRPr sz="1662" b="0" i="0" u="none" strike="noStrike" cap="none">
-                <a:solidFill>
-                  <a:schemeClr val="dk1"/>
-                </a:solidFill>
-                <a:latin typeface="Proxima Nova"/>
-                <a:ea typeface="Proxima Nova"/>
-                <a:cs typeface="Proxima Nova"/>
-                <a:sym typeface="Proxima Nova"/>
-              </a:defRPr>
-            </a:lvl4pPr>
-            <a:lvl5pPr marL="3454375" marR="0" lvl="4" indent="-450988" algn="l" rtl="0">
-              <a:spcBef>
-                <a:spcPts val="604"/>
-              </a:spcBef>
-              <a:spcAft>
-                <a:spcPts val="0"/>
-              </a:spcAft>
-              <a:buClr>
-                <a:schemeClr val="dk1"/>
-              </a:buClr>
-              <a:buSzPts val="1100"/>
-              <a:buFont typeface="Arial"/>
-              <a:buChar char="»"/>
-              <a:defRPr sz="1662" b="0" i="0" u="none" strike="noStrike" cap="none">
-                <a:solidFill>
-                  <a:schemeClr val="dk1"/>
-                </a:solidFill>
-                <a:latin typeface="Source Sans Pro"/>
-                <a:ea typeface="Source Sans Pro"/>
-                <a:cs typeface="Source Sans Pro"/>
-                <a:sym typeface="Source Sans Pro"/>
-              </a:defRPr>
-            </a:lvl5pPr>
-            <a:lvl6pPr marL="4145250" marR="0" lvl="5" indent="-537347" algn="l" rtl="0">
-              <a:spcBef>
-                <a:spcPts val="604"/>
-              </a:spcBef>
-              <a:spcAft>
-                <a:spcPts val="0"/>
-              </a:spcAft>
-              <a:buClr>
-                <a:schemeClr val="dk1"/>
-              </a:buClr>
-              <a:buSzPts val="2000"/>
-              <a:buFont typeface="Arial"/>
-              <a:buChar char="•"/>
-              <a:defRPr sz="3022" b="0" i="0" u="none" strike="noStrike" cap="none">
-                <a:solidFill>
-                  <a:schemeClr val="dk1"/>
-                </a:solidFill>
-                <a:latin typeface="Arial"/>
-                <a:ea typeface="Arial"/>
-                <a:cs typeface="Arial"/>
-                <a:sym typeface="Arial"/>
-              </a:defRPr>
-            </a:lvl6pPr>
-            <a:lvl7pPr marL="4836124" marR="0" lvl="6" indent="-537347" algn="l" rtl="0">
-              <a:spcBef>
-                <a:spcPts val="604"/>
-              </a:spcBef>
-              <a:spcAft>
-                <a:spcPts val="0"/>
-              </a:spcAft>
-              <a:buClr>
-                <a:schemeClr val="dk1"/>
-              </a:buClr>
-              <a:buSzPts val="2000"/>
-              <a:buFont typeface="Arial"/>
-              <a:buChar char="•"/>
-              <a:defRPr sz="3022" b="0" i="0" u="none" strike="noStrike" cap="none">
-                <a:solidFill>
-                  <a:schemeClr val="dk1"/>
-                </a:solidFill>
-                <a:latin typeface="Arial"/>
-                <a:ea typeface="Arial"/>
-                <a:cs typeface="Arial"/>
-                <a:sym typeface="Arial"/>
-              </a:defRPr>
-            </a:lvl7pPr>
-            <a:lvl8pPr marL="5526999" marR="0" lvl="7" indent="-537347" algn="l" rtl="0">
-              <a:spcBef>
-                <a:spcPts val="604"/>
-              </a:spcBef>
-              <a:spcAft>
-                <a:spcPts val="0"/>
-              </a:spcAft>
-              <a:buClr>
-                <a:schemeClr val="dk1"/>
-              </a:buClr>
-              <a:buSzPts val="2000"/>
-              <a:buFont typeface="Arial"/>
-              <a:buChar char="•"/>
-              <a:defRPr sz="3022" b="0" i="0" u="none" strike="noStrike" cap="none">
-                <a:solidFill>
-                  <a:schemeClr val="dk1"/>
-                </a:solidFill>
-                <a:latin typeface="Arial"/>
-                <a:ea typeface="Arial"/>
-                <a:cs typeface="Arial"/>
-                <a:sym typeface="Arial"/>
-              </a:defRPr>
-            </a:lvl8pPr>
-            <a:lvl9pPr marL="6217874" marR="0" lvl="8" indent="-537347" algn="l" rtl="0">
-              <a:spcBef>
-                <a:spcPts val="604"/>
-              </a:spcBef>
-              <a:spcAft>
-                <a:spcPts val="0"/>
-              </a:spcAft>
-              <a:buClr>
-                <a:schemeClr val="dk1"/>
-              </a:buClr>
-              <a:buSzPts val="2000"/>
-              <a:buFont typeface="Arial"/>
-              <a:buChar char="•"/>
-              <a:defRPr sz="3022" b="0" i="0" u="none" strike="noStrike" cap="none">
-                <a:solidFill>
-                  <a:schemeClr val="dk1"/>
-                </a:solidFill>
-                <a:latin typeface="Arial"/>
-                <a:ea typeface="Arial"/>
-                <a:cs typeface="Arial"/>
-                <a:sym typeface="Arial"/>
-              </a:defRPr>
-            </a:lvl9pPr>
-          </a:lstStyle>
-          <a:p>
-            <a:endParaRPr/>
-          </a:p>
-        </p:txBody>
-      </p:sp>
-      <p:sp>
-        <p:nvSpPr>
-          <p:cNvPr id="125" name="Google Shape;125;p25"/>
-          <p:cNvSpPr>
-            <a:spLocks noGrp="1"/>
-          </p:cNvSpPr>
-          <p:nvPr>
-            <p:ph type="pic" idx="2"/>
-          </p:nvPr>
-        </p:nvSpPr>
-        <p:spPr>
-          <a:xfrm>
-            <a:off x="2" y="0"/>
-            <a:ext cx="7711653" cy="7772400"/>
-          </a:xfrm>
-          <a:prstGeom prst="rect">
-            <a:avLst/>
-          </a:prstGeom>
-          <a:noFill/>
-          <a:ln>
-            <a:noFill/>
-          </a:ln>
-        </p:spPr>
-        <p:txBody>
-          <a:bodyPr spcFirstLastPara="1" wrap="square" lIns="60500" tIns="60500" rIns="60500" bIns="60500" anchor="ctr" anchorCtr="0">
-            <a:noAutofit/>
-          </a:bodyPr>
-          <a:lstStyle>
-            <a:lvl1pPr marR="0" lvl="0" algn="ctr" rtl="0">
-              <a:lnSpc>
-                <a:spcPct val="120000"/>
-              </a:lnSpc>
-              <a:spcBef>
-                <a:spcPts val="604"/>
-              </a:spcBef>
-              <a:spcAft>
-                <a:spcPts val="0"/>
-              </a:spcAft>
-              <a:buClr>
-                <a:schemeClr val="dk1"/>
-              </a:buClr>
-              <a:buSzPts val="1200"/>
-              <a:buFont typeface="Arial"/>
-              <a:buNone/>
-              <a:defRPr sz="1813" b="0" i="0" u="none" strike="noStrike" cap="none">
-                <a:solidFill>
-                  <a:schemeClr val="dk1"/>
-                </a:solidFill>
-                <a:latin typeface="Proxima Nova"/>
-                <a:ea typeface="Proxima Nova"/>
-                <a:cs typeface="Proxima Nova"/>
-                <a:sym typeface="Proxima Nova"/>
-              </a:defRPr>
-            </a:lvl1pPr>
-            <a:lvl2pPr marR="0" lvl="1" algn="l" rtl="0">
-              <a:lnSpc>
-                <a:spcPct val="120000"/>
-              </a:lnSpc>
-              <a:spcBef>
-                <a:spcPts val="604"/>
-              </a:spcBef>
-              <a:spcAft>
-                <a:spcPts val="0"/>
-              </a:spcAft>
-              <a:buClr>
-                <a:schemeClr val="dk1"/>
-              </a:buClr>
-              <a:buSzPts val="1100"/>
-              <a:buFont typeface="Arial"/>
-              <a:buChar char="–"/>
-              <a:defRPr sz="1662" b="0" i="0" u="none" strike="noStrike" cap="none">
-                <a:solidFill>
-                  <a:schemeClr val="dk1"/>
-                </a:solidFill>
-                <a:latin typeface="Proxima Nova"/>
-                <a:ea typeface="Proxima Nova"/>
-                <a:cs typeface="Proxima Nova"/>
-                <a:sym typeface="Proxima Nova"/>
-              </a:defRPr>
-            </a:lvl2pPr>
-            <a:lvl3pPr marR="0" lvl="2" algn="l" rtl="0">
-              <a:lnSpc>
-                <a:spcPct val="120000"/>
-              </a:lnSpc>
-              <a:spcBef>
-                <a:spcPts val="604"/>
-              </a:spcBef>
-              <a:spcAft>
-                <a:spcPts val="0"/>
-              </a:spcAft>
-              <a:buClr>
-                <a:schemeClr val="dk1"/>
-              </a:buClr>
-              <a:buSzPts val="1100"/>
-              <a:buFont typeface="Arial"/>
-              <a:buChar char="•"/>
-              <a:defRPr sz="1662" b="0" i="0" u="none" strike="noStrike" cap="none">
-                <a:solidFill>
-                  <a:schemeClr val="dk1"/>
-                </a:solidFill>
-                <a:latin typeface="Proxima Nova"/>
-                <a:ea typeface="Proxima Nova"/>
-                <a:cs typeface="Proxima Nova"/>
-                <a:sym typeface="Proxima Nova"/>
-              </a:defRPr>
-            </a:lvl3pPr>
-            <a:lvl4pPr marR="0" lvl="3" algn="l" rtl="0">
-              <a:lnSpc>
-                <a:spcPct val="120000"/>
-              </a:lnSpc>
-              <a:spcBef>
-                <a:spcPts val="604"/>
-              </a:spcBef>
-              <a:spcAft>
-                <a:spcPts val="0"/>
-              </a:spcAft>
-              <a:buClr>
-                <a:schemeClr val="dk1"/>
-              </a:buClr>
-              <a:buSzPts val="1100"/>
-              <a:buFont typeface="Arial"/>
-              <a:buChar char="–"/>
-              <a:defRPr sz="1662" b="0" i="0" u="none" strike="noStrike" cap="none">
-                <a:solidFill>
-                  <a:schemeClr val="dk1"/>
-                </a:solidFill>
-                <a:latin typeface="Proxima Nova"/>
-                <a:ea typeface="Proxima Nova"/>
-                <a:cs typeface="Proxima Nova"/>
-                <a:sym typeface="Proxima Nova"/>
-              </a:defRPr>
-            </a:lvl4pPr>
-            <a:lvl5pPr marR="0" lvl="4" algn="l" rtl="0">
-              <a:spcBef>
-                <a:spcPts val="604"/>
-              </a:spcBef>
-              <a:spcAft>
-                <a:spcPts val="0"/>
-              </a:spcAft>
-              <a:buClr>
-                <a:srgbClr val="C39E11"/>
-              </a:buClr>
-              <a:buSzPts val="1100"/>
-              <a:buFont typeface="Arial"/>
-              <a:buChar char="»"/>
-              <a:defRPr sz="1662" b="0" i="0" u="none" strike="noStrike" cap="none">
-                <a:solidFill>
-                  <a:srgbClr val="C39E11"/>
-                </a:solidFill>
-                <a:latin typeface="Source Sans Pro"/>
-                <a:ea typeface="Source Sans Pro"/>
-                <a:cs typeface="Source Sans Pro"/>
-                <a:sym typeface="Source Sans Pro"/>
-              </a:defRPr>
-            </a:lvl5pPr>
-            <a:lvl6pPr marR="0" lvl="5" algn="l" rtl="0">
-              <a:spcBef>
-                <a:spcPts val="604"/>
-              </a:spcBef>
-              <a:spcAft>
-                <a:spcPts val="0"/>
-              </a:spcAft>
-              <a:buClr>
-                <a:schemeClr val="dk1"/>
-              </a:buClr>
-              <a:buSzPts val="2000"/>
-              <a:buFont typeface="Arial"/>
-              <a:buChar char="•"/>
-              <a:defRPr sz="3022" b="0" i="0" u="none" strike="noStrike" cap="none">
-                <a:solidFill>
-                  <a:schemeClr val="dk1"/>
-                </a:solidFill>
-                <a:latin typeface="Arial"/>
-                <a:ea typeface="Arial"/>
-                <a:cs typeface="Arial"/>
-                <a:sym typeface="Arial"/>
-              </a:defRPr>
-            </a:lvl6pPr>
-            <a:lvl7pPr marR="0" lvl="6" algn="l" rtl="0">
-              <a:spcBef>
-                <a:spcPts val="604"/>
-              </a:spcBef>
-              <a:spcAft>
-                <a:spcPts val="0"/>
-              </a:spcAft>
-              <a:buClr>
-                <a:schemeClr val="dk1"/>
-              </a:buClr>
-              <a:buSzPts val="2000"/>
-              <a:buFont typeface="Arial"/>
-              <a:buChar char="•"/>
-              <a:defRPr sz="3022" b="0" i="0" u="none" strike="noStrike" cap="none">
-                <a:solidFill>
-                  <a:schemeClr val="dk1"/>
-                </a:solidFill>
-                <a:latin typeface="Arial"/>
-                <a:ea typeface="Arial"/>
-                <a:cs typeface="Arial"/>
-                <a:sym typeface="Arial"/>
-              </a:defRPr>
-            </a:lvl7pPr>
-            <a:lvl8pPr marR="0" lvl="7" algn="l" rtl="0">
-              <a:spcBef>
-                <a:spcPts val="604"/>
-              </a:spcBef>
-              <a:spcAft>
-                <a:spcPts val="0"/>
-              </a:spcAft>
-              <a:buClr>
-                <a:schemeClr val="dk1"/>
-              </a:buClr>
-              <a:buSzPts val="2000"/>
-              <a:buFont typeface="Arial"/>
-              <a:buChar char="•"/>
-              <a:defRPr sz="3022" b="0" i="0" u="none" strike="noStrike" cap="none">
-                <a:solidFill>
-                  <a:schemeClr val="dk1"/>
-                </a:solidFill>
-                <a:latin typeface="Arial"/>
-                <a:ea typeface="Arial"/>
-                <a:cs typeface="Arial"/>
-                <a:sym typeface="Arial"/>
-              </a:defRPr>
-            </a:lvl8pPr>
-            <a:lvl9pPr marR="0" lvl="8" algn="l" rtl="0">
-              <a:spcBef>
-                <a:spcPts val="604"/>
-              </a:spcBef>
-              <a:spcAft>
-                <a:spcPts val="0"/>
-              </a:spcAft>
-              <a:buClr>
-                <a:schemeClr val="dk1"/>
-              </a:buClr>
-              <a:buSzPts val="2000"/>
-              <a:buFont typeface="Arial"/>
-              <a:buChar char="•"/>
-              <a:defRPr sz="3022" b="0" i="0" u="none" strike="noStrike" cap="none">
-                <a:solidFill>
-                  <a:schemeClr val="dk1"/>
-                </a:solidFill>
-                <a:latin typeface="Arial"/>
-                <a:ea typeface="Arial"/>
-                <a:cs typeface="Arial"/>
-                <a:sym typeface="Arial"/>
-              </a:defRPr>
-            </a:lvl9pPr>
-          </a:lstStyle>
-          <a:p>
-            <a:endParaRPr dirty="0"/>
-          </a:p>
-        </p:txBody>
-      </p:sp>
-    </p:spTree>
-    <p:extLst>
-      <p:ext uri="{BB962C8B-B14F-4D97-AF65-F5344CB8AC3E}">
-        <p14:creationId xmlns:p14="http://schemas.microsoft.com/office/powerpoint/2010/main" val="1004844511"/>
-      </p:ext>
-    </p:extLst>
-  </p:cSld>
-  <p:clrMapOvr>
-    <a:masterClrMapping/>
-  </p:clrMapOvr>
-  <p:transition>
-    <p:fade/>
-  </p:transition>
-</p:sldLayout>
-</file>
-
 <file path=ppt/slideLayouts/slideLayout3.xml><?xml version="1.0" encoding="utf-8"?>
 <p:sldLayout xmlns:a="http://schemas.openxmlformats.org/drawingml/2006/main" xmlns:r="http://schemas.openxmlformats.org/officeDocument/2006/relationships" xmlns:p="http://schemas.openxmlformats.org/presentationml/2006/main" preserve="1" userDrawn="1">
   <p:cSld name="Title Green Ram CSU">
@@ -8018,7 +7019,6 @@
     <p:sldLayoutId id="2147483692" r:id="rId23"/>
     <p:sldLayoutId id="2147483672" r:id="rId24"/>
     <p:sldLayoutId id="2147483693" r:id="rId25"/>
-    <p:sldLayoutId id="2147483694" r:id="rId26"/>
   </p:sldLayoutIdLst>
   <mc:AlternateContent xmlns:mc="http://schemas.openxmlformats.org/markup-compatibility/2006" xmlns:p14="http://schemas.microsoft.com/office/powerpoint/2010/main">
     <mc:Choice Requires="p14">
@@ -8418,12 +7418,12 @@
 </p:sld>
 </file>
 
-<file path=ppt/slides/slide10.xml><?xml version="1.0" encoding="utf-8"?>
+<file path=ppt/slides/slide2.xml><?xml version="1.0" encoding="utf-8"?>
 <p:sld xmlns:a="http://schemas.openxmlformats.org/drawingml/2006/main" xmlns:r="http://schemas.openxmlformats.org/officeDocument/2006/relationships" xmlns:p="http://schemas.openxmlformats.org/presentationml/2006/main">
   <p:cSld>
     <p:spTree>
       <p:nvGrpSpPr>
-        <p:cNvPr id="1" name=""/>
+        <p:cNvPr id="1" name="Shape 225"/>
         <p:cNvGrpSpPr/>
         <p:nvPr/>
       </p:nvGrpSpPr>
@@ -8437,2317 +7437,7 @@
       </p:grpSpPr>
       <p:sp>
         <p:nvSpPr>
-          <p:cNvPr id="2" name="Title 1">
-            <a:extLst>
-              <a:ext uri="{FF2B5EF4-FFF2-40B4-BE49-F238E27FC236}">
-                <a16:creationId xmlns:a16="http://schemas.microsoft.com/office/drawing/2014/main" id="{818F0946-F262-2C49-9ABD-288B29AD0BE4}"/>
-              </a:ext>
-            </a:extLst>
-          </p:cNvPr>
-          <p:cNvSpPr>
-            <a:spLocks noGrp="1"/>
-          </p:cNvSpPr>
-          <p:nvPr>
-            <p:ph type="title"/>
-          </p:nvPr>
-        </p:nvSpPr>
-        <p:spPr/>
-        <p:txBody>
-          <a:bodyPr/>
-          <a:lstStyle/>
-          <a:p>
-            <a:r>
-              <a:rPr lang="en-US" dirty="0"/>
-              <a:t>Printing Elements In Lists?</a:t>
-            </a:r>
-          </a:p>
-        </p:txBody>
-      </p:sp>
-      <p:sp>
-        <p:nvSpPr>
-          <p:cNvPr id="3" name="Text Placeholder 2">
-            <a:extLst>
-              <a:ext uri="{FF2B5EF4-FFF2-40B4-BE49-F238E27FC236}">
-                <a16:creationId xmlns:a16="http://schemas.microsoft.com/office/drawing/2014/main" id="{6141502A-CCCA-C148-ABA4-7A23D0C584D1}"/>
-              </a:ext>
-            </a:extLst>
-          </p:cNvPr>
-          <p:cNvSpPr>
-            <a:spLocks noGrp="1"/>
-          </p:cNvSpPr>
-          <p:nvPr>
-            <p:ph type="body" sz="quarter" idx="10"/>
-          </p:nvPr>
-        </p:nvSpPr>
-        <p:spPr>
-          <a:xfrm>
-            <a:off x="628075" y="1776682"/>
-            <a:ext cx="2781169" cy="481414"/>
-          </a:xfrm>
-        </p:spPr>
-        <p:txBody>
-          <a:bodyPr/>
-          <a:lstStyle/>
-          <a:p>
-            <a:r>
-              <a:rPr lang="en-US" dirty="0"/>
-              <a:t>the while loop way</a:t>
-            </a:r>
-          </a:p>
-        </p:txBody>
-      </p:sp>
-      <p:sp>
-        <p:nvSpPr>
-          <p:cNvPr id="4" name="Rectangle 3">
-            <a:extLst>
-              <a:ext uri="{FF2B5EF4-FFF2-40B4-BE49-F238E27FC236}">
-                <a16:creationId xmlns:a16="http://schemas.microsoft.com/office/drawing/2014/main" id="{3CABFD07-2174-BD4C-99B8-542F6CB04C35}"/>
-              </a:ext>
-            </a:extLst>
-          </p:cNvPr>
-          <p:cNvSpPr/>
-          <p:nvPr/>
-        </p:nvSpPr>
-        <p:spPr>
-          <a:xfrm>
-            <a:off x="628075" y="2422970"/>
-            <a:ext cx="6908800" cy="1323439"/>
-          </a:xfrm>
-          <a:prstGeom prst="rect">
-            <a:avLst/>
-          </a:prstGeom>
-        </p:spPr>
-        <p:txBody>
-          <a:bodyPr>
-            <a:spAutoFit/>
-          </a:bodyPr>
-          <a:lstStyle/>
-          <a:p>
-            <a:r>
-              <a:rPr lang="en-US" dirty="0">
-                <a:latin typeface="Consolas" panose="020B0609020204030204" pitchFamily="49" charset="0"/>
-                <a:cs typeface="Consolas" panose="020B0609020204030204" pitchFamily="49" charset="0"/>
-              </a:rPr>
-              <a:t>index =  </a:t>
-            </a:r>
-            <a:r>
-              <a:rPr lang="en-US" dirty="0">
-                <a:solidFill>
-                  <a:srgbClr val="6897BB"/>
-                </a:solidFill>
-                <a:latin typeface="Consolas" panose="020B0609020204030204" pitchFamily="49" charset="0"/>
-                <a:cs typeface="Consolas" panose="020B0609020204030204" pitchFamily="49" charset="0"/>
-              </a:rPr>
-              <a:t>0</a:t>
-            </a:r>
-            <a:br>
-              <a:rPr lang="en-US" dirty="0">
-                <a:solidFill>
-                  <a:srgbClr val="6897BB"/>
-                </a:solidFill>
-                <a:latin typeface="Consolas" panose="020B0609020204030204" pitchFamily="49" charset="0"/>
-                <a:cs typeface="Consolas" panose="020B0609020204030204" pitchFamily="49" charset="0"/>
-              </a:rPr>
-            </a:br>
-            <a:r>
-              <a:rPr lang="en-US" dirty="0">
-                <a:solidFill>
-                  <a:srgbClr val="CC7832"/>
-                </a:solidFill>
-                <a:latin typeface="Consolas" panose="020B0609020204030204" pitchFamily="49" charset="0"/>
-                <a:cs typeface="Consolas" panose="020B0609020204030204" pitchFamily="49" charset="0"/>
-              </a:rPr>
-              <a:t>while </a:t>
-            </a:r>
-            <a:r>
-              <a:rPr lang="en-US" dirty="0">
-                <a:latin typeface="Consolas" panose="020B0609020204030204" pitchFamily="49" charset="0"/>
-                <a:cs typeface="Consolas" panose="020B0609020204030204" pitchFamily="49" charset="0"/>
-              </a:rPr>
-              <a:t>index &lt; </a:t>
-            </a:r>
-            <a:r>
-              <a:rPr lang="en-US" dirty="0" err="1">
-                <a:solidFill>
-                  <a:srgbClr val="8888C6"/>
-                </a:solidFill>
-                <a:latin typeface="Consolas" panose="020B0609020204030204" pitchFamily="49" charset="0"/>
-                <a:cs typeface="Consolas" panose="020B0609020204030204" pitchFamily="49" charset="0"/>
-              </a:rPr>
-              <a:t>len</a:t>
-            </a:r>
-            <a:r>
-              <a:rPr lang="en-US" dirty="0">
-                <a:latin typeface="Consolas" panose="020B0609020204030204" pitchFamily="49" charset="0"/>
-                <a:cs typeface="Consolas" panose="020B0609020204030204" pitchFamily="49" charset="0"/>
-              </a:rPr>
-              <a:t>(glaciers):</a:t>
-            </a:r>
-            <a:br>
-              <a:rPr lang="en-US" dirty="0">
-                <a:latin typeface="Consolas" panose="020B0609020204030204" pitchFamily="49" charset="0"/>
-                <a:cs typeface="Consolas" panose="020B0609020204030204" pitchFamily="49" charset="0"/>
-              </a:rPr>
-            </a:br>
-            <a:r>
-              <a:rPr lang="en-US" dirty="0">
-                <a:latin typeface="Consolas" panose="020B0609020204030204" pitchFamily="49" charset="0"/>
-                <a:cs typeface="Consolas" panose="020B0609020204030204" pitchFamily="49" charset="0"/>
-              </a:rPr>
-              <a:t>    </a:t>
-            </a:r>
-            <a:r>
-              <a:rPr lang="en-US" dirty="0">
-                <a:solidFill>
-                  <a:srgbClr val="8888C6"/>
-                </a:solidFill>
-                <a:latin typeface="Consolas" panose="020B0609020204030204" pitchFamily="49" charset="0"/>
-                <a:cs typeface="Consolas" panose="020B0609020204030204" pitchFamily="49" charset="0"/>
-              </a:rPr>
-              <a:t>print</a:t>
-            </a:r>
-            <a:r>
-              <a:rPr lang="en-US" dirty="0">
-                <a:latin typeface="Consolas" panose="020B0609020204030204" pitchFamily="49" charset="0"/>
-                <a:cs typeface="Consolas" panose="020B0609020204030204" pitchFamily="49" charset="0"/>
-              </a:rPr>
-              <a:t>(glaciers[index]</a:t>
-            </a:r>
-            <a:r>
-              <a:rPr lang="en-US" dirty="0">
-                <a:solidFill>
-                  <a:srgbClr val="CC7832"/>
-                </a:solidFill>
-                <a:latin typeface="Consolas" panose="020B0609020204030204" pitchFamily="49" charset="0"/>
-                <a:cs typeface="Consolas" panose="020B0609020204030204" pitchFamily="49" charset="0"/>
-              </a:rPr>
-              <a:t>, </a:t>
-            </a:r>
-            <a:r>
-              <a:rPr lang="en-US" dirty="0">
-                <a:solidFill>
-                  <a:srgbClr val="AA4926"/>
-                </a:solidFill>
-                <a:latin typeface="Consolas" panose="020B0609020204030204" pitchFamily="49" charset="0"/>
-                <a:cs typeface="Consolas" panose="020B0609020204030204" pitchFamily="49" charset="0"/>
-              </a:rPr>
-              <a:t>end </a:t>
-            </a:r>
-            <a:r>
-              <a:rPr lang="en-US" dirty="0">
-                <a:latin typeface="Consolas" panose="020B0609020204030204" pitchFamily="49" charset="0"/>
-                <a:cs typeface="Consolas" panose="020B0609020204030204" pitchFamily="49" charset="0"/>
-              </a:rPr>
-              <a:t>= </a:t>
-            </a:r>
-            <a:r>
-              <a:rPr lang="en-US" dirty="0">
-                <a:solidFill>
-                  <a:srgbClr val="6A8759"/>
-                </a:solidFill>
-                <a:latin typeface="Consolas" panose="020B0609020204030204" pitchFamily="49" charset="0"/>
-                <a:cs typeface="Consolas" panose="020B0609020204030204" pitchFamily="49" charset="0"/>
-              </a:rPr>
-              <a:t>' '</a:t>
-            </a:r>
-            <a:r>
-              <a:rPr lang="en-US" dirty="0">
-                <a:latin typeface="Consolas" panose="020B0609020204030204" pitchFamily="49" charset="0"/>
-                <a:cs typeface="Consolas" panose="020B0609020204030204" pitchFamily="49" charset="0"/>
-              </a:rPr>
-              <a:t>)</a:t>
-            </a:r>
-            <a:br>
-              <a:rPr lang="en-US" dirty="0">
-                <a:latin typeface="Consolas" panose="020B0609020204030204" pitchFamily="49" charset="0"/>
-                <a:cs typeface="Consolas" panose="020B0609020204030204" pitchFamily="49" charset="0"/>
-              </a:rPr>
-            </a:br>
-            <a:r>
-              <a:rPr lang="en-US" dirty="0">
-                <a:latin typeface="Consolas" panose="020B0609020204030204" pitchFamily="49" charset="0"/>
-                <a:cs typeface="Consolas" panose="020B0609020204030204" pitchFamily="49" charset="0"/>
-              </a:rPr>
-              <a:t>    index += </a:t>
-            </a:r>
-            <a:r>
-              <a:rPr lang="en-US" dirty="0">
-                <a:solidFill>
-                  <a:srgbClr val="6897BB"/>
-                </a:solidFill>
-                <a:latin typeface="Consolas" panose="020B0609020204030204" pitchFamily="49" charset="0"/>
-                <a:cs typeface="Consolas" panose="020B0609020204030204" pitchFamily="49" charset="0"/>
-              </a:rPr>
-              <a:t>1</a:t>
-            </a:r>
-            <a:endParaRPr lang="en-US" dirty="0">
-              <a:latin typeface="Consolas" panose="020B0609020204030204" pitchFamily="49" charset="0"/>
-              <a:cs typeface="Consolas" panose="020B0609020204030204" pitchFamily="49" charset="0"/>
-            </a:endParaRPr>
-          </a:p>
-        </p:txBody>
-      </p:sp>
-      <p:sp>
-        <p:nvSpPr>
-          <p:cNvPr id="5" name="Text Placeholder 2">
-            <a:extLst>
-              <a:ext uri="{FF2B5EF4-FFF2-40B4-BE49-F238E27FC236}">
-                <a16:creationId xmlns:a16="http://schemas.microsoft.com/office/drawing/2014/main" id="{2AF1A903-BF6F-A746-B482-90725A02D7DE}"/>
-              </a:ext>
-            </a:extLst>
-          </p:cNvPr>
-          <p:cNvSpPr txBox="1">
-            <a:spLocks/>
-          </p:cNvSpPr>
-          <p:nvPr/>
-        </p:nvSpPr>
-        <p:spPr>
-          <a:xfrm>
-            <a:off x="628074" y="3886200"/>
-            <a:ext cx="4847037" cy="481414"/>
-          </a:xfrm>
-          <a:prstGeom prst="rect">
-            <a:avLst/>
-          </a:prstGeom>
-        </p:spPr>
-        <p:txBody>
-          <a:bodyPr vert="horz" wrap="square" lIns="91440" tIns="91440" rIns="91440" bIns="91440" rtlCol="0">
-            <a:spAutoFit/>
-          </a:bodyPr>
-          <a:lstStyle>
-            <a:lvl1pPr marL="524712" indent="-524712" algn="l" defTabSz="699614" rtl="0" eaLnBrk="1" latinLnBrk="0" hangingPunct="1">
-              <a:lnSpc>
-                <a:spcPct val="120000"/>
-              </a:lnSpc>
-              <a:spcBef>
-                <a:spcPts val="600"/>
-              </a:spcBef>
-              <a:spcAft>
-                <a:spcPts val="600"/>
-              </a:spcAft>
-              <a:buFont typeface="Arial"/>
-              <a:buChar char="•"/>
-              <a:defRPr sz="1800" b="0" i="0" kern="1200">
-                <a:solidFill>
-                  <a:srgbClr val="092529"/>
-                </a:solidFill>
-                <a:latin typeface="Proxima Nova" charset="0"/>
-                <a:ea typeface="Proxima Nova" charset="0"/>
-                <a:cs typeface="Proxima Nova" charset="0"/>
-              </a:defRPr>
-            </a:lvl1pPr>
-            <a:lvl2pPr marL="1136875" indent="-437261" algn="l" defTabSz="699614" rtl="0" eaLnBrk="1" latinLnBrk="0" hangingPunct="1">
-              <a:lnSpc>
-                <a:spcPct val="120000"/>
-              </a:lnSpc>
-              <a:spcBef>
-                <a:spcPts val="0"/>
-              </a:spcBef>
-              <a:spcAft>
-                <a:spcPts val="600"/>
-              </a:spcAft>
-              <a:buFont typeface="Arial"/>
-              <a:buChar char="–"/>
-              <a:defRPr sz="1600" b="0" i="0" kern="1200">
-                <a:solidFill>
-                  <a:srgbClr val="092529"/>
-                </a:solidFill>
-                <a:latin typeface="Proxima Nova" charset="0"/>
-                <a:ea typeface="Proxima Nova" charset="0"/>
-                <a:cs typeface="Proxima Nova" charset="0"/>
-              </a:defRPr>
-            </a:lvl2pPr>
-            <a:lvl3pPr marL="1749040" indent="-349807" algn="l" defTabSz="699614" rtl="0" eaLnBrk="1" latinLnBrk="0" hangingPunct="1">
-              <a:lnSpc>
-                <a:spcPct val="120000"/>
-              </a:lnSpc>
-              <a:spcBef>
-                <a:spcPts val="0"/>
-              </a:spcBef>
-              <a:spcAft>
-                <a:spcPts val="600"/>
-              </a:spcAft>
-              <a:buFont typeface="Arial"/>
-              <a:buChar char="•"/>
-              <a:defRPr sz="1600" b="0" i="0" kern="1200">
-                <a:solidFill>
-                  <a:srgbClr val="092529"/>
-                </a:solidFill>
-                <a:latin typeface="Proxima Nova" charset="0"/>
-                <a:ea typeface="Proxima Nova" charset="0"/>
-                <a:cs typeface="Proxima Nova" charset="0"/>
-              </a:defRPr>
-            </a:lvl3pPr>
-            <a:lvl4pPr marL="2448655" indent="-349807" algn="l" defTabSz="699614" rtl="0" eaLnBrk="1" latinLnBrk="0" hangingPunct="1">
-              <a:lnSpc>
-                <a:spcPct val="120000"/>
-              </a:lnSpc>
-              <a:spcBef>
-                <a:spcPts val="0"/>
-              </a:spcBef>
-              <a:spcAft>
-                <a:spcPts val="600"/>
-              </a:spcAft>
-              <a:buFont typeface="Arial"/>
-              <a:buChar char="–"/>
-              <a:defRPr sz="1600" b="0" i="0" kern="1200">
-                <a:solidFill>
-                  <a:srgbClr val="092529"/>
-                </a:solidFill>
-                <a:latin typeface="Proxima Nova" charset="0"/>
-                <a:ea typeface="Proxima Nova" charset="0"/>
-                <a:cs typeface="Proxima Nova" charset="0"/>
-              </a:defRPr>
-            </a:lvl4pPr>
-            <a:lvl5pPr marL="3148272" indent="-349807" algn="l" defTabSz="699614" rtl="0" eaLnBrk="1" latinLnBrk="0" hangingPunct="1">
-              <a:spcBef>
-                <a:spcPct val="20000"/>
-              </a:spcBef>
-              <a:buFont typeface="Arial"/>
-              <a:buChar char="»"/>
-              <a:defRPr sz="1648" b="0" kern="1200">
-                <a:solidFill>
-                  <a:srgbClr val="092529"/>
-                </a:solidFill>
-                <a:latin typeface="Franklin Gothic Book" charset="0"/>
-                <a:ea typeface="Franklin Gothic Book" charset="0"/>
-                <a:cs typeface="Franklin Gothic Book" charset="0"/>
-              </a:defRPr>
-            </a:lvl5pPr>
-            <a:lvl6pPr marL="3847888" indent="-349807" algn="l" defTabSz="699614" rtl="0" eaLnBrk="1" latinLnBrk="0" hangingPunct="1">
-              <a:spcBef>
-                <a:spcPct val="20000"/>
-              </a:spcBef>
-              <a:buFont typeface="Arial"/>
-              <a:buChar char="•"/>
-              <a:defRPr sz="3022" kern="1200">
-                <a:solidFill>
-                  <a:schemeClr val="tx1"/>
-                </a:solidFill>
-                <a:latin typeface="+mn-lt"/>
-                <a:ea typeface="+mn-ea"/>
-                <a:cs typeface="+mn-cs"/>
-              </a:defRPr>
-            </a:lvl6pPr>
-            <a:lvl7pPr marL="4547505" indent="-349807" algn="l" defTabSz="699614" rtl="0" eaLnBrk="1" latinLnBrk="0" hangingPunct="1">
-              <a:spcBef>
-                <a:spcPct val="20000"/>
-              </a:spcBef>
-              <a:buFont typeface="Arial"/>
-              <a:buChar char="•"/>
-              <a:defRPr sz="3022" kern="1200">
-                <a:solidFill>
-                  <a:schemeClr val="tx1"/>
-                </a:solidFill>
-                <a:latin typeface="+mn-lt"/>
-                <a:ea typeface="+mn-ea"/>
-                <a:cs typeface="+mn-cs"/>
-              </a:defRPr>
-            </a:lvl7pPr>
-            <a:lvl8pPr marL="5247119" indent="-349807" algn="l" defTabSz="699614" rtl="0" eaLnBrk="1" latinLnBrk="0" hangingPunct="1">
-              <a:spcBef>
-                <a:spcPct val="20000"/>
-              </a:spcBef>
-              <a:buFont typeface="Arial"/>
-              <a:buChar char="•"/>
-              <a:defRPr sz="3022" kern="1200">
-                <a:solidFill>
-                  <a:schemeClr val="tx1"/>
-                </a:solidFill>
-                <a:latin typeface="+mn-lt"/>
-                <a:ea typeface="+mn-ea"/>
-                <a:cs typeface="+mn-cs"/>
-              </a:defRPr>
-            </a:lvl8pPr>
-            <a:lvl9pPr marL="5946736" indent="-349807" algn="l" defTabSz="699614" rtl="0" eaLnBrk="1" latinLnBrk="0" hangingPunct="1">
-              <a:spcBef>
-                <a:spcPct val="20000"/>
-              </a:spcBef>
-              <a:buFont typeface="Arial"/>
-              <a:buChar char="•"/>
-              <a:defRPr sz="3022" kern="1200">
-                <a:solidFill>
-                  <a:schemeClr val="tx1"/>
-                </a:solidFill>
-                <a:latin typeface="+mn-lt"/>
-                <a:ea typeface="+mn-ea"/>
-                <a:cs typeface="+mn-cs"/>
-              </a:defRPr>
-            </a:lvl9pPr>
-          </a:lstStyle>
-          <a:p>
-            <a:r>
-              <a:rPr lang="en-US" dirty="0"/>
-              <a:t>introducing </a:t>
-            </a:r>
-            <a:r>
-              <a:rPr lang="en-US" b="1" dirty="0"/>
-              <a:t>for</a:t>
-            </a:r>
-            <a:r>
-              <a:rPr lang="en-US" dirty="0"/>
-              <a:t> loop</a:t>
-            </a:r>
-          </a:p>
-        </p:txBody>
-      </p:sp>
-      <p:sp>
-        <p:nvSpPr>
-          <p:cNvPr id="6" name="Rectangle 5">
-            <a:extLst>
-              <a:ext uri="{FF2B5EF4-FFF2-40B4-BE49-F238E27FC236}">
-                <a16:creationId xmlns:a16="http://schemas.microsoft.com/office/drawing/2014/main" id="{0AE5F573-D3B8-1243-A6C5-10C678F7F756}"/>
-              </a:ext>
-            </a:extLst>
-          </p:cNvPr>
-          <p:cNvSpPr/>
-          <p:nvPr/>
-        </p:nvSpPr>
-        <p:spPr>
-          <a:xfrm>
-            <a:off x="628075" y="4507405"/>
-            <a:ext cx="6908800" cy="707886"/>
-          </a:xfrm>
-          <a:prstGeom prst="rect">
-            <a:avLst/>
-          </a:prstGeom>
-        </p:spPr>
-        <p:txBody>
-          <a:bodyPr>
-            <a:spAutoFit/>
-          </a:bodyPr>
-          <a:lstStyle/>
-          <a:p>
-            <a:r>
-              <a:rPr lang="en-US" dirty="0">
-                <a:solidFill>
-                  <a:srgbClr val="CC7832"/>
-                </a:solidFill>
-                <a:latin typeface="Consolas" panose="020B0609020204030204" pitchFamily="49" charset="0"/>
-                <a:cs typeface="Consolas" panose="020B0609020204030204" pitchFamily="49" charset="0"/>
-              </a:rPr>
-              <a:t>for </a:t>
-            </a:r>
-            <a:r>
-              <a:rPr lang="en-US" dirty="0">
-                <a:latin typeface="Consolas" panose="020B0609020204030204" pitchFamily="49" charset="0"/>
-                <a:cs typeface="Consolas" panose="020B0609020204030204" pitchFamily="49" charset="0"/>
-              </a:rPr>
-              <a:t>size </a:t>
-            </a:r>
-            <a:r>
-              <a:rPr lang="en-US" dirty="0">
-                <a:solidFill>
-                  <a:srgbClr val="CC7832"/>
-                </a:solidFill>
-                <a:latin typeface="Consolas" panose="020B0609020204030204" pitchFamily="49" charset="0"/>
-                <a:cs typeface="Consolas" panose="020B0609020204030204" pitchFamily="49" charset="0"/>
-              </a:rPr>
-              <a:t>in </a:t>
-            </a:r>
-            <a:r>
-              <a:rPr lang="en-US" dirty="0">
-                <a:latin typeface="Consolas" panose="020B0609020204030204" pitchFamily="49" charset="0"/>
-                <a:cs typeface="Consolas" panose="020B0609020204030204" pitchFamily="49" charset="0"/>
-              </a:rPr>
-              <a:t>glaciers:</a:t>
-            </a:r>
-            <a:br>
-              <a:rPr lang="en-US" dirty="0">
-                <a:latin typeface="Consolas" panose="020B0609020204030204" pitchFamily="49" charset="0"/>
-                <a:cs typeface="Consolas" panose="020B0609020204030204" pitchFamily="49" charset="0"/>
-              </a:rPr>
-            </a:br>
-            <a:r>
-              <a:rPr lang="en-US" dirty="0">
-                <a:latin typeface="Consolas" panose="020B0609020204030204" pitchFamily="49" charset="0"/>
-                <a:cs typeface="Consolas" panose="020B0609020204030204" pitchFamily="49" charset="0"/>
-              </a:rPr>
-              <a:t>    </a:t>
-            </a:r>
-            <a:r>
-              <a:rPr lang="en-US" dirty="0">
-                <a:solidFill>
-                  <a:srgbClr val="8888C6"/>
-                </a:solidFill>
-                <a:latin typeface="Consolas" panose="020B0609020204030204" pitchFamily="49" charset="0"/>
-                <a:cs typeface="Consolas" panose="020B0609020204030204" pitchFamily="49" charset="0"/>
-              </a:rPr>
-              <a:t>print</a:t>
-            </a:r>
-            <a:r>
-              <a:rPr lang="en-US" dirty="0">
-                <a:latin typeface="Consolas" panose="020B0609020204030204" pitchFamily="49" charset="0"/>
-                <a:cs typeface="Consolas" panose="020B0609020204030204" pitchFamily="49" charset="0"/>
-              </a:rPr>
-              <a:t>(size</a:t>
-            </a:r>
-            <a:r>
-              <a:rPr lang="en-US" dirty="0">
-                <a:solidFill>
-                  <a:srgbClr val="CC7832"/>
-                </a:solidFill>
-                <a:latin typeface="Consolas" panose="020B0609020204030204" pitchFamily="49" charset="0"/>
-                <a:cs typeface="Consolas" panose="020B0609020204030204" pitchFamily="49" charset="0"/>
-              </a:rPr>
-              <a:t>,  </a:t>
-            </a:r>
-            <a:r>
-              <a:rPr lang="en-US" dirty="0">
-                <a:solidFill>
-                  <a:srgbClr val="AA4926"/>
-                </a:solidFill>
-                <a:latin typeface="Consolas" panose="020B0609020204030204" pitchFamily="49" charset="0"/>
-                <a:cs typeface="Consolas" panose="020B0609020204030204" pitchFamily="49" charset="0"/>
-              </a:rPr>
-              <a:t>end</a:t>
-            </a:r>
-            <a:r>
-              <a:rPr lang="en-US" dirty="0">
-                <a:latin typeface="Consolas" panose="020B0609020204030204" pitchFamily="49" charset="0"/>
-                <a:cs typeface="Consolas" panose="020B0609020204030204" pitchFamily="49" charset="0"/>
-              </a:rPr>
-              <a:t>=</a:t>
-            </a:r>
-            <a:r>
-              <a:rPr lang="en-US" dirty="0">
-                <a:solidFill>
-                  <a:srgbClr val="6A8759"/>
-                </a:solidFill>
-                <a:latin typeface="Consolas" panose="020B0609020204030204" pitchFamily="49" charset="0"/>
-                <a:cs typeface="Consolas" panose="020B0609020204030204" pitchFamily="49" charset="0"/>
-              </a:rPr>
-              <a:t>' '</a:t>
-            </a:r>
-            <a:r>
-              <a:rPr lang="en-US" dirty="0">
-                <a:latin typeface="Consolas" panose="020B0609020204030204" pitchFamily="49" charset="0"/>
-                <a:cs typeface="Consolas" panose="020B0609020204030204" pitchFamily="49" charset="0"/>
-              </a:rPr>
-              <a:t>)</a:t>
-            </a:r>
-          </a:p>
-        </p:txBody>
-      </p:sp>
-      <p:sp>
-        <p:nvSpPr>
-          <p:cNvPr id="7" name="Text Placeholder 2">
-            <a:extLst>
-              <a:ext uri="{FF2B5EF4-FFF2-40B4-BE49-F238E27FC236}">
-                <a16:creationId xmlns:a16="http://schemas.microsoft.com/office/drawing/2014/main" id="{1507E006-1AB0-4845-883D-93D29AAF1A18}"/>
-              </a:ext>
-            </a:extLst>
-          </p:cNvPr>
-          <p:cNvSpPr txBox="1">
-            <a:spLocks/>
-          </p:cNvSpPr>
-          <p:nvPr/>
-        </p:nvSpPr>
-        <p:spPr>
-          <a:xfrm>
-            <a:off x="628074" y="5317074"/>
-            <a:ext cx="4847037" cy="1712520"/>
-          </a:xfrm>
-          <a:prstGeom prst="rect">
-            <a:avLst/>
-          </a:prstGeom>
-        </p:spPr>
-        <p:txBody>
-          <a:bodyPr vert="horz" wrap="square" lIns="91440" tIns="91440" rIns="91440" bIns="91440" rtlCol="0">
-            <a:spAutoFit/>
-          </a:bodyPr>
-          <a:lstStyle>
-            <a:lvl1pPr marL="524712" indent="-524712" algn="l" defTabSz="699614" rtl="0" eaLnBrk="1" latinLnBrk="0" hangingPunct="1">
-              <a:lnSpc>
-                <a:spcPct val="120000"/>
-              </a:lnSpc>
-              <a:spcBef>
-                <a:spcPts val="600"/>
-              </a:spcBef>
-              <a:spcAft>
-                <a:spcPts val="600"/>
-              </a:spcAft>
-              <a:buFont typeface="Arial"/>
-              <a:buChar char="•"/>
-              <a:defRPr sz="1800" b="0" i="0" kern="1200">
-                <a:solidFill>
-                  <a:srgbClr val="092529"/>
-                </a:solidFill>
-                <a:latin typeface="Proxima Nova" charset="0"/>
-                <a:ea typeface="Proxima Nova" charset="0"/>
-                <a:cs typeface="Proxima Nova" charset="0"/>
-              </a:defRPr>
-            </a:lvl1pPr>
-            <a:lvl2pPr marL="1136875" indent="-437261" algn="l" defTabSz="699614" rtl="0" eaLnBrk="1" latinLnBrk="0" hangingPunct="1">
-              <a:lnSpc>
-                <a:spcPct val="120000"/>
-              </a:lnSpc>
-              <a:spcBef>
-                <a:spcPts val="0"/>
-              </a:spcBef>
-              <a:spcAft>
-                <a:spcPts val="600"/>
-              </a:spcAft>
-              <a:buFont typeface="Arial"/>
-              <a:buChar char="–"/>
-              <a:defRPr sz="1600" b="0" i="0" kern="1200">
-                <a:solidFill>
-                  <a:srgbClr val="092529"/>
-                </a:solidFill>
-                <a:latin typeface="Proxima Nova" charset="0"/>
-                <a:ea typeface="Proxima Nova" charset="0"/>
-                <a:cs typeface="Proxima Nova" charset="0"/>
-              </a:defRPr>
-            </a:lvl2pPr>
-            <a:lvl3pPr marL="1749040" indent="-349807" algn="l" defTabSz="699614" rtl="0" eaLnBrk="1" latinLnBrk="0" hangingPunct="1">
-              <a:lnSpc>
-                <a:spcPct val="120000"/>
-              </a:lnSpc>
-              <a:spcBef>
-                <a:spcPts val="0"/>
-              </a:spcBef>
-              <a:spcAft>
-                <a:spcPts val="600"/>
-              </a:spcAft>
-              <a:buFont typeface="Arial"/>
-              <a:buChar char="•"/>
-              <a:defRPr sz="1600" b="0" i="0" kern="1200">
-                <a:solidFill>
-                  <a:srgbClr val="092529"/>
-                </a:solidFill>
-                <a:latin typeface="Proxima Nova" charset="0"/>
-                <a:ea typeface="Proxima Nova" charset="0"/>
-                <a:cs typeface="Proxima Nova" charset="0"/>
-              </a:defRPr>
-            </a:lvl3pPr>
-            <a:lvl4pPr marL="2448655" indent="-349807" algn="l" defTabSz="699614" rtl="0" eaLnBrk="1" latinLnBrk="0" hangingPunct="1">
-              <a:lnSpc>
-                <a:spcPct val="120000"/>
-              </a:lnSpc>
-              <a:spcBef>
-                <a:spcPts val="0"/>
-              </a:spcBef>
-              <a:spcAft>
-                <a:spcPts val="600"/>
-              </a:spcAft>
-              <a:buFont typeface="Arial"/>
-              <a:buChar char="–"/>
-              <a:defRPr sz="1600" b="0" i="0" kern="1200">
-                <a:solidFill>
-                  <a:srgbClr val="092529"/>
-                </a:solidFill>
-                <a:latin typeface="Proxima Nova" charset="0"/>
-                <a:ea typeface="Proxima Nova" charset="0"/>
-                <a:cs typeface="Proxima Nova" charset="0"/>
-              </a:defRPr>
-            </a:lvl4pPr>
-            <a:lvl5pPr marL="3148272" indent="-349807" algn="l" defTabSz="699614" rtl="0" eaLnBrk="1" latinLnBrk="0" hangingPunct="1">
-              <a:spcBef>
-                <a:spcPct val="20000"/>
-              </a:spcBef>
-              <a:buFont typeface="Arial"/>
-              <a:buChar char="»"/>
-              <a:defRPr sz="1648" b="0" kern="1200">
-                <a:solidFill>
-                  <a:srgbClr val="092529"/>
-                </a:solidFill>
-                <a:latin typeface="Franklin Gothic Book" charset="0"/>
-                <a:ea typeface="Franklin Gothic Book" charset="0"/>
-                <a:cs typeface="Franklin Gothic Book" charset="0"/>
-              </a:defRPr>
-            </a:lvl5pPr>
-            <a:lvl6pPr marL="3847888" indent="-349807" algn="l" defTabSz="699614" rtl="0" eaLnBrk="1" latinLnBrk="0" hangingPunct="1">
-              <a:spcBef>
-                <a:spcPct val="20000"/>
-              </a:spcBef>
-              <a:buFont typeface="Arial"/>
-              <a:buChar char="•"/>
-              <a:defRPr sz="3022" kern="1200">
-                <a:solidFill>
-                  <a:schemeClr val="tx1"/>
-                </a:solidFill>
-                <a:latin typeface="+mn-lt"/>
-                <a:ea typeface="+mn-ea"/>
-                <a:cs typeface="+mn-cs"/>
-              </a:defRPr>
-            </a:lvl6pPr>
-            <a:lvl7pPr marL="4547505" indent="-349807" algn="l" defTabSz="699614" rtl="0" eaLnBrk="1" latinLnBrk="0" hangingPunct="1">
-              <a:spcBef>
-                <a:spcPct val="20000"/>
-              </a:spcBef>
-              <a:buFont typeface="Arial"/>
-              <a:buChar char="•"/>
-              <a:defRPr sz="3022" kern="1200">
-                <a:solidFill>
-                  <a:schemeClr val="tx1"/>
-                </a:solidFill>
-                <a:latin typeface="+mn-lt"/>
-                <a:ea typeface="+mn-ea"/>
-                <a:cs typeface="+mn-cs"/>
-              </a:defRPr>
-            </a:lvl7pPr>
-            <a:lvl8pPr marL="5247119" indent="-349807" algn="l" defTabSz="699614" rtl="0" eaLnBrk="1" latinLnBrk="0" hangingPunct="1">
-              <a:spcBef>
-                <a:spcPct val="20000"/>
-              </a:spcBef>
-              <a:buFont typeface="Arial"/>
-              <a:buChar char="•"/>
-              <a:defRPr sz="3022" kern="1200">
-                <a:solidFill>
-                  <a:schemeClr val="tx1"/>
-                </a:solidFill>
-                <a:latin typeface="+mn-lt"/>
-                <a:ea typeface="+mn-ea"/>
-                <a:cs typeface="+mn-cs"/>
-              </a:defRPr>
-            </a:lvl8pPr>
-            <a:lvl9pPr marL="5946736" indent="-349807" algn="l" defTabSz="699614" rtl="0" eaLnBrk="1" latinLnBrk="0" hangingPunct="1">
-              <a:spcBef>
-                <a:spcPct val="20000"/>
-              </a:spcBef>
-              <a:buFont typeface="Arial"/>
-              <a:buChar char="•"/>
-              <a:defRPr sz="3022" kern="1200">
-                <a:solidFill>
-                  <a:schemeClr val="tx1"/>
-                </a:solidFill>
-                <a:latin typeface="+mn-lt"/>
-                <a:ea typeface="+mn-ea"/>
-                <a:cs typeface="+mn-cs"/>
-              </a:defRPr>
-            </a:lvl9pPr>
-          </a:lstStyle>
-          <a:p>
-            <a:r>
-              <a:rPr lang="en-US" dirty="0"/>
-              <a:t>grabs each element</a:t>
-            </a:r>
-          </a:p>
-          <a:p>
-            <a:pPr lvl="1"/>
-            <a:r>
-              <a:rPr lang="en-US" dirty="0"/>
-              <a:t>in order</a:t>
-            </a:r>
-          </a:p>
-          <a:p>
-            <a:pPr lvl="1"/>
-            <a:r>
-              <a:rPr lang="en-US" dirty="0"/>
-              <a:t>ends when list ends</a:t>
-            </a:r>
-          </a:p>
-          <a:p>
-            <a:r>
-              <a:rPr lang="en-US" dirty="0"/>
-              <a:t>the above two loops – the  same thing!</a:t>
-            </a:r>
-          </a:p>
-        </p:txBody>
-      </p:sp>
-      <p:sp>
-        <p:nvSpPr>
-          <p:cNvPr id="9" name="Text Placeholder 2">
-            <a:extLst>
-              <a:ext uri="{FF2B5EF4-FFF2-40B4-BE49-F238E27FC236}">
-                <a16:creationId xmlns:a16="http://schemas.microsoft.com/office/drawing/2014/main" id="{2737F130-A060-7744-BB86-BFC8733A3B48}"/>
-              </a:ext>
-            </a:extLst>
-          </p:cNvPr>
-          <p:cNvSpPr txBox="1">
-            <a:spLocks/>
-          </p:cNvSpPr>
-          <p:nvPr/>
-        </p:nvSpPr>
-        <p:spPr>
-          <a:xfrm>
-            <a:off x="7205910" y="1801765"/>
-            <a:ext cx="4749023" cy="1230145"/>
-          </a:xfrm>
-          <a:prstGeom prst="rect">
-            <a:avLst/>
-          </a:prstGeom>
-        </p:spPr>
-        <p:txBody>
-          <a:bodyPr vert="horz" wrap="square" lIns="91440" tIns="91440" rIns="91440" bIns="91440" rtlCol="0">
-            <a:spAutoFit/>
-          </a:bodyPr>
-          <a:lstStyle>
-            <a:lvl1pPr marL="524712" indent="-524712" algn="l" defTabSz="699614" rtl="0" eaLnBrk="1" latinLnBrk="0" hangingPunct="1">
-              <a:lnSpc>
-                <a:spcPct val="120000"/>
-              </a:lnSpc>
-              <a:spcBef>
-                <a:spcPts val="600"/>
-              </a:spcBef>
-              <a:spcAft>
-                <a:spcPts val="600"/>
-              </a:spcAft>
-              <a:buFont typeface="Arial"/>
-              <a:buChar char="•"/>
-              <a:defRPr sz="1800" b="0" i="0" kern="1200">
-                <a:solidFill>
-                  <a:srgbClr val="092529"/>
-                </a:solidFill>
-                <a:latin typeface="Proxima Nova" charset="0"/>
-                <a:ea typeface="Proxima Nova" charset="0"/>
-                <a:cs typeface="Proxima Nova" charset="0"/>
-              </a:defRPr>
-            </a:lvl1pPr>
-            <a:lvl2pPr marL="1136875" indent="-437261" algn="l" defTabSz="699614" rtl="0" eaLnBrk="1" latinLnBrk="0" hangingPunct="1">
-              <a:lnSpc>
-                <a:spcPct val="120000"/>
-              </a:lnSpc>
-              <a:spcBef>
-                <a:spcPts val="0"/>
-              </a:spcBef>
-              <a:spcAft>
-                <a:spcPts val="600"/>
-              </a:spcAft>
-              <a:buFont typeface="Arial"/>
-              <a:buChar char="–"/>
-              <a:defRPr sz="1600" b="0" i="0" kern="1200">
-                <a:solidFill>
-                  <a:srgbClr val="092529"/>
-                </a:solidFill>
-                <a:latin typeface="Proxima Nova" charset="0"/>
-                <a:ea typeface="Proxima Nova" charset="0"/>
-                <a:cs typeface="Proxima Nova" charset="0"/>
-              </a:defRPr>
-            </a:lvl2pPr>
-            <a:lvl3pPr marL="1749040" indent="-349807" algn="l" defTabSz="699614" rtl="0" eaLnBrk="1" latinLnBrk="0" hangingPunct="1">
-              <a:lnSpc>
-                <a:spcPct val="120000"/>
-              </a:lnSpc>
-              <a:spcBef>
-                <a:spcPts val="0"/>
-              </a:spcBef>
-              <a:spcAft>
-                <a:spcPts val="600"/>
-              </a:spcAft>
-              <a:buFont typeface="Arial"/>
-              <a:buChar char="•"/>
-              <a:defRPr sz="1600" b="0" i="0" kern="1200">
-                <a:solidFill>
-                  <a:srgbClr val="092529"/>
-                </a:solidFill>
-                <a:latin typeface="Proxima Nova" charset="0"/>
-                <a:ea typeface="Proxima Nova" charset="0"/>
-                <a:cs typeface="Proxima Nova" charset="0"/>
-              </a:defRPr>
-            </a:lvl3pPr>
-            <a:lvl4pPr marL="2448655" indent="-349807" algn="l" defTabSz="699614" rtl="0" eaLnBrk="1" latinLnBrk="0" hangingPunct="1">
-              <a:lnSpc>
-                <a:spcPct val="120000"/>
-              </a:lnSpc>
-              <a:spcBef>
-                <a:spcPts val="0"/>
-              </a:spcBef>
-              <a:spcAft>
-                <a:spcPts val="600"/>
-              </a:spcAft>
-              <a:buFont typeface="Arial"/>
-              <a:buChar char="–"/>
-              <a:defRPr sz="1600" b="0" i="0" kern="1200">
-                <a:solidFill>
-                  <a:srgbClr val="092529"/>
-                </a:solidFill>
-                <a:latin typeface="Proxima Nova" charset="0"/>
-                <a:ea typeface="Proxima Nova" charset="0"/>
-                <a:cs typeface="Proxima Nova" charset="0"/>
-              </a:defRPr>
-            </a:lvl4pPr>
-            <a:lvl5pPr marL="3148272" indent="-349807" algn="l" defTabSz="699614" rtl="0" eaLnBrk="1" latinLnBrk="0" hangingPunct="1">
-              <a:spcBef>
-                <a:spcPct val="20000"/>
-              </a:spcBef>
-              <a:buFont typeface="Arial"/>
-              <a:buChar char="»"/>
-              <a:defRPr sz="1648" b="0" kern="1200">
-                <a:solidFill>
-                  <a:srgbClr val="092529"/>
-                </a:solidFill>
-                <a:latin typeface="Franklin Gothic Book" charset="0"/>
-                <a:ea typeface="Franklin Gothic Book" charset="0"/>
-                <a:cs typeface="Franklin Gothic Book" charset="0"/>
-              </a:defRPr>
-            </a:lvl5pPr>
-            <a:lvl6pPr marL="3847888" indent="-349807" algn="l" defTabSz="699614" rtl="0" eaLnBrk="1" latinLnBrk="0" hangingPunct="1">
-              <a:spcBef>
-                <a:spcPct val="20000"/>
-              </a:spcBef>
-              <a:buFont typeface="Arial"/>
-              <a:buChar char="•"/>
-              <a:defRPr sz="3022" kern="1200">
-                <a:solidFill>
-                  <a:schemeClr val="tx1"/>
-                </a:solidFill>
-                <a:latin typeface="+mn-lt"/>
-                <a:ea typeface="+mn-ea"/>
-                <a:cs typeface="+mn-cs"/>
-              </a:defRPr>
-            </a:lvl6pPr>
-            <a:lvl7pPr marL="4547505" indent="-349807" algn="l" defTabSz="699614" rtl="0" eaLnBrk="1" latinLnBrk="0" hangingPunct="1">
-              <a:spcBef>
-                <a:spcPct val="20000"/>
-              </a:spcBef>
-              <a:buFont typeface="Arial"/>
-              <a:buChar char="•"/>
-              <a:defRPr sz="3022" kern="1200">
-                <a:solidFill>
-                  <a:schemeClr val="tx1"/>
-                </a:solidFill>
-                <a:latin typeface="+mn-lt"/>
-                <a:ea typeface="+mn-ea"/>
-                <a:cs typeface="+mn-cs"/>
-              </a:defRPr>
-            </a:lvl7pPr>
-            <a:lvl8pPr marL="5247119" indent="-349807" algn="l" defTabSz="699614" rtl="0" eaLnBrk="1" latinLnBrk="0" hangingPunct="1">
-              <a:spcBef>
-                <a:spcPct val="20000"/>
-              </a:spcBef>
-              <a:buFont typeface="Arial"/>
-              <a:buChar char="•"/>
-              <a:defRPr sz="3022" kern="1200">
-                <a:solidFill>
-                  <a:schemeClr val="tx1"/>
-                </a:solidFill>
-                <a:latin typeface="+mn-lt"/>
-                <a:ea typeface="+mn-ea"/>
-                <a:cs typeface="+mn-cs"/>
-              </a:defRPr>
-            </a:lvl8pPr>
-            <a:lvl9pPr marL="5946736" indent="-349807" algn="l" defTabSz="699614" rtl="0" eaLnBrk="1" latinLnBrk="0" hangingPunct="1">
-              <a:spcBef>
-                <a:spcPct val="20000"/>
-              </a:spcBef>
-              <a:buFont typeface="Arial"/>
-              <a:buChar char="•"/>
-              <a:defRPr sz="3022" kern="1200">
-                <a:solidFill>
-                  <a:schemeClr val="tx1"/>
-                </a:solidFill>
-                <a:latin typeface="+mn-lt"/>
-                <a:ea typeface="+mn-ea"/>
-                <a:cs typeface="+mn-cs"/>
-              </a:defRPr>
-            </a:lvl9pPr>
-          </a:lstStyle>
-          <a:p>
-            <a:r>
-              <a:rPr lang="en-US" dirty="0"/>
-              <a:t>range(a, b)</a:t>
-            </a:r>
-          </a:p>
-          <a:p>
-            <a:pPr lvl="1"/>
-            <a:r>
-              <a:rPr lang="en-US" dirty="0"/>
-              <a:t>Creates a number list from a to b</a:t>
-            </a:r>
-          </a:p>
-          <a:p>
-            <a:pPr lvl="1"/>
-            <a:r>
-              <a:rPr lang="en-US" dirty="0"/>
-              <a:t>often used with for loops!  </a:t>
-            </a:r>
-          </a:p>
-        </p:txBody>
-      </p:sp>
-    </p:spTree>
-    <p:extLst>
-      <p:ext uri="{BB962C8B-B14F-4D97-AF65-F5344CB8AC3E}">
-        <p14:creationId xmlns:p14="http://schemas.microsoft.com/office/powerpoint/2010/main" val="2587885111"/>
-      </p:ext>
-    </p:extLst>
-  </p:cSld>
-  <p:clrMapOvr>
-    <a:masterClrMapping/>
-  </p:clrMapOvr>
-  <mc:AlternateContent xmlns:mc="http://schemas.openxmlformats.org/markup-compatibility/2006" xmlns:p14="http://schemas.microsoft.com/office/powerpoint/2010/main">
-    <mc:Choice Requires="p14">
-      <p:transition p14:dur="300">
-        <p:fade/>
-      </p:transition>
-    </mc:Choice>
-    <mc:Fallback xmlns="">
-      <p:transition>
-        <p:fade/>
-      </p:transition>
-    </mc:Fallback>
-  </mc:AlternateContent>
-</p:sld>
-</file>
-
-<file path=ppt/slides/slide11.xml><?xml version="1.0" encoding="utf-8"?>
-<p:sld xmlns:a="http://schemas.openxmlformats.org/drawingml/2006/main" xmlns:r="http://schemas.openxmlformats.org/officeDocument/2006/relationships" xmlns:p="http://schemas.openxmlformats.org/presentationml/2006/main">
-  <p:cSld>
-    <p:spTree>
-      <p:nvGrpSpPr>
-        <p:cNvPr id="1" name=""/>
-        <p:cNvGrpSpPr/>
-        <p:nvPr/>
-      </p:nvGrpSpPr>
-      <p:grpSpPr>
-        <a:xfrm>
-          <a:off x="0" y="0"/>
-          <a:ext cx="0" cy="0"/>
-          <a:chOff x="0" y="0"/>
-          <a:chExt cx="0" cy="0"/>
-        </a:xfrm>
-      </p:grpSpPr>
-      <p:sp>
-        <p:nvSpPr>
-          <p:cNvPr id="2" name="Title 1">
-            <a:extLst>
-              <a:ext uri="{FF2B5EF4-FFF2-40B4-BE49-F238E27FC236}">
-                <a16:creationId xmlns:a16="http://schemas.microsoft.com/office/drawing/2014/main" id="{6E034072-C76E-AC48-B664-D409490A50E9}"/>
-              </a:ext>
-            </a:extLst>
-          </p:cNvPr>
-          <p:cNvSpPr>
-            <a:spLocks noGrp="1"/>
-          </p:cNvSpPr>
-          <p:nvPr>
-            <p:ph type="title"/>
-          </p:nvPr>
-        </p:nvSpPr>
-        <p:spPr/>
-        <p:txBody>
-          <a:bodyPr/>
-          <a:lstStyle/>
-          <a:p>
-            <a:r>
-              <a:rPr lang="en-US" dirty="0"/>
-              <a:t>Let’s  Code</a:t>
-            </a:r>
-          </a:p>
-        </p:txBody>
-      </p:sp>
-      <p:sp>
-        <p:nvSpPr>
-          <p:cNvPr id="4" name="Rectangle 3">
-            <a:extLst>
-              <a:ext uri="{FF2B5EF4-FFF2-40B4-BE49-F238E27FC236}">
-                <a16:creationId xmlns:a16="http://schemas.microsoft.com/office/drawing/2014/main" id="{42381418-DE1D-0346-8AB6-5B7D54BE121D}"/>
-              </a:ext>
-            </a:extLst>
-          </p:cNvPr>
-          <p:cNvSpPr/>
-          <p:nvPr/>
-        </p:nvSpPr>
-        <p:spPr>
-          <a:xfrm>
-            <a:off x="3872089" y="1377259"/>
-            <a:ext cx="6908800" cy="1631216"/>
-          </a:xfrm>
-          <a:prstGeom prst="rect">
-            <a:avLst/>
-          </a:prstGeom>
-        </p:spPr>
-        <p:txBody>
-          <a:bodyPr>
-            <a:spAutoFit/>
-          </a:bodyPr>
-          <a:lstStyle/>
-          <a:p>
-            <a:r>
-              <a:rPr lang="en-US" dirty="0">
-                <a:solidFill>
-                  <a:srgbClr val="CC7832"/>
-                </a:solidFill>
-                <a:latin typeface="Consolas" panose="020B0609020204030204" pitchFamily="49" charset="0"/>
-                <a:cs typeface="Consolas" panose="020B0609020204030204" pitchFamily="49" charset="0"/>
-              </a:rPr>
-              <a:t>def </a:t>
-            </a:r>
-            <a:r>
-              <a:rPr lang="en-US" dirty="0" err="1">
-                <a:solidFill>
-                  <a:srgbClr val="FFC66D"/>
-                </a:solidFill>
-                <a:latin typeface="Consolas" panose="020B0609020204030204" pitchFamily="49" charset="0"/>
-                <a:cs typeface="Consolas" panose="020B0609020204030204" pitchFamily="49" charset="0"/>
-              </a:rPr>
-              <a:t>simple_cipher</a:t>
-            </a:r>
-            <a:r>
-              <a:rPr lang="en-US" dirty="0">
-                <a:latin typeface="Consolas" panose="020B0609020204030204" pitchFamily="49" charset="0"/>
-                <a:cs typeface="Consolas" panose="020B0609020204030204" pitchFamily="49" charset="0"/>
-              </a:rPr>
-              <a:t>(msg</a:t>
-            </a:r>
-            <a:r>
-              <a:rPr lang="en-US" dirty="0">
-                <a:solidFill>
-                  <a:srgbClr val="CC7832"/>
-                </a:solidFill>
-                <a:latin typeface="Consolas" panose="020B0609020204030204" pitchFamily="49" charset="0"/>
-                <a:cs typeface="Consolas" panose="020B0609020204030204" pitchFamily="49" charset="0"/>
-              </a:rPr>
-              <a:t>, </a:t>
-            </a:r>
-            <a:r>
-              <a:rPr lang="en-US" dirty="0">
-                <a:latin typeface="Consolas" panose="020B0609020204030204" pitchFamily="49" charset="0"/>
-                <a:cs typeface="Consolas" panose="020B0609020204030204" pitchFamily="49" charset="0"/>
-              </a:rPr>
-              <a:t>shift):</a:t>
-            </a:r>
-            <a:br>
-              <a:rPr lang="en-US" dirty="0">
-                <a:latin typeface="Consolas" panose="020B0609020204030204" pitchFamily="49" charset="0"/>
-                <a:cs typeface="Consolas" panose="020B0609020204030204" pitchFamily="49" charset="0"/>
-              </a:rPr>
-            </a:br>
-            <a:r>
-              <a:rPr lang="en-US" dirty="0">
-                <a:latin typeface="Consolas" panose="020B0609020204030204" pitchFamily="49" charset="0"/>
-                <a:cs typeface="Consolas" panose="020B0609020204030204" pitchFamily="49" charset="0"/>
-              </a:rPr>
-              <a:t>    encrypt = </a:t>
-            </a:r>
-            <a:r>
-              <a:rPr lang="en-US" dirty="0">
-                <a:solidFill>
-                  <a:srgbClr val="6A8759"/>
-                </a:solidFill>
-                <a:latin typeface="Consolas" panose="020B0609020204030204" pitchFamily="49" charset="0"/>
-                <a:cs typeface="Consolas" panose="020B0609020204030204" pitchFamily="49" charset="0"/>
-              </a:rPr>
-              <a:t>''</a:t>
-            </a:r>
-            <a:br>
-              <a:rPr lang="en-US" dirty="0">
-                <a:solidFill>
-                  <a:srgbClr val="6A8759"/>
-                </a:solidFill>
-                <a:latin typeface="Consolas" panose="020B0609020204030204" pitchFamily="49" charset="0"/>
-                <a:cs typeface="Consolas" panose="020B0609020204030204" pitchFamily="49" charset="0"/>
-              </a:rPr>
-            </a:br>
-            <a:r>
-              <a:rPr lang="en-US" dirty="0">
-                <a:solidFill>
-                  <a:srgbClr val="6A8759"/>
-                </a:solidFill>
-                <a:latin typeface="Consolas" panose="020B0609020204030204" pitchFamily="49" charset="0"/>
-                <a:cs typeface="Consolas" panose="020B0609020204030204" pitchFamily="49" charset="0"/>
-              </a:rPr>
-              <a:t>    </a:t>
-            </a:r>
-            <a:r>
-              <a:rPr lang="en-US" dirty="0">
-                <a:solidFill>
-                  <a:srgbClr val="CC7832"/>
-                </a:solidFill>
-                <a:latin typeface="Consolas" panose="020B0609020204030204" pitchFamily="49" charset="0"/>
-                <a:cs typeface="Consolas" panose="020B0609020204030204" pitchFamily="49" charset="0"/>
-              </a:rPr>
-              <a:t>for </a:t>
-            </a:r>
-            <a:r>
-              <a:rPr lang="en-US" dirty="0">
-                <a:latin typeface="Consolas" panose="020B0609020204030204" pitchFamily="49" charset="0"/>
-                <a:cs typeface="Consolas" panose="020B0609020204030204" pitchFamily="49" charset="0"/>
-              </a:rPr>
-              <a:t>char </a:t>
-            </a:r>
-            <a:r>
-              <a:rPr lang="en-US" dirty="0">
-                <a:solidFill>
-                  <a:srgbClr val="CC7832"/>
-                </a:solidFill>
-                <a:latin typeface="Consolas" panose="020B0609020204030204" pitchFamily="49" charset="0"/>
-                <a:cs typeface="Consolas" panose="020B0609020204030204" pitchFamily="49" charset="0"/>
-              </a:rPr>
-              <a:t>in </a:t>
-            </a:r>
-            <a:r>
-              <a:rPr lang="en-US" dirty="0">
-                <a:latin typeface="Consolas" panose="020B0609020204030204" pitchFamily="49" charset="0"/>
-                <a:cs typeface="Consolas" panose="020B0609020204030204" pitchFamily="49" charset="0"/>
-              </a:rPr>
-              <a:t>msg:</a:t>
-            </a:r>
-            <a:br>
-              <a:rPr lang="en-US" dirty="0">
-                <a:latin typeface="Consolas" panose="020B0609020204030204" pitchFamily="49" charset="0"/>
-                <a:cs typeface="Consolas" panose="020B0609020204030204" pitchFamily="49" charset="0"/>
-              </a:rPr>
-            </a:br>
-            <a:r>
-              <a:rPr lang="en-US" dirty="0">
-                <a:latin typeface="Consolas" panose="020B0609020204030204" pitchFamily="49" charset="0"/>
-                <a:cs typeface="Consolas" panose="020B0609020204030204" pitchFamily="49" charset="0"/>
-              </a:rPr>
-              <a:t>        encrypt += </a:t>
-            </a:r>
-            <a:r>
-              <a:rPr lang="en-US" dirty="0" err="1">
-                <a:solidFill>
-                  <a:srgbClr val="8888C6"/>
-                </a:solidFill>
-                <a:latin typeface="Consolas" panose="020B0609020204030204" pitchFamily="49" charset="0"/>
-                <a:cs typeface="Consolas" panose="020B0609020204030204" pitchFamily="49" charset="0"/>
-              </a:rPr>
-              <a:t>chr</a:t>
-            </a:r>
-            <a:r>
-              <a:rPr lang="en-US" dirty="0">
-                <a:latin typeface="Consolas" panose="020B0609020204030204" pitchFamily="49" charset="0"/>
-                <a:cs typeface="Consolas" panose="020B0609020204030204" pitchFamily="49" charset="0"/>
-              </a:rPr>
-              <a:t>(</a:t>
-            </a:r>
-            <a:r>
-              <a:rPr lang="en-US" dirty="0" err="1">
-                <a:solidFill>
-                  <a:srgbClr val="8888C6"/>
-                </a:solidFill>
-                <a:latin typeface="Consolas" panose="020B0609020204030204" pitchFamily="49" charset="0"/>
-                <a:cs typeface="Consolas" panose="020B0609020204030204" pitchFamily="49" charset="0"/>
-              </a:rPr>
-              <a:t>ord</a:t>
-            </a:r>
-            <a:r>
-              <a:rPr lang="en-US" dirty="0">
-                <a:latin typeface="Consolas" panose="020B0609020204030204" pitchFamily="49" charset="0"/>
-                <a:cs typeface="Consolas" panose="020B0609020204030204" pitchFamily="49" charset="0"/>
-              </a:rPr>
-              <a:t>(char)+shift)</a:t>
-            </a:r>
-            <a:br>
-              <a:rPr lang="en-US" dirty="0">
-                <a:latin typeface="Consolas" panose="020B0609020204030204" pitchFamily="49" charset="0"/>
-                <a:cs typeface="Consolas" panose="020B0609020204030204" pitchFamily="49" charset="0"/>
-              </a:rPr>
-            </a:br>
-            <a:r>
-              <a:rPr lang="en-US" dirty="0">
-                <a:latin typeface="Consolas" panose="020B0609020204030204" pitchFamily="49" charset="0"/>
-                <a:cs typeface="Consolas" panose="020B0609020204030204" pitchFamily="49" charset="0"/>
-              </a:rPr>
-              <a:t>    </a:t>
-            </a:r>
-            <a:r>
-              <a:rPr lang="en-US" dirty="0">
-                <a:solidFill>
-                  <a:srgbClr val="CC7832"/>
-                </a:solidFill>
-                <a:latin typeface="Consolas" panose="020B0609020204030204" pitchFamily="49" charset="0"/>
-                <a:cs typeface="Consolas" panose="020B0609020204030204" pitchFamily="49" charset="0"/>
-              </a:rPr>
-              <a:t>return </a:t>
-            </a:r>
-            <a:r>
-              <a:rPr lang="en-US" dirty="0">
-                <a:latin typeface="Consolas" panose="020B0609020204030204" pitchFamily="49" charset="0"/>
-                <a:cs typeface="Consolas" panose="020B0609020204030204" pitchFamily="49" charset="0"/>
-              </a:rPr>
-              <a:t>encrypt</a:t>
-            </a:r>
-          </a:p>
-        </p:txBody>
-      </p:sp>
-      <p:sp>
-        <p:nvSpPr>
-          <p:cNvPr id="5" name="Rectangle 4">
-            <a:extLst>
-              <a:ext uri="{FF2B5EF4-FFF2-40B4-BE49-F238E27FC236}">
-                <a16:creationId xmlns:a16="http://schemas.microsoft.com/office/drawing/2014/main" id="{28E311D6-BABF-B247-879D-F9DB1309EE3E}"/>
-              </a:ext>
-            </a:extLst>
-          </p:cNvPr>
-          <p:cNvSpPr/>
-          <p:nvPr/>
-        </p:nvSpPr>
-        <p:spPr>
-          <a:xfrm>
-            <a:off x="3872089" y="3140208"/>
-            <a:ext cx="6908800" cy="3785652"/>
-          </a:xfrm>
-          <a:prstGeom prst="rect">
-            <a:avLst/>
-          </a:prstGeom>
-        </p:spPr>
-        <p:txBody>
-          <a:bodyPr>
-            <a:spAutoFit/>
-          </a:bodyPr>
-          <a:lstStyle/>
-          <a:p>
-            <a:r>
-              <a:rPr lang="en-US" dirty="0">
-                <a:solidFill>
-                  <a:srgbClr val="CC7832"/>
-                </a:solidFill>
-                <a:latin typeface="Consolas" panose="020B0609020204030204" pitchFamily="49" charset="0"/>
-                <a:cs typeface="Consolas" panose="020B0609020204030204" pitchFamily="49" charset="0"/>
-              </a:rPr>
-              <a:t>def </a:t>
-            </a:r>
-            <a:r>
-              <a:rPr lang="en-US" dirty="0" err="1">
-                <a:solidFill>
-                  <a:srgbClr val="FFC66D"/>
-                </a:solidFill>
-                <a:latin typeface="Consolas" panose="020B0609020204030204" pitchFamily="49" charset="0"/>
-                <a:cs typeface="Consolas" panose="020B0609020204030204" pitchFamily="49" charset="0"/>
-              </a:rPr>
-              <a:t>secure_message</a:t>
-            </a:r>
-            <a:r>
-              <a:rPr lang="en-US" dirty="0">
-                <a:latin typeface="Consolas" panose="020B0609020204030204" pitchFamily="49" charset="0"/>
-                <a:cs typeface="Consolas" panose="020B0609020204030204" pitchFamily="49" charset="0"/>
-              </a:rPr>
-              <a:t>(history</a:t>
-            </a:r>
-            <a:r>
-              <a:rPr lang="en-US" dirty="0">
-                <a:solidFill>
-                  <a:srgbClr val="CC7832"/>
-                </a:solidFill>
-                <a:latin typeface="Consolas" panose="020B0609020204030204" pitchFamily="49" charset="0"/>
-                <a:cs typeface="Consolas" panose="020B0609020204030204" pitchFamily="49" charset="0"/>
-              </a:rPr>
-              <a:t>, </a:t>
-            </a:r>
-            <a:r>
-              <a:rPr lang="en-US" dirty="0">
-                <a:latin typeface="Consolas" panose="020B0609020204030204" pitchFamily="49" charset="0"/>
-                <a:cs typeface="Consolas" panose="020B0609020204030204" pitchFamily="49" charset="0"/>
-              </a:rPr>
-              <a:t>key):</a:t>
-            </a:r>
-            <a:br>
-              <a:rPr lang="en-US" dirty="0">
-                <a:latin typeface="Consolas" panose="020B0609020204030204" pitchFamily="49" charset="0"/>
-                <a:cs typeface="Consolas" panose="020B0609020204030204" pitchFamily="49" charset="0"/>
-              </a:rPr>
-            </a:br>
-            <a:r>
-              <a:rPr lang="en-US" dirty="0">
-                <a:latin typeface="Consolas" panose="020B0609020204030204" pitchFamily="49" charset="0"/>
-                <a:cs typeface="Consolas" panose="020B0609020204030204" pitchFamily="49" charset="0"/>
-              </a:rPr>
-              <a:t>    encrypted = []</a:t>
-            </a:r>
-            <a:br>
-              <a:rPr lang="en-US" dirty="0">
-                <a:latin typeface="Consolas" panose="020B0609020204030204" pitchFamily="49" charset="0"/>
-                <a:cs typeface="Consolas" panose="020B0609020204030204" pitchFamily="49" charset="0"/>
-              </a:rPr>
-            </a:br>
-            <a:r>
-              <a:rPr lang="en-US" dirty="0">
-                <a:latin typeface="Consolas" panose="020B0609020204030204" pitchFamily="49" charset="0"/>
-                <a:cs typeface="Consolas" panose="020B0609020204030204" pitchFamily="49" charset="0"/>
-              </a:rPr>
-              <a:t>    </a:t>
-            </a:r>
-            <a:r>
-              <a:rPr lang="en-US" dirty="0">
-                <a:solidFill>
-                  <a:srgbClr val="CC7832"/>
-                </a:solidFill>
-                <a:latin typeface="Consolas" panose="020B0609020204030204" pitchFamily="49" charset="0"/>
-                <a:cs typeface="Consolas" panose="020B0609020204030204" pitchFamily="49" charset="0"/>
-              </a:rPr>
-              <a:t>for </a:t>
-            </a:r>
-            <a:r>
-              <a:rPr lang="en-US" dirty="0">
-                <a:latin typeface="Consolas" panose="020B0609020204030204" pitchFamily="49" charset="0"/>
-                <a:cs typeface="Consolas" panose="020B0609020204030204" pitchFamily="49" charset="0"/>
-              </a:rPr>
-              <a:t>msg </a:t>
-            </a:r>
-            <a:r>
-              <a:rPr lang="en-US" dirty="0">
-                <a:solidFill>
-                  <a:srgbClr val="CC7832"/>
-                </a:solidFill>
-                <a:latin typeface="Consolas" panose="020B0609020204030204" pitchFamily="49" charset="0"/>
-                <a:cs typeface="Consolas" panose="020B0609020204030204" pitchFamily="49" charset="0"/>
-              </a:rPr>
-              <a:t>in </a:t>
-            </a:r>
-            <a:r>
-              <a:rPr lang="en-US" dirty="0">
-                <a:latin typeface="Consolas" panose="020B0609020204030204" pitchFamily="49" charset="0"/>
-                <a:cs typeface="Consolas" panose="020B0609020204030204" pitchFamily="49" charset="0"/>
-              </a:rPr>
-              <a:t>history:</a:t>
-            </a:r>
-            <a:br>
-              <a:rPr lang="en-US" dirty="0">
-                <a:latin typeface="Consolas" panose="020B0609020204030204" pitchFamily="49" charset="0"/>
-                <a:cs typeface="Consolas" panose="020B0609020204030204" pitchFamily="49" charset="0"/>
-              </a:rPr>
-            </a:br>
-            <a:r>
-              <a:rPr lang="en-US" dirty="0">
-                <a:latin typeface="Consolas" panose="020B0609020204030204" pitchFamily="49" charset="0"/>
-                <a:cs typeface="Consolas" panose="020B0609020204030204" pitchFamily="49" charset="0"/>
-              </a:rPr>
-              <a:t>        encrypted += </a:t>
-            </a:r>
-            <a:r>
-              <a:rPr lang="en-US" dirty="0" err="1">
-                <a:latin typeface="Consolas" panose="020B0609020204030204" pitchFamily="49" charset="0"/>
-                <a:cs typeface="Consolas" panose="020B0609020204030204" pitchFamily="49" charset="0"/>
-              </a:rPr>
-              <a:t>simple_cipher</a:t>
-            </a:r>
-            <a:r>
-              <a:rPr lang="en-US" dirty="0">
-                <a:latin typeface="Consolas" panose="020B0609020204030204" pitchFamily="49" charset="0"/>
-                <a:cs typeface="Consolas" panose="020B0609020204030204" pitchFamily="49" charset="0"/>
-              </a:rPr>
-              <a:t>(msg</a:t>
-            </a:r>
-            <a:r>
-              <a:rPr lang="en-US" dirty="0">
-                <a:solidFill>
-                  <a:srgbClr val="CC7832"/>
-                </a:solidFill>
-                <a:latin typeface="Consolas" panose="020B0609020204030204" pitchFamily="49" charset="0"/>
-                <a:cs typeface="Consolas" panose="020B0609020204030204" pitchFamily="49" charset="0"/>
-              </a:rPr>
-              <a:t>, </a:t>
-            </a:r>
-            <a:r>
-              <a:rPr lang="en-US" dirty="0">
-                <a:latin typeface="Consolas" panose="020B0609020204030204" pitchFamily="49" charset="0"/>
-                <a:cs typeface="Consolas" panose="020B0609020204030204" pitchFamily="49" charset="0"/>
-              </a:rPr>
-              <a:t>key)</a:t>
-            </a:r>
-            <a:br>
-              <a:rPr lang="en-US" dirty="0">
-                <a:latin typeface="Consolas" panose="020B0609020204030204" pitchFamily="49" charset="0"/>
-                <a:cs typeface="Consolas" panose="020B0609020204030204" pitchFamily="49" charset="0"/>
-              </a:rPr>
-            </a:br>
-            <a:r>
-              <a:rPr lang="en-US" dirty="0">
-                <a:latin typeface="Consolas" panose="020B0609020204030204" pitchFamily="49" charset="0"/>
-                <a:cs typeface="Consolas" panose="020B0609020204030204" pitchFamily="49" charset="0"/>
-              </a:rPr>
-              <a:t>    </a:t>
-            </a:r>
-            <a:r>
-              <a:rPr lang="en-US" dirty="0">
-                <a:solidFill>
-                  <a:srgbClr val="CC7832"/>
-                </a:solidFill>
-                <a:latin typeface="Consolas" panose="020B0609020204030204" pitchFamily="49" charset="0"/>
-                <a:cs typeface="Consolas" panose="020B0609020204030204" pitchFamily="49" charset="0"/>
-              </a:rPr>
-              <a:t>return </a:t>
-            </a:r>
-            <a:r>
-              <a:rPr lang="en-US" dirty="0">
-                <a:latin typeface="Consolas" panose="020B0609020204030204" pitchFamily="49" charset="0"/>
-                <a:cs typeface="Consolas" panose="020B0609020204030204" pitchFamily="49" charset="0"/>
-              </a:rPr>
-              <a:t>encrypted</a:t>
-            </a:r>
-            <a:br>
-              <a:rPr lang="en-US" dirty="0">
-                <a:latin typeface="Consolas" panose="020B0609020204030204" pitchFamily="49" charset="0"/>
-                <a:cs typeface="Consolas" panose="020B0609020204030204" pitchFamily="49" charset="0"/>
-              </a:rPr>
-            </a:br>
-            <a:r>
-              <a:rPr lang="en-US" dirty="0">
-                <a:latin typeface="Consolas" panose="020B0609020204030204" pitchFamily="49" charset="0"/>
-                <a:cs typeface="Consolas" panose="020B0609020204030204" pitchFamily="49" charset="0"/>
-              </a:rPr>
-              <a:t>    </a:t>
-            </a:r>
-            <a:br>
-              <a:rPr lang="en-US" dirty="0">
-                <a:latin typeface="Consolas" panose="020B0609020204030204" pitchFamily="49" charset="0"/>
-                <a:cs typeface="Consolas" panose="020B0609020204030204" pitchFamily="49" charset="0"/>
-              </a:rPr>
-            </a:br>
-            <a:r>
-              <a:rPr lang="en-US" dirty="0">
-                <a:solidFill>
-                  <a:srgbClr val="CC7832"/>
-                </a:solidFill>
-                <a:latin typeface="Consolas" panose="020B0609020204030204" pitchFamily="49" charset="0"/>
-                <a:cs typeface="Consolas" panose="020B0609020204030204" pitchFamily="49" charset="0"/>
-              </a:rPr>
-              <a:t>def </a:t>
-            </a:r>
-            <a:r>
-              <a:rPr lang="en-US" dirty="0" err="1">
-                <a:solidFill>
-                  <a:srgbClr val="FFC66D"/>
-                </a:solidFill>
-                <a:latin typeface="Consolas" panose="020B0609020204030204" pitchFamily="49" charset="0"/>
-                <a:cs typeface="Consolas" panose="020B0609020204030204" pitchFamily="49" charset="0"/>
-              </a:rPr>
-              <a:t>decode_message</a:t>
-            </a:r>
-            <a:r>
-              <a:rPr lang="en-US" dirty="0">
-                <a:latin typeface="Consolas" panose="020B0609020204030204" pitchFamily="49" charset="0"/>
-                <a:cs typeface="Consolas" panose="020B0609020204030204" pitchFamily="49" charset="0"/>
-              </a:rPr>
-              <a:t>(history</a:t>
-            </a:r>
-            <a:r>
-              <a:rPr lang="en-US" dirty="0">
-                <a:solidFill>
-                  <a:srgbClr val="CC7832"/>
-                </a:solidFill>
-                <a:latin typeface="Consolas" panose="020B0609020204030204" pitchFamily="49" charset="0"/>
-                <a:cs typeface="Consolas" panose="020B0609020204030204" pitchFamily="49" charset="0"/>
-              </a:rPr>
-              <a:t>, </a:t>
-            </a:r>
-            <a:r>
-              <a:rPr lang="en-US" dirty="0">
-                <a:latin typeface="Consolas" panose="020B0609020204030204" pitchFamily="49" charset="0"/>
-                <a:cs typeface="Consolas" panose="020B0609020204030204" pitchFamily="49" charset="0"/>
-              </a:rPr>
-              <a:t>key):</a:t>
-            </a:r>
-            <a:br>
-              <a:rPr lang="en-US" dirty="0">
-                <a:latin typeface="Consolas" panose="020B0609020204030204" pitchFamily="49" charset="0"/>
-                <a:cs typeface="Consolas" panose="020B0609020204030204" pitchFamily="49" charset="0"/>
-              </a:rPr>
-            </a:br>
-            <a:r>
-              <a:rPr lang="en-US" dirty="0">
-                <a:latin typeface="Consolas" panose="020B0609020204030204" pitchFamily="49" charset="0"/>
-                <a:cs typeface="Consolas" panose="020B0609020204030204" pitchFamily="49" charset="0"/>
-              </a:rPr>
-              <a:t>    decoded = []</a:t>
-            </a:r>
-            <a:br>
-              <a:rPr lang="en-US" dirty="0">
-                <a:latin typeface="Consolas" panose="020B0609020204030204" pitchFamily="49" charset="0"/>
-                <a:cs typeface="Consolas" panose="020B0609020204030204" pitchFamily="49" charset="0"/>
-              </a:rPr>
-            </a:br>
-            <a:r>
-              <a:rPr lang="en-US" dirty="0">
-                <a:latin typeface="Consolas" panose="020B0609020204030204" pitchFamily="49" charset="0"/>
-                <a:cs typeface="Consolas" panose="020B0609020204030204" pitchFamily="49" charset="0"/>
-              </a:rPr>
-              <a:t>    </a:t>
-            </a:r>
-            <a:r>
-              <a:rPr lang="en-US" dirty="0">
-                <a:solidFill>
-                  <a:srgbClr val="CC7832"/>
-                </a:solidFill>
-                <a:latin typeface="Consolas" panose="020B0609020204030204" pitchFamily="49" charset="0"/>
-                <a:cs typeface="Consolas" panose="020B0609020204030204" pitchFamily="49" charset="0"/>
-              </a:rPr>
-              <a:t>for </a:t>
-            </a:r>
-            <a:r>
-              <a:rPr lang="en-US" dirty="0">
-                <a:latin typeface="Consolas" panose="020B0609020204030204" pitchFamily="49" charset="0"/>
-                <a:cs typeface="Consolas" panose="020B0609020204030204" pitchFamily="49" charset="0"/>
-              </a:rPr>
-              <a:t>msg </a:t>
-            </a:r>
-            <a:r>
-              <a:rPr lang="en-US" dirty="0">
-                <a:solidFill>
-                  <a:srgbClr val="CC7832"/>
-                </a:solidFill>
-                <a:latin typeface="Consolas" panose="020B0609020204030204" pitchFamily="49" charset="0"/>
-                <a:cs typeface="Consolas" panose="020B0609020204030204" pitchFamily="49" charset="0"/>
-              </a:rPr>
-              <a:t>in </a:t>
-            </a:r>
-            <a:r>
-              <a:rPr lang="en-US" dirty="0">
-                <a:latin typeface="Consolas" panose="020B0609020204030204" pitchFamily="49" charset="0"/>
-                <a:cs typeface="Consolas" panose="020B0609020204030204" pitchFamily="49" charset="0"/>
-              </a:rPr>
-              <a:t>history:</a:t>
-            </a:r>
-            <a:br>
-              <a:rPr lang="en-US" dirty="0">
-                <a:latin typeface="Consolas" panose="020B0609020204030204" pitchFamily="49" charset="0"/>
-                <a:cs typeface="Consolas" panose="020B0609020204030204" pitchFamily="49" charset="0"/>
-              </a:rPr>
-            </a:br>
-            <a:r>
-              <a:rPr lang="en-US" dirty="0">
-                <a:latin typeface="Consolas" panose="020B0609020204030204" pitchFamily="49" charset="0"/>
-                <a:cs typeface="Consolas" panose="020B0609020204030204" pitchFamily="49" charset="0"/>
-              </a:rPr>
-              <a:t>        decoded  +=  </a:t>
-            </a:r>
-            <a:r>
-              <a:rPr lang="en-US" dirty="0" err="1">
-                <a:latin typeface="Consolas" panose="020B0609020204030204" pitchFamily="49" charset="0"/>
-                <a:cs typeface="Consolas" panose="020B0609020204030204" pitchFamily="49" charset="0"/>
-              </a:rPr>
-              <a:t>simple_cipher</a:t>
-            </a:r>
-            <a:r>
-              <a:rPr lang="en-US" dirty="0">
-                <a:latin typeface="Consolas" panose="020B0609020204030204" pitchFamily="49" charset="0"/>
-                <a:cs typeface="Consolas" panose="020B0609020204030204" pitchFamily="49" charset="0"/>
-              </a:rPr>
-              <a:t>(msg</a:t>
-            </a:r>
-            <a:r>
-              <a:rPr lang="en-US" dirty="0">
-                <a:solidFill>
-                  <a:srgbClr val="CC7832"/>
-                </a:solidFill>
-                <a:latin typeface="Consolas" panose="020B0609020204030204" pitchFamily="49" charset="0"/>
-                <a:cs typeface="Consolas" panose="020B0609020204030204" pitchFamily="49" charset="0"/>
-              </a:rPr>
-              <a:t>, </a:t>
-            </a:r>
-            <a:r>
-              <a:rPr lang="en-US" dirty="0">
-                <a:latin typeface="Consolas" panose="020B0609020204030204" pitchFamily="49" charset="0"/>
-                <a:cs typeface="Consolas" panose="020B0609020204030204" pitchFamily="49" charset="0"/>
-              </a:rPr>
-              <a:t>-key)</a:t>
-            </a:r>
-            <a:br>
-              <a:rPr lang="en-US" dirty="0">
-                <a:latin typeface="Consolas" panose="020B0609020204030204" pitchFamily="49" charset="0"/>
-                <a:cs typeface="Consolas" panose="020B0609020204030204" pitchFamily="49" charset="0"/>
-              </a:rPr>
-            </a:br>
-            <a:r>
-              <a:rPr lang="en-US" dirty="0">
-                <a:latin typeface="Consolas" panose="020B0609020204030204" pitchFamily="49" charset="0"/>
-                <a:cs typeface="Consolas" panose="020B0609020204030204" pitchFamily="49" charset="0"/>
-              </a:rPr>
-              <a:t>    </a:t>
-            </a:r>
-            <a:r>
-              <a:rPr lang="en-US" dirty="0">
-                <a:solidFill>
-                  <a:srgbClr val="CC7832"/>
-                </a:solidFill>
-                <a:latin typeface="Consolas" panose="020B0609020204030204" pitchFamily="49" charset="0"/>
-                <a:cs typeface="Consolas" panose="020B0609020204030204" pitchFamily="49" charset="0"/>
-              </a:rPr>
-              <a:t>return </a:t>
-            </a:r>
-            <a:r>
-              <a:rPr lang="en-US" dirty="0">
-                <a:latin typeface="Consolas" panose="020B0609020204030204" pitchFamily="49" charset="0"/>
-                <a:cs typeface="Consolas" panose="020B0609020204030204" pitchFamily="49" charset="0"/>
-              </a:rPr>
-              <a:t>decoded</a:t>
-            </a:r>
-            <a:br>
-              <a:rPr lang="en-US" dirty="0">
-                <a:latin typeface="Consolas" panose="020B0609020204030204" pitchFamily="49" charset="0"/>
-                <a:cs typeface="Consolas" panose="020B0609020204030204" pitchFamily="49" charset="0"/>
-              </a:rPr>
-            </a:br>
-            <a:r>
-              <a:rPr lang="en-US" dirty="0">
-                <a:latin typeface="Consolas" panose="020B0609020204030204" pitchFamily="49" charset="0"/>
-                <a:cs typeface="Consolas" panose="020B0609020204030204" pitchFamily="49" charset="0"/>
-              </a:rPr>
-              <a:t> </a:t>
-            </a:r>
-          </a:p>
-        </p:txBody>
-      </p:sp>
-    </p:spTree>
-    <p:extLst>
-      <p:ext uri="{BB962C8B-B14F-4D97-AF65-F5344CB8AC3E}">
-        <p14:creationId xmlns:p14="http://schemas.microsoft.com/office/powerpoint/2010/main" val="1739107970"/>
-      </p:ext>
-    </p:extLst>
-  </p:cSld>
-  <p:clrMapOvr>
-    <a:masterClrMapping/>
-  </p:clrMapOvr>
-  <mc:AlternateContent xmlns:mc="http://schemas.openxmlformats.org/markup-compatibility/2006" xmlns:p14="http://schemas.microsoft.com/office/powerpoint/2010/main">
-    <mc:Choice Requires="p14">
-      <p:transition p14:dur="300">
-        <p:fade/>
-      </p:transition>
-    </mc:Choice>
-    <mc:Fallback xmlns="">
-      <p:transition>
-        <p:fade/>
-      </p:transition>
-    </mc:Fallback>
-  </mc:AlternateContent>
-</p:sld>
-</file>
-
-<file path=ppt/slides/slide2.xml><?xml version="1.0" encoding="utf-8"?>
-<p:sld xmlns:a="http://schemas.openxmlformats.org/drawingml/2006/main" xmlns:r="http://schemas.openxmlformats.org/officeDocument/2006/relationships" xmlns:p="http://schemas.openxmlformats.org/presentationml/2006/main">
-  <p:cSld>
-    <p:spTree>
-      <p:nvGrpSpPr>
-        <p:cNvPr id="1" name="Shape 191"/>
-        <p:cNvGrpSpPr/>
-        <p:nvPr/>
-      </p:nvGrpSpPr>
-      <p:grpSpPr>
-        <a:xfrm>
-          <a:off x="0" y="0"/>
-          <a:ext cx="0" cy="0"/>
-          <a:chOff x="0" y="0"/>
-          <a:chExt cx="0" cy="0"/>
-        </a:xfrm>
-      </p:grpSpPr>
-      <p:sp>
-        <p:nvSpPr>
-          <p:cNvPr id="192" name="Google Shape;192;p40"/>
-          <p:cNvSpPr txBox="1">
-            <a:spLocks noGrp="1"/>
-          </p:cNvSpPr>
-          <p:nvPr>
-            <p:ph type="title"/>
-          </p:nvPr>
-        </p:nvSpPr>
-        <p:spPr>
-          <a:xfrm>
-            <a:off x="628094" y="905269"/>
-            <a:ext cx="12821173" cy="1015467"/>
-          </a:xfrm>
-          <a:prstGeom prst="rect">
-            <a:avLst/>
-          </a:prstGeom>
-        </p:spPr>
-        <p:txBody>
-          <a:bodyPr spcFirstLastPara="1" vert="horz" wrap="square" lIns="91422" tIns="91422" rIns="91422" bIns="91422" rtlCol="0" anchor="b" anchorCtr="0">
-            <a:noAutofit/>
-          </a:bodyPr>
-          <a:lstStyle/>
-          <a:p>
-            <a:r>
-              <a:rPr lang="en"/>
-              <a:t>Design Thinking &amp; Software Engineering</a:t>
-            </a:r>
-            <a:endParaRPr dirty="0"/>
-          </a:p>
-        </p:txBody>
-      </p:sp>
-      <p:sp>
-        <p:nvSpPr>
-          <p:cNvPr id="193" name="Google Shape;193;p40"/>
-          <p:cNvSpPr txBox="1">
-            <a:spLocks noGrp="1"/>
-          </p:cNvSpPr>
-          <p:nvPr>
-            <p:ph type="body" idx="1"/>
-          </p:nvPr>
-        </p:nvSpPr>
-        <p:spPr>
-          <a:xfrm>
-            <a:off x="628094" y="2038805"/>
-            <a:ext cx="12561413" cy="4621280"/>
-          </a:xfrm>
-          <a:prstGeom prst="rect">
-            <a:avLst/>
-          </a:prstGeom>
-        </p:spPr>
-        <p:txBody>
-          <a:bodyPr spcFirstLastPara="1" vert="horz" wrap="square" lIns="91422" tIns="91422" rIns="91422" bIns="91422" rtlCol="0" anchor="t" anchorCtr="0">
-            <a:noAutofit/>
-          </a:bodyPr>
-          <a:lstStyle/>
-          <a:p>
-            <a:pPr>
-              <a:buChar char="●"/>
-            </a:pPr>
-            <a:r>
-              <a:rPr lang="en" dirty="0"/>
-              <a:t>Software Engineering focuses on designing system to solve the problems</a:t>
-            </a:r>
-            <a:endParaRPr dirty="0"/>
-          </a:p>
-          <a:p>
-            <a:pPr lvl="1">
-              <a:spcBef>
-                <a:spcPts val="0"/>
-              </a:spcBef>
-              <a:buChar char="○"/>
-            </a:pPr>
-            <a:r>
-              <a:rPr lang="en" dirty="0"/>
-              <a:t>Like architecture for but for software!</a:t>
-            </a:r>
-            <a:endParaRPr dirty="0"/>
-          </a:p>
-          <a:p>
-            <a:pPr marL="1381750" indent="0">
-              <a:buNone/>
-            </a:pPr>
-            <a:endParaRPr dirty="0"/>
-          </a:p>
-          <a:p>
-            <a:pPr>
-              <a:buChar char="●"/>
-            </a:pPr>
-            <a:r>
-              <a:rPr lang="en" dirty="0"/>
-              <a:t>Design is at the heart of computer science</a:t>
-            </a:r>
-            <a:endParaRPr dirty="0"/>
-          </a:p>
-          <a:p>
-            <a:pPr lvl="1">
-              <a:spcBef>
-                <a:spcPts val="0"/>
-              </a:spcBef>
-              <a:buChar char="○"/>
-            </a:pPr>
-            <a:r>
-              <a:rPr lang="en" dirty="0"/>
-              <a:t>Creative Design</a:t>
-            </a:r>
-            <a:endParaRPr dirty="0"/>
-          </a:p>
-          <a:p>
-            <a:pPr lvl="1">
-              <a:spcBef>
-                <a:spcPts val="0"/>
-              </a:spcBef>
-              <a:buChar char="○"/>
-            </a:pPr>
-            <a:r>
-              <a:rPr lang="en" dirty="0"/>
-              <a:t>Dealing with large systems </a:t>
-            </a:r>
-            <a:endParaRPr dirty="0"/>
-          </a:p>
-          <a:p>
-            <a:pPr lvl="1">
-              <a:spcBef>
-                <a:spcPts val="0"/>
-              </a:spcBef>
-              <a:buChar char="○"/>
-            </a:pPr>
-            <a:r>
-              <a:rPr lang="en" dirty="0"/>
-              <a:t>Problem solving is about designing solutions to those problems</a:t>
-            </a:r>
-            <a:endParaRPr dirty="0"/>
-          </a:p>
-          <a:p>
-            <a:pPr marL="1381750" indent="0">
-              <a:buNone/>
-            </a:pPr>
-            <a:endParaRPr dirty="0"/>
-          </a:p>
-          <a:p>
-            <a:pPr>
-              <a:buChar char="●"/>
-            </a:pPr>
-            <a:r>
-              <a:rPr lang="en" dirty="0"/>
-              <a:t>Design Thinking</a:t>
-            </a:r>
-            <a:endParaRPr dirty="0"/>
-          </a:p>
-          <a:p>
-            <a:pPr lvl="1">
-              <a:spcBef>
-                <a:spcPts val="0"/>
-              </a:spcBef>
-              <a:buChar char="○"/>
-            </a:pPr>
-            <a:r>
-              <a:rPr lang="en" dirty="0"/>
-              <a:t>User Centered Design</a:t>
-            </a:r>
-            <a:endParaRPr dirty="0"/>
-          </a:p>
-          <a:p>
-            <a:pPr lvl="1">
-              <a:spcBef>
-                <a:spcPts val="0"/>
-              </a:spcBef>
-              <a:buChar char="○"/>
-            </a:pPr>
-            <a:r>
-              <a:rPr lang="en" dirty="0"/>
-              <a:t>Human-Centered Design </a:t>
-            </a:r>
-            <a:endParaRPr dirty="0"/>
-          </a:p>
-          <a:p>
-            <a:pPr lvl="1">
-              <a:spcBef>
-                <a:spcPts val="0"/>
-              </a:spcBef>
-              <a:buChar char="○"/>
-            </a:pPr>
-            <a:r>
-              <a:rPr lang="en" dirty="0"/>
-              <a:t>Been around for ~40 years in Computer Science</a:t>
-            </a:r>
-            <a:endParaRPr dirty="0"/>
-          </a:p>
-          <a:p>
-            <a:pPr lvl="2">
-              <a:spcBef>
-                <a:spcPts val="0"/>
-              </a:spcBef>
-              <a:buChar char="■"/>
-            </a:pPr>
-            <a:r>
-              <a:rPr lang="en" dirty="0"/>
-              <a:t>John Arnold 1959</a:t>
-            </a:r>
-            <a:endParaRPr dirty="0"/>
-          </a:p>
-          <a:p>
-            <a:pPr lvl="2">
-              <a:spcBef>
-                <a:spcPts val="0"/>
-              </a:spcBef>
-              <a:buChar char="■"/>
-            </a:pPr>
-            <a:r>
-              <a:rPr lang="en" dirty="0"/>
-              <a:t>IDEO - 1990 coined term</a:t>
-            </a:r>
-            <a:endParaRPr dirty="0"/>
-          </a:p>
-          <a:p>
-            <a:pPr indent="0">
-              <a:spcAft>
-                <a:spcPts val="604"/>
-              </a:spcAft>
-              <a:buNone/>
-            </a:pPr>
-            <a:endParaRPr dirty="0"/>
-          </a:p>
-        </p:txBody>
-      </p:sp>
-    </p:spTree>
-  </p:cSld>
-  <p:clrMapOvr>
-    <a:masterClrMapping/>
-  </p:clrMapOvr>
-</p:sld>
-</file>
-
-<file path=ppt/slides/slide3.xml><?xml version="1.0" encoding="utf-8"?>
-<p:sld xmlns:a="http://schemas.openxmlformats.org/drawingml/2006/main" xmlns:r="http://schemas.openxmlformats.org/officeDocument/2006/relationships" xmlns:p="http://schemas.openxmlformats.org/presentationml/2006/main">
-  <p:cSld>
-    <p:spTree>
-      <p:nvGrpSpPr>
-        <p:cNvPr id="1" name="Shape 197"/>
-        <p:cNvGrpSpPr/>
-        <p:nvPr/>
-      </p:nvGrpSpPr>
-      <p:grpSpPr>
-        <a:xfrm>
-          <a:off x="0" y="0"/>
-          <a:ext cx="0" cy="0"/>
-          <a:chOff x="0" y="0"/>
-          <a:chExt cx="0" cy="0"/>
-        </a:xfrm>
-      </p:grpSpPr>
-      <p:sp>
-        <p:nvSpPr>
-          <p:cNvPr id="198" name="Google Shape;198;p41"/>
-          <p:cNvSpPr txBox="1">
-            <a:spLocks noGrp="1"/>
-          </p:cNvSpPr>
-          <p:nvPr>
-            <p:ph type="title"/>
-          </p:nvPr>
-        </p:nvSpPr>
-        <p:spPr>
-          <a:xfrm>
-            <a:off x="360060" y="563605"/>
-            <a:ext cx="12835680" cy="1170507"/>
-          </a:xfrm>
-          <a:prstGeom prst="rect">
-            <a:avLst/>
-          </a:prstGeom>
-        </p:spPr>
-        <p:txBody>
-          <a:bodyPr spcFirstLastPara="1" vert="horz" wrap="square" lIns="91422" tIns="91422" rIns="91422" bIns="91422" rtlCol="0" anchor="t" anchorCtr="0">
-            <a:noAutofit/>
-          </a:bodyPr>
-          <a:lstStyle/>
-          <a:p>
-            <a:r>
-              <a:rPr lang="en"/>
-              <a:t>What is design thinking?</a:t>
-            </a:r>
-            <a:endParaRPr dirty="0"/>
-          </a:p>
-        </p:txBody>
-      </p:sp>
-      <p:pic>
-        <p:nvPicPr>
-          <p:cNvPr id="199" name="Google Shape;199;p41" descr="Empathize. How do I approach the challenge? Define. How do I interpret my findings? Ideate. What do we create? Prototype. How do I build my idea? Test. How do I prove and improve the idea?"/>
-          <p:cNvPicPr preferRelativeResize="0"/>
-          <p:nvPr/>
-        </p:nvPicPr>
-        <p:blipFill>
-          <a:blip r:embed="rId3">
-            <a:alphaModFix/>
-          </a:blip>
-          <a:stretch>
-            <a:fillRect/>
-          </a:stretch>
-        </p:blipFill>
-        <p:spPr>
-          <a:xfrm>
-            <a:off x="135056" y="2550907"/>
-            <a:ext cx="8852731" cy="4030813"/>
-          </a:xfrm>
-          <a:prstGeom prst="rect">
-            <a:avLst/>
-          </a:prstGeom>
-          <a:noFill/>
-          <a:ln>
-            <a:noFill/>
-          </a:ln>
-        </p:spPr>
-      </p:pic>
-      <p:sp>
-        <p:nvSpPr>
-          <p:cNvPr id="200" name="Google Shape;200;p41"/>
-          <p:cNvSpPr txBox="1">
-            <a:spLocks noGrp="1"/>
-          </p:cNvSpPr>
-          <p:nvPr>
-            <p:ph type="body" idx="1"/>
-          </p:nvPr>
-        </p:nvSpPr>
-        <p:spPr>
-          <a:xfrm>
-            <a:off x="9212829" y="1734114"/>
-            <a:ext cx="3982987" cy="5176613"/>
-          </a:xfrm>
-          <a:prstGeom prst="rect">
-            <a:avLst/>
-          </a:prstGeom>
-        </p:spPr>
-        <p:txBody>
-          <a:bodyPr spcFirstLastPara="1" vert="horz" wrap="square" lIns="91422" tIns="91422" rIns="91422" bIns="91422" rtlCol="0" anchor="t" anchorCtr="0">
-            <a:noAutofit/>
-          </a:bodyPr>
-          <a:lstStyle/>
-          <a:p>
-            <a:pPr marL="0" indent="0">
-              <a:buNone/>
-            </a:pPr>
-            <a:endParaRPr dirty="0"/>
-          </a:p>
-          <a:p>
-            <a:pPr indent="0">
-              <a:buNone/>
-            </a:pPr>
-            <a:endParaRPr dirty="0"/>
-          </a:p>
-          <a:p>
-            <a:pPr>
-              <a:buChar char="●"/>
-            </a:pPr>
-            <a:r>
-              <a:rPr lang="en" dirty="0"/>
-              <a:t>Empathize - Find People</a:t>
-            </a:r>
-            <a:endParaRPr dirty="0"/>
-          </a:p>
-          <a:p>
-            <a:pPr>
-              <a:spcBef>
-                <a:spcPts val="0"/>
-              </a:spcBef>
-              <a:buChar char="●"/>
-            </a:pPr>
-            <a:r>
-              <a:rPr lang="en" dirty="0"/>
-              <a:t>Define - Look for patterns</a:t>
-            </a:r>
-            <a:endParaRPr dirty="0"/>
-          </a:p>
-          <a:p>
-            <a:pPr>
-              <a:spcBef>
-                <a:spcPts val="0"/>
-              </a:spcBef>
-              <a:buChar char="●"/>
-            </a:pPr>
-            <a:r>
-              <a:rPr lang="en" dirty="0"/>
-              <a:t>Ideate - Design principles</a:t>
-            </a:r>
-            <a:endParaRPr dirty="0"/>
-          </a:p>
-          <a:p>
-            <a:pPr>
-              <a:spcBef>
-                <a:spcPts val="0"/>
-              </a:spcBef>
-              <a:buChar char="●"/>
-            </a:pPr>
-            <a:r>
-              <a:rPr lang="en" dirty="0"/>
-              <a:t>Prototype - Make Tangible </a:t>
-            </a:r>
-            <a:endParaRPr dirty="0"/>
-          </a:p>
-          <a:p>
-            <a:pPr>
-              <a:spcBef>
-                <a:spcPts val="0"/>
-              </a:spcBef>
-              <a:buChar char="●"/>
-            </a:pPr>
-            <a:r>
-              <a:rPr lang="en" dirty="0"/>
-              <a:t>Test - Iterate Relentlessly </a:t>
-            </a:r>
-            <a:endParaRPr dirty="0"/>
-          </a:p>
-          <a:p>
-            <a:pPr marL="0" indent="0">
-              <a:spcAft>
-                <a:spcPts val="604"/>
-              </a:spcAft>
-              <a:buNone/>
-            </a:pPr>
-            <a:endParaRPr dirty="0"/>
-          </a:p>
-        </p:txBody>
-      </p:sp>
-      <p:sp>
-        <p:nvSpPr>
-          <p:cNvPr id="201" name="Google Shape;201;p41"/>
-          <p:cNvSpPr txBox="1"/>
-          <p:nvPr/>
-        </p:nvSpPr>
-        <p:spPr>
-          <a:xfrm>
-            <a:off x="8248853" y="7044724"/>
-            <a:ext cx="5464480" cy="646907"/>
-          </a:xfrm>
-          <a:prstGeom prst="rect">
-            <a:avLst/>
-          </a:prstGeom>
-          <a:noFill/>
-          <a:ln>
-            <a:noFill/>
-          </a:ln>
-        </p:spPr>
-        <p:txBody>
-          <a:bodyPr spcFirstLastPara="1" wrap="square" lIns="138153" tIns="138153" rIns="138153" bIns="138153" anchor="t" anchorCtr="0">
-            <a:noAutofit/>
-          </a:bodyPr>
-          <a:lstStyle/>
-          <a:p>
-            <a:r>
-              <a:rPr lang="en" sz="1511" dirty="0">
-                <a:latin typeface="Proxima Nova"/>
-                <a:ea typeface="Proxima Nova"/>
-                <a:cs typeface="Proxima Nova"/>
-                <a:sym typeface="Proxima Nova"/>
-              </a:rPr>
-              <a:t>Further Reading: </a:t>
-            </a:r>
-            <a:r>
-              <a:rPr lang="en" sz="1511" u="sng" dirty="0">
-                <a:solidFill>
-                  <a:srgbClr val="3246A4"/>
-                </a:solidFill>
-                <a:latin typeface="Proxima Nova"/>
-                <a:ea typeface="Proxima Nova"/>
-                <a:cs typeface="Proxima Nova"/>
-                <a:sym typeface="Proxima Nova"/>
-                <a:hlinkClick r:id="rId4"/>
-              </a:rPr>
-              <a:t>What is design thinking</a:t>
-            </a:r>
-            <a:r>
-              <a:rPr lang="en" sz="1511" dirty="0">
-                <a:latin typeface="Proxima Nova"/>
-                <a:ea typeface="Proxima Nova"/>
-                <a:cs typeface="Proxima Nova"/>
-                <a:sym typeface="Proxima Nova"/>
-              </a:rPr>
-              <a:t>,</a:t>
-            </a:r>
-            <a:br>
-              <a:rPr lang="en" sz="1511" dirty="0">
-                <a:latin typeface="Proxima Nova"/>
-                <a:ea typeface="Proxima Nova"/>
-                <a:cs typeface="Proxima Nova"/>
-                <a:sym typeface="Proxima Nova"/>
-              </a:rPr>
-            </a:br>
-            <a:r>
-              <a:rPr lang="en" sz="1511" u="sng" dirty="0">
-                <a:solidFill>
-                  <a:srgbClr val="3246A4"/>
-                </a:solidFill>
-                <a:latin typeface="Proxima Nova"/>
-                <a:ea typeface="Proxima Nova"/>
-                <a:cs typeface="Proxima Nova"/>
-                <a:sym typeface="Proxima Nova"/>
-                <a:hlinkClick r:id="rId5"/>
-              </a:rPr>
-              <a:t>Design Thinking</a:t>
-            </a:r>
-            <a:endParaRPr sz="1511" dirty="0">
-              <a:latin typeface="Proxima Nova"/>
-              <a:ea typeface="Proxima Nova"/>
-              <a:cs typeface="Proxima Nova"/>
-              <a:sym typeface="Proxima Nova"/>
-            </a:endParaRPr>
-          </a:p>
-        </p:txBody>
-      </p:sp>
-    </p:spTree>
-  </p:cSld>
-  <p:clrMapOvr>
-    <a:masterClrMapping/>
-  </p:clrMapOvr>
-</p:sld>
-</file>
-
-<file path=ppt/slides/slide4.xml><?xml version="1.0" encoding="utf-8"?>
-<p:sld xmlns:a="http://schemas.openxmlformats.org/drawingml/2006/main" xmlns:r="http://schemas.openxmlformats.org/officeDocument/2006/relationships" xmlns:p="http://schemas.openxmlformats.org/presentationml/2006/main">
-  <p:cSld>
-    <p:spTree>
-      <p:nvGrpSpPr>
-        <p:cNvPr id="1" name="Shape 205"/>
-        <p:cNvGrpSpPr/>
-        <p:nvPr/>
-      </p:nvGrpSpPr>
-      <p:grpSpPr>
-        <a:xfrm>
-          <a:off x="0" y="0"/>
-          <a:ext cx="0" cy="0"/>
-          <a:chOff x="0" y="0"/>
-          <a:chExt cx="0" cy="0"/>
-        </a:xfrm>
-      </p:grpSpPr>
-      <p:sp>
-        <p:nvSpPr>
-          <p:cNvPr id="206" name="Google Shape;206;p42"/>
+          <p:cNvPr id="226" name="Google Shape;226;p43"/>
           <p:cNvSpPr txBox="1">
             <a:spLocks noGrp="1"/>
           </p:cNvSpPr>
@@ -10772,7 +7462,198 @@
           <a:p>
             <a:r>
               <a:rPr lang="en"/>
-              <a:t>How to Practice</a:t>
+              <a:t>Enter Inclusive Design</a:t>
+            </a:r>
+            <a:endParaRPr dirty="0"/>
+          </a:p>
+        </p:txBody>
+      </p:sp>
+      <p:sp>
+        <p:nvSpPr>
+          <p:cNvPr id="227" name="Google Shape;227;p43"/>
+          <p:cNvSpPr txBox="1">
+            <a:spLocks noGrp="1"/>
+          </p:cNvSpPr>
+          <p:nvPr>
+            <p:ph type="body" idx="1"/>
+          </p:nvPr>
+        </p:nvSpPr>
+        <p:spPr>
+          <a:xfrm>
+            <a:off x="628093" y="1920736"/>
+            <a:ext cx="6998560" cy="5146240"/>
+          </a:xfrm>
+          <a:prstGeom prst="rect">
+            <a:avLst/>
+          </a:prstGeom>
+        </p:spPr>
+        <p:txBody>
+          <a:bodyPr spcFirstLastPara="1" vert="horz" wrap="square" lIns="91422" tIns="91422" rIns="91422" bIns="91422" rtlCol="0" anchor="t" anchorCtr="0">
+            <a:noAutofit/>
+          </a:bodyPr>
+          <a:lstStyle/>
+          <a:p>
+            <a:pPr marL="0" indent="0">
+              <a:buNone/>
+            </a:pPr>
+            <a:r>
+              <a:rPr lang="en" dirty="0"/>
+              <a:t>Microsoft Inclusive Design Principles:</a:t>
+            </a:r>
+            <a:endParaRPr dirty="0"/>
+          </a:p>
+          <a:p>
+            <a:pPr>
+              <a:buChar char="●"/>
+            </a:pPr>
+            <a:r>
+              <a:rPr lang="en" dirty="0"/>
+              <a:t>Recognize exclusion</a:t>
+            </a:r>
+            <a:endParaRPr dirty="0"/>
+          </a:p>
+          <a:p>
+            <a:pPr>
+              <a:spcBef>
+                <a:spcPts val="0"/>
+              </a:spcBef>
+              <a:buChar char="●"/>
+            </a:pPr>
+            <a:r>
+              <a:rPr lang="en" dirty="0"/>
+              <a:t>Solve for one, extend to many</a:t>
+            </a:r>
+            <a:endParaRPr dirty="0"/>
+          </a:p>
+          <a:p>
+            <a:pPr>
+              <a:spcBef>
+                <a:spcPts val="0"/>
+              </a:spcBef>
+              <a:buChar char="●"/>
+            </a:pPr>
+            <a:r>
+              <a:rPr lang="en" dirty="0"/>
+              <a:t>Learn from diversity</a:t>
+            </a:r>
+            <a:endParaRPr dirty="0"/>
+          </a:p>
+          <a:p>
+            <a:pPr marL="0" indent="0">
+              <a:buNone/>
+            </a:pPr>
+            <a:endParaRPr dirty="0"/>
+          </a:p>
+          <a:p>
+            <a:pPr marL="0" indent="0">
+              <a:buNone/>
+            </a:pPr>
+            <a:r>
+              <a:rPr lang="en" dirty="0"/>
+              <a:t>Continuum of population diversity pyramid </a:t>
+            </a:r>
+            <a:endParaRPr dirty="0"/>
+          </a:p>
+          <a:p>
+            <a:pPr>
+              <a:buChar char="●"/>
+            </a:pPr>
+            <a:r>
+              <a:rPr lang="en" dirty="0"/>
+              <a:t>Notice, only 21% of people have ‘no-difficulties’ </a:t>
+            </a:r>
+            <a:endParaRPr dirty="0"/>
+          </a:p>
+          <a:p>
+            <a:pPr>
+              <a:spcBef>
+                <a:spcPts val="0"/>
+              </a:spcBef>
+              <a:buChar char="●"/>
+            </a:pPr>
+            <a:r>
+              <a:rPr lang="en" dirty="0"/>
+              <a:t>Difficulties are on a spectrum of:</a:t>
+            </a:r>
+            <a:endParaRPr dirty="0"/>
+          </a:p>
+          <a:p>
+            <a:pPr lvl="1">
+              <a:spcBef>
+                <a:spcPts val="0"/>
+              </a:spcBef>
+              <a:buChar char="○"/>
+            </a:pPr>
+            <a:r>
+              <a:rPr lang="en" dirty="0"/>
+              <a:t>Permanent </a:t>
+            </a:r>
+            <a:endParaRPr dirty="0"/>
+          </a:p>
+          <a:p>
+            <a:pPr lvl="1">
+              <a:spcBef>
+                <a:spcPts val="0"/>
+              </a:spcBef>
+              <a:buChar char="○"/>
+            </a:pPr>
+            <a:r>
+              <a:rPr lang="en" dirty="0"/>
+              <a:t>Temporary </a:t>
+            </a:r>
+            <a:endParaRPr dirty="0"/>
+          </a:p>
+          <a:p>
+            <a:pPr lvl="1">
+              <a:spcBef>
+                <a:spcPts val="0"/>
+              </a:spcBef>
+              <a:buChar char="○"/>
+            </a:pPr>
+            <a:r>
+              <a:rPr lang="en" dirty="0"/>
+              <a:t>Situational</a:t>
+            </a:r>
+            <a:endParaRPr dirty="0"/>
+          </a:p>
+          <a:p>
+            <a:pPr marL="0" indent="0">
+              <a:buNone/>
+            </a:pPr>
+            <a:r>
+              <a:rPr lang="en" dirty="0"/>
+              <a:t>Modern Design and Software Engineering</a:t>
+            </a:r>
+            <a:endParaRPr dirty="0"/>
+          </a:p>
+          <a:p>
+            <a:pPr>
+              <a:buChar char="●"/>
+            </a:pPr>
+            <a:r>
+              <a:rPr lang="en" dirty="0"/>
+              <a:t>Must take into account the full audience </a:t>
+            </a:r>
+            <a:endParaRPr dirty="0"/>
+          </a:p>
+          <a:p>
+            <a:pPr>
+              <a:spcBef>
+                <a:spcPts val="0"/>
+              </a:spcBef>
+              <a:buChar char="●"/>
+            </a:pPr>
+            <a:r>
+              <a:rPr lang="en" dirty="0"/>
+              <a:t>Must take into account the </a:t>
+            </a:r>
+            <a:r>
+              <a:rPr lang="en" b="1" dirty="0"/>
+              <a:t>interconnectedness</a:t>
+            </a:r>
+            <a:r>
+              <a:rPr lang="en" dirty="0"/>
+              <a:t> of society</a:t>
             </a:r>
             <a:endParaRPr dirty="0"/>
           </a:p>
@@ -10780,7 +7661,7 @@
       </p:sp>
       <p:pic>
         <p:nvPicPr>
-          <p:cNvPr id="208" name="Google Shape;208;p42" descr="Empathize. How do I approach the challenge? Define. How do I interpret my findings? Ideate. What do we create? Prototype. How do I build my idea? Test. How do I prove and improve the idea?"/>
+          <p:cNvPr id="228" name="Google Shape;228;p43" descr="Pyramid diagram. Beginning with 21% no difficulties on the bottom, then 16% minimal difficulties, 37% mild difficulties, 25% severe difficulties. At the top of the pyramid is the target for specialist products. "/>
           <p:cNvPicPr preferRelativeResize="0"/>
           <p:nvPr/>
         </p:nvPicPr>
@@ -10794,8 +7675,8 @@
         </p:blipFill>
         <p:spPr>
           <a:xfrm>
-            <a:off x="9197643" y="188927"/>
-            <a:ext cx="4426611" cy="2015520"/>
+            <a:off x="8201390" y="1920736"/>
+            <a:ext cx="4045110" cy="3772640"/>
           </a:xfrm>
           <a:prstGeom prst="rect">
             <a:avLst/>
@@ -10808,99 +7689,14 @@
       </p:pic>
       <p:sp>
         <p:nvSpPr>
-          <p:cNvPr id="207" name="Google Shape;207;p42"/>
-          <p:cNvSpPr txBox="1">
-            <a:spLocks noGrp="1"/>
-          </p:cNvSpPr>
-          <p:nvPr>
-            <p:ph type="body" idx="1"/>
-          </p:nvPr>
-        </p:nvSpPr>
-        <p:spPr>
-          <a:xfrm>
-            <a:off x="628094" y="2487904"/>
-            <a:ext cx="12561413" cy="3993867"/>
-          </a:xfrm>
-          <a:prstGeom prst="rect">
-            <a:avLst/>
-          </a:prstGeom>
-        </p:spPr>
-        <p:txBody>
-          <a:bodyPr spcFirstLastPara="1" vert="horz" wrap="square" lIns="91422" tIns="91422" rIns="91422" bIns="91422" rtlCol="0" anchor="t" anchorCtr="0">
-            <a:noAutofit/>
-          </a:bodyPr>
-          <a:lstStyle/>
-          <a:p>
-            <a:pPr>
-              <a:buChar char="●"/>
-            </a:pPr>
-            <a:r>
-              <a:rPr lang="en" dirty="0"/>
-              <a:t>Take 4 minutes to define </a:t>
-            </a:r>
-            <a:r>
-              <a:rPr lang="en" u="sng" dirty="0"/>
-              <a:t>6 challenges</a:t>
-            </a:r>
-            <a:r>
-              <a:rPr lang="en" dirty="0"/>
-              <a:t> that are interesting to you. </a:t>
-            </a:r>
-            <a:endParaRPr dirty="0"/>
-          </a:p>
-          <a:p>
-            <a:pPr>
-              <a:spcBef>
-                <a:spcPts val="0"/>
-              </a:spcBef>
-              <a:buChar char="●"/>
-            </a:pPr>
-            <a:r>
-              <a:rPr lang="en" b="1" dirty="0"/>
-              <a:t>3 Dreams/Things you wish existed and 3 gripes/things that could be better (Challenges!)</a:t>
-            </a:r>
-            <a:endParaRPr b="1" dirty="0"/>
-          </a:p>
-          <a:p>
-            <a:pPr>
-              <a:spcBef>
-                <a:spcPts val="0"/>
-              </a:spcBef>
-              <a:buChar char="●"/>
-            </a:pPr>
-            <a:r>
-              <a:rPr lang="en" dirty="0"/>
-              <a:t>Practice this on a regular basis</a:t>
-            </a:r>
-            <a:endParaRPr dirty="0"/>
-          </a:p>
-          <a:p>
-            <a:pPr marL="0" indent="0">
-              <a:buNone/>
-            </a:pPr>
-            <a:endParaRPr dirty="0"/>
-          </a:p>
-          <a:p>
-            <a:pPr marL="0" indent="0">
-              <a:spcAft>
-                <a:spcPts val="604"/>
-              </a:spcAft>
-              <a:buNone/>
-            </a:pPr>
-            <a:endParaRPr dirty="0"/>
-          </a:p>
-        </p:txBody>
-      </p:sp>
-      <p:sp>
-        <p:nvSpPr>
-          <p:cNvPr id="210" name="Google Shape;210;p42"/>
+          <p:cNvPr id="229" name="Google Shape;229;p43"/>
           <p:cNvSpPr txBox="1"/>
           <p:nvPr/>
         </p:nvSpPr>
         <p:spPr>
           <a:xfrm>
-            <a:off x="1446889" y="4390420"/>
-            <a:ext cx="10213600" cy="2436667"/>
+            <a:off x="8161511" y="5822613"/>
+            <a:ext cx="4369156" cy="437920"/>
           </a:xfrm>
           <a:prstGeom prst="rect">
             <a:avLst/>
@@ -10917,89 +7713,46 @@
           <a:lstStyle/>
           <a:p>
             <a:r>
-              <a:rPr lang="en" dirty="0">
+              <a:rPr lang="en" sz="1209" dirty="0">
                 <a:latin typeface="Proxima Nova"/>
                 <a:ea typeface="Proxima Nova"/>
                 <a:cs typeface="Proxima Nova"/>
                 <a:sym typeface="Proxima Nova"/>
               </a:rPr>
-              <a:t>Alice laughed. “There’s no use trying,” she said: “one can’t believe impossible things.”</a:t>
-            </a:r>
-            <a:endParaRPr dirty="0">
+              <a:t>Credit: University of Cambridge - </a:t>
+            </a:r>
+            <a:r>
+              <a:rPr lang="en" sz="1209" u="sng" dirty="0">
+                <a:solidFill>
+                  <a:schemeClr val="hlink"/>
+                </a:solidFill>
+                <a:latin typeface="Proxima Nova"/>
+                <a:ea typeface="Proxima Nova"/>
+                <a:cs typeface="Proxima Nova"/>
+                <a:sym typeface="Proxima Nova"/>
+                <a:hlinkClick r:id="rId4"/>
+              </a:rPr>
+              <a:t>Inclusive Design Toolkit</a:t>
+            </a:r>
+            <a:endParaRPr sz="1209" dirty="0">
               <a:latin typeface="Proxima Nova"/>
               <a:ea typeface="Proxima Nova"/>
               <a:cs typeface="Proxima Nova"/>
               <a:sym typeface="Proxima Nova"/>
             </a:endParaRPr>
           </a:p>
-          <a:p>
-            <a:br>
-              <a:rPr lang="en" dirty="0">
-                <a:latin typeface="Proxima Nova"/>
-                <a:ea typeface="Proxima Nova"/>
-                <a:cs typeface="Proxima Nova"/>
-                <a:sym typeface="Proxima Nova"/>
-              </a:rPr>
-            </a:br>
-            <a:r>
-              <a:rPr lang="en" dirty="0">
-                <a:latin typeface="Proxima Nova"/>
-                <a:ea typeface="Proxima Nova"/>
-                <a:cs typeface="Proxima Nova"/>
-                <a:sym typeface="Proxima Nova"/>
-              </a:rPr>
-              <a:t>I daresay you haven’t had much practice,” said the Queen. “When I was your age, I always did it for half-an-hour a day. </a:t>
-            </a:r>
-            <a:r>
-              <a:rPr lang="en" b="1" dirty="0">
-                <a:latin typeface="Proxima Nova"/>
-                <a:ea typeface="Proxima Nova"/>
-                <a:cs typeface="Proxima Nova"/>
-                <a:sym typeface="Proxima Nova"/>
-              </a:rPr>
-              <a:t>Why, sometimes I’ve believed as many as six impossible things before breakfast.”</a:t>
-            </a:r>
-            <a:endParaRPr b="1" dirty="0">
-              <a:latin typeface="Proxima Nova"/>
-              <a:ea typeface="Proxima Nova"/>
-              <a:cs typeface="Proxima Nova"/>
-              <a:sym typeface="Proxima Nova"/>
-            </a:endParaRPr>
-          </a:p>
-          <a:p>
-            <a:pPr marL="690875" indent="-479774">
-              <a:buSzPts val="1400"/>
-              <a:buFont typeface="Proxima Nova"/>
-              <a:buChar char="-"/>
-            </a:pPr>
-            <a:r>
-              <a:rPr lang="en" dirty="0">
-                <a:latin typeface="Proxima Nova"/>
-                <a:ea typeface="Proxima Nova"/>
-                <a:cs typeface="Proxima Nova"/>
-                <a:sym typeface="Proxima Nova"/>
-              </a:rPr>
-              <a:t>Alice in Wonderland</a:t>
-            </a:r>
-            <a:endParaRPr dirty="0">
-              <a:latin typeface="Proxima Nova"/>
-              <a:ea typeface="Proxima Nova"/>
-              <a:cs typeface="Proxima Nova"/>
-              <a:sym typeface="Proxima Nova"/>
-            </a:endParaRPr>
-          </a:p>
         </p:txBody>
       </p:sp>
       <p:sp>
         <p:nvSpPr>
-          <p:cNvPr id="209" name="Google Shape;209;p42"/>
+          <p:cNvPr id="230" name="Google Shape;230;p43"/>
           <p:cNvSpPr txBox="1"/>
           <p:nvPr/>
         </p:nvSpPr>
         <p:spPr>
           <a:xfrm>
-            <a:off x="10218133" y="6827087"/>
-            <a:ext cx="3496107" cy="555333"/>
+            <a:off x="7745880" y="6459320"/>
+            <a:ext cx="5982187" cy="922533"/>
           </a:xfrm>
           <a:prstGeom prst="rect">
             <a:avLst/>
@@ -11022,7 +7775,24 @@
                 <a:cs typeface="Proxima Nova"/>
                 <a:sym typeface="Proxima Nova"/>
               </a:rPr>
-              <a:t>Credit for slide idea: Elisa Cundiff</a:t>
+              <a:t>3rd Law of Tech: Technology comes in packages, big and small.</a:t>
+            </a:r>
+            <a:endParaRPr sz="1511" dirty="0">
+              <a:latin typeface="Proxima Nova"/>
+              <a:ea typeface="Proxima Nova"/>
+              <a:cs typeface="Proxima Nova"/>
+              <a:sym typeface="Proxima Nova"/>
+            </a:endParaRPr>
+          </a:p>
+          <a:p>
+            <a:r>
+              <a:rPr lang="en" sz="1511">
+                <a:latin typeface="Proxima Nova"/>
+                <a:ea typeface="Proxima Nova"/>
+                <a:cs typeface="Proxima Nova"/>
+                <a:sym typeface="Proxima Nova"/>
+              </a:rPr>
+              <a:t>Further Thinking: All technology, big and small, needs to be designed with the client in mind.</a:t>
             </a:r>
             <a:endParaRPr sz="1511" dirty="0">
               <a:latin typeface="Proxima Nova"/>
@@ -11041,350 +7811,7 @@
 </p:sld>
 </file>
 
-<file path=ppt/slides/slide5.xml><?xml version="1.0" encoding="utf-8"?>
-<p:sld xmlns:a="http://schemas.openxmlformats.org/drawingml/2006/main" xmlns:r="http://schemas.openxmlformats.org/officeDocument/2006/relationships" xmlns:p="http://schemas.openxmlformats.org/presentationml/2006/main">
-  <p:cSld>
-    <p:spTree>
-      <p:nvGrpSpPr>
-        <p:cNvPr id="1" name="Shape 214"/>
-        <p:cNvGrpSpPr/>
-        <p:nvPr/>
-      </p:nvGrpSpPr>
-      <p:grpSpPr>
-        <a:xfrm>
-          <a:off x="0" y="0"/>
-          <a:ext cx="0" cy="0"/>
-          <a:chOff x="0" y="0"/>
-          <a:chExt cx="0" cy="0"/>
-        </a:xfrm>
-      </p:grpSpPr>
-      <p:sp>
-        <p:nvSpPr>
-          <p:cNvPr id="215" name="Google Shape;215;p43"/>
-          <p:cNvSpPr txBox="1">
-            <a:spLocks noGrp="1"/>
-          </p:cNvSpPr>
-          <p:nvPr>
-            <p:ph type="title"/>
-          </p:nvPr>
-        </p:nvSpPr>
-        <p:spPr>
-          <a:xfrm>
-            <a:off x="628075" y="751389"/>
-            <a:ext cx="12561413" cy="1015467"/>
-          </a:xfrm>
-          <a:prstGeom prst="rect">
-            <a:avLst/>
-          </a:prstGeom>
-        </p:spPr>
-        <p:txBody>
-          <a:bodyPr spcFirstLastPara="1" vert="horz" wrap="square" lIns="91422" tIns="91422" rIns="91422" bIns="91422" rtlCol="0" anchor="b" anchorCtr="0">
-            <a:noAutofit/>
-          </a:bodyPr>
-          <a:lstStyle/>
-          <a:p>
-            <a:r>
-              <a:rPr lang="en" dirty="0"/>
-              <a:t>Next Steps </a:t>
-            </a:r>
-            <a:endParaRPr dirty="0"/>
-          </a:p>
-        </p:txBody>
-      </p:sp>
-      <p:pic>
-        <p:nvPicPr>
-          <p:cNvPr id="217" name="Google Shape;217;p43" descr="Empathize. How do I approach the challenge? Define. How do I interpret my findings? Ideate. What do we create? Prototype. How do I build my idea? Test. How do I prove and improve the idea?"/>
-          <p:cNvPicPr preferRelativeResize="0"/>
-          <p:nvPr/>
-        </p:nvPicPr>
-        <p:blipFill>
-          <a:blip r:embed="rId3">
-            <a:alphaModFix/>
-          </a:blip>
-          <a:stretch>
-            <a:fillRect/>
-          </a:stretch>
-        </p:blipFill>
-        <p:spPr>
-          <a:xfrm>
-            <a:off x="9197643" y="188927"/>
-            <a:ext cx="4426611" cy="2015520"/>
-          </a:xfrm>
-          <a:prstGeom prst="rect">
-            <a:avLst/>
-          </a:prstGeom>
-          <a:noFill/>
-          <a:ln>
-            <a:noFill/>
-          </a:ln>
-        </p:spPr>
-      </p:pic>
-      <p:sp>
-        <p:nvSpPr>
-          <p:cNvPr id="216" name="Google Shape;216;p43"/>
-          <p:cNvSpPr txBox="1">
-            <a:spLocks noGrp="1"/>
-          </p:cNvSpPr>
-          <p:nvPr>
-            <p:ph type="body" idx="1"/>
-          </p:nvPr>
-        </p:nvSpPr>
-        <p:spPr>
-          <a:xfrm>
-            <a:off x="628094" y="2343670"/>
-            <a:ext cx="12561413" cy="4249093"/>
-          </a:xfrm>
-          <a:prstGeom prst="rect">
-            <a:avLst/>
-          </a:prstGeom>
-        </p:spPr>
-        <p:txBody>
-          <a:bodyPr spcFirstLastPara="1" vert="horz" wrap="square" lIns="91422" tIns="91422" rIns="91422" bIns="91422" rtlCol="0" anchor="t" anchorCtr="0">
-            <a:noAutofit/>
-          </a:bodyPr>
-          <a:lstStyle/>
-          <a:p>
-            <a:pPr>
-              <a:buChar char="●"/>
-            </a:pPr>
-            <a:r>
-              <a:rPr lang="en"/>
-              <a:t>Emphasize </a:t>
-            </a:r>
-            <a:endParaRPr dirty="0"/>
-          </a:p>
-          <a:p>
-            <a:pPr lvl="1">
-              <a:spcBef>
-                <a:spcPts val="0"/>
-              </a:spcBef>
-              <a:buChar char="○"/>
-            </a:pPr>
-            <a:r>
-              <a:rPr lang="en"/>
-              <a:t>Talk with others about your ideas</a:t>
-            </a:r>
-            <a:endParaRPr dirty="0"/>
-          </a:p>
-          <a:p>
-            <a:pPr lvl="1">
-              <a:spcBef>
-                <a:spcPts val="0"/>
-              </a:spcBef>
-              <a:buChar char="○"/>
-            </a:pPr>
-            <a:r>
-              <a:rPr lang="en"/>
-              <a:t>Find </a:t>
-            </a:r>
-            <a:r>
-              <a:rPr lang="en" b="1"/>
-              <a:t>diverse</a:t>
-            </a:r>
-            <a:r>
-              <a:rPr lang="en"/>
-              <a:t> audiences to talk to</a:t>
-            </a:r>
-            <a:endParaRPr dirty="0"/>
-          </a:p>
-          <a:p>
-            <a:pPr lvl="2">
-              <a:spcBef>
-                <a:spcPts val="0"/>
-              </a:spcBef>
-              <a:buChar char="■"/>
-            </a:pPr>
-            <a:r>
-              <a:rPr lang="en"/>
-              <a:t>Talking with your friends and family only introduces unconscious bias</a:t>
-            </a:r>
-            <a:endParaRPr dirty="0"/>
-          </a:p>
-          <a:p>
-            <a:pPr>
-              <a:spcBef>
-                <a:spcPts val="0"/>
-              </a:spcBef>
-              <a:buChar char="●"/>
-            </a:pPr>
-            <a:r>
-              <a:rPr lang="en"/>
-              <a:t>Define</a:t>
-            </a:r>
-            <a:endParaRPr dirty="0"/>
-          </a:p>
-          <a:p>
-            <a:pPr lvl="1">
-              <a:spcBef>
-                <a:spcPts val="0"/>
-              </a:spcBef>
-              <a:buChar char="○"/>
-            </a:pPr>
-            <a:r>
-              <a:rPr lang="en"/>
-              <a:t>Define your problem </a:t>
-            </a:r>
-            <a:r>
-              <a:rPr lang="en" u="sng"/>
-              <a:t>before</a:t>
-            </a:r>
-            <a:r>
-              <a:rPr lang="en"/>
-              <a:t> you write code</a:t>
-            </a:r>
-            <a:endParaRPr dirty="0"/>
-          </a:p>
-          <a:p>
-            <a:pPr>
-              <a:spcBef>
-                <a:spcPts val="0"/>
-              </a:spcBef>
-              <a:buChar char="●"/>
-            </a:pPr>
-            <a:r>
-              <a:rPr lang="en"/>
-              <a:t>Ideate </a:t>
-            </a:r>
-            <a:endParaRPr dirty="0"/>
-          </a:p>
-          <a:p>
-            <a:pPr lvl="1">
-              <a:spcBef>
-                <a:spcPts val="0"/>
-              </a:spcBef>
-              <a:buChar char="○"/>
-            </a:pPr>
-            <a:r>
-              <a:rPr lang="en"/>
-              <a:t>Design your solution </a:t>
-            </a:r>
-            <a:r>
-              <a:rPr lang="en" u="sng"/>
-              <a:t>before</a:t>
-            </a:r>
-            <a:r>
-              <a:rPr lang="en"/>
-              <a:t> you write code</a:t>
-            </a:r>
-            <a:endParaRPr dirty="0"/>
-          </a:p>
-          <a:p>
-            <a:pPr lvl="2">
-              <a:spcBef>
-                <a:spcPts val="0"/>
-              </a:spcBef>
-              <a:buChar char="■"/>
-            </a:pPr>
-            <a:r>
-              <a:rPr lang="en"/>
-              <a:t>This can be a rough idea</a:t>
-            </a:r>
-            <a:endParaRPr dirty="0"/>
-          </a:p>
-          <a:p>
-            <a:pPr lvl="2">
-              <a:spcBef>
-                <a:spcPts val="0"/>
-              </a:spcBef>
-              <a:buChar char="■"/>
-            </a:pPr>
-            <a:r>
-              <a:rPr lang="en"/>
-              <a:t>Map out your code on paper</a:t>
-            </a:r>
-            <a:endParaRPr dirty="0"/>
-          </a:p>
-          <a:p>
-            <a:pPr>
-              <a:spcBef>
-                <a:spcPts val="0"/>
-              </a:spcBef>
-              <a:buChar char="●"/>
-            </a:pPr>
-            <a:r>
-              <a:rPr lang="en"/>
-              <a:t>Prototype</a:t>
-            </a:r>
-            <a:endParaRPr dirty="0"/>
-          </a:p>
-          <a:p>
-            <a:pPr lvl="1">
-              <a:spcBef>
-                <a:spcPts val="0"/>
-              </a:spcBef>
-              <a:buChar char="○"/>
-            </a:pPr>
-            <a:r>
-              <a:rPr lang="en"/>
-              <a:t>Start writing!  </a:t>
-            </a:r>
-            <a:endParaRPr dirty="0"/>
-          </a:p>
-          <a:p>
-            <a:pPr>
-              <a:spcBef>
-                <a:spcPts val="0"/>
-              </a:spcBef>
-              <a:buChar char="●"/>
-            </a:pPr>
-            <a:r>
-              <a:rPr lang="en"/>
-              <a:t>Reiterate</a:t>
-            </a:r>
-            <a:endParaRPr dirty="0"/>
-          </a:p>
-          <a:p>
-            <a:pPr lvl="1">
-              <a:spcBef>
-                <a:spcPts val="0"/>
-              </a:spcBef>
-              <a:buChar char="○"/>
-            </a:pPr>
-            <a:r>
-              <a:rPr lang="en"/>
-              <a:t>It is alright to change it / make it incremental! </a:t>
-            </a:r>
-            <a:endParaRPr dirty="0"/>
-          </a:p>
-        </p:txBody>
-      </p:sp>
-      <p:pic>
-        <p:nvPicPr>
-          <p:cNvPr id="218" name="Google Shape;218;p43" descr="Illustration of the characters from the film and story Alice in Wonderland."/>
-          <p:cNvPicPr preferRelativeResize="0"/>
-          <p:nvPr/>
-        </p:nvPicPr>
-        <p:blipFill>
-          <a:blip r:embed="rId4">
-            <a:alphaModFix/>
-          </a:blip>
-          <a:stretch>
-            <a:fillRect/>
-          </a:stretch>
-        </p:blipFill>
-        <p:spPr>
-          <a:xfrm>
-            <a:off x="9197645" y="3306377"/>
-            <a:ext cx="4426611" cy="2796591"/>
-          </a:xfrm>
-          <a:prstGeom prst="rect">
-            <a:avLst/>
-          </a:prstGeom>
-          <a:noFill/>
-          <a:ln>
-            <a:noFill/>
-          </a:ln>
-        </p:spPr>
-      </p:pic>
-    </p:spTree>
-  </p:cSld>
-  <p:clrMapOvr>
-    <a:masterClrMapping/>
-  </p:clrMapOvr>
-</p:sld>
-</file>
-
-<file path=ppt/slides/slide6.xml><?xml version="1.0" encoding="utf-8"?>
+<file path=ppt/slides/slide3.xml><?xml version="1.0" encoding="utf-8"?>
 <p:sld xmlns:a="http://schemas.openxmlformats.org/drawingml/2006/main" xmlns:r="http://schemas.openxmlformats.org/officeDocument/2006/relationships" xmlns:p="http://schemas.openxmlformats.org/presentationml/2006/main">
   <p:cSld>
     <p:spTree>
@@ -11479,7 +7906,7 @@
 </p:sld>
 </file>
 
-<file path=ppt/slides/slide7.xml><?xml version="1.0" encoding="utf-8"?>
+<file path=ppt/slides/slide4.xml><?xml version="1.0" encoding="utf-8"?>
 <p:sld xmlns:a="http://schemas.openxmlformats.org/drawingml/2006/main" xmlns:r="http://schemas.openxmlformats.org/officeDocument/2006/relationships" xmlns:p="http://schemas.openxmlformats.org/presentationml/2006/main">
   <p:cSld>
     <p:spTree>
@@ -12470,7 +8897,7 @@
 </p:sld>
 </file>
 
-<file path=ppt/slides/slide8.xml><?xml version="1.0" encoding="utf-8"?>
+<file path=ppt/slides/slide5.xml><?xml version="1.0" encoding="utf-8"?>
 <p:sld xmlns:a="http://schemas.openxmlformats.org/drawingml/2006/main" xmlns:r="http://schemas.openxmlformats.org/officeDocument/2006/relationships" xmlns:p="http://schemas.openxmlformats.org/presentationml/2006/main">
   <p:cSld>
     <p:spTree>
@@ -13614,7 +10041,7 @@
 </p:sld>
 </file>
 
-<file path=ppt/slides/slide9.xml><?xml version="1.0" encoding="utf-8"?>
+<file path=ppt/slides/slide6.xml><?xml version="1.0" encoding="utf-8"?>
 <p:sld xmlns:a="http://schemas.openxmlformats.org/drawingml/2006/main" xmlns:r="http://schemas.openxmlformats.org/officeDocument/2006/relationships" xmlns:p="http://schemas.openxmlformats.org/presentationml/2006/main">
   <p:cSld>
     <p:spTree>
@@ -14554,6 +10981,1783 @@
       <p:bldP spid="7" grpId="0"/>
     </p:bldLst>
   </p:timing>
+</p:sld>
+</file>
+
+<file path=ppt/slides/slide7.xml><?xml version="1.0" encoding="utf-8"?>
+<p:sld xmlns:a="http://schemas.openxmlformats.org/drawingml/2006/main" xmlns:r="http://schemas.openxmlformats.org/officeDocument/2006/relationships" xmlns:p="http://schemas.openxmlformats.org/presentationml/2006/main">
+  <p:cSld>
+    <p:spTree>
+      <p:nvGrpSpPr>
+        <p:cNvPr id="1" name=""/>
+        <p:cNvGrpSpPr/>
+        <p:nvPr/>
+      </p:nvGrpSpPr>
+      <p:grpSpPr>
+        <a:xfrm>
+          <a:off x="0" y="0"/>
+          <a:ext cx="0" cy="0"/>
+          <a:chOff x="0" y="0"/>
+          <a:chExt cx="0" cy="0"/>
+        </a:xfrm>
+      </p:grpSpPr>
+      <p:sp>
+        <p:nvSpPr>
+          <p:cNvPr id="2" name="Title 1">
+            <a:extLst>
+              <a:ext uri="{FF2B5EF4-FFF2-40B4-BE49-F238E27FC236}">
+                <a16:creationId xmlns:a16="http://schemas.microsoft.com/office/drawing/2014/main" id="{818F0946-F262-2C49-9ABD-288B29AD0BE4}"/>
+              </a:ext>
+            </a:extLst>
+          </p:cNvPr>
+          <p:cNvSpPr>
+            <a:spLocks noGrp="1"/>
+          </p:cNvSpPr>
+          <p:nvPr>
+            <p:ph type="title"/>
+          </p:nvPr>
+        </p:nvSpPr>
+        <p:spPr/>
+        <p:txBody>
+          <a:bodyPr/>
+          <a:lstStyle/>
+          <a:p>
+            <a:r>
+              <a:rPr lang="en-US" dirty="0"/>
+              <a:t>Printing Elements In Lists?</a:t>
+            </a:r>
+          </a:p>
+        </p:txBody>
+      </p:sp>
+      <p:sp>
+        <p:nvSpPr>
+          <p:cNvPr id="3" name="Text Placeholder 2">
+            <a:extLst>
+              <a:ext uri="{FF2B5EF4-FFF2-40B4-BE49-F238E27FC236}">
+                <a16:creationId xmlns:a16="http://schemas.microsoft.com/office/drawing/2014/main" id="{6141502A-CCCA-C148-ABA4-7A23D0C584D1}"/>
+              </a:ext>
+            </a:extLst>
+          </p:cNvPr>
+          <p:cNvSpPr>
+            <a:spLocks noGrp="1"/>
+          </p:cNvSpPr>
+          <p:nvPr>
+            <p:ph type="body" sz="quarter" idx="10"/>
+          </p:nvPr>
+        </p:nvSpPr>
+        <p:spPr>
+          <a:xfrm>
+            <a:off x="628075" y="1776682"/>
+            <a:ext cx="2781169" cy="481414"/>
+          </a:xfrm>
+        </p:spPr>
+        <p:txBody>
+          <a:bodyPr/>
+          <a:lstStyle/>
+          <a:p>
+            <a:r>
+              <a:rPr lang="en-US" dirty="0"/>
+              <a:t>the while loop way</a:t>
+            </a:r>
+          </a:p>
+        </p:txBody>
+      </p:sp>
+      <p:sp>
+        <p:nvSpPr>
+          <p:cNvPr id="4" name="Rectangle 3">
+            <a:extLst>
+              <a:ext uri="{FF2B5EF4-FFF2-40B4-BE49-F238E27FC236}">
+                <a16:creationId xmlns:a16="http://schemas.microsoft.com/office/drawing/2014/main" id="{3CABFD07-2174-BD4C-99B8-542F6CB04C35}"/>
+              </a:ext>
+            </a:extLst>
+          </p:cNvPr>
+          <p:cNvSpPr/>
+          <p:nvPr/>
+        </p:nvSpPr>
+        <p:spPr>
+          <a:xfrm>
+            <a:off x="628075" y="2422970"/>
+            <a:ext cx="6908800" cy="1323439"/>
+          </a:xfrm>
+          <a:prstGeom prst="rect">
+            <a:avLst/>
+          </a:prstGeom>
+        </p:spPr>
+        <p:txBody>
+          <a:bodyPr>
+            <a:spAutoFit/>
+          </a:bodyPr>
+          <a:lstStyle/>
+          <a:p>
+            <a:r>
+              <a:rPr lang="en-US" dirty="0">
+                <a:latin typeface="Consolas" panose="020B0609020204030204" pitchFamily="49" charset="0"/>
+                <a:cs typeface="Consolas" panose="020B0609020204030204" pitchFamily="49" charset="0"/>
+              </a:rPr>
+              <a:t>index =  </a:t>
+            </a:r>
+            <a:r>
+              <a:rPr lang="en-US" dirty="0">
+                <a:solidFill>
+                  <a:srgbClr val="6897BB"/>
+                </a:solidFill>
+                <a:latin typeface="Consolas" panose="020B0609020204030204" pitchFamily="49" charset="0"/>
+                <a:cs typeface="Consolas" panose="020B0609020204030204" pitchFamily="49" charset="0"/>
+              </a:rPr>
+              <a:t>0</a:t>
+            </a:r>
+            <a:br>
+              <a:rPr lang="en-US" dirty="0">
+                <a:solidFill>
+                  <a:srgbClr val="6897BB"/>
+                </a:solidFill>
+                <a:latin typeface="Consolas" panose="020B0609020204030204" pitchFamily="49" charset="0"/>
+                <a:cs typeface="Consolas" panose="020B0609020204030204" pitchFamily="49" charset="0"/>
+              </a:rPr>
+            </a:br>
+            <a:r>
+              <a:rPr lang="en-US" dirty="0">
+                <a:solidFill>
+                  <a:srgbClr val="CC7832"/>
+                </a:solidFill>
+                <a:latin typeface="Consolas" panose="020B0609020204030204" pitchFamily="49" charset="0"/>
+                <a:cs typeface="Consolas" panose="020B0609020204030204" pitchFamily="49" charset="0"/>
+              </a:rPr>
+              <a:t>while </a:t>
+            </a:r>
+            <a:r>
+              <a:rPr lang="en-US" dirty="0">
+                <a:latin typeface="Consolas" panose="020B0609020204030204" pitchFamily="49" charset="0"/>
+                <a:cs typeface="Consolas" panose="020B0609020204030204" pitchFamily="49" charset="0"/>
+              </a:rPr>
+              <a:t>index &lt; </a:t>
+            </a:r>
+            <a:r>
+              <a:rPr lang="en-US" dirty="0" err="1">
+                <a:solidFill>
+                  <a:srgbClr val="8888C6"/>
+                </a:solidFill>
+                <a:latin typeface="Consolas" panose="020B0609020204030204" pitchFamily="49" charset="0"/>
+                <a:cs typeface="Consolas" panose="020B0609020204030204" pitchFamily="49" charset="0"/>
+              </a:rPr>
+              <a:t>len</a:t>
+            </a:r>
+            <a:r>
+              <a:rPr lang="en-US" dirty="0">
+                <a:latin typeface="Consolas" panose="020B0609020204030204" pitchFamily="49" charset="0"/>
+                <a:cs typeface="Consolas" panose="020B0609020204030204" pitchFamily="49" charset="0"/>
+              </a:rPr>
+              <a:t>(glaciers):</a:t>
+            </a:r>
+            <a:br>
+              <a:rPr lang="en-US" dirty="0">
+                <a:latin typeface="Consolas" panose="020B0609020204030204" pitchFamily="49" charset="0"/>
+                <a:cs typeface="Consolas" panose="020B0609020204030204" pitchFamily="49" charset="0"/>
+              </a:rPr>
+            </a:br>
+            <a:r>
+              <a:rPr lang="en-US" dirty="0">
+                <a:latin typeface="Consolas" panose="020B0609020204030204" pitchFamily="49" charset="0"/>
+                <a:cs typeface="Consolas" panose="020B0609020204030204" pitchFamily="49" charset="0"/>
+              </a:rPr>
+              <a:t>    </a:t>
+            </a:r>
+            <a:r>
+              <a:rPr lang="en-US" dirty="0">
+                <a:solidFill>
+                  <a:srgbClr val="8888C6"/>
+                </a:solidFill>
+                <a:latin typeface="Consolas" panose="020B0609020204030204" pitchFamily="49" charset="0"/>
+                <a:cs typeface="Consolas" panose="020B0609020204030204" pitchFamily="49" charset="0"/>
+              </a:rPr>
+              <a:t>print</a:t>
+            </a:r>
+            <a:r>
+              <a:rPr lang="en-US" dirty="0">
+                <a:latin typeface="Consolas" panose="020B0609020204030204" pitchFamily="49" charset="0"/>
+                <a:cs typeface="Consolas" panose="020B0609020204030204" pitchFamily="49" charset="0"/>
+              </a:rPr>
+              <a:t>(glaciers[index]</a:t>
+            </a:r>
+            <a:r>
+              <a:rPr lang="en-US" dirty="0">
+                <a:solidFill>
+                  <a:srgbClr val="CC7832"/>
+                </a:solidFill>
+                <a:latin typeface="Consolas" panose="020B0609020204030204" pitchFamily="49" charset="0"/>
+                <a:cs typeface="Consolas" panose="020B0609020204030204" pitchFamily="49" charset="0"/>
+              </a:rPr>
+              <a:t>, </a:t>
+            </a:r>
+            <a:r>
+              <a:rPr lang="en-US" dirty="0">
+                <a:solidFill>
+                  <a:srgbClr val="AA4926"/>
+                </a:solidFill>
+                <a:latin typeface="Consolas" panose="020B0609020204030204" pitchFamily="49" charset="0"/>
+                <a:cs typeface="Consolas" panose="020B0609020204030204" pitchFamily="49" charset="0"/>
+              </a:rPr>
+              <a:t>end </a:t>
+            </a:r>
+            <a:r>
+              <a:rPr lang="en-US" dirty="0">
+                <a:latin typeface="Consolas" panose="020B0609020204030204" pitchFamily="49" charset="0"/>
+                <a:cs typeface="Consolas" panose="020B0609020204030204" pitchFamily="49" charset="0"/>
+              </a:rPr>
+              <a:t>= </a:t>
+            </a:r>
+            <a:r>
+              <a:rPr lang="en-US" dirty="0">
+                <a:solidFill>
+                  <a:srgbClr val="6A8759"/>
+                </a:solidFill>
+                <a:latin typeface="Consolas" panose="020B0609020204030204" pitchFamily="49" charset="0"/>
+                <a:cs typeface="Consolas" panose="020B0609020204030204" pitchFamily="49" charset="0"/>
+              </a:rPr>
+              <a:t>' '</a:t>
+            </a:r>
+            <a:r>
+              <a:rPr lang="en-US" dirty="0">
+                <a:latin typeface="Consolas" panose="020B0609020204030204" pitchFamily="49" charset="0"/>
+                <a:cs typeface="Consolas" panose="020B0609020204030204" pitchFamily="49" charset="0"/>
+              </a:rPr>
+              <a:t>)</a:t>
+            </a:r>
+            <a:br>
+              <a:rPr lang="en-US" dirty="0">
+                <a:latin typeface="Consolas" panose="020B0609020204030204" pitchFamily="49" charset="0"/>
+                <a:cs typeface="Consolas" panose="020B0609020204030204" pitchFamily="49" charset="0"/>
+              </a:rPr>
+            </a:br>
+            <a:r>
+              <a:rPr lang="en-US" dirty="0">
+                <a:latin typeface="Consolas" panose="020B0609020204030204" pitchFamily="49" charset="0"/>
+                <a:cs typeface="Consolas" panose="020B0609020204030204" pitchFamily="49" charset="0"/>
+              </a:rPr>
+              <a:t>    index += </a:t>
+            </a:r>
+            <a:r>
+              <a:rPr lang="en-US" dirty="0">
+                <a:solidFill>
+                  <a:srgbClr val="6897BB"/>
+                </a:solidFill>
+                <a:latin typeface="Consolas" panose="020B0609020204030204" pitchFamily="49" charset="0"/>
+                <a:cs typeface="Consolas" panose="020B0609020204030204" pitchFamily="49" charset="0"/>
+              </a:rPr>
+              <a:t>1</a:t>
+            </a:r>
+            <a:endParaRPr lang="en-US" dirty="0">
+              <a:latin typeface="Consolas" panose="020B0609020204030204" pitchFamily="49" charset="0"/>
+              <a:cs typeface="Consolas" panose="020B0609020204030204" pitchFamily="49" charset="0"/>
+            </a:endParaRPr>
+          </a:p>
+        </p:txBody>
+      </p:sp>
+      <p:sp>
+        <p:nvSpPr>
+          <p:cNvPr id="5" name="Text Placeholder 2">
+            <a:extLst>
+              <a:ext uri="{FF2B5EF4-FFF2-40B4-BE49-F238E27FC236}">
+                <a16:creationId xmlns:a16="http://schemas.microsoft.com/office/drawing/2014/main" id="{2AF1A903-BF6F-A746-B482-90725A02D7DE}"/>
+              </a:ext>
+            </a:extLst>
+          </p:cNvPr>
+          <p:cNvSpPr txBox="1">
+            <a:spLocks/>
+          </p:cNvSpPr>
+          <p:nvPr/>
+        </p:nvSpPr>
+        <p:spPr>
+          <a:xfrm>
+            <a:off x="628074" y="3886200"/>
+            <a:ext cx="4847037" cy="481414"/>
+          </a:xfrm>
+          <a:prstGeom prst="rect">
+            <a:avLst/>
+          </a:prstGeom>
+        </p:spPr>
+        <p:txBody>
+          <a:bodyPr vert="horz" wrap="square" lIns="91440" tIns="91440" rIns="91440" bIns="91440" rtlCol="0">
+            <a:spAutoFit/>
+          </a:bodyPr>
+          <a:lstStyle>
+            <a:lvl1pPr marL="524712" indent="-524712" algn="l" defTabSz="699614" rtl="0" eaLnBrk="1" latinLnBrk="0" hangingPunct="1">
+              <a:lnSpc>
+                <a:spcPct val="120000"/>
+              </a:lnSpc>
+              <a:spcBef>
+                <a:spcPts val="600"/>
+              </a:spcBef>
+              <a:spcAft>
+                <a:spcPts val="600"/>
+              </a:spcAft>
+              <a:buFont typeface="Arial"/>
+              <a:buChar char="•"/>
+              <a:defRPr sz="1800" b="0" i="0" kern="1200">
+                <a:solidFill>
+                  <a:srgbClr val="092529"/>
+                </a:solidFill>
+                <a:latin typeface="Proxima Nova" charset="0"/>
+                <a:ea typeface="Proxima Nova" charset="0"/>
+                <a:cs typeface="Proxima Nova" charset="0"/>
+              </a:defRPr>
+            </a:lvl1pPr>
+            <a:lvl2pPr marL="1136875" indent="-437261" algn="l" defTabSz="699614" rtl="0" eaLnBrk="1" latinLnBrk="0" hangingPunct="1">
+              <a:lnSpc>
+                <a:spcPct val="120000"/>
+              </a:lnSpc>
+              <a:spcBef>
+                <a:spcPts val="0"/>
+              </a:spcBef>
+              <a:spcAft>
+                <a:spcPts val="600"/>
+              </a:spcAft>
+              <a:buFont typeface="Arial"/>
+              <a:buChar char="–"/>
+              <a:defRPr sz="1600" b="0" i="0" kern="1200">
+                <a:solidFill>
+                  <a:srgbClr val="092529"/>
+                </a:solidFill>
+                <a:latin typeface="Proxima Nova" charset="0"/>
+                <a:ea typeface="Proxima Nova" charset="0"/>
+                <a:cs typeface="Proxima Nova" charset="0"/>
+              </a:defRPr>
+            </a:lvl2pPr>
+            <a:lvl3pPr marL="1749040" indent="-349807" algn="l" defTabSz="699614" rtl="0" eaLnBrk="1" latinLnBrk="0" hangingPunct="1">
+              <a:lnSpc>
+                <a:spcPct val="120000"/>
+              </a:lnSpc>
+              <a:spcBef>
+                <a:spcPts val="0"/>
+              </a:spcBef>
+              <a:spcAft>
+                <a:spcPts val="600"/>
+              </a:spcAft>
+              <a:buFont typeface="Arial"/>
+              <a:buChar char="•"/>
+              <a:defRPr sz="1600" b="0" i="0" kern="1200">
+                <a:solidFill>
+                  <a:srgbClr val="092529"/>
+                </a:solidFill>
+                <a:latin typeface="Proxima Nova" charset="0"/>
+                <a:ea typeface="Proxima Nova" charset="0"/>
+                <a:cs typeface="Proxima Nova" charset="0"/>
+              </a:defRPr>
+            </a:lvl3pPr>
+            <a:lvl4pPr marL="2448655" indent="-349807" algn="l" defTabSz="699614" rtl="0" eaLnBrk="1" latinLnBrk="0" hangingPunct="1">
+              <a:lnSpc>
+                <a:spcPct val="120000"/>
+              </a:lnSpc>
+              <a:spcBef>
+                <a:spcPts val="0"/>
+              </a:spcBef>
+              <a:spcAft>
+                <a:spcPts val="600"/>
+              </a:spcAft>
+              <a:buFont typeface="Arial"/>
+              <a:buChar char="–"/>
+              <a:defRPr sz="1600" b="0" i="0" kern="1200">
+                <a:solidFill>
+                  <a:srgbClr val="092529"/>
+                </a:solidFill>
+                <a:latin typeface="Proxima Nova" charset="0"/>
+                <a:ea typeface="Proxima Nova" charset="0"/>
+                <a:cs typeface="Proxima Nova" charset="0"/>
+              </a:defRPr>
+            </a:lvl4pPr>
+            <a:lvl5pPr marL="3148272" indent="-349807" algn="l" defTabSz="699614" rtl="0" eaLnBrk="1" latinLnBrk="0" hangingPunct="1">
+              <a:spcBef>
+                <a:spcPct val="20000"/>
+              </a:spcBef>
+              <a:buFont typeface="Arial"/>
+              <a:buChar char="»"/>
+              <a:defRPr sz="1648" b="0" kern="1200">
+                <a:solidFill>
+                  <a:srgbClr val="092529"/>
+                </a:solidFill>
+                <a:latin typeface="Franklin Gothic Book" charset="0"/>
+                <a:ea typeface="Franklin Gothic Book" charset="0"/>
+                <a:cs typeface="Franklin Gothic Book" charset="0"/>
+              </a:defRPr>
+            </a:lvl5pPr>
+            <a:lvl6pPr marL="3847888" indent="-349807" algn="l" defTabSz="699614" rtl="0" eaLnBrk="1" latinLnBrk="0" hangingPunct="1">
+              <a:spcBef>
+                <a:spcPct val="20000"/>
+              </a:spcBef>
+              <a:buFont typeface="Arial"/>
+              <a:buChar char="•"/>
+              <a:defRPr sz="3022" kern="1200">
+                <a:solidFill>
+                  <a:schemeClr val="tx1"/>
+                </a:solidFill>
+                <a:latin typeface="+mn-lt"/>
+                <a:ea typeface="+mn-ea"/>
+                <a:cs typeface="+mn-cs"/>
+              </a:defRPr>
+            </a:lvl6pPr>
+            <a:lvl7pPr marL="4547505" indent="-349807" algn="l" defTabSz="699614" rtl="0" eaLnBrk="1" latinLnBrk="0" hangingPunct="1">
+              <a:spcBef>
+                <a:spcPct val="20000"/>
+              </a:spcBef>
+              <a:buFont typeface="Arial"/>
+              <a:buChar char="•"/>
+              <a:defRPr sz="3022" kern="1200">
+                <a:solidFill>
+                  <a:schemeClr val="tx1"/>
+                </a:solidFill>
+                <a:latin typeface="+mn-lt"/>
+                <a:ea typeface="+mn-ea"/>
+                <a:cs typeface="+mn-cs"/>
+              </a:defRPr>
+            </a:lvl7pPr>
+            <a:lvl8pPr marL="5247119" indent="-349807" algn="l" defTabSz="699614" rtl="0" eaLnBrk="1" latinLnBrk="0" hangingPunct="1">
+              <a:spcBef>
+                <a:spcPct val="20000"/>
+              </a:spcBef>
+              <a:buFont typeface="Arial"/>
+              <a:buChar char="•"/>
+              <a:defRPr sz="3022" kern="1200">
+                <a:solidFill>
+                  <a:schemeClr val="tx1"/>
+                </a:solidFill>
+                <a:latin typeface="+mn-lt"/>
+                <a:ea typeface="+mn-ea"/>
+                <a:cs typeface="+mn-cs"/>
+              </a:defRPr>
+            </a:lvl8pPr>
+            <a:lvl9pPr marL="5946736" indent="-349807" algn="l" defTabSz="699614" rtl="0" eaLnBrk="1" latinLnBrk="0" hangingPunct="1">
+              <a:spcBef>
+                <a:spcPct val="20000"/>
+              </a:spcBef>
+              <a:buFont typeface="Arial"/>
+              <a:buChar char="•"/>
+              <a:defRPr sz="3022" kern="1200">
+                <a:solidFill>
+                  <a:schemeClr val="tx1"/>
+                </a:solidFill>
+                <a:latin typeface="+mn-lt"/>
+                <a:ea typeface="+mn-ea"/>
+                <a:cs typeface="+mn-cs"/>
+              </a:defRPr>
+            </a:lvl9pPr>
+          </a:lstStyle>
+          <a:p>
+            <a:r>
+              <a:rPr lang="en-US" dirty="0"/>
+              <a:t>introducing </a:t>
+            </a:r>
+            <a:r>
+              <a:rPr lang="en-US" b="1" dirty="0"/>
+              <a:t>for</a:t>
+            </a:r>
+            <a:r>
+              <a:rPr lang="en-US" dirty="0"/>
+              <a:t> loop</a:t>
+            </a:r>
+          </a:p>
+        </p:txBody>
+      </p:sp>
+      <p:sp>
+        <p:nvSpPr>
+          <p:cNvPr id="6" name="Rectangle 5">
+            <a:extLst>
+              <a:ext uri="{FF2B5EF4-FFF2-40B4-BE49-F238E27FC236}">
+                <a16:creationId xmlns:a16="http://schemas.microsoft.com/office/drawing/2014/main" id="{0AE5F573-D3B8-1243-A6C5-10C678F7F756}"/>
+              </a:ext>
+            </a:extLst>
+          </p:cNvPr>
+          <p:cNvSpPr/>
+          <p:nvPr/>
+        </p:nvSpPr>
+        <p:spPr>
+          <a:xfrm>
+            <a:off x="628075" y="4507405"/>
+            <a:ext cx="6908800" cy="707886"/>
+          </a:xfrm>
+          <a:prstGeom prst="rect">
+            <a:avLst/>
+          </a:prstGeom>
+        </p:spPr>
+        <p:txBody>
+          <a:bodyPr>
+            <a:spAutoFit/>
+          </a:bodyPr>
+          <a:lstStyle/>
+          <a:p>
+            <a:r>
+              <a:rPr lang="en-US" dirty="0">
+                <a:solidFill>
+                  <a:srgbClr val="CC7832"/>
+                </a:solidFill>
+                <a:latin typeface="Consolas" panose="020B0609020204030204" pitchFamily="49" charset="0"/>
+                <a:cs typeface="Consolas" panose="020B0609020204030204" pitchFamily="49" charset="0"/>
+              </a:rPr>
+              <a:t>for </a:t>
+            </a:r>
+            <a:r>
+              <a:rPr lang="en-US" dirty="0">
+                <a:latin typeface="Consolas" panose="020B0609020204030204" pitchFamily="49" charset="0"/>
+                <a:cs typeface="Consolas" panose="020B0609020204030204" pitchFamily="49" charset="0"/>
+              </a:rPr>
+              <a:t>size </a:t>
+            </a:r>
+            <a:r>
+              <a:rPr lang="en-US" dirty="0">
+                <a:solidFill>
+                  <a:srgbClr val="CC7832"/>
+                </a:solidFill>
+                <a:latin typeface="Consolas" panose="020B0609020204030204" pitchFamily="49" charset="0"/>
+                <a:cs typeface="Consolas" panose="020B0609020204030204" pitchFamily="49" charset="0"/>
+              </a:rPr>
+              <a:t>in </a:t>
+            </a:r>
+            <a:r>
+              <a:rPr lang="en-US" dirty="0">
+                <a:latin typeface="Consolas" panose="020B0609020204030204" pitchFamily="49" charset="0"/>
+                <a:cs typeface="Consolas" panose="020B0609020204030204" pitchFamily="49" charset="0"/>
+              </a:rPr>
+              <a:t>glaciers:</a:t>
+            </a:r>
+            <a:br>
+              <a:rPr lang="en-US" dirty="0">
+                <a:latin typeface="Consolas" panose="020B0609020204030204" pitchFamily="49" charset="0"/>
+                <a:cs typeface="Consolas" panose="020B0609020204030204" pitchFamily="49" charset="0"/>
+              </a:rPr>
+            </a:br>
+            <a:r>
+              <a:rPr lang="en-US" dirty="0">
+                <a:latin typeface="Consolas" panose="020B0609020204030204" pitchFamily="49" charset="0"/>
+                <a:cs typeface="Consolas" panose="020B0609020204030204" pitchFamily="49" charset="0"/>
+              </a:rPr>
+              <a:t>    </a:t>
+            </a:r>
+            <a:r>
+              <a:rPr lang="en-US" dirty="0">
+                <a:solidFill>
+                  <a:srgbClr val="8888C6"/>
+                </a:solidFill>
+                <a:latin typeface="Consolas" panose="020B0609020204030204" pitchFamily="49" charset="0"/>
+                <a:cs typeface="Consolas" panose="020B0609020204030204" pitchFamily="49" charset="0"/>
+              </a:rPr>
+              <a:t>print</a:t>
+            </a:r>
+            <a:r>
+              <a:rPr lang="en-US" dirty="0">
+                <a:latin typeface="Consolas" panose="020B0609020204030204" pitchFamily="49" charset="0"/>
+                <a:cs typeface="Consolas" panose="020B0609020204030204" pitchFamily="49" charset="0"/>
+              </a:rPr>
+              <a:t>(size</a:t>
+            </a:r>
+            <a:r>
+              <a:rPr lang="en-US" dirty="0">
+                <a:solidFill>
+                  <a:srgbClr val="CC7832"/>
+                </a:solidFill>
+                <a:latin typeface="Consolas" panose="020B0609020204030204" pitchFamily="49" charset="0"/>
+                <a:cs typeface="Consolas" panose="020B0609020204030204" pitchFamily="49" charset="0"/>
+              </a:rPr>
+              <a:t>,  </a:t>
+            </a:r>
+            <a:r>
+              <a:rPr lang="en-US" dirty="0">
+                <a:solidFill>
+                  <a:srgbClr val="AA4926"/>
+                </a:solidFill>
+                <a:latin typeface="Consolas" panose="020B0609020204030204" pitchFamily="49" charset="0"/>
+                <a:cs typeface="Consolas" panose="020B0609020204030204" pitchFamily="49" charset="0"/>
+              </a:rPr>
+              <a:t>end</a:t>
+            </a:r>
+            <a:r>
+              <a:rPr lang="en-US" dirty="0">
+                <a:latin typeface="Consolas" panose="020B0609020204030204" pitchFamily="49" charset="0"/>
+                <a:cs typeface="Consolas" panose="020B0609020204030204" pitchFamily="49" charset="0"/>
+              </a:rPr>
+              <a:t>=</a:t>
+            </a:r>
+            <a:r>
+              <a:rPr lang="en-US" dirty="0">
+                <a:solidFill>
+                  <a:srgbClr val="6A8759"/>
+                </a:solidFill>
+                <a:latin typeface="Consolas" panose="020B0609020204030204" pitchFamily="49" charset="0"/>
+                <a:cs typeface="Consolas" panose="020B0609020204030204" pitchFamily="49" charset="0"/>
+              </a:rPr>
+              <a:t>' '</a:t>
+            </a:r>
+            <a:r>
+              <a:rPr lang="en-US" dirty="0">
+                <a:latin typeface="Consolas" panose="020B0609020204030204" pitchFamily="49" charset="0"/>
+                <a:cs typeface="Consolas" panose="020B0609020204030204" pitchFamily="49" charset="0"/>
+              </a:rPr>
+              <a:t>)</a:t>
+            </a:r>
+          </a:p>
+        </p:txBody>
+      </p:sp>
+      <p:sp>
+        <p:nvSpPr>
+          <p:cNvPr id="7" name="Text Placeholder 2">
+            <a:extLst>
+              <a:ext uri="{FF2B5EF4-FFF2-40B4-BE49-F238E27FC236}">
+                <a16:creationId xmlns:a16="http://schemas.microsoft.com/office/drawing/2014/main" id="{1507E006-1AB0-4845-883D-93D29AAF1A18}"/>
+              </a:ext>
+            </a:extLst>
+          </p:cNvPr>
+          <p:cNvSpPr txBox="1">
+            <a:spLocks/>
+          </p:cNvSpPr>
+          <p:nvPr/>
+        </p:nvSpPr>
+        <p:spPr>
+          <a:xfrm>
+            <a:off x="628074" y="5317074"/>
+            <a:ext cx="4847037" cy="1712520"/>
+          </a:xfrm>
+          <a:prstGeom prst="rect">
+            <a:avLst/>
+          </a:prstGeom>
+        </p:spPr>
+        <p:txBody>
+          <a:bodyPr vert="horz" wrap="square" lIns="91440" tIns="91440" rIns="91440" bIns="91440" rtlCol="0">
+            <a:spAutoFit/>
+          </a:bodyPr>
+          <a:lstStyle>
+            <a:lvl1pPr marL="524712" indent="-524712" algn="l" defTabSz="699614" rtl="0" eaLnBrk="1" latinLnBrk="0" hangingPunct="1">
+              <a:lnSpc>
+                <a:spcPct val="120000"/>
+              </a:lnSpc>
+              <a:spcBef>
+                <a:spcPts val="600"/>
+              </a:spcBef>
+              <a:spcAft>
+                <a:spcPts val="600"/>
+              </a:spcAft>
+              <a:buFont typeface="Arial"/>
+              <a:buChar char="•"/>
+              <a:defRPr sz="1800" b="0" i="0" kern="1200">
+                <a:solidFill>
+                  <a:srgbClr val="092529"/>
+                </a:solidFill>
+                <a:latin typeface="Proxima Nova" charset="0"/>
+                <a:ea typeface="Proxima Nova" charset="0"/>
+                <a:cs typeface="Proxima Nova" charset="0"/>
+              </a:defRPr>
+            </a:lvl1pPr>
+            <a:lvl2pPr marL="1136875" indent="-437261" algn="l" defTabSz="699614" rtl="0" eaLnBrk="1" latinLnBrk="0" hangingPunct="1">
+              <a:lnSpc>
+                <a:spcPct val="120000"/>
+              </a:lnSpc>
+              <a:spcBef>
+                <a:spcPts val="0"/>
+              </a:spcBef>
+              <a:spcAft>
+                <a:spcPts val="600"/>
+              </a:spcAft>
+              <a:buFont typeface="Arial"/>
+              <a:buChar char="–"/>
+              <a:defRPr sz="1600" b="0" i="0" kern="1200">
+                <a:solidFill>
+                  <a:srgbClr val="092529"/>
+                </a:solidFill>
+                <a:latin typeface="Proxima Nova" charset="0"/>
+                <a:ea typeface="Proxima Nova" charset="0"/>
+                <a:cs typeface="Proxima Nova" charset="0"/>
+              </a:defRPr>
+            </a:lvl2pPr>
+            <a:lvl3pPr marL="1749040" indent="-349807" algn="l" defTabSz="699614" rtl="0" eaLnBrk="1" latinLnBrk="0" hangingPunct="1">
+              <a:lnSpc>
+                <a:spcPct val="120000"/>
+              </a:lnSpc>
+              <a:spcBef>
+                <a:spcPts val="0"/>
+              </a:spcBef>
+              <a:spcAft>
+                <a:spcPts val="600"/>
+              </a:spcAft>
+              <a:buFont typeface="Arial"/>
+              <a:buChar char="•"/>
+              <a:defRPr sz="1600" b="0" i="0" kern="1200">
+                <a:solidFill>
+                  <a:srgbClr val="092529"/>
+                </a:solidFill>
+                <a:latin typeface="Proxima Nova" charset="0"/>
+                <a:ea typeface="Proxima Nova" charset="0"/>
+                <a:cs typeface="Proxima Nova" charset="0"/>
+              </a:defRPr>
+            </a:lvl3pPr>
+            <a:lvl4pPr marL="2448655" indent="-349807" algn="l" defTabSz="699614" rtl="0" eaLnBrk="1" latinLnBrk="0" hangingPunct="1">
+              <a:lnSpc>
+                <a:spcPct val="120000"/>
+              </a:lnSpc>
+              <a:spcBef>
+                <a:spcPts val="0"/>
+              </a:spcBef>
+              <a:spcAft>
+                <a:spcPts val="600"/>
+              </a:spcAft>
+              <a:buFont typeface="Arial"/>
+              <a:buChar char="–"/>
+              <a:defRPr sz="1600" b="0" i="0" kern="1200">
+                <a:solidFill>
+                  <a:srgbClr val="092529"/>
+                </a:solidFill>
+                <a:latin typeface="Proxima Nova" charset="0"/>
+                <a:ea typeface="Proxima Nova" charset="0"/>
+                <a:cs typeface="Proxima Nova" charset="0"/>
+              </a:defRPr>
+            </a:lvl4pPr>
+            <a:lvl5pPr marL="3148272" indent="-349807" algn="l" defTabSz="699614" rtl="0" eaLnBrk="1" latinLnBrk="0" hangingPunct="1">
+              <a:spcBef>
+                <a:spcPct val="20000"/>
+              </a:spcBef>
+              <a:buFont typeface="Arial"/>
+              <a:buChar char="»"/>
+              <a:defRPr sz="1648" b="0" kern="1200">
+                <a:solidFill>
+                  <a:srgbClr val="092529"/>
+                </a:solidFill>
+                <a:latin typeface="Franklin Gothic Book" charset="0"/>
+                <a:ea typeface="Franklin Gothic Book" charset="0"/>
+                <a:cs typeface="Franklin Gothic Book" charset="0"/>
+              </a:defRPr>
+            </a:lvl5pPr>
+            <a:lvl6pPr marL="3847888" indent="-349807" algn="l" defTabSz="699614" rtl="0" eaLnBrk="1" latinLnBrk="0" hangingPunct="1">
+              <a:spcBef>
+                <a:spcPct val="20000"/>
+              </a:spcBef>
+              <a:buFont typeface="Arial"/>
+              <a:buChar char="•"/>
+              <a:defRPr sz="3022" kern="1200">
+                <a:solidFill>
+                  <a:schemeClr val="tx1"/>
+                </a:solidFill>
+                <a:latin typeface="+mn-lt"/>
+                <a:ea typeface="+mn-ea"/>
+                <a:cs typeface="+mn-cs"/>
+              </a:defRPr>
+            </a:lvl6pPr>
+            <a:lvl7pPr marL="4547505" indent="-349807" algn="l" defTabSz="699614" rtl="0" eaLnBrk="1" latinLnBrk="0" hangingPunct="1">
+              <a:spcBef>
+                <a:spcPct val="20000"/>
+              </a:spcBef>
+              <a:buFont typeface="Arial"/>
+              <a:buChar char="•"/>
+              <a:defRPr sz="3022" kern="1200">
+                <a:solidFill>
+                  <a:schemeClr val="tx1"/>
+                </a:solidFill>
+                <a:latin typeface="+mn-lt"/>
+                <a:ea typeface="+mn-ea"/>
+                <a:cs typeface="+mn-cs"/>
+              </a:defRPr>
+            </a:lvl7pPr>
+            <a:lvl8pPr marL="5247119" indent="-349807" algn="l" defTabSz="699614" rtl="0" eaLnBrk="1" latinLnBrk="0" hangingPunct="1">
+              <a:spcBef>
+                <a:spcPct val="20000"/>
+              </a:spcBef>
+              <a:buFont typeface="Arial"/>
+              <a:buChar char="•"/>
+              <a:defRPr sz="3022" kern="1200">
+                <a:solidFill>
+                  <a:schemeClr val="tx1"/>
+                </a:solidFill>
+                <a:latin typeface="+mn-lt"/>
+                <a:ea typeface="+mn-ea"/>
+                <a:cs typeface="+mn-cs"/>
+              </a:defRPr>
+            </a:lvl8pPr>
+            <a:lvl9pPr marL="5946736" indent="-349807" algn="l" defTabSz="699614" rtl="0" eaLnBrk="1" latinLnBrk="0" hangingPunct="1">
+              <a:spcBef>
+                <a:spcPct val="20000"/>
+              </a:spcBef>
+              <a:buFont typeface="Arial"/>
+              <a:buChar char="•"/>
+              <a:defRPr sz="3022" kern="1200">
+                <a:solidFill>
+                  <a:schemeClr val="tx1"/>
+                </a:solidFill>
+                <a:latin typeface="+mn-lt"/>
+                <a:ea typeface="+mn-ea"/>
+                <a:cs typeface="+mn-cs"/>
+              </a:defRPr>
+            </a:lvl9pPr>
+          </a:lstStyle>
+          <a:p>
+            <a:r>
+              <a:rPr lang="en-US" dirty="0"/>
+              <a:t>grabs each element</a:t>
+            </a:r>
+          </a:p>
+          <a:p>
+            <a:pPr lvl="1"/>
+            <a:r>
+              <a:rPr lang="en-US" dirty="0"/>
+              <a:t>in order</a:t>
+            </a:r>
+          </a:p>
+          <a:p>
+            <a:pPr lvl="1"/>
+            <a:r>
+              <a:rPr lang="en-US" dirty="0"/>
+              <a:t>ends when list ends</a:t>
+            </a:r>
+          </a:p>
+          <a:p>
+            <a:r>
+              <a:rPr lang="en-US" dirty="0"/>
+              <a:t>the above two loops – the  same thing!</a:t>
+            </a:r>
+          </a:p>
+        </p:txBody>
+      </p:sp>
+      <p:sp>
+        <p:nvSpPr>
+          <p:cNvPr id="9" name="Text Placeholder 2">
+            <a:extLst>
+              <a:ext uri="{FF2B5EF4-FFF2-40B4-BE49-F238E27FC236}">
+                <a16:creationId xmlns:a16="http://schemas.microsoft.com/office/drawing/2014/main" id="{2737F130-A060-7744-BB86-BFC8733A3B48}"/>
+              </a:ext>
+            </a:extLst>
+          </p:cNvPr>
+          <p:cNvSpPr txBox="1">
+            <a:spLocks/>
+          </p:cNvSpPr>
+          <p:nvPr/>
+        </p:nvSpPr>
+        <p:spPr>
+          <a:xfrm>
+            <a:off x="7205910" y="1801765"/>
+            <a:ext cx="4749023" cy="1230145"/>
+          </a:xfrm>
+          <a:prstGeom prst="rect">
+            <a:avLst/>
+          </a:prstGeom>
+        </p:spPr>
+        <p:txBody>
+          <a:bodyPr vert="horz" wrap="square" lIns="91440" tIns="91440" rIns="91440" bIns="91440" rtlCol="0">
+            <a:spAutoFit/>
+          </a:bodyPr>
+          <a:lstStyle>
+            <a:lvl1pPr marL="524712" indent="-524712" algn="l" defTabSz="699614" rtl="0" eaLnBrk="1" latinLnBrk="0" hangingPunct="1">
+              <a:lnSpc>
+                <a:spcPct val="120000"/>
+              </a:lnSpc>
+              <a:spcBef>
+                <a:spcPts val="600"/>
+              </a:spcBef>
+              <a:spcAft>
+                <a:spcPts val="600"/>
+              </a:spcAft>
+              <a:buFont typeface="Arial"/>
+              <a:buChar char="•"/>
+              <a:defRPr sz="1800" b="0" i="0" kern="1200">
+                <a:solidFill>
+                  <a:srgbClr val="092529"/>
+                </a:solidFill>
+                <a:latin typeface="Proxima Nova" charset="0"/>
+                <a:ea typeface="Proxima Nova" charset="0"/>
+                <a:cs typeface="Proxima Nova" charset="0"/>
+              </a:defRPr>
+            </a:lvl1pPr>
+            <a:lvl2pPr marL="1136875" indent="-437261" algn="l" defTabSz="699614" rtl="0" eaLnBrk="1" latinLnBrk="0" hangingPunct="1">
+              <a:lnSpc>
+                <a:spcPct val="120000"/>
+              </a:lnSpc>
+              <a:spcBef>
+                <a:spcPts val="0"/>
+              </a:spcBef>
+              <a:spcAft>
+                <a:spcPts val="600"/>
+              </a:spcAft>
+              <a:buFont typeface="Arial"/>
+              <a:buChar char="–"/>
+              <a:defRPr sz="1600" b="0" i="0" kern="1200">
+                <a:solidFill>
+                  <a:srgbClr val="092529"/>
+                </a:solidFill>
+                <a:latin typeface="Proxima Nova" charset="0"/>
+                <a:ea typeface="Proxima Nova" charset="0"/>
+                <a:cs typeface="Proxima Nova" charset="0"/>
+              </a:defRPr>
+            </a:lvl2pPr>
+            <a:lvl3pPr marL="1749040" indent="-349807" algn="l" defTabSz="699614" rtl="0" eaLnBrk="1" latinLnBrk="0" hangingPunct="1">
+              <a:lnSpc>
+                <a:spcPct val="120000"/>
+              </a:lnSpc>
+              <a:spcBef>
+                <a:spcPts val="0"/>
+              </a:spcBef>
+              <a:spcAft>
+                <a:spcPts val="600"/>
+              </a:spcAft>
+              <a:buFont typeface="Arial"/>
+              <a:buChar char="•"/>
+              <a:defRPr sz="1600" b="0" i="0" kern="1200">
+                <a:solidFill>
+                  <a:srgbClr val="092529"/>
+                </a:solidFill>
+                <a:latin typeface="Proxima Nova" charset="0"/>
+                <a:ea typeface="Proxima Nova" charset="0"/>
+                <a:cs typeface="Proxima Nova" charset="0"/>
+              </a:defRPr>
+            </a:lvl3pPr>
+            <a:lvl4pPr marL="2448655" indent="-349807" algn="l" defTabSz="699614" rtl="0" eaLnBrk="1" latinLnBrk="0" hangingPunct="1">
+              <a:lnSpc>
+                <a:spcPct val="120000"/>
+              </a:lnSpc>
+              <a:spcBef>
+                <a:spcPts val="0"/>
+              </a:spcBef>
+              <a:spcAft>
+                <a:spcPts val="600"/>
+              </a:spcAft>
+              <a:buFont typeface="Arial"/>
+              <a:buChar char="–"/>
+              <a:defRPr sz="1600" b="0" i="0" kern="1200">
+                <a:solidFill>
+                  <a:srgbClr val="092529"/>
+                </a:solidFill>
+                <a:latin typeface="Proxima Nova" charset="0"/>
+                <a:ea typeface="Proxima Nova" charset="0"/>
+                <a:cs typeface="Proxima Nova" charset="0"/>
+              </a:defRPr>
+            </a:lvl4pPr>
+            <a:lvl5pPr marL="3148272" indent="-349807" algn="l" defTabSz="699614" rtl="0" eaLnBrk="1" latinLnBrk="0" hangingPunct="1">
+              <a:spcBef>
+                <a:spcPct val="20000"/>
+              </a:spcBef>
+              <a:buFont typeface="Arial"/>
+              <a:buChar char="»"/>
+              <a:defRPr sz="1648" b="0" kern="1200">
+                <a:solidFill>
+                  <a:srgbClr val="092529"/>
+                </a:solidFill>
+                <a:latin typeface="Franklin Gothic Book" charset="0"/>
+                <a:ea typeface="Franklin Gothic Book" charset="0"/>
+                <a:cs typeface="Franklin Gothic Book" charset="0"/>
+              </a:defRPr>
+            </a:lvl5pPr>
+            <a:lvl6pPr marL="3847888" indent="-349807" algn="l" defTabSz="699614" rtl="0" eaLnBrk="1" latinLnBrk="0" hangingPunct="1">
+              <a:spcBef>
+                <a:spcPct val="20000"/>
+              </a:spcBef>
+              <a:buFont typeface="Arial"/>
+              <a:buChar char="•"/>
+              <a:defRPr sz="3022" kern="1200">
+                <a:solidFill>
+                  <a:schemeClr val="tx1"/>
+                </a:solidFill>
+                <a:latin typeface="+mn-lt"/>
+                <a:ea typeface="+mn-ea"/>
+                <a:cs typeface="+mn-cs"/>
+              </a:defRPr>
+            </a:lvl6pPr>
+            <a:lvl7pPr marL="4547505" indent="-349807" algn="l" defTabSz="699614" rtl="0" eaLnBrk="1" latinLnBrk="0" hangingPunct="1">
+              <a:spcBef>
+                <a:spcPct val="20000"/>
+              </a:spcBef>
+              <a:buFont typeface="Arial"/>
+              <a:buChar char="•"/>
+              <a:defRPr sz="3022" kern="1200">
+                <a:solidFill>
+                  <a:schemeClr val="tx1"/>
+                </a:solidFill>
+                <a:latin typeface="+mn-lt"/>
+                <a:ea typeface="+mn-ea"/>
+                <a:cs typeface="+mn-cs"/>
+              </a:defRPr>
+            </a:lvl7pPr>
+            <a:lvl8pPr marL="5247119" indent="-349807" algn="l" defTabSz="699614" rtl="0" eaLnBrk="1" latinLnBrk="0" hangingPunct="1">
+              <a:spcBef>
+                <a:spcPct val="20000"/>
+              </a:spcBef>
+              <a:buFont typeface="Arial"/>
+              <a:buChar char="•"/>
+              <a:defRPr sz="3022" kern="1200">
+                <a:solidFill>
+                  <a:schemeClr val="tx1"/>
+                </a:solidFill>
+                <a:latin typeface="+mn-lt"/>
+                <a:ea typeface="+mn-ea"/>
+                <a:cs typeface="+mn-cs"/>
+              </a:defRPr>
+            </a:lvl8pPr>
+            <a:lvl9pPr marL="5946736" indent="-349807" algn="l" defTabSz="699614" rtl="0" eaLnBrk="1" latinLnBrk="0" hangingPunct="1">
+              <a:spcBef>
+                <a:spcPct val="20000"/>
+              </a:spcBef>
+              <a:buFont typeface="Arial"/>
+              <a:buChar char="•"/>
+              <a:defRPr sz="3022" kern="1200">
+                <a:solidFill>
+                  <a:schemeClr val="tx1"/>
+                </a:solidFill>
+                <a:latin typeface="+mn-lt"/>
+                <a:ea typeface="+mn-ea"/>
+                <a:cs typeface="+mn-cs"/>
+              </a:defRPr>
+            </a:lvl9pPr>
+          </a:lstStyle>
+          <a:p>
+            <a:r>
+              <a:rPr lang="en-US" dirty="0"/>
+              <a:t>range(a, b)</a:t>
+            </a:r>
+          </a:p>
+          <a:p>
+            <a:pPr lvl="1"/>
+            <a:r>
+              <a:rPr lang="en-US" dirty="0"/>
+              <a:t>Creates a number list from a to b</a:t>
+            </a:r>
+          </a:p>
+          <a:p>
+            <a:pPr lvl="1"/>
+            <a:r>
+              <a:rPr lang="en-US" dirty="0"/>
+              <a:t>often used with for loops!  </a:t>
+            </a:r>
+          </a:p>
+        </p:txBody>
+      </p:sp>
+    </p:spTree>
+    <p:extLst>
+      <p:ext uri="{BB962C8B-B14F-4D97-AF65-F5344CB8AC3E}">
+        <p14:creationId xmlns:p14="http://schemas.microsoft.com/office/powerpoint/2010/main" val="2587885111"/>
+      </p:ext>
+    </p:extLst>
+  </p:cSld>
+  <p:clrMapOvr>
+    <a:masterClrMapping/>
+  </p:clrMapOvr>
+  <mc:AlternateContent xmlns:mc="http://schemas.openxmlformats.org/markup-compatibility/2006" xmlns:p14="http://schemas.microsoft.com/office/powerpoint/2010/main">
+    <mc:Choice Requires="p14">
+      <p:transition p14:dur="300">
+        <p:fade/>
+      </p:transition>
+    </mc:Choice>
+    <mc:Fallback xmlns="">
+      <p:transition>
+        <p:fade/>
+      </p:transition>
+    </mc:Fallback>
+  </mc:AlternateContent>
+</p:sld>
+</file>
+
+<file path=ppt/slides/slide8.xml><?xml version="1.0" encoding="utf-8"?>
+<p:sld xmlns:a="http://schemas.openxmlformats.org/drawingml/2006/main" xmlns:r="http://schemas.openxmlformats.org/officeDocument/2006/relationships" xmlns:p="http://schemas.openxmlformats.org/presentationml/2006/main">
+  <p:cSld>
+    <p:spTree>
+      <p:nvGrpSpPr>
+        <p:cNvPr id="1" name=""/>
+        <p:cNvGrpSpPr/>
+        <p:nvPr/>
+      </p:nvGrpSpPr>
+      <p:grpSpPr>
+        <a:xfrm>
+          <a:off x="0" y="0"/>
+          <a:ext cx="0" cy="0"/>
+          <a:chOff x="0" y="0"/>
+          <a:chExt cx="0" cy="0"/>
+        </a:xfrm>
+      </p:grpSpPr>
+      <p:sp>
+        <p:nvSpPr>
+          <p:cNvPr id="2" name="Title 1">
+            <a:extLst>
+              <a:ext uri="{FF2B5EF4-FFF2-40B4-BE49-F238E27FC236}">
+                <a16:creationId xmlns:a16="http://schemas.microsoft.com/office/drawing/2014/main" id="{6E034072-C76E-AC48-B664-D409490A50E9}"/>
+              </a:ext>
+            </a:extLst>
+          </p:cNvPr>
+          <p:cNvSpPr>
+            <a:spLocks noGrp="1"/>
+          </p:cNvSpPr>
+          <p:nvPr>
+            <p:ph type="title"/>
+          </p:nvPr>
+        </p:nvSpPr>
+        <p:spPr/>
+        <p:txBody>
+          <a:bodyPr/>
+          <a:lstStyle/>
+          <a:p>
+            <a:r>
+              <a:rPr lang="en-US" dirty="0"/>
+              <a:t>Let’s  Code</a:t>
+            </a:r>
+          </a:p>
+        </p:txBody>
+      </p:sp>
+      <p:sp>
+        <p:nvSpPr>
+          <p:cNvPr id="4" name="Rectangle 3">
+            <a:extLst>
+              <a:ext uri="{FF2B5EF4-FFF2-40B4-BE49-F238E27FC236}">
+                <a16:creationId xmlns:a16="http://schemas.microsoft.com/office/drawing/2014/main" id="{42381418-DE1D-0346-8AB6-5B7D54BE121D}"/>
+              </a:ext>
+            </a:extLst>
+          </p:cNvPr>
+          <p:cNvSpPr/>
+          <p:nvPr/>
+        </p:nvSpPr>
+        <p:spPr>
+          <a:xfrm>
+            <a:off x="3872089" y="1377259"/>
+            <a:ext cx="6908800" cy="1631216"/>
+          </a:xfrm>
+          <a:prstGeom prst="rect">
+            <a:avLst/>
+          </a:prstGeom>
+        </p:spPr>
+        <p:txBody>
+          <a:bodyPr>
+            <a:spAutoFit/>
+          </a:bodyPr>
+          <a:lstStyle/>
+          <a:p>
+            <a:r>
+              <a:rPr lang="en-US" dirty="0">
+                <a:solidFill>
+                  <a:srgbClr val="CC7832"/>
+                </a:solidFill>
+                <a:latin typeface="Consolas" panose="020B0609020204030204" pitchFamily="49" charset="0"/>
+                <a:cs typeface="Consolas" panose="020B0609020204030204" pitchFamily="49" charset="0"/>
+              </a:rPr>
+              <a:t>def </a:t>
+            </a:r>
+            <a:r>
+              <a:rPr lang="en-US" dirty="0" err="1">
+                <a:solidFill>
+                  <a:srgbClr val="FFC66D"/>
+                </a:solidFill>
+                <a:latin typeface="Consolas" panose="020B0609020204030204" pitchFamily="49" charset="0"/>
+                <a:cs typeface="Consolas" panose="020B0609020204030204" pitchFamily="49" charset="0"/>
+              </a:rPr>
+              <a:t>simple_cipher</a:t>
+            </a:r>
+            <a:r>
+              <a:rPr lang="en-US" dirty="0">
+                <a:latin typeface="Consolas" panose="020B0609020204030204" pitchFamily="49" charset="0"/>
+                <a:cs typeface="Consolas" panose="020B0609020204030204" pitchFamily="49" charset="0"/>
+              </a:rPr>
+              <a:t>(msg</a:t>
+            </a:r>
+            <a:r>
+              <a:rPr lang="en-US" dirty="0">
+                <a:solidFill>
+                  <a:srgbClr val="CC7832"/>
+                </a:solidFill>
+                <a:latin typeface="Consolas" panose="020B0609020204030204" pitchFamily="49" charset="0"/>
+                <a:cs typeface="Consolas" panose="020B0609020204030204" pitchFamily="49" charset="0"/>
+              </a:rPr>
+              <a:t>, </a:t>
+            </a:r>
+            <a:r>
+              <a:rPr lang="en-US" dirty="0">
+                <a:latin typeface="Consolas" panose="020B0609020204030204" pitchFamily="49" charset="0"/>
+                <a:cs typeface="Consolas" panose="020B0609020204030204" pitchFamily="49" charset="0"/>
+              </a:rPr>
+              <a:t>shift):</a:t>
+            </a:r>
+            <a:br>
+              <a:rPr lang="en-US" dirty="0">
+                <a:latin typeface="Consolas" panose="020B0609020204030204" pitchFamily="49" charset="0"/>
+                <a:cs typeface="Consolas" panose="020B0609020204030204" pitchFamily="49" charset="0"/>
+              </a:rPr>
+            </a:br>
+            <a:r>
+              <a:rPr lang="en-US" dirty="0">
+                <a:latin typeface="Consolas" panose="020B0609020204030204" pitchFamily="49" charset="0"/>
+                <a:cs typeface="Consolas" panose="020B0609020204030204" pitchFamily="49" charset="0"/>
+              </a:rPr>
+              <a:t>    encrypt = </a:t>
+            </a:r>
+            <a:r>
+              <a:rPr lang="en-US" dirty="0">
+                <a:solidFill>
+                  <a:srgbClr val="6A8759"/>
+                </a:solidFill>
+                <a:latin typeface="Consolas" panose="020B0609020204030204" pitchFamily="49" charset="0"/>
+                <a:cs typeface="Consolas" panose="020B0609020204030204" pitchFamily="49" charset="0"/>
+              </a:rPr>
+              <a:t>''</a:t>
+            </a:r>
+            <a:br>
+              <a:rPr lang="en-US" dirty="0">
+                <a:solidFill>
+                  <a:srgbClr val="6A8759"/>
+                </a:solidFill>
+                <a:latin typeface="Consolas" panose="020B0609020204030204" pitchFamily="49" charset="0"/>
+                <a:cs typeface="Consolas" panose="020B0609020204030204" pitchFamily="49" charset="0"/>
+              </a:rPr>
+            </a:br>
+            <a:r>
+              <a:rPr lang="en-US" dirty="0">
+                <a:solidFill>
+                  <a:srgbClr val="6A8759"/>
+                </a:solidFill>
+                <a:latin typeface="Consolas" panose="020B0609020204030204" pitchFamily="49" charset="0"/>
+                <a:cs typeface="Consolas" panose="020B0609020204030204" pitchFamily="49" charset="0"/>
+              </a:rPr>
+              <a:t>    </a:t>
+            </a:r>
+            <a:r>
+              <a:rPr lang="en-US" dirty="0">
+                <a:solidFill>
+                  <a:srgbClr val="CC7832"/>
+                </a:solidFill>
+                <a:latin typeface="Consolas" panose="020B0609020204030204" pitchFamily="49" charset="0"/>
+                <a:cs typeface="Consolas" panose="020B0609020204030204" pitchFamily="49" charset="0"/>
+              </a:rPr>
+              <a:t>for </a:t>
+            </a:r>
+            <a:r>
+              <a:rPr lang="en-US" dirty="0">
+                <a:latin typeface="Consolas" panose="020B0609020204030204" pitchFamily="49" charset="0"/>
+                <a:cs typeface="Consolas" panose="020B0609020204030204" pitchFamily="49" charset="0"/>
+              </a:rPr>
+              <a:t>char </a:t>
+            </a:r>
+            <a:r>
+              <a:rPr lang="en-US" dirty="0">
+                <a:solidFill>
+                  <a:srgbClr val="CC7832"/>
+                </a:solidFill>
+                <a:latin typeface="Consolas" panose="020B0609020204030204" pitchFamily="49" charset="0"/>
+                <a:cs typeface="Consolas" panose="020B0609020204030204" pitchFamily="49" charset="0"/>
+              </a:rPr>
+              <a:t>in </a:t>
+            </a:r>
+            <a:r>
+              <a:rPr lang="en-US" dirty="0">
+                <a:latin typeface="Consolas" panose="020B0609020204030204" pitchFamily="49" charset="0"/>
+                <a:cs typeface="Consolas" panose="020B0609020204030204" pitchFamily="49" charset="0"/>
+              </a:rPr>
+              <a:t>msg:</a:t>
+            </a:r>
+            <a:br>
+              <a:rPr lang="en-US" dirty="0">
+                <a:latin typeface="Consolas" panose="020B0609020204030204" pitchFamily="49" charset="0"/>
+                <a:cs typeface="Consolas" panose="020B0609020204030204" pitchFamily="49" charset="0"/>
+              </a:rPr>
+            </a:br>
+            <a:r>
+              <a:rPr lang="en-US" dirty="0">
+                <a:latin typeface="Consolas" panose="020B0609020204030204" pitchFamily="49" charset="0"/>
+                <a:cs typeface="Consolas" panose="020B0609020204030204" pitchFamily="49" charset="0"/>
+              </a:rPr>
+              <a:t>        encrypt += </a:t>
+            </a:r>
+            <a:r>
+              <a:rPr lang="en-US" dirty="0" err="1">
+                <a:solidFill>
+                  <a:srgbClr val="8888C6"/>
+                </a:solidFill>
+                <a:latin typeface="Consolas" panose="020B0609020204030204" pitchFamily="49" charset="0"/>
+                <a:cs typeface="Consolas" panose="020B0609020204030204" pitchFamily="49" charset="0"/>
+              </a:rPr>
+              <a:t>chr</a:t>
+            </a:r>
+            <a:r>
+              <a:rPr lang="en-US" dirty="0">
+                <a:latin typeface="Consolas" panose="020B0609020204030204" pitchFamily="49" charset="0"/>
+                <a:cs typeface="Consolas" panose="020B0609020204030204" pitchFamily="49" charset="0"/>
+              </a:rPr>
+              <a:t>(</a:t>
+            </a:r>
+            <a:r>
+              <a:rPr lang="en-US" dirty="0" err="1">
+                <a:solidFill>
+                  <a:srgbClr val="8888C6"/>
+                </a:solidFill>
+                <a:latin typeface="Consolas" panose="020B0609020204030204" pitchFamily="49" charset="0"/>
+                <a:cs typeface="Consolas" panose="020B0609020204030204" pitchFamily="49" charset="0"/>
+              </a:rPr>
+              <a:t>ord</a:t>
+            </a:r>
+            <a:r>
+              <a:rPr lang="en-US" dirty="0">
+                <a:latin typeface="Consolas" panose="020B0609020204030204" pitchFamily="49" charset="0"/>
+                <a:cs typeface="Consolas" panose="020B0609020204030204" pitchFamily="49" charset="0"/>
+              </a:rPr>
+              <a:t>(char)+shift)</a:t>
+            </a:r>
+            <a:br>
+              <a:rPr lang="en-US" dirty="0">
+                <a:latin typeface="Consolas" panose="020B0609020204030204" pitchFamily="49" charset="0"/>
+                <a:cs typeface="Consolas" panose="020B0609020204030204" pitchFamily="49" charset="0"/>
+              </a:rPr>
+            </a:br>
+            <a:r>
+              <a:rPr lang="en-US" dirty="0">
+                <a:latin typeface="Consolas" panose="020B0609020204030204" pitchFamily="49" charset="0"/>
+                <a:cs typeface="Consolas" panose="020B0609020204030204" pitchFamily="49" charset="0"/>
+              </a:rPr>
+              <a:t>    </a:t>
+            </a:r>
+            <a:r>
+              <a:rPr lang="en-US" dirty="0">
+                <a:solidFill>
+                  <a:srgbClr val="CC7832"/>
+                </a:solidFill>
+                <a:latin typeface="Consolas" panose="020B0609020204030204" pitchFamily="49" charset="0"/>
+                <a:cs typeface="Consolas" panose="020B0609020204030204" pitchFamily="49" charset="0"/>
+              </a:rPr>
+              <a:t>return </a:t>
+            </a:r>
+            <a:r>
+              <a:rPr lang="en-US" dirty="0">
+                <a:latin typeface="Consolas" panose="020B0609020204030204" pitchFamily="49" charset="0"/>
+                <a:cs typeface="Consolas" panose="020B0609020204030204" pitchFamily="49" charset="0"/>
+              </a:rPr>
+              <a:t>encrypt</a:t>
+            </a:r>
+          </a:p>
+        </p:txBody>
+      </p:sp>
+      <p:sp>
+        <p:nvSpPr>
+          <p:cNvPr id="5" name="Rectangle 4">
+            <a:extLst>
+              <a:ext uri="{FF2B5EF4-FFF2-40B4-BE49-F238E27FC236}">
+                <a16:creationId xmlns:a16="http://schemas.microsoft.com/office/drawing/2014/main" id="{28E311D6-BABF-B247-879D-F9DB1309EE3E}"/>
+              </a:ext>
+            </a:extLst>
+          </p:cNvPr>
+          <p:cNvSpPr/>
+          <p:nvPr/>
+        </p:nvSpPr>
+        <p:spPr>
+          <a:xfrm>
+            <a:off x="3872089" y="3140208"/>
+            <a:ext cx="6908800" cy="3785652"/>
+          </a:xfrm>
+          <a:prstGeom prst="rect">
+            <a:avLst/>
+          </a:prstGeom>
+        </p:spPr>
+        <p:txBody>
+          <a:bodyPr>
+            <a:spAutoFit/>
+          </a:bodyPr>
+          <a:lstStyle/>
+          <a:p>
+            <a:r>
+              <a:rPr lang="en-US" dirty="0">
+                <a:solidFill>
+                  <a:srgbClr val="CC7832"/>
+                </a:solidFill>
+                <a:latin typeface="Consolas" panose="020B0609020204030204" pitchFamily="49" charset="0"/>
+                <a:cs typeface="Consolas" panose="020B0609020204030204" pitchFamily="49" charset="0"/>
+              </a:rPr>
+              <a:t>def </a:t>
+            </a:r>
+            <a:r>
+              <a:rPr lang="en-US" dirty="0" err="1">
+                <a:solidFill>
+                  <a:srgbClr val="FFC66D"/>
+                </a:solidFill>
+                <a:latin typeface="Consolas" panose="020B0609020204030204" pitchFamily="49" charset="0"/>
+                <a:cs typeface="Consolas" panose="020B0609020204030204" pitchFamily="49" charset="0"/>
+              </a:rPr>
+              <a:t>secure_message</a:t>
+            </a:r>
+            <a:r>
+              <a:rPr lang="en-US" dirty="0">
+                <a:latin typeface="Consolas" panose="020B0609020204030204" pitchFamily="49" charset="0"/>
+                <a:cs typeface="Consolas" panose="020B0609020204030204" pitchFamily="49" charset="0"/>
+              </a:rPr>
+              <a:t>(history</a:t>
+            </a:r>
+            <a:r>
+              <a:rPr lang="en-US" dirty="0">
+                <a:solidFill>
+                  <a:srgbClr val="CC7832"/>
+                </a:solidFill>
+                <a:latin typeface="Consolas" panose="020B0609020204030204" pitchFamily="49" charset="0"/>
+                <a:cs typeface="Consolas" panose="020B0609020204030204" pitchFamily="49" charset="0"/>
+              </a:rPr>
+              <a:t>, </a:t>
+            </a:r>
+            <a:r>
+              <a:rPr lang="en-US" dirty="0">
+                <a:latin typeface="Consolas" panose="020B0609020204030204" pitchFamily="49" charset="0"/>
+                <a:cs typeface="Consolas" panose="020B0609020204030204" pitchFamily="49" charset="0"/>
+              </a:rPr>
+              <a:t>key):</a:t>
+            </a:r>
+            <a:br>
+              <a:rPr lang="en-US" dirty="0">
+                <a:latin typeface="Consolas" panose="020B0609020204030204" pitchFamily="49" charset="0"/>
+                <a:cs typeface="Consolas" panose="020B0609020204030204" pitchFamily="49" charset="0"/>
+              </a:rPr>
+            </a:br>
+            <a:r>
+              <a:rPr lang="en-US" dirty="0">
+                <a:latin typeface="Consolas" panose="020B0609020204030204" pitchFamily="49" charset="0"/>
+                <a:cs typeface="Consolas" panose="020B0609020204030204" pitchFamily="49" charset="0"/>
+              </a:rPr>
+              <a:t>    encrypted = []</a:t>
+            </a:r>
+            <a:br>
+              <a:rPr lang="en-US" dirty="0">
+                <a:latin typeface="Consolas" panose="020B0609020204030204" pitchFamily="49" charset="0"/>
+                <a:cs typeface="Consolas" panose="020B0609020204030204" pitchFamily="49" charset="0"/>
+              </a:rPr>
+            </a:br>
+            <a:r>
+              <a:rPr lang="en-US" dirty="0">
+                <a:latin typeface="Consolas" panose="020B0609020204030204" pitchFamily="49" charset="0"/>
+                <a:cs typeface="Consolas" panose="020B0609020204030204" pitchFamily="49" charset="0"/>
+              </a:rPr>
+              <a:t>    </a:t>
+            </a:r>
+            <a:r>
+              <a:rPr lang="en-US" dirty="0">
+                <a:solidFill>
+                  <a:srgbClr val="CC7832"/>
+                </a:solidFill>
+                <a:latin typeface="Consolas" panose="020B0609020204030204" pitchFamily="49" charset="0"/>
+                <a:cs typeface="Consolas" panose="020B0609020204030204" pitchFamily="49" charset="0"/>
+              </a:rPr>
+              <a:t>for </a:t>
+            </a:r>
+            <a:r>
+              <a:rPr lang="en-US" dirty="0">
+                <a:latin typeface="Consolas" panose="020B0609020204030204" pitchFamily="49" charset="0"/>
+                <a:cs typeface="Consolas" panose="020B0609020204030204" pitchFamily="49" charset="0"/>
+              </a:rPr>
+              <a:t>msg </a:t>
+            </a:r>
+            <a:r>
+              <a:rPr lang="en-US" dirty="0">
+                <a:solidFill>
+                  <a:srgbClr val="CC7832"/>
+                </a:solidFill>
+                <a:latin typeface="Consolas" panose="020B0609020204030204" pitchFamily="49" charset="0"/>
+                <a:cs typeface="Consolas" panose="020B0609020204030204" pitchFamily="49" charset="0"/>
+              </a:rPr>
+              <a:t>in </a:t>
+            </a:r>
+            <a:r>
+              <a:rPr lang="en-US" dirty="0">
+                <a:latin typeface="Consolas" panose="020B0609020204030204" pitchFamily="49" charset="0"/>
+                <a:cs typeface="Consolas" panose="020B0609020204030204" pitchFamily="49" charset="0"/>
+              </a:rPr>
+              <a:t>history:</a:t>
+            </a:r>
+            <a:br>
+              <a:rPr lang="en-US" dirty="0">
+                <a:latin typeface="Consolas" panose="020B0609020204030204" pitchFamily="49" charset="0"/>
+                <a:cs typeface="Consolas" panose="020B0609020204030204" pitchFamily="49" charset="0"/>
+              </a:rPr>
+            </a:br>
+            <a:r>
+              <a:rPr lang="en-US" dirty="0">
+                <a:latin typeface="Consolas" panose="020B0609020204030204" pitchFamily="49" charset="0"/>
+                <a:cs typeface="Consolas" panose="020B0609020204030204" pitchFamily="49" charset="0"/>
+              </a:rPr>
+              <a:t>        encrypted += </a:t>
+            </a:r>
+            <a:r>
+              <a:rPr lang="en-US" dirty="0" err="1">
+                <a:latin typeface="Consolas" panose="020B0609020204030204" pitchFamily="49" charset="0"/>
+                <a:cs typeface="Consolas" panose="020B0609020204030204" pitchFamily="49" charset="0"/>
+              </a:rPr>
+              <a:t>simple_cipher</a:t>
+            </a:r>
+            <a:r>
+              <a:rPr lang="en-US" dirty="0">
+                <a:latin typeface="Consolas" panose="020B0609020204030204" pitchFamily="49" charset="0"/>
+                <a:cs typeface="Consolas" panose="020B0609020204030204" pitchFamily="49" charset="0"/>
+              </a:rPr>
+              <a:t>(msg</a:t>
+            </a:r>
+            <a:r>
+              <a:rPr lang="en-US" dirty="0">
+                <a:solidFill>
+                  <a:srgbClr val="CC7832"/>
+                </a:solidFill>
+                <a:latin typeface="Consolas" panose="020B0609020204030204" pitchFamily="49" charset="0"/>
+                <a:cs typeface="Consolas" panose="020B0609020204030204" pitchFamily="49" charset="0"/>
+              </a:rPr>
+              <a:t>, </a:t>
+            </a:r>
+            <a:r>
+              <a:rPr lang="en-US" dirty="0">
+                <a:latin typeface="Consolas" panose="020B0609020204030204" pitchFamily="49" charset="0"/>
+                <a:cs typeface="Consolas" panose="020B0609020204030204" pitchFamily="49" charset="0"/>
+              </a:rPr>
+              <a:t>key)</a:t>
+            </a:r>
+            <a:br>
+              <a:rPr lang="en-US" dirty="0">
+                <a:latin typeface="Consolas" panose="020B0609020204030204" pitchFamily="49" charset="0"/>
+                <a:cs typeface="Consolas" panose="020B0609020204030204" pitchFamily="49" charset="0"/>
+              </a:rPr>
+            </a:br>
+            <a:r>
+              <a:rPr lang="en-US" dirty="0">
+                <a:latin typeface="Consolas" panose="020B0609020204030204" pitchFamily="49" charset="0"/>
+                <a:cs typeface="Consolas" panose="020B0609020204030204" pitchFamily="49" charset="0"/>
+              </a:rPr>
+              <a:t>    </a:t>
+            </a:r>
+            <a:r>
+              <a:rPr lang="en-US" dirty="0">
+                <a:solidFill>
+                  <a:srgbClr val="CC7832"/>
+                </a:solidFill>
+                <a:latin typeface="Consolas" panose="020B0609020204030204" pitchFamily="49" charset="0"/>
+                <a:cs typeface="Consolas" panose="020B0609020204030204" pitchFamily="49" charset="0"/>
+              </a:rPr>
+              <a:t>return </a:t>
+            </a:r>
+            <a:r>
+              <a:rPr lang="en-US" dirty="0">
+                <a:latin typeface="Consolas" panose="020B0609020204030204" pitchFamily="49" charset="0"/>
+                <a:cs typeface="Consolas" panose="020B0609020204030204" pitchFamily="49" charset="0"/>
+              </a:rPr>
+              <a:t>encrypted</a:t>
+            </a:r>
+            <a:br>
+              <a:rPr lang="en-US" dirty="0">
+                <a:latin typeface="Consolas" panose="020B0609020204030204" pitchFamily="49" charset="0"/>
+                <a:cs typeface="Consolas" panose="020B0609020204030204" pitchFamily="49" charset="0"/>
+              </a:rPr>
+            </a:br>
+            <a:r>
+              <a:rPr lang="en-US" dirty="0">
+                <a:latin typeface="Consolas" panose="020B0609020204030204" pitchFamily="49" charset="0"/>
+                <a:cs typeface="Consolas" panose="020B0609020204030204" pitchFamily="49" charset="0"/>
+              </a:rPr>
+              <a:t>    </a:t>
+            </a:r>
+            <a:br>
+              <a:rPr lang="en-US" dirty="0">
+                <a:latin typeface="Consolas" panose="020B0609020204030204" pitchFamily="49" charset="0"/>
+                <a:cs typeface="Consolas" panose="020B0609020204030204" pitchFamily="49" charset="0"/>
+              </a:rPr>
+            </a:br>
+            <a:r>
+              <a:rPr lang="en-US" dirty="0">
+                <a:solidFill>
+                  <a:srgbClr val="CC7832"/>
+                </a:solidFill>
+                <a:latin typeface="Consolas" panose="020B0609020204030204" pitchFamily="49" charset="0"/>
+                <a:cs typeface="Consolas" panose="020B0609020204030204" pitchFamily="49" charset="0"/>
+              </a:rPr>
+              <a:t>def </a:t>
+            </a:r>
+            <a:r>
+              <a:rPr lang="en-US" dirty="0" err="1">
+                <a:solidFill>
+                  <a:srgbClr val="FFC66D"/>
+                </a:solidFill>
+                <a:latin typeface="Consolas" panose="020B0609020204030204" pitchFamily="49" charset="0"/>
+                <a:cs typeface="Consolas" panose="020B0609020204030204" pitchFamily="49" charset="0"/>
+              </a:rPr>
+              <a:t>decode_message</a:t>
+            </a:r>
+            <a:r>
+              <a:rPr lang="en-US" dirty="0">
+                <a:latin typeface="Consolas" panose="020B0609020204030204" pitchFamily="49" charset="0"/>
+                <a:cs typeface="Consolas" panose="020B0609020204030204" pitchFamily="49" charset="0"/>
+              </a:rPr>
+              <a:t>(history</a:t>
+            </a:r>
+            <a:r>
+              <a:rPr lang="en-US" dirty="0">
+                <a:solidFill>
+                  <a:srgbClr val="CC7832"/>
+                </a:solidFill>
+                <a:latin typeface="Consolas" panose="020B0609020204030204" pitchFamily="49" charset="0"/>
+                <a:cs typeface="Consolas" panose="020B0609020204030204" pitchFamily="49" charset="0"/>
+              </a:rPr>
+              <a:t>, </a:t>
+            </a:r>
+            <a:r>
+              <a:rPr lang="en-US" dirty="0">
+                <a:latin typeface="Consolas" panose="020B0609020204030204" pitchFamily="49" charset="0"/>
+                <a:cs typeface="Consolas" panose="020B0609020204030204" pitchFamily="49" charset="0"/>
+              </a:rPr>
+              <a:t>key):</a:t>
+            </a:r>
+            <a:br>
+              <a:rPr lang="en-US" dirty="0">
+                <a:latin typeface="Consolas" panose="020B0609020204030204" pitchFamily="49" charset="0"/>
+                <a:cs typeface="Consolas" panose="020B0609020204030204" pitchFamily="49" charset="0"/>
+              </a:rPr>
+            </a:br>
+            <a:r>
+              <a:rPr lang="en-US" dirty="0">
+                <a:latin typeface="Consolas" panose="020B0609020204030204" pitchFamily="49" charset="0"/>
+                <a:cs typeface="Consolas" panose="020B0609020204030204" pitchFamily="49" charset="0"/>
+              </a:rPr>
+              <a:t>    decoded = []</a:t>
+            </a:r>
+            <a:br>
+              <a:rPr lang="en-US" dirty="0">
+                <a:latin typeface="Consolas" panose="020B0609020204030204" pitchFamily="49" charset="0"/>
+                <a:cs typeface="Consolas" panose="020B0609020204030204" pitchFamily="49" charset="0"/>
+              </a:rPr>
+            </a:br>
+            <a:r>
+              <a:rPr lang="en-US" dirty="0">
+                <a:latin typeface="Consolas" panose="020B0609020204030204" pitchFamily="49" charset="0"/>
+                <a:cs typeface="Consolas" panose="020B0609020204030204" pitchFamily="49" charset="0"/>
+              </a:rPr>
+              <a:t>    </a:t>
+            </a:r>
+            <a:r>
+              <a:rPr lang="en-US" dirty="0">
+                <a:solidFill>
+                  <a:srgbClr val="CC7832"/>
+                </a:solidFill>
+                <a:latin typeface="Consolas" panose="020B0609020204030204" pitchFamily="49" charset="0"/>
+                <a:cs typeface="Consolas" panose="020B0609020204030204" pitchFamily="49" charset="0"/>
+              </a:rPr>
+              <a:t>for </a:t>
+            </a:r>
+            <a:r>
+              <a:rPr lang="en-US" dirty="0">
+                <a:latin typeface="Consolas" panose="020B0609020204030204" pitchFamily="49" charset="0"/>
+                <a:cs typeface="Consolas" panose="020B0609020204030204" pitchFamily="49" charset="0"/>
+              </a:rPr>
+              <a:t>msg </a:t>
+            </a:r>
+            <a:r>
+              <a:rPr lang="en-US" dirty="0">
+                <a:solidFill>
+                  <a:srgbClr val="CC7832"/>
+                </a:solidFill>
+                <a:latin typeface="Consolas" panose="020B0609020204030204" pitchFamily="49" charset="0"/>
+                <a:cs typeface="Consolas" panose="020B0609020204030204" pitchFamily="49" charset="0"/>
+              </a:rPr>
+              <a:t>in </a:t>
+            </a:r>
+            <a:r>
+              <a:rPr lang="en-US" dirty="0">
+                <a:latin typeface="Consolas" panose="020B0609020204030204" pitchFamily="49" charset="0"/>
+                <a:cs typeface="Consolas" panose="020B0609020204030204" pitchFamily="49" charset="0"/>
+              </a:rPr>
+              <a:t>history:</a:t>
+            </a:r>
+            <a:br>
+              <a:rPr lang="en-US" dirty="0">
+                <a:latin typeface="Consolas" panose="020B0609020204030204" pitchFamily="49" charset="0"/>
+                <a:cs typeface="Consolas" panose="020B0609020204030204" pitchFamily="49" charset="0"/>
+              </a:rPr>
+            </a:br>
+            <a:r>
+              <a:rPr lang="en-US" dirty="0">
+                <a:latin typeface="Consolas" panose="020B0609020204030204" pitchFamily="49" charset="0"/>
+                <a:cs typeface="Consolas" panose="020B0609020204030204" pitchFamily="49" charset="0"/>
+              </a:rPr>
+              <a:t>        decoded  +=  </a:t>
+            </a:r>
+            <a:r>
+              <a:rPr lang="en-US" dirty="0" err="1">
+                <a:latin typeface="Consolas" panose="020B0609020204030204" pitchFamily="49" charset="0"/>
+                <a:cs typeface="Consolas" panose="020B0609020204030204" pitchFamily="49" charset="0"/>
+              </a:rPr>
+              <a:t>simple_cipher</a:t>
+            </a:r>
+            <a:r>
+              <a:rPr lang="en-US" dirty="0">
+                <a:latin typeface="Consolas" panose="020B0609020204030204" pitchFamily="49" charset="0"/>
+                <a:cs typeface="Consolas" panose="020B0609020204030204" pitchFamily="49" charset="0"/>
+              </a:rPr>
+              <a:t>(msg</a:t>
+            </a:r>
+            <a:r>
+              <a:rPr lang="en-US" dirty="0">
+                <a:solidFill>
+                  <a:srgbClr val="CC7832"/>
+                </a:solidFill>
+                <a:latin typeface="Consolas" panose="020B0609020204030204" pitchFamily="49" charset="0"/>
+                <a:cs typeface="Consolas" panose="020B0609020204030204" pitchFamily="49" charset="0"/>
+              </a:rPr>
+              <a:t>, </a:t>
+            </a:r>
+            <a:r>
+              <a:rPr lang="en-US" dirty="0">
+                <a:latin typeface="Consolas" panose="020B0609020204030204" pitchFamily="49" charset="0"/>
+                <a:cs typeface="Consolas" panose="020B0609020204030204" pitchFamily="49" charset="0"/>
+              </a:rPr>
+              <a:t>-key)</a:t>
+            </a:r>
+            <a:br>
+              <a:rPr lang="en-US" dirty="0">
+                <a:latin typeface="Consolas" panose="020B0609020204030204" pitchFamily="49" charset="0"/>
+                <a:cs typeface="Consolas" panose="020B0609020204030204" pitchFamily="49" charset="0"/>
+              </a:rPr>
+            </a:br>
+            <a:r>
+              <a:rPr lang="en-US" dirty="0">
+                <a:latin typeface="Consolas" panose="020B0609020204030204" pitchFamily="49" charset="0"/>
+                <a:cs typeface="Consolas" panose="020B0609020204030204" pitchFamily="49" charset="0"/>
+              </a:rPr>
+              <a:t>    </a:t>
+            </a:r>
+            <a:r>
+              <a:rPr lang="en-US" dirty="0">
+                <a:solidFill>
+                  <a:srgbClr val="CC7832"/>
+                </a:solidFill>
+                <a:latin typeface="Consolas" panose="020B0609020204030204" pitchFamily="49" charset="0"/>
+                <a:cs typeface="Consolas" panose="020B0609020204030204" pitchFamily="49" charset="0"/>
+              </a:rPr>
+              <a:t>return </a:t>
+            </a:r>
+            <a:r>
+              <a:rPr lang="en-US" dirty="0">
+                <a:latin typeface="Consolas" panose="020B0609020204030204" pitchFamily="49" charset="0"/>
+                <a:cs typeface="Consolas" panose="020B0609020204030204" pitchFamily="49" charset="0"/>
+              </a:rPr>
+              <a:t>decoded</a:t>
+            </a:r>
+            <a:br>
+              <a:rPr lang="en-US" dirty="0">
+                <a:latin typeface="Consolas" panose="020B0609020204030204" pitchFamily="49" charset="0"/>
+                <a:cs typeface="Consolas" panose="020B0609020204030204" pitchFamily="49" charset="0"/>
+              </a:rPr>
+            </a:br>
+            <a:r>
+              <a:rPr lang="en-US" dirty="0">
+                <a:latin typeface="Consolas" panose="020B0609020204030204" pitchFamily="49" charset="0"/>
+                <a:cs typeface="Consolas" panose="020B0609020204030204" pitchFamily="49" charset="0"/>
+              </a:rPr>
+              <a:t> </a:t>
+            </a:r>
+          </a:p>
+        </p:txBody>
+      </p:sp>
+    </p:spTree>
+    <p:extLst>
+      <p:ext uri="{BB962C8B-B14F-4D97-AF65-F5344CB8AC3E}">
+        <p14:creationId xmlns:p14="http://schemas.microsoft.com/office/powerpoint/2010/main" val="1739107970"/>
+      </p:ext>
+    </p:extLst>
+  </p:cSld>
+  <p:clrMapOvr>
+    <a:masterClrMapping/>
+  </p:clrMapOvr>
+  <mc:AlternateContent xmlns:mc="http://schemas.openxmlformats.org/markup-compatibility/2006" xmlns:p14="http://schemas.microsoft.com/office/powerpoint/2010/main">
+    <mc:Choice Requires="p14">
+      <p:transition p14:dur="300">
+        <p:fade/>
+      </p:transition>
+    </mc:Choice>
+    <mc:Fallback xmlns="">
+      <p:transition>
+        <p:fade/>
+      </p:transition>
+    </mc:Fallback>
+  </mc:AlternateContent>
 </p:sld>
 </file>
 

--- a/Slides/On-Campus/06_01_ListsAndLoops.pptx
+++ b/Slides/On-Campus/06_01_ListsAndLoops.pptx
@@ -5,20 +5,25 @@
     <p:sldMasterId id="2147483648" r:id="rId1"/>
   </p:sldMasterIdLst>
   <p:notesMasterIdLst>
-    <p:notesMasterId r:id="rId10"/>
+    <p:notesMasterId r:id="rId15"/>
   </p:notesMasterIdLst>
   <p:handoutMasterIdLst>
-    <p:handoutMasterId r:id="rId11"/>
+    <p:handoutMasterId r:id="rId16"/>
   </p:handoutMasterIdLst>
   <p:sldIdLst>
     <p:sldId id="256" r:id="rId2"/>
-    <p:sldId id="266" r:id="rId3"/>
-    <p:sldId id="268" r:id="rId4"/>
-    <p:sldId id="257" r:id="rId5"/>
-    <p:sldId id="258" r:id="rId6"/>
-    <p:sldId id="260" r:id="rId7"/>
-    <p:sldId id="261" r:id="rId8"/>
-    <p:sldId id="262" r:id="rId9"/>
+    <p:sldId id="269" r:id="rId3"/>
+    <p:sldId id="266" r:id="rId4"/>
+    <p:sldId id="270" r:id="rId5"/>
+    <p:sldId id="268" r:id="rId6"/>
+    <p:sldId id="271" r:id="rId7"/>
+    <p:sldId id="257" r:id="rId8"/>
+    <p:sldId id="258" r:id="rId9"/>
+    <p:sldId id="273" r:id="rId10"/>
+    <p:sldId id="260" r:id="rId11"/>
+    <p:sldId id="261" r:id="rId12"/>
+    <p:sldId id="272" r:id="rId13"/>
+    <p:sldId id="262" r:id="rId14"/>
   </p:sldIdLst>
   <p:sldSz cx="13817600" cy="7772400"/>
   <p:notesSz cx="6858000" cy="9144000"/>
@@ -221,7 +226,7 @@
           <a:p>
             <a:fld id="{4D7E51A5-B478-1E40-8CBB-0DAA8831E99D}" type="datetimeFigureOut">
               <a:rPr lang="en-US" smtClean="0"/>
-              <a:t>9/22/2021</a:t>
+              <a:t>9/27/2021</a:t>
             </a:fld>
             <a:endParaRPr lang="en-US"/>
           </a:p>
@@ -386,7 +391,7 @@
           <a:p>
             <a:fld id="{D0ED587F-861E-6740-9643-E3DDAE89B8D6}" type="datetimeFigureOut">
               <a:rPr lang="en-US" smtClean="0"/>
-              <a:t>9/22/2021</a:t>
+              <a:t>9/27/2021</a:t>
             </a:fld>
             <a:endParaRPr lang="en-US"/>
           </a:p>
@@ -7356,7 +7361,7 @@
           <a:p>
             <a:r>
               <a:rPr lang="en-US" dirty="0"/>
-              <a:t>Design Thinking and</a:t>
+              <a:t>Inclusive Design and</a:t>
             </a:r>
             <a:br>
               <a:rPr lang="en-US" dirty="0"/>
@@ -7418,7 +7423,3058 @@
 </p:sld>
 </file>
 
+<file path=ppt/slides/slide10.xml><?xml version="1.0" encoding="utf-8"?>
+<p:sld xmlns:a="http://schemas.openxmlformats.org/drawingml/2006/main" xmlns:r="http://schemas.openxmlformats.org/officeDocument/2006/relationships" xmlns:p="http://schemas.openxmlformats.org/presentationml/2006/main">
+  <p:cSld>
+    <p:spTree>
+      <p:nvGrpSpPr>
+        <p:cNvPr id="1" name=""/>
+        <p:cNvGrpSpPr/>
+        <p:nvPr/>
+      </p:nvGrpSpPr>
+      <p:grpSpPr>
+        <a:xfrm>
+          <a:off x="0" y="0"/>
+          <a:ext cx="0" cy="0"/>
+          <a:chOff x="0" y="0"/>
+          <a:chExt cx="0" cy="0"/>
+        </a:xfrm>
+      </p:grpSpPr>
+      <p:sp>
+        <p:nvSpPr>
+          <p:cNvPr id="2" name="Title 1">
+            <a:extLst>
+              <a:ext uri="{FF2B5EF4-FFF2-40B4-BE49-F238E27FC236}">
+                <a16:creationId xmlns:a16="http://schemas.microsoft.com/office/drawing/2014/main" id="{0637E8C1-DE0C-9042-919B-3B548EFCE4CF}"/>
+              </a:ext>
+            </a:extLst>
+          </p:cNvPr>
+          <p:cNvSpPr>
+            <a:spLocks noGrp="1"/>
+          </p:cNvSpPr>
+          <p:nvPr>
+            <p:ph type="title"/>
+          </p:nvPr>
+        </p:nvSpPr>
+        <p:spPr/>
+        <p:txBody>
+          <a:bodyPr/>
+          <a:lstStyle/>
+          <a:p>
+            <a:r>
+              <a:rPr lang="en-US" dirty="0"/>
+              <a:t>Tuples </a:t>
+            </a:r>
+          </a:p>
+        </p:txBody>
+      </p:sp>
+      <p:sp>
+        <p:nvSpPr>
+          <p:cNvPr id="3" name="Text Placeholder 2">
+            <a:extLst>
+              <a:ext uri="{FF2B5EF4-FFF2-40B4-BE49-F238E27FC236}">
+                <a16:creationId xmlns:a16="http://schemas.microsoft.com/office/drawing/2014/main" id="{6AFE70F9-72E0-9F47-8125-ACBA4F43B029}"/>
+              </a:ext>
+            </a:extLst>
+          </p:cNvPr>
+          <p:cNvSpPr>
+            <a:spLocks noGrp="1"/>
+          </p:cNvSpPr>
+          <p:nvPr>
+            <p:ph type="body" sz="quarter" idx="10"/>
+          </p:nvPr>
+        </p:nvSpPr>
+        <p:spPr>
+          <a:xfrm>
+            <a:off x="628075" y="1776683"/>
+            <a:ext cx="5038947" cy="2571217"/>
+          </a:xfrm>
+        </p:spPr>
+        <p:txBody>
+          <a:bodyPr/>
+          <a:lstStyle/>
+          <a:p>
+            <a:r>
+              <a:rPr lang="en-US" dirty="0"/>
+              <a:t>Like lists, but…</a:t>
+            </a:r>
+          </a:p>
+          <a:p>
+            <a:pPr lvl="1"/>
+            <a:r>
+              <a:rPr lang="en-US" dirty="0"/>
+              <a:t>immutable  (can’t be changed)</a:t>
+            </a:r>
+          </a:p>
+          <a:p>
+            <a:pPr lvl="1"/>
+            <a:r>
+              <a:rPr lang="en-US" dirty="0"/>
+              <a:t>common way to  “fix” data</a:t>
+            </a:r>
+          </a:p>
+          <a:p>
+            <a:r>
+              <a:rPr lang="en-US" dirty="0"/>
+              <a:t>Named Tuple</a:t>
+            </a:r>
+          </a:p>
+          <a:p>
+            <a:pPr lvl="1"/>
+            <a:r>
+              <a:rPr lang="en-US" dirty="0"/>
+              <a:t>Holds data in a named form</a:t>
+            </a:r>
+          </a:p>
+          <a:p>
+            <a:pPr marL="0" indent="0">
+              <a:buNone/>
+            </a:pPr>
+            <a:endParaRPr lang="en-US" dirty="0"/>
+          </a:p>
+        </p:txBody>
+      </p:sp>
+      <p:sp>
+        <p:nvSpPr>
+          <p:cNvPr id="4" name="Rectangle 3">
+            <a:extLst>
+              <a:ext uri="{FF2B5EF4-FFF2-40B4-BE49-F238E27FC236}">
+                <a16:creationId xmlns:a16="http://schemas.microsoft.com/office/drawing/2014/main" id="{909EAE45-D747-B64D-926A-DBDF43AC4F69}"/>
+              </a:ext>
+            </a:extLst>
+          </p:cNvPr>
+          <p:cNvSpPr/>
+          <p:nvPr/>
+        </p:nvSpPr>
+        <p:spPr>
+          <a:xfrm>
+            <a:off x="628075" y="4347900"/>
+            <a:ext cx="4237439" cy="1323439"/>
+          </a:xfrm>
+          <a:prstGeom prst="rect">
+            <a:avLst/>
+          </a:prstGeom>
+        </p:spPr>
+        <p:txBody>
+          <a:bodyPr wrap="square">
+            <a:spAutoFit/>
+          </a:bodyPr>
+          <a:lstStyle/>
+          <a:p>
+            <a:r>
+              <a:rPr lang="en-US" dirty="0">
+                <a:latin typeface="Consolas" panose="020B0609020204030204" pitchFamily="49" charset="0"/>
+                <a:cs typeface="Consolas" panose="020B0609020204030204" pitchFamily="49" charset="0"/>
+              </a:rPr>
+              <a:t>fixed = (</a:t>
+            </a:r>
+            <a:r>
+              <a:rPr lang="en-US" dirty="0">
+                <a:solidFill>
+                  <a:srgbClr val="6897BB"/>
+                </a:solidFill>
+                <a:latin typeface="Consolas" panose="020B0609020204030204" pitchFamily="49" charset="0"/>
+                <a:cs typeface="Consolas" panose="020B0609020204030204" pitchFamily="49" charset="0"/>
+              </a:rPr>
+              <a:t>1</a:t>
+            </a:r>
+            <a:r>
+              <a:rPr lang="en-US" dirty="0">
+                <a:solidFill>
+                  <a:srgbClr val="CC7832"/>
+                </a:solidFill>
+                <a:latin typeface="Consolas" panose="020B0609020204030204" pitchFamily="49" charset="0"/>
+                <a:cs typeface="Consolas" panose="020B0609020204030204" pitchFamily="49" charset="0"/>
+              </a:rPr>
+              <a:t>, </a:t>
+            </a:r>
+            <a:r>
+              <a:rPr lang="en-US" dirty="0">
+                <a:solidFill>
+                  <a:srgbClr val="6897BB"/>
+                </a:solidFill>
+                <a:latin typeface="Consolas" panose="020B0609020204030204" pitchFamily="49" charset="0"/>
+                <a:cs typeface="Consolas" panose="020B0609020204030204" pitchFamily="49" charset="0"/>
+              </a:rPr>
+              <a:t>2</a:t>
+            </a:r>
+            <a:r>
+              <a:rPr lang="en-US" dirty="0">
+                <a:solidFill>
+                  <a:srgbClr val="CC7832"/>
+                </a:solidFill>
+                <a:latin typeface="Consolas" panose="020B0609020204030204" pitchFamily="49" charset="0"/>
+                <a:cs typeface="Consolas" panose="020B0609020204030204" pitchFamily="49" charset="0"/>
+              </a:rPr>
+              <a:t>, </a:t>
+            </a:r>
+            <a:r>
+              <a:rPr lang="en-US" dirty="0">
+                <a:solidFill>
+                  <a:srgbClr val="6897BB"/>
+                </a:solidFill>
+                <a:latin typeface="Consolas" panose="020B0609020204030204" pitchFamily="49" charset="0"/>
+                <a:cs typeface="Consolas" panose="020B0609020204030204" pitchFamily="49" charset="0"/>
+              </a:rPr>
+              <a:t>3</a:t>
+            </a:r>
+            <a:r>
+              <a:rPr lang="en-US" dirty="0">
+                <a:latin typeface="Consolas" panose="020B0609020204030204" pitchFamily="49" charset="0"/>
+                <a:cs typeface="Consolas" panose="020B0609020204030204" pitchFamily="49" charset="0"/>
+              </a:rPr>
+              <a:t>)</a:t>
+            </a:r>
+            <a:br>
+              <a:rPr lang="en-US" dirty="0">
+                <a:latin typeface="Consolas" panose="020B0609020204030204" pitchFamily="49" charset="0"/>
+                <a:cs typeface="Consolas" panose="020B0609020204030204" pitchFamily="49" charset="0"/>
+              </a:rPr>
+            </a:br>
+            <a:r>
+              <a:rPr lang="en-US" dirty="0">
+                <a:solidFill>
+                  <a:srgbClr val="8888C6"/>
+                </a:solidFill>
+                <a:latin typeface="Consolas" panose="020B0609020204030204" pitchFamily="49" charset="0"/>
+                <a:cs typeface="Consolas" panose="020B0609020204030204" pitchFamily="49" charset="0"/>
+              </a:rPr>
+              <a:t>print</a:t>
+            </a:r>
+            <a:r>
+              <a:rPr lang="en-US" dirty="0">
+                <a:latin typeface="Consolas" panose="020B0609020204030204" pitchFamily="49" charset="0"/>
+                <a:cs typeface="Consolas" panose="020B0609020204030204" pitchFamily="49" charset="0"/>
+              </a:rPr>
+              <a:t>(fixed)</a:t>
+            </a:r>
+            <a:br>
+              <a:rPr lang="en-US" dirty="0">
+                <a:latin typeface="Consolas" panose="020B0609020204030204" pitchFamily="49" charset="0"/>
+                <a:cs typeface="Consolas" panose="020B0609020204030204" pitchFamily="49" charset="0"/>
+              </a:rPr>
+            </a:br>
+            <a:r>
+              <a:rPr lang="en-US" dirty="0">
+                <a:solidFill>
+                  <a:srgbClr val="8888C6"/>
+                </a:solidFill>
+                <a:latin typeface="Consolas" panose="020B0609020204030204" pitchFamily="49" charset="0"/>
+                <a:cs typeface="Consolas" panose="020B0609020204030204" pitchFamily="49" charset="0"/>
+              </a:rPr>
+              <a:t>print</a:t>
+            </a:r>
+            <a:r>
+              <a:rPr lang="en-US" dirty="0">
+                <a:latin typeface="Consolas" panose="020B0609020204030204" pitchFamily="49" charset="0"/>
+                <a:cs typeface="Consolas" panose="020B0609020204030204" pitchFamily="49" charset="0"/>
+              </a:rPr>
+              <a:t>(fixed[</a:t>
+            </a:r>
+            <a:r>
+              <a:rPr lang="en-US" dirty="0">
+                <a:solidFill>
+                  <a:srgbClr val="6897BB"/>
+                </a:solidFill>
+                <a:latin typeface="Consolas" panose="020B0609020204030204" pitchFamily="49" charset="0"/>
+                <a:cs typeface="Consolas" panose="020B0609020204030204" pitchFamily="49" charset="0"/>
+              </a:rPr>
+              <a:t>1</a:t>
+            </a:r>
+            <a:r>
+              <a:rPr lang="en-US" dirty="0">
+                <a:latin typeface="Consolas" panose="020B0609020204030204" pitchFamily="49" charset="0"/>
+                <a:cs typeface="Consolas" panose="020B0609020204030204" pitchFamily="49" charset="0"/>
+              </a:rPr>
+              <a:t>])</a:t>
+            </a:r>
+            <a:r>
+              <a:rPr lang="en-US" dirty="0">
+                <a:solidFill>
+                  <a:srgbClr val="808080"/>
+                </a:solidFill>
+                <a:latin typeface="Consolas" panose="020B0609020204030204" pitchFamily="49" charset="0"/>
+                <a:cs typeface="Consolas" panose="020B0609020204030204" pitchFamily="49" charset="0"/>
+              </a:rPr>
+              <a:t> #2</a:t>
+            </a:r>
+            <a:br>
+              <a:rPr lang="en-US" dirty="0">
+                <a:latin typeface="Consolas" panose="020B0609020204030204" pitchFamily="49" charset="0"/>
+                <a:cs typeface="Consolas" panose="020B0609020204030204" pitchFamily="49" charset="0"/>
+              </a:rPr>
+            </a:br>
+            <a:r>
+              <a:rPr lang="en-US" dirty="0">
+                <a:latin typeface="Consolas" panose="020B0609020204030204" pitchFamily="49" charset="0"/>
+                <a:cs typeface="Consolas" panose="020B0609020204030204" pitchFamily="49" charset="0"/>
+              </a:rPr>
+              <a:t>fixed[</a:t>
+            </a:r>
+            <a:r>
+              <a:rPr lang="en-US" dirty="0">
+                <a:solidFill>
+                  <a:srgbClr val="6897BB"/>
+                </a:solidFill>
+                <a:latin typeface="Consolas" panose="020B0609020204030204" pitchFamily="49" charset="0"/>
+                <a:cs typeface="Consolas" panose="020B0609020204030204" pitchFamily="49" charset="0"/>
+              </a:rPr>
+              <a:t>1</a:t>
+            </a:r>
+            <a:r>
+              <a:rPr lang="en-US" dirty="0">
+                <a:latin typeface="Consolas" panose="020B0609020204030204" pitchFamily="49" charset="0"/>
+                <a:cs typeface="Consolas" panose="020B0609020204030204" pitchFamily="49" charset="0"/>
+              </a:rPr>
+              <a:t>] = </a:t>
+            </a:r>
+            <a:r>
+              <a:rPr lang="en-US" dirty="0">
+                <a:solidFill>
+                  <a:srgbClr val="6897BB"/>
+                </a:solidFill>
+                <a:latin typeface="Consolas" panose="020B0609020204030204" pitchFamily="49" charset="0"/>
+                <a:cs typeface="Consolas" panose="020B0609020204030204" pitchFamily="49" charset="0"/>
+              </a:rPr>
+              <a:t>10 </a:t>
+            </a:r>
+            <a:r>
+              <a:rPr lang="en-US" dirty="0">
+                <a:solidFill>
+                  <a:srgbClr val="808080"/>
+                </a:solidFill>
+                <a:latin typeface="Consolas" panose="020B0609020204030204" pitchFamily="49" charset="0"/>
+                <a:cs typeface="Consolas" panose="020B0609020204030204" pitchFamily="49" charset="0"/>
+              </a:rPr>
+              <a:t>#ERROR!</a:t>
+            </a:r>
+            <a:endParaRPr lang="en-US" dirty="0">
+              <a:latin typeface="Consolas" panose="020B0609020204030204" pitchFamily="49" charset="0"/>
+              <a:cs typeface="Consolas" panose="020B0609020204030204" pitchFamily="49" charset="0"/>
+            </a:endParaRPr>
+          </a:p>
+        </p:txBody>
+      </p:sp>
+      <p:sp>
+        <p:nvSpPr>
+          <p:cNvPr id="6" name="Rectangle 5">
+            <a:extLst>
+              <a:ext uri="{FF2B5EF4-FFF2-40B4-BE49-F238E27FC236}">
+                <a16:creationId xmlns:a16="http://schemas.microsoft.com/office/drawing/2014/main" id="{0CC176CF-3278-A04A-BB5E-D74C553ABD13}"/>
+              </a:ext>
+            </a:extLst>
+          </p:cNvPr>
+          <p:cNvSpPr/>
+          <p:nvPr/>
+        </p:nvSpPr>
+        <p:spPr>
+          <a:xfrm>
+            <a:off x="6536266" y="2187503"/>
+            <a:ext cx="7012452" cy="1323439"/>
+          </a:xfrm>
+          <a:prstGeom prst="rect">
+            <a:avLst/>
+          </a:prstGeom>
+        </p:spPr>
+        <p:txBody>
+          <a:bodyPr wrap="square">
+            <a:spAutoFit/>
+          </a:bodyPr>
+          <a:lstStyle/>
+          <a:p>
+            <a:r>
+              <a:rPr lang="en-US" sz="1600" dirty="0" err="1">
+                <a:latin typeface="Consolas" panose="020B0609020204030204" pitchFamily="49" charset="0"/>
+                <a:cs typeface="Consolas" panose="020B0609020204030204" pitchFamily="49" charset="0"/>
+              </a:rPr>
+              <a:t>coords</a:t>
+            </a:r>
+            <a:r>
+              <a:rPr lang="en-US" sz="1600" dirty="0">
+                <a:latin typeface="Consolas" panose="020B0609020204030204" pitchFamily="49" charset="0"/>
+                <a:cs typeface="Consolas" panose="020B0609020204030204" pitchFamily="49" charset="0"/>
+              </a:rPr>
+              <a:t> = </a:t>
+            </a:r>
+            <a:r>
+              <a:rPr lang="en-US" sz="1600" dirty="0" err="1">
+                <a:latin typeface="Consolas" panose="020B0609020204030204" pitchFamily="49" charset="0"/>
+                <a:cs typeface="Consolas" panose="020B0609020204030204" pitchFamily="49" charset="0"/>
+              </a:rPr>
+              <a:t>namedtuple</a:t>
+            </a:r>
+            <a:r>
+              <a:rPr lang="en-US" sz="1600" dirty="0">
+                <a:latin typeface="Consolas" panose="020B0609020204030204" pitchFamily="49" charset="0"/>
+                <a:cs typeface="Consolas" panose="020B0609020204030204" pitchFamily="49" charset="0"/>
+              </a:rPr>
+              <a:t>(</a:t>
+            </a:r>
+            <a:r>
+              <a:rPr lang="en-US" sz="1600" dirty="0">
+                <a:solidFill>
+                  <a:srgbClr val="6A8759"/>
+                </a:solidFill>
+                <a:latin typeface="Consolas" panose="020B0609020204030204" pitchFamily="49" charset="0"/>
+                <a:cs typeface="Consolas" panose="020B0609020204030204" pitchFamily="49" charset="0"/>
+              </a:rPr>
+              <a:t>"Coordinates"</a:t>
+            </a:r>
+            <a:r>
+              <a:rPr lang="en-US" sz="1600" dirty="0">
+                <a:solidFill>
+                  <a:srgbClr val="CC7832"/>
+                </a:solidFill>
+                <a:latin typeface="Consolas" panose="020B0609020204030204" pitchFamily="49" charset="0"/>
+                <a:cs typeface="Consolas" panose="020B0609020204030204" pitchFamily="49" charset="0"/>
+              </a:rPr>
+              <a:t>, </a:t>
+            </a:r>
+            <a:r>
+              <a:rPr lang="en-US" sz="1600" dirty="0">
+                <a:latin typeface="Consolas" panose="020B0609020204030204" pitchFamily="49" charset="0"/>
+                <a:cs typeface="Consolas" panose="020B0609020204030204" pitchFamily="49" charset="0"/>
+              </a:rPr>
+              <a:t>[</a:t>
+            </a:r>
+            <a:r>
+              <a:rPr lang="en-US" sz="1600" dirty="0">
+                <a:solidFill>
+                  <a:srgbClr val="6A8759"/>
+                </a:solidFill>
+                <a:latin typeface="Consolas" panose="020B0609020204030204" pitchFamily="49" charset="0"/>
+                <a:cs typeface="Consolas" panose="020B0609020204030204" pitchFamily="49" charset="0"/>
+              </a:rPr>
+              <a:t>"Latitude"</a:t>
+            </a:r>
+            <a:r>
+              <a:rPr lang="en-US" sz="1600" dirty="0">
+                <a:solidFill>
+                  <a:srgbClr val="CC7832"/>
+                </a:solidFill>
+                <a:latin typeface="Consolas" panose="020B0609020204030204" pitchFamily="49" charset="0"/>
+                <a:cs typeface="Consolas" panose="020B0609020204030204" pitchFamily="49" charset="0"/>
+              </a:rPr>
+              <a:t>, </a:t>
+            </a:r>
+            <a:r>
+              <a:rPr lang="en-US" sz="1600" dirty="0">
+                <a:solidFill>
+                  <a:srgbClr val="6A8759"/>
+                </a:solidFill>
+                <a:latin typeface="Consolas" panose="020B0609020204030204" pitchFamily="49" charset="0"/>
+                <a:cs typeface="Consolas" panose="020B0609020204030204" pitchFamily="49" charset="0"/>
+              </a:rPr>
+              <a:t>"Longitude"</a:t>
+            </a:r>
+            <a:r>
+              <a:rPr lang="en-US" sz="1600" dirty="0">
+                <a:latin typeface="Consolas" panose="020B0609020204030204" pitchFamily="49" charset="0"/>
+                <a:cs typeface="Consolas" panose="020B0609020204030204" pitchFamily="49" charset="0"/>
+              </a:rPr>
+              <a:t>])</a:t>
+            </a:r>
+            <a:br>
+              <a:rPr lang="en-US" sz="1600" dirty="0">
+                <a:latin typeface="Consolas" panose="020B0609020204030204" pitchFamily="49" charset="0"/>
+                <a:cs typeface="Consolas" panose="020B0609020204030204" pitchFamily="49" charset="0"/>
+              </a:rPr>
+            </a:br>
+            <a:br>
+              <a:rPr lang="en-US" sz="1600" dirty="0">
+                <a:latin typeface="Consolas" panose="020B0609020204030204" pitchFamily="49" charset="0"/>
+                <a:cs typeface="Consolas" panose="020B0609020204030204" pitchFamily="49" charset="0"/>
+              </a:rPr>
+            </a:br>
+            <a:r>
+              <a:rPr lang="en-US" sz="1600" dirty="0" err="1">
+                <a:latin typeface="Consolas" panose="020B0609020204030204" pitchFamily="49" charset="0"/>
+                <a:cs typeface="Consolas" panose="020B0609020204030204" pitchFamily="49" charset="0"/>
+              </a:rPr>
+              <a:t>foco</a:t>
+            </a:r>
+            <a:r>
+              <a:rPr lang="en-US" sz="1600" dirty="0">
+                <a:latin typeface="Consolas" panose="020B0609020204030204" pitchFamily="49" charset="0"/>
+                <a:cs typeface="Consolas" panose="020B0609020204030204" pitchFamily="49" charset="0"/>
+              </a:rPr>
+              <a:t> = </a:t>
+            </a:r>
+            <a:r>
+              <a:rPr lang="en-US" sz="1600" dirty="0" err="1">
+                <a:latin typeface="Consolas" panose="020B0609020204030204" pitchFamily="49" charset="0"/>
+                <a:cs typeface="Consolas" panose="020B0609020204030204" pitchFamily="49" charset="0"/>
+              </a:rPr>
+              <a:t>coords</a:t>
+            </a:r>
+            <a:r>
+              <a:rPr lang="en-US" sz="1600" dirty="0">
+                <a:latin typeface="Consolas" panose="020B0609020204030204" pitchFamily="49" charset="0"/>
+                <a:cs typeface="Consolas" panose="020B0609020204030204" pitchFamily="49" charset="0"/>
+              </a:rPr>
+              <a:t>(</a:t>
+            </a:r>
+            <a:r>
+              <a:rPr lang="en-US" sz="1600" dirty="0">
+                <a:solidFill>
+                  <a:srgbClr val="6A8759"/>
+                </a:solidFill>
+                <a:latin typeface="Consolas" panose="020B0609020204030204" pitchFamily="49" charset="0"/>
+                <a:cs typeface="Consolas" panose="020B0609020204030204" pitchFamily="49" charset="0"/>
+              </a:rPr>
+              <a:t>"40.5853° N"</a:t>
+            </a:r>
+            <a:r>
+              <a:rPr lang="en-US" sz="1600" dirty="0">
+                <a:solidFill>
+                  <a:srgbClr val="CC7832"/>
+                </a:solidFill>
+                <a:latin typeface="Consolas" panose="020B0609020204030204" pitchFamily="49" charset="0"/>
+                <a:cs typeface="Consolas" panose="020B0609020204030204" pitchFamily="49" charset="0"/>
+              </a:rPr>
+              <a:t>, </a:t>
+            </a:r>
+            <a:r>
+              <a:rPr lang="en-US" sz="1600" dirty="0">
+                <a:solidFill>
+                  <a:srgbClr val="6A8759"/>
+                </a:solidFill>
+                <a:latin typeface="Consolas" panose="020B0609020204030204" pitchFamily="49" charset="0"/>
+                <a:cs typeface="Consolas" panose="020B0609020204030204" pitchFamily="49" charset="0"/>
+              </a:rPr>
+              <a:t>"105.0844° W"</a:t>
+            </a:r>
+            <a:r>
+              <a:rPr lang="en-US" sz="1600" dirty="0">
+                <a:latin typeface="Consolas" panose="020B0609020204030204" pitchFamily="49" charset="0"/>
+                <a:cs typeface="Consolas" panose="020B0609020204030204" pitchFamily="49" charset="0"/>
+              </a:rPr>
+              <a:t>)</a:t>
+            </a:r>
+            <a:br>
+              <a:rPr lang="en-US" sz="1600" dirty="0">
+                <a:latin typeface="Consolas" panose="020B0609020204030204" pitchFamily="49" charset="0"/>
+                <a:cs typeface="Consolas" panose="020B0609020204030204" pitchFamily="49" charset="0"/>
+              </a:rPr>
+            </a:br>
+            <a:r>
+              <a:rPr lang="en-US" sz="1600" dirty="0">
+                <a:solidFill>
+                  <a:srgbClr val="8888C6"/>
+                </a:solidFill>
+                <a:latin typeface="Consolas" panose="020B0609020204030204" pitchFamily="49" charset="0"/>
+                <a:cs typeface="Consolas" panose="020B0609020204030204" pitchFamily="49" charset="0"/>
+              </a:rPr>
+              <a:t>print</a:t>
+            </a:r>
+            <a:r>
+              <a:rPr lang="en-US" sz="1600" dirty="0">
+                <a:latin typeface="Consolas" panose="020B0609020204030204" pitchFamily="49" charset="0"/>
+                <a:cs typeface="Consolas" panose="020B0609020204030204" pitchFamily="49" charset="0"/>
+              </a:rPr>
+              <a:t>(</a:t>
+            </a:r>
+            <a:r>
+              <a:rPr lang="en-US" sz="1600" dirty="0" err="1">
+                <a:latin typeface="Consolas" panose="020B0609020204030204" pitchFamily="49" charset="0"/>
+                <a:cs typeface="Consolas" panose="020B0609020204030204" pitchFamily="49" charset="0"/>
+              </a:rPr>
+              <a:t>foco.Latitude</a:t>
+            </a:r>
+            <a:r>
+              <a:rPr lang="en-US" sz="1600" dirty="0">
+                <a:latin typeface="Consolas" panose="020B0609020204030204" pitchFamily="49" charset="0"/>
+                <a:cs typeface="Consolas" panose="020B0609020204030204" pitchFamily="49" charset="0"/>
+              </a:rPr>
+              <a:t>) </a:t>
+            </a:r>
+            <a:r>
+              <a:rPr lang="en-US" sz="1600" dirty="0">
+                <a:solidFill>
+                  <a:srgbClr val="808080"/>
+                </a:solidFill>
+                <a:latin typeface="Consolas" panose="020B0609020204030204" pitchFamily="49" charset="0"/>
+                <a:cs typeface="Consolas" panose="020B0609020204030204" pitchFamily="49" charset="0"/>
+              </a:rPr>
+              <a:t># 40.5853° N</a:t>
+            </a:r>
+            <a:br>
+              <a:rPr lang="en-US" sz="1600" dirty="0">
+                <a:solidFill>
+                  <a:srgbClr val="808080"/>
+                </a:solidFill>
+                <a:latin typeface="Consolas" panose="020B0609020204030204" pitchFamily="49" charset="0"/>
+                <a:cs typeface="Consolas" panose="020B0609020204030204" pitchFamily="49" charset="0"/>
+              </a:rPr>
+            </a:br>
+            <a:endParaRPr lang="en-US" sz="1600" dirty="0">
+              <a:latin typeface="Consolas" panose="020B0609020204030204" pitchFamily="49" charset="0"/>
+              <a:cs typeface="Consolas" panose="020B0609020204030204" pitchFamily="49" charset="0"/>
+            </a:endParaRPr>
+          </a:p>
+        </p:txBody>
+      </p:sp>
+      <p:sp>
+        <p:nvSpPr>
+          <p:cNvPr id="7" name="Text Placeholder 2">
+            <a:extLst>
+              <a:ext uri="{FF2B5EF4-FFF2-40B4-BE49-F238E27FC236}">
+                <a16:creationId xmlns:a16="http://schemas.microsoft.com/office/drawing/2014/main" id="{1053C5C7-57F8-F347-83EF-EDE19A45D64E}"/>
+              </a:ext>
+            </a:extLst>
+          </p:cNvPr>
+          <p:cNvSpPr txBox="1">
+            <a:spLocks/>
+          </p:cNvSpPr>
+          <p:nvPr/>
+        </p:nvSpPr>
+        <p:spPr>
+          <a:xfrm>
+            <a:off x="6570133" y="1219802"/>
+            <a:ext cx="5038947" cy="967701"/>
+          </a:xfrm>
+          <a:prstGeom prst="rect">
+            <a:avLst/>
+          </a:prstGeom>
+        </p:spPr>
+        <p:txBody>
+          <a:bodyPr vert="horz" lIns="91440" tIns="91440" rIns="91440" bIns="91440" rtlCol="0">
+            <a:spAutoFit/>
+          </a:bodyPr>
+          <a:lstStyle>
+            <a:lvl1pPr marL="524712" indent="-524712" algn="l" defTabSz="699614" rtl="0" eaLnBrk="1" latinLnBrk="0" hangingPunct="1">
+              <a:lnSpc>
+                <a:spcPct val="120000"/>
+              </a:lnSpc>
+              <a:spcBef>
+                <a:spcPts val="600"/>
+              </a:spcBef>
+              <a:spcAft>
+                <a:spcPts val="600"/>
+              </a:spcAft>
+              <a:buFont typeface="Arial"/>
+              <a:buChar char="•"/>
+              <a:defRPr sz="1800" b="0" i="0" kern="1200">
+                <a:solidFill>
+                  <a:srgbClr val="092529"/>
+                </a:solidFill>
+                <a:latin typeface="Proxima Nova" charset="0"/>
+                <a:ea typeface="Proxima Nova" charset="0"/>
+                <a:cs typeface="Proxima Nova" charset="0"/>
+              </a:defRPr>
+            </a:lvl1pPr>
+            <a:lvl2pPr marL="1136875" indent="-437261" algn="l" defTabSz="699614" rtl="0" eaLnBrk="1" latinLnBrk="0" hangingPunct="1">
+              <a:lnSpc>
+                <a:spcPct val="120000"/>
+              </a:lnSpc>
+              <a:spcBef>
+                <a:spcPts val="0"/>
+              </a:spcBef>
+              <a:spcAft>
+                <a:spcPts val="600"/>
+              </a:spcAft>
+              <a:buFont typeface="Arial"/>
+              <a:buChar char="–"/>
+              <a:defRPr sz="1600" b="0" i="0" kern="1200">
+                <a:solidFill>
+                  <a:srgbClr val="092529"/>
+                </a:solidFill>
+                <a:latin typeface="Proxima Nova" charset="0"/>
+                <a:ea typeface="Proxima Nova" charset="0"/>
+                <a:cs typeface="Proxima Nova" charset="0"/>
+              </a:defRPr>
+            </a:lvl2pPr>
+            <a:lvl3pPr marL="1749040" indent="-349807" algn="l" defTabSz="699614" rtl="0" eaLnBrk="1" latinLnBrk="0" hangingPunct="1">
+              <a:lnSpc>
+                <a:spcPct val="120000"/>
+              </a:lnSpc>
+              <a:spcBef>
+                <a:spcPts val="0"/>
+              </a:spcBef>
+              <a:spcAft>
+                <a:spcPts val="600"/>
+              </a:spcAft>
+              <a:buFont typeface="Arial"/>
+              <a:buChar char="•"/>
+              <a:defRPr sz="1600" b="0" i="0" kern="1200">
+                <a:solidFill>
+                  <a:srgbClr val="092529"/>
+                </a:solidFill>
+                <a:latin typeface="Proxima Nova" charset="0"/>
+                <a:ea typeface="Proxima Nova" charset="0"/>
+                <a:cs typeface="Proxima Nova" charset="0"/>
+              </a:defRPr>
+            </a:lvl3pPr>
+            <a:lvl4pPr marL="2448655" indent="-349807" algn="l" defTabSz="699614" rtl="0" eaLnBrk="1" latinLnBrk="0" hangingPunct="1">
+              <a:lnSpc>
+                <a:spcPct val="120000"/>
+              </a:lnSpc>
+              <a:spcBef>
+                <a:spcPts val="0"/>
+              </a:spcBef>
+              <a:spcAft>
+                <a:spcPts val="600"/>
+              </a:spcAft>
+              <a:buFont typeface="Arial"/>
+              <a:buChar char="–"/>
+              <a:defRPr sz="1600" b="0" i="0" kern="1200">
+                <a:solidFill>
+                  <a:srgbClr val="092529"/>
+                </a:solidFill>
+                <a:latin typeface="Proxima Nova" charset="0"/>
+                <a:ea typeface="Proxima Nova" charset="0"/>
+                <a:cs typeface="Proxima Nova" charset="0"/>
+              </a:defRPr>
+            </a:lvl4pPr>
+            <a:lvl5pPr marL="3148272" indent="-349807" algn="l" defTabSz="699614" rtl="0" eaLnBrk="1" latinLnBrk="0" hangingPunct="1">
+              <a:spcBef>
+                <a:spcPct val="20000"/>
+              </a:spcBef>
+              <a:buFont typeface="Arial"/>
+              <a:buChar char="»"/>
+              <a:defRPr sz="1648" b="0" kern="1200">
+                <a:solidFill>
+                  <a:srgbClr val="092529"/>
+                </a:solidFill>
+                <a:latin typeface="Franklin Gothic Book" charset="0"/>
+                <a:ea typeface="Franklin Gothic Book" charset="0"/>
+                <a:cs typeface="Franklin Gothic Book" charset="0"/>
+              </a:defRPr>
+            </a:lvl5pPr>
+            <a:lvl6pPr marL="3847888" indent="-349807" algn="l" defTabSz="699614" rtl="0" eaLnBrk="1" latinLnBrk="0" hangingPunct="1">
+              <a:spcBef>
+                <a:spcPct val="20000"/>
+              </a:spcBef>
+              <a:buFont typeface="Arial"/>
+              <a:buChar char="•"/>
+              <a:defRPr sz="3022" kern="1200">
+                <a:solidFill>
+                  <a:schemeClr val="tx1"/>
+                </a:solidFill>
+                <a:latin typeface="+mn-lt"/>
+                <a:ea typeface="+mn-ea"/>
+                <a:cs typeface="+mn-cs"/>
+              </a:defRPr>
+            </a:lvl6pPr>
+            <a:lvl7pPr marL="4547505" indent="-349807" algn="l" defTabSz="699614" rtl="0" eaLnBrk="1" latinLnBrk="0" hangingPunct="1">
+              <a:spcBef>
+                <a:spcPct val="20000"/>
+              </a:spcBef>
+              <a:buFont typeface="Arial"/>
+              <a:buChar char="•"/>
+              <a:defRPr sz="3022" kern="1200">
+                <a:solidFill>
+                  <a:schemeClr val="tx1"/>
+                </a:solidFill>
+                <a:latin typeface="+mn-lt"/>
+                <a:ea typeface="+mn-ea"/>
+                <a:cs typeface="+mn-cs"/>
+              </a:defRPr>
+            </a:lvl7pPr>
+            <a:lvl8pPr marL="5247119" indent="-349807" algn="l" defTabSz="699614" rtl="0" eaLnBrk="1" latinLnBrk="0" hangingPunct="1">
+              <a:spcBef>
+                <a:spcPct val="20000"/>
+              </a:spcBef>
+              <a:buFont typeface="Arial"/>
+              <a:buChar char="•"/>
+              <a:defRPr sz="3022" kern="1200">
+                <a:solidFill>
+                  <a:schemeClr val="tx1"/>
+                </a:solidFill>
+                <a:latin typeface="+mn-lt"/>
+                <a:ea typeface="+mn-ea"/>
+                <a:cs typeface="+mn-cs"/>
+              </a:defRPr>
+            </a:lvl8pPr>
+            <a:lvl9pPr marL="5946736" indent="-349807" algn="l" defTabSz="699614" rtl="0" eaLnBrk="1" latinLnBrk="0" hangingPunct="1">
+              <a:spcBef>
+                <a:spcPct val="20000"/>
+              </a:spcBef>
+              <a:buFont typeface="Arial"/>
+              <a:buChar char="•"/>
+              <a:defRPr sz="3022" kern="1200">
+                <a:solidFill>
+                  <a:schemeClr val="tx1"/>
+                </a:solidFill>
+                <a:latin typeface="+mn-lt"/>
+                <a:ea typeface="+mn-ea"/>
+                <a:cs typeface="+mn-cs"/>
+              </a:defRPr>
+            </a:lvl9pPr>
+          </a:lstStyle>
+          <a:p>
+            <a:pPr marL="0" indent="0">
+              <a:buNone/>
+            </a:pPr>
+            <a:r>
+              <a:rPr lang="en-US" dirty="0"/>
+              <a:t>Pro Skill: Named Tuple </a:t>
+            </a:r>
+          </a:p>
+          <a:p>
+            <a:r>
+              <a:rPr lang="en-US" dirty="0"/>
+              <a:t>Tuple but allows direct name references</a:t>
+            </a:r>
+          </a:p>
+        </p:txBody>
+      </p:sp>
+    </p:spTree>
+    <p:extLst>
+      <p:ext uri="{BB962C8B-B14F-4D97-AF65-F5344CB8AC3E}">
+        <p14:creationId xmlns:p14="http://schemas.microsoft.com/office/powerpoint/2010/main" val="4144621145"/>
+      </p:ext>
+    </p:extLst>
+  </p:cSld>
+  <p:clrMapOvr>
+    <a:masterClrMapping/>
+  </p:clrMapOvr>
+  <mc:AlternateContent xmlns:mc="http://schemas.openxmlformats.org/markup-compatibility/2006" xmlns:p14="http://schemas.microsoft.com/office/powerpoint/2010/main">
+    <mc:Choice Requires="p14">
+      <p:transition p14:dur="300">
+        <p:fade/>
+      </p:transition>
+    </mc:Choice>
+    <mc:Fallback xmlns="">
+      <p:transition>
+        <p:fade/>
+      </p:transition>
+    </mc:Fallback>
+  </mc:AlternateContent>
+  <p:timing>
+    <p:tnLst>
+      <p:par>
+        <p:cTn id="1" dur="indefinite" restart="never" nodeType="tmRoot">
+          <p:childTnLst>
+            <p:seq concurrent="1" nextAc="seek">
+              <p:cTn id="2" dur="indefinite" nodeType="mainSeq">
+                <p:childTnLst>
+                  <p:par>
+                    <p:cTn id="3" fill="hold">
+                      <p:stCondLst>
+                        <p:cond delay="indefinite"/>
+                      </p:stCondLst>
+                      <p:childTnLst>
+                        <p:par>
+                          <p:cTn id="4" fill="hold">
+                            <p:stCondLst>
+                              <p:cond delay="0"/>
+                            </p:stCondLst>
+                            <p:childTnLst>
+                              <p:par>
+                                <p:cTn id="5" presetID="9" presetClass="entr" presetSubtype="0" fill="hold" grpId="0" nodeType="clickEffect">
+                                  <p:stCondLst>
+                                    <p:cond delay="0"/>
+                                  </p:stCondLst>
+                                  <p:childTnLst>
+                                    <p:set>
+                                      <p:cBhvr>
+                                        <p:cTn id="6" dur="1" fill="hold">
+                                          <p:stCondLst>
+                                            <p:cond delay="0"/>
+                                          </p:stCondLst>
+                                        </p:cTn>
+                                        <p:tgtEl>
+                                          <p:spTgt spid="7"/>
+                                        </p:tgtEl>
+                                        <p:attrNameLst>
+                                          <p:attrName>style.visibility</p:attrName>
+                                        </p:attrNameLst>
+                                      </p:cBhvr>
+                                      <p:to>
+                                        <p:strVal val="visible"/>
+                                      </p:to>
+                                    </p:set>
+                                    <p:animEffect transition="in" filter="dissolve">
+                                      <p:cBhvr>
+                                        <p:cTn id="7" dur="500"/>
+                                        <p:tgtEl>
+                                          <p:spTgt spid="7"/>
+                                        </p:tgtEl>
+                                      </p:cBhvr>
+                                    </p:animEffect>
+                                  </p:childTnLst>
+                                </p:cTn>
+                              </p:par>
+                              <p:par>
+                                <p:cTn id="8" presetID="9" presetClass="entr" presetSubtype="0" fill="hold" grpId="0" nodeType="withEffect">
+                                  <p:stCondLst>
+                                    <p:cond delay="0"/>
+                                  </p:stCondLst>
+                                  <p:childTnLst>
+                                    <p:set>
+                                      <p:cBhvr>
+                                        <p:cTn id="9" dur="1" fill="hold">
+                                          <p:stCondLst>
+                                            <p:cond delay="0"/>
+                                          </p:stCondLst>
+                                        </p:cTn>
+                                        <p:tgtEl>
+                                          <p:spTgt spid="6"/>
+                                        </p:tgtEl>
+                                        <p:attrNameLst>
+                                          <p:attrName>style.visibility</p:attrName>
+                                        </p:attrNameLst>
+                                      </p:cBhvr>
+                                      <p:to>
+                                        <p:strVal val="visible"/>
+                                      </p:to>
+                                    </p:set>
+                                    <p:animEffect transition="in" filter="dissolve">
+                                      <p:cBhvr>
+                                        <p:cTn id="10" dur="500"/>
+                                        <p:tgtEl>
+                                          <p:spTgt spid="6"/>
+                                        </p:tgtEl>
+                                      </p:cBhvr>
+                                    </p:animEffect>
+                                  </p:childTnLst>
+                                </p:cTn>
+                              </p:par>
+                            </p:childTnLst>
+                          </p:cTn>
+                        </p:par>
+                      </p:childTnLst>
+                    </p:cTn>
+                  </p:par>
+                </p:childTnLst>
+              </p:cTn>
+              <p:prevCondLst>
+                <p:cond evt="onPrev" delay="0">
+                  <p:tgtEl>
+                    <p:sldTgt/>
+                  </p:tgtEl>
+                </p:cond>
+              </p:prevCondLst>
+              <p:nextCondLst>
+                <p:cond evt="onNext" delay="0">
+                  <p:tgtEl>
+                    <p:sldTgt/>
+                  </p:tgtEl>
+                </p:cond>
+              </p:nextCondLst>
+            </p:seq>
+          </p:childTnLst>
+        </p:cTn>
+      </p:par>
+    </p:tnLst>
+    <p:bldLst>
+      <p:bldP spid="6" grpId="0"/>
+      <p:bldP spid="7" grpId="0"/>
+    </p:bldLst>
+  </p:timing>
+</p:sld>
+</file>
+
+<file path=ppt/slides/slide11.xml><?xml version="1.0" encoding="utf-8"?>
+<p:sld xmlns:a="http://schemas.openxmlformats.org/drawingml/2006/main" xmlns:r="http://schemas.openxmlformats.org/officeDocument/2006/relationships" xmlns:p="http://schemas.openxmlformats.org/presentationml/2006/main">
+  <p:cSld>
+    <p:spTree>
+      <p:nvGrpSpPr>
+        <p:cNvPr id="1" name=""/>
+        <p:cNvGrpSpPr/>
+        <p:nvPr/>
+      </p:nvGrpSpPr>
+      <p:grpSpPr>
+        <a:xfrm>
+          <a:off x="0" y="0"/>
+          <a:ext cx="0" cy="0"/>
+          <a:chOff x="0" y="0"/>
+          <a:chExt cx="0" cy="0"/>
+        </a:xfrm>
+      </p:grpSpPr>
+      <p:sp>
+        <p:nvSpPr>
+          <p:cNvPr id="2" name="Title 1">
+            <a:extLst>
+              <a:ext uri="{FF2B5EF4-FFF2-40B4-BE49-F238E27FC236}">
+                <a16:creationId xmlns:a16="http://schemas.microsoft.com/office/drawing/2014/main" id="{818F0946-F262-2C49-9ABD-288B29AD0BE4}"/>
+              </a:ext>
+            </a:extLst>
+          </p:cNvPr>
+          <p:cNvSpPr>
+            <a:spLocks noGrp="1"/>
+          </p:cNvSpPr>
+          <p:nvPr>
+            <p:ph type="title"/>
+          </p:nvPr>
+        </p:nvSpPr>
+        <p:spPr/>
+        <p:txBody>
+          <a:bodyPr/>
+          <a:lstStyle/>
+          <a:p>
+            <a:r>
+              <a:rPr lang="en-US" dirty="0"/>
+              <a:t>Printing Elements In Lists?</a:t>
+            </a:r>
+          </a:p>
+        </p:txBody>
+      </p:sp>
+      <p:sp>
+        <p:nvSpPr>
+          <p:cNvPr id="3" name="Text Placeholder 2">
+            <a:extLst>
+              <a:ext uri="{FF2B5EF4-FFF2-40B4-BE49-F238E27FC236}">
+                <a16:creationId xmlns:a16="http://schemas.microsoft.com/office/drawing/2014/main" id="{6141502A-CCCA-C148-ABA4-7A23D0C584D1}"/>
+              </a:ext>
+            </a:extLst>
+          </p:cNvPr>
+          <p:cNvSpPr>
+            <a:spLocks noGrp="1"/>
+          </p:cNvSpPr>
+          <p:nvPr>
+            <p:ph type="body" sz="quarter" idx="10"/>
+          </p:nvPr>
+        </p:nvSpPr>
+        <p:spPr>
+          <a:xfrm>
+            <a:off x="628075" y="1776682"/>
+            <a:ext cx="2781169" cy="481414"/>
+          </a:xfrm>
+        </p:spPr>
+        <p:txBody>
+          <a:bodyPr/>
+          <a:lstStyle/>
+          <a:p>
+            <a:r>
+              <a:rPr lang="en-US" dirty="0"/>
+              <a:t>the while loop way</a:t>
+            </a:r>
+          </a:p>
+        </p:txBody>
+      </p:sp>
+      <p:sp>
+        <p:nvSpPr>
+          <p:cNvPr id="4" name="Rectangle 3">
+            <a:extLst>
+              <a:ext uri="{FF2B5EF4-FFF2-40B4-BE49-F238E27FC236}">
+                <a16:creationId xmlns:a16="http://schemas.microsoft.com/office/drawing/2014/main" id="{3CABFD07-2174-BD4C-99B8-542F6CB04C35}"/>
+              </a:ext>
+            </a:extLst>
+          </p:cNvPr>
+          <p:cNvSpPr/>
+          <p:nvPr/>
+        </p:nvSpPr>
+        <p:spPr>
+          <a:xfrm>
+            <a:off x="628075" y="2422970"/>
+            <a:ext cx="6908800" cy="1323439"/>
+          </a:xfrm>
+          <a:prstGeom prst="rect">
+            <a:avLst/>
+          </a:prstGeom>
+        </p:spPr>
+        <p:txBody>
+          <a:bodyPr>
+            <a:spAutoFit/>
+          </a:bodyPr>
+          <a:lstStyle/>
+          <a:p>
+            <a:r>
+              <a:rPr lang="en-US" dirty="0">
+                <a:latin typeface="Consolas" panose="020B0609020204030204" pitchFamily="49" charset="0"/>
+                <a:cs typeface="Consolas" panose="020B0609020204030204" pitchFamily="49" charset="0"/>
+              </a:rPr>
+              <a:t>index =  </a:t>
+            </a:r>
+            <a:r>
+              <a:rPr lang="en-US" dirty="0">
+                <a:solidFill>
+                  <a:srgbClr val="6897BB"/>
+                </a:solidFill>
+                <a:latin typeface="Consolas" panose="020B0609020204030204" pitchFamily="49" charset="0"/>
+                <a:cs typeface="Consolas" panose="020B0609020204030204" pitchFamily="49" charset="0"/>
+              </a:rPr>
+              <a:t>0</a:t>
+            </a:r>
+            <a:br>
+              <a:rPr lang="en-US" dirty="0">
+                <a:solidFill>
+                  <a:srgbClr val="6897BB"/>
+                </a:solidFill>
+                <a:latin typeface="Consolas" panose="020B0609020204030204" pitchFamily="49" charset="0"/>
+                <a:cs typeface="Consolas" panose="020B0609020204030204" pitchFamily="49" charset="0"/>
+              </a:rPr>
+            </a:br>
+            <a:r>
+              <a:rPr lang="en-US" dirty="0">
+                <a:solidFill>
+                  <a:srgbClr val="CC7832"/>
+                </a:solidFill>
+                <a:latin typeface="Consolas" panose="020B0609020204030204" pitchFamily="49" charset="0"/>
+                <a:cs typeface="Consolas" panose="020B0609020204030204" pitchFamily="49" charset="0"/>
+              </a:rPr>
+              <a:t>while </a:t>
+            </a:r>
+            <a:r>
+              <a:rPr lang="en-US" dirty="0">
+                <a:latin typeface="Consolas" panose="020B0609020204030204" pitchFamily="49" charset="0"/>
+                <a:cs typeface="Consolas" panose="020B0609020204030204" pitchFamily="49" charset="0"/>
+              </a:rPr>
+              <a:t>index &lt; </a:t>
+            </a:r>
+            <a:r>
+              <a:rPr lang="en-US" dirty="0" err="1">
+                <a:solidFill>
+                  <a:srgbClr val="8888C6"/>
+                </a:solidFill>
+                <a:latin typeface="Consolas" panose="020B0609020204030204" pitchFamily="49" charset="0"/>
+                <a:cs typeface="Consolas" panose="020B0609020204030204" pitchFamily="49" charset="0"/>
+              </a:rPr>
+              <a:t>len</a:t>
+            </a:r>
+            <a:r>
+              <a:rPr lang="en-US" dirty="0">
+                <a:latin typeface="Consolas" panose="020B0609020204030204" pitchFamily="49" charset="0"/>
+                <a:cs typeface="Consolas" panose="020B0609020204030204" pitchFamily="49" charset="0"/>
+              </a:rPr>
+              <a:t>(glaciers):</a:t>
+            </a:r>
+            <a:br>
+              <a:rPr lang="en-US" dirty="0">
+                <a:latin typeface="Consolas" panose="020B0609020204030204" pitchFamily="49" charset="0"/>
+                <a:cs typeface="Consolas" panose="020B0609020204030204" pitchFamily="49" charset="0"/>
+              </a:rPr>
+            </a:br>
+            <a:r>
+              <a:rPr lang="en-US" dirty="0">
+                <a:latin typeface="Consolas" panose="020B0609020204030204" pitchFamily="49" charset="0"/>
+                <a:cs typeface="Consolas" panose="020B0609020204030204" pitchFamily="49" charset="0"/>
+              </a:rPr>
+              <a:t>    </a:t>
+            </a:r>
+            <a:r>
+              <a:rPr lang="en-US" dirty="0">
+                <a:solidFill>
+                  <a:srgbClr val="8888C6"/>
+                </a:solidFill>
+                <a:latin typeface="Consolas" panose="020B0609020204030204" pitchFamily="49" charset="0"/>
+                <a:cs typeface="Consolas" panose="020B0609020204030204" pitchFamily="49" charset="0"/>
+              </a:rPr>
+              <a:t>print</a:t>
+            </a:r>
+            <a:r>
+              <a:rPr lang="en-US" dirty="0">
+                <a:latin typeface="Consolas" panose="020B0609020204030204" pitchFamily="49" charset="0"/>
+                <a:cs typeface="Consolas" panose="020B0609020204030204" pitchFamily="49" charset="0"/>
+              </a:rPr>
+              <a:t>(glaciers[index]</a:t>
+            </a:r>
+            <a:r>
+              <a:rPr lang="en-US" dirty="0">
+                <a:solidFill>
+                  <a:srgbClr val="CC7832"/>
+                </a:solidFill>
+                <a:latin typeface="Consolas" panose="020B0609020204030204" pitchFamily="49" charset="0"/>
+                <a:cs typeface="Consolas" panose="020B0609020204030204" pitchFamily="49" charset="0"/>
+              </a:rPr>
+              <a:t>, </a:t>
+            </a:r>
+            <a:r>
+              <a:rPr lang="en-US" dirty="0">
+                <a:solidFill>
+                  <a:srgbClr val="AA4926"/>
+                </a:solidFill>
+                <a:latin typeface="Consolas" panose="020B0609020204030204" pitchFamily="49" charset="0"/>
+                <a:cs typeface="Consolas" panose="020B0609020204030204" pitchFamily="49" charset="0"/>
+              </a:rPr>
+              <a:t>end </a:t>
+            </a:r>
+            <a:r>
+              <a:rPr lang="en-US" dirty="0">
+                <a:latin typeface="Consolas" panose="020B0609020204030204" pitchFamily="49" charset="0"/>
+                <a:cs typeface="Consolas" panose="020B0609020204030204" pitchFamily="49" charset="0"/>
+              </a:rPr>
+              <a:t>= </a:t>
+            </a:r>
+            <a:r>
+              <a:rPr lang="en-US" dirty="0">
+                <a:solidFill>
+                  <a:srgbClr val="6A8759"/>
+                </a:solidFill>
+                <a:latin typeface="Consolas" panose="020B0609020204030204" pitchFamily="49" charset="0"/>
+                <a:cs typeface="Consolas" panose="020B0609020204030204" pitchFamily="49" charset="0"/>
+              </a:rPr>
+              <a:t>' '</a:t>
+            </a:r>
+            <a:r>
+              <a:rPr lang="en-US" dirty="0">
+                <a:latin typeface="Consolas" panose="020B0609020204030204" pitchFamily="49" charset="0"/>
+                <a:cs typeface="Consolas" panose="020B0609020204030204" pitchFamily="49" charset="0"/>
+              </a:rPr>
+              <a:t>)</a:t>
+            </a:r>
+            <a:br>
+              <a:rPr lang="en-US" dirty="0">
+                <a:latin typeface="Consolas" panose="020B0609020204030204" pitchFamily="49" charset="0"/>
+                <a:cs typeface="Consolas" panose="020B0609020204030204" pitchFamily="49" charset="0"/>
+              </a:rPr>
+            </a:br>
+            <a:r>
+              <a:rPr lang="en-US" dirty="0">
+                <a:latin typeface="Consolas" panose="020B0609020204030204" pitchFamily="49" charset="0"/>
+                <a:cs typeface="Consolas" panose="020B0609020204030204" pitchFamily="49" charset="0"/>
+              </a:rPr>
+              <a:t>    index += </a:t>
+            </a:r>
+            <a:r>
+              <a:rPr lang="en-US" dirty="0">
+                <a:solidFill>
+                  <a:srgbClr val="6897BB"/>
+                </a:solidFill>
+                <a:latin typeface="Consolas" panose="020B0609020204030204" pitchFamily="49" charset="0"/>
+                <a:cs typeface="Consolas" panose="020B0609020204030204" pitchFamily="49" charset="0"/>
+              </a:rPr>
+              <a:t>1</a:t>
+            </a:r>
+            <a:endParaRPr lang="en-US" dirty="0">
+              <a:latin typeface="Consolas" panose="020B0609020204030204" pitchFamily="49" charset="0"/>
+              <a:cs typeface="Consolas" panose="020B0609020204030204" pitchFamily="49" charset="0"/>
+            </a:endParaRPr>
+          </a:p>
+        </p:txBody>
+      </p:sp>
+      <p:sp>
+        <p:nvSpPr>
+          <p:cNvPr id="5" name="Text Placeholder 2">
+            <a:extLst>
+              <a:ext uri="{FF2B5EF4-FFF2-40B4-BE49-F238E27FC236}">
+                <a16:creationId xmlns:a16="http://schemas.microsoft.com/office/drawing/2014/main" id="{2AF1A903-BF6F-A746-B482-90725A02D7DE}"/>
+              </a:ext>
+            </a:extLst>
+          </p:cNvPr>
+          <p:cNvSpPr txBox="1">
+            <a:spLocks/>
+          </p:cNvSpPr>
+          <p:nvPr/>
+        </p:nvSpPr>
+        <p:spPr>
+          <a:xfrm>
+            <a:off x="628074" y="3886200"/>
+            <a:ext cx="4847037" cy="481414"/>
+          </a:xfrm>
+          <a:prstGeom prst="rect">
+            <a:avLst/>
+          </a:prstGeom>
+        </p:spPr>
+        <p:txBody>
+          <a:bodyPr vert="horz" wrap="square" lIns="91440" tIns="91440" rIns="91440" bIns="91440" rtlCol="0">
+            <a:spAutoFit/>
+          </a:bodyPr>
+          <a:lstStyle>
+            <a:lvl1pPr marL="524712" indent="-524712" algn="l" defTabSz="699614" rtl="0" eaLnBrk="1" latinLnBrk="0" hangingPunct="1">
+              <a:lnSpc>
+                <a:spcPct val="120000"/>
+              </a:lnSpc>
+              <a:spcBef>
+                <a:spcPts val="600"/>
+              </a:spcBef>
+              <a:spcAft>
+                <a:spcPts val="600"/>
+              </a:spcAft>
+              <a:buFont typeface="Arial"/>
+              <a:buChar char="•"/>
+              <a:defRPr sz="1800" b="0" i="0" kern="1200">
+                <a:solidFill>
+                  <a:srgbClr val="092529"/>
+                </a:solidFill>
+                <a:latin typeface="Proxima Nova" charset="0"/>
+                <a:ea typeface="Proxima Nova" charset="0"/>
+                <a:cs typeface="Proxima Nova" charset="0"/>
+              </a:defRPr>
+            </a:lvl1pPr>
+            <a:lvl2pPr marL="1136875" indent="-437261" algn="l" defTabSz="699614" rtl="0" eaLnBrk="1" latinLnBrk="0" hangingPunct="1">
+              <a:lnSpc>
+                <a:spcPct val="120000"/>
+              </a:lnSpc>
+              <a:spcBef>
+                <a:spcPts val="0"/>
+              </a:spcBef>
+              <a:spcAft>
+                <a:spcPts val="600"/>
+              </a:spcAft>
+              <a:buFont typeface="Arial"/>
+              <a:buChar char="–"/>
+              <a:defRPr sz="1600" b="0" i="0" kern="1200">
+                <a:solidFill>
+                  <a:srgbClr val="092529"/>
+                </a:solidFill>
+                <a:latin typeface="Proxima Nova" charset="0"/>
+                <a:ea typeface="Proxima Nova" charset="0"/>
+                <a:cs typeface="Proxima Nova" charset="0"/>
+              </a:defRPr>
+            </a:lvl2pPr>
+            <a:lvl3pPr marL="1749040" indent="-349807" algn="l" defTabSz="699614" rtl="0" eaLnBrk="1" latinLnBrk="0" hangingPunct="1">
+              <a:lnSpc>
+                <a:spcPct val="120000"/>
+              </a:lnSpc>
+              <a:spcBef>
+                <a:spcPts val="0"/>
+              </a:spcBef>
+              <a:spcAft>
+                <a:spcPts val="600"/>
+              </a:spcAft>
+              <a:buFont typeface="Arial"/>
+              <a:buChar char="•"/>
+              <a:defRPr sz="1600" b="0" i="0" kern="1200">
+                <a:solidFill>
+                  <a:srgbClr val="092529"/>
+                </a:solidFill>
+                <a:latin typeface="Proxima Nova" charset="0"/>
+                <a:ea typeface="Proxima Nova" charset="0"/>
+                <a:cs typeface="Proxima Nova" charset="0"/>
+              </a:defRPr>
+            </a:lvl3pPr>
+            <a:lvl4pPr marL="2448655" indent="-349807" algn="l" defTabSz="699614" rtl="0" eaLnBrk="1" latinLnBrk="0" hangingPunct="1">
+              <a:lnSpc>
+                <a:spcPct val="120000"/>
+              </a:lnSpc>
+              <a:spcBef>
+                <a:spcPts val="0"/>
+              </a:spcBef>
+              <a:spcAft>
+                <a:spcPts val="600"/>
+              </a:spcAft>
+              <a:buFont typeface="Arial"/>
+              <a:buChar char="–"/>
+              <a:defRPr sz="1600" b="0" i="0" kern="1200">
+                <a:solidFill>
+                  <a:srgbClr val="092529"/>
+                </a:solidFill>
+                <a:latin typeface="Proxima Nova" charset="0"/>
+                <a:ea typeface="Proxima Nova" charset="0"/>
+                <a:cs typeface="Proxima Nova" charset="0"/>
+              </a:defRPr>
+            </a:lvl4pPr>
+            <a:lvl5pPr marL="3148272" indent="-349807" algn="l" defTabSz="699614" rtl="0" eaLnBrk="1" latinLnBrk="0" hangingPunct="1">
+              <a:spcBef>
+                <a:spcPct val="20000"/>
+              </a:spcBef>
+              <a:buFont typeface="Arial"/>
+              <a:buChar char="»"/>
+              <a:defRPr sz="1648" b="0" kern="1200">
+                <a:solidFill>
+                  <a:srgbClr val="092529"/>
+                </a:solidFill>
+                <a:latin typeface="Franklin Gothic Book" charset="0"/>
+                <a:ea typeface="Franklin Gothic Book" charset="0"/>
+                <a:cs typeface="Franklin Gothic Book" charset="0"/>
+              </a:defRPr>
+            </a:lvl5pPr>
+            <a:lvl6pPr marL="3847888" indent="-349807" algn="l" defTabSz="699614" rtl="0" eaLnBrk="1" latinLnBrk="0" hangingPunct="1">
+              <a:spcBef>
+                <a:spcPct val="20000"/>
+              </a:spcBef>
+              <a:buFont typeface="Arial"/>
+              <a:buChar char="•"/>
+              <a:defRPr sz="3022" kern="1200">
+                <a:solidFill>
+                  <a:schemeClr val="tx1"/>
+                </a:solidFill>
+                <a:latin typeface="+mn-lt"/>
+                <a:ea typeface="+mn-ea"/>
+                <a:cs typeface="+mn-cs"/>
+              </a:defRPr>
+            </a:lvl6pPr>
+            <a:lvl7pPr marL="4547505" indent="-349807" algn="l" defTabSz="699614" rtl="0" eaLnBrk="1" latinLnBrk="0" hangingPunct="1">
+              <a:spcBef>
+                <a:spcPct val="20000"/>
+              </a:spcBef>
+              <a:buFont typeface="Arial"/>
+              <a:buChar char="•"/>
+              <a:defRPr sz="3022" kern="1200">
+                <a:solidFill>
+                  <a:schemeClr val="tx1"/>
+                </a:solidFill>
+                <a:latin typeface="+mn-lt"/>
+                <a:ea typeface="+mn-ea"/>
+                <a:cs typeface="+mn-cs"/>
+              </a:defRPr>
+            </a:lvl7pPr>
+            <a:lvl8pPr marL="5247119" indent="-349807" algn="l" defTabSz="699614" rtl="0" eaLnBrk="1" latinLnBrk="0" hangingPunct="1">
+              <a:spcBef>
+                <a:spcPct val="20000"/>
+              </a:spcBef>
+              <a:buFont typeface="Arial"/>
+              <a:buChar char="•"/>
+              <a:defRPr sz="3022" kern="1200">
+                <a:solidFill>
+                  <a:schemeClr val="tx1"/>
+                </a:solidFill>
+                <a:latin typeface="+mn-lt"/>
+                <a:ea typeface="+mn-ea"/>
+                <a:cs typeface="+mn-cs"/>
+              </a:defRPr>
+            </a:lvl8pPr>
+            <a:lvl9pPr marL="5946736" indent="-349807" algn="l" defTabSz="699614" rtl="0" eaLnBrk="1" latinLnBrk="0" hangingPunct="1">
+              <a:spcBef>
+                <a:spcPct val="20000"/>
+              </a:spcBef>
+              <a:buFont typeface="Arial"/>
+              <a:buChar char="•"/>
+              <a:defRPr sz="3022" kern="1200">
+                <a:solidFill>
+                  <a:schemeClr val="tx1"/>
+                </a:solidFill>
+                <a:latin typeface="+mn-lt"/>
+                <a:ea typeface="+mn-ea"/>
+                <a:cs typeface="+mn-cs"/>
+              </a:defRPr>
+            </a:lvl9pPr>
+          </a:lstStyle>
+          <a:p>
+            <a:r>
+              <a:rPr lang="en-US" dirty="0"/>
+              <a:t>introducing </a:t>
+            </a:r>
+            <a:r>
+              <a:rPr lang="en-US" b="1" dirty="0"/>
+              <a:t>for</a:t>
+            </a:r>
+            <a:r>
+              <a:rPr lang="en-US" dirty="0"/>
+              <a:t> loop</a:t>
+            </a:r>
+          </a:p>
+        </p:txBody>
+      </p:sp>
+      <p:sp>
+        <p:nvSpPr>
+          <p:cNvPr id="6" name="Rectangle 5">
+            <a:extLst>
+              <a:ext uri="{FF2B5EF4-FFF2-40B4-BE49-F238E27FC236}">
+                <a16:creationId xmlns:a16="http://schemas.microsoft.com/office/drawing/2014/main" id="{0AE5F573-D3B8-1243-A6C5-10C678F7F756}"/>
+              </a:ext>
+            </a:extLst>
+          </p:cNvPr>
+          <p:cNvSpPr/>
+          <p:nvPr/>
+        </p:nvSpPr>
+        <p:spPr>
+          <a:xfrm>
+            <a:off x="628075" y="4507405"/>
+            <a:ext cx="6908800" cy="707886"/>
+          </a:xfrm>
+          <a:prstGeom prst="rect">
+            <a:avLst/>
+          </a:prstGeom>
+        </p:spPr>
+        <p:txBody>
+          <a:bodyPr>
+            <a:spAutoFit/>
+          </a:bodyPr>
+          <a:lstStyle/>
+          <a:p>
+            <a:r>
+              <a:rPr lang="en-US" dirty="0">
+                <a:solidFill>
+                  <a:srgbClr val="CC7832"/>
+                </a:solidFill>
+                <a:latin typeface="Consolas" panose="020B0609020204030204" pitchFamily="49" charset="0"/>
+                <a:cs typeface="Consolas" panose="020B0609020204030204" pitchFamily="49" charset="0"/>
+              </a:rPr>
+              <a:t>for </a:t>
+            </a:r>
+            <a:r>
+              <a:rPr lang="en-US" dirty="0">
+                <a:latin typeface="Consolas" panose="020B0609020204030204" pitchFamily="49" charset="0"/>
+                <a:cs typeface="Consolas" panose="020B0609020204030204" pitchFamily="49" charset="0"/>
+              </a:rPr>
+              <a:t>size </a:t>
+            </a:r>
+            <a:r>
+              <a:rPr lang="en-US" dirty="0">
+                <a:solidFill>
+                  <a:srgbClr val="CC7832"/>
+                </a:solidFill>
+                <a:latin typeface="Consolas" panose="020B0609020204030204" pitchFamily="49" charset="0"/>
+                <a:cs typeface="Consolas" panose="020B0609020204030204" pitchFamily="49" charset="0"/>
+              </a:rPr>
+              <a:t>in </a:t>
+            </a:r>
+            <a:r>
+              <a:rPr lang="en-US" dirty="0">
+                <a:latin typeface="Consolas" panose="020B0609020204030204" pitchFamily="49" charset="0"/>
+                <a:cs typeface="Consolas" panose="020B0609020204030204" pitchFamily="49" charset="0"/>
+              </a:rPr>
+              <a:t>glaciers:</a:t>
+            </a:r>
+            <a:br>
+              <a:rPr lang="en-US" dirty="0">
+                <a:latin typeface="Consolas" panose="020B0609020204030204" pitchFamily="49" charset="0"/>
+                <a:cs typeface="Consolas" panose="020B0609020204030204" pitchFamily="49" charset="0"/>
+              </a:rPr>
+            </a:br>
+            <a:r>
+              <a:rPr lang="en-US" dirty="0">
+                <a:latin typeface="Consolas" panose="020B0609020204030204" pitchFamily="49" charset="0"/>
+                <a:cs typeface="Consolas" panose="020B0609020204030204" pitchFamily="49" charset="0"/>
+              </a:rPr>
+              <a:t>    </a:t>
+            </a:r>
+            <a:r>
+              <a:rPr lang="en-US" dirty="0">
+                <a:solidFill>
+                  <a:srgbClr val="8888C6"/>
+                </a:solidFill>
+                <a:latin typeface="Consolas" panose="020B0609020204030204" pitchFamily="49" charset="0"/>
+                <a:cs typeface="Consolas" panose="020B0609020204030204" pitchFamily="49" charset="0"/>
+              </a:rPr>
+              <a:t>print</a:t>
+            </a:r>
+            <a:r>
+              <a:rPr lang="en-US" dirty="0">
+                <a:latin typeface="Consolas" panose="020B0609020204030204" pitchFamily="49" charset="0"/>
+                <a:cs typeface="Consolas" panose="020B0609020204030204" pitchFamily="49" charset="0"/>
+              </a:rPr>
+              <a:t>(size</a:t>
+            </a:r>
+            <a:r>
+              <a:rPr lang="en-US" dirty="0">
+                <a:solidFill>
+                  <a:srgbClr val="CC7832"/>
+                </a:solidFill>
+                <a:latin typeface="Consolas" panose="020B0609020204030204" pitchFamily="49" charset="0"/>
+                <a:cs typeface="Consolas" panose="020B0609020204030204" pitchFamily="49" charset="0"/>
+              </a:rPr>
+              <a:t>,  </a:t>
+            </a:r>
+            <a:r>
+              <a:rPr lang="en-US" dirty="0">
+                <a:solidFill>
+                  <a:srgbClr val="AA4926"/>
+                </a:solidFill>
+                <a:latin typeface="Consolas" panose="020B0609020204030204" pitchFamily="49" charset="0"/>
+                <a:cs typeface="Consolas" panose="020B0609020204030204" pitchFamily="49" charset="0"/>
+              </a:rPr>
+              <a:t>end</a:t>
+            </a:r>
+            <a:r>
+              <a:rPr lang="en-US" dirty="0">
+                <a:latin typeface="Consolas" panose="020B0609020204030204" pitchFamily="49" charset="0"/>
+                <a:cs typeface="Consolas" panose="020B0609020204030204" pitchFamily="49" charset="0"/>
+              </a:rPr>
+              <a:t>=</a:t>
+            </a:r>
+            <a:r>
+              <a:rPr lang="en-US" dirty="0">
+                <a:solidFill>
+                  <a:srgbClr val="6A8759"/>
+                </a:solidFill>
+                <a:latin typeface="Consolas" panose="020B0609020204030204" pitchFamily="49" charset="0"/>
+                <a:cs typeface="Consolas" panose="020B0609020204030204" pitchFamily="49" charset="0"/>
+              </a:rPr>
+              <a:t>' '</a:t>
+            </a:r>
+            <a:r>
+              <a:rPr lang="en-US" dirty="0">
+                <a:latin typeface="Consolas" panose="020B0609020204030204" pitchFamily="49" charset="0"/>
+                <a:cs typeface="Consolas" panose="020B0609020204030204" pitchFamily="49" charset="0"/>
+              </a:rPr>
+              <a:t>)</a:t>
+            </a:r>
+          </a:p>
+        </p:txBody>
+      </p:sp>
+      <p:sp>
+        <p:nvSpPr>
+          <p:cNvPr id="7" name="Text Placeholder 2">
+            <a:extLst>
+              <a:ext uri="{FF2B5EF4-FFF2-40B4-BE49-F238E27FC236}">
+                <a16:creationId xmlns:a16="http://schemas.microsoft.com/office/drawing/2014/main" id="{1507E006-1AB0-4845-883D-93D29AAF1A18}"/>
+              </a:ext>
+            </a:extLst>
+          </p:cNvPr>
+          <p:cNvSpPr txBox="1">
+            <a:spLocks/>
+          </p:cNvSpPr>
+          <p:nvPr/>
+        </p:nvSpPr>
+        <p:spPr>
+          <a:xfrm>
+            <a:off x="628074" y="5317074"/>
+            <a:ext cx="4847037" cy="1712520"/>
+          </a:xfrm>
+          <a:prstGeom prst="rect">
+            <a:avLst/>
+          </a:prstGeom>
+        </p:spPr>
+        <p:txBody>
+          <a:bodyPr vert="horz" wrap="square" lIns="91440" tIns="91440" rIns="91440" bIns="91440" rtlCol="0">
+            <a:spAutoFit/>
+          </a:bodyPr>
+          <a:lstStyle>
+            <a:lvl1pPr marL="524712" indent="-524712" algn="l" defTabSz="699614" rtl="0" eaLnBrk="1" latinLnBrk="0" hangingPunct="1">
+              <a:lnSpc>
+                <a:spcPct val="120000"/>
+              </a:lnSpc>
+              <a:spcBef>
+                <a:spcPts val="600"/>
+              </a:spcBef>
+              <a:spcAft>
+                <a:spcPts val="600"/>
+              </a:spcAft>
+              <a:buFont typeface="Arial"/>
+              <a:buChar char="•"/>
+              <a:defRPr sz="1800" b="0" i="0" kern="1200">
+                <a:solidFill>
+                  <a:srgbClr val="092529"/>
+                </a:solidFill>
+                <a:latin typeface="Proxima Nova" charset="0"/>
+                <a:ea typeface="Proxima Nova" charset="0"/>
+                <a:cs typeface="Proxima Nova" charset="0"/>
+              </a:defRPr>
+            </a:lvl1pPr>
+            <a:lvl2pPr marL="1136875" indent="-437261" algn="l" defTabSz="699614" rtl="0" eaLnBrk="1" latinLnBrk="0" hangingPunct="1">
+              <a:lnSpc>
+                <a:spcPct val="120000"/>
+              </a:lnSpc>
+              <a:spcBef>
+                <a:spcPts val="0"/>
+              </a:spcBef>
+              <a:spcAft>
+                <a:spcPts val="600"/>
+              </a:spcAft>
+              <a:buFont typeface="Arial"/>
+              <a:buChar char="–"/>
+              <a:defRPr sz="1600" b="0" i="0" kern="1200">
+                <a:solidFill>
+                  <a:srgbClr val="092529"/>
+                </a:solidFill>
+                <a:latin typeface="Proxima Nova" charset="0"/>
+                <a:ea typeface="Proxima Nova" charset="0"/>
+                <a:cs typeface="Proxima Nova" charset="0"/>
+              </a:defRPr>
+            </a:lvl2pPr>
+            <a:lvl3pPr marL="1749040" indent="-349807" algn="l" defTabSz="699614" rtl="0" eaLnBrk="1" latinLnBrk="0" hangingPunct="1">
+              <a:lnSpc>
+                <a:spcPct val="120000"/>
+              </a:lnSpc>
+              <a:spcBef>
+                <a:spcPts val="0"/>
+              </a:spcBef>
+              <a:spcAft>
+                <a:spcPts val="600"/>
+              </a:spcAft>
+              <a:buFont typeface="Arial"/>
+              <a:buChar char="•"/>
+              <a:defRPr sz="1600" b="0" i="0" kern="1200">
+                <a:solidFill>
+                  <a:srgbClr val="092529"/>
+                </a:solidFill>
+                <a:latin typeface="Proxima Nova" charset="0"/>
+                <a:ea typeface="Proxima Nova" charset="0"/>
+                <a:cs typeface="Proxima Nova" charset="0"/>
+              </a:defRPr>
+            </a:lvl3pPr>
+            <a:lvl4pPr marL="2448655" indent="-349807" algn="l" defTabSz="699614" rtl="0" eaLnBrk="1" latinLnBrk="0" hangingPunct="1">
+              <a:lnSpc>
+                <a:spcPct val="120000"/>
+              </a:lnSpc>
+              <a:spcBef>
+                <a:spcPts val="0"/>
+              </a:spcBef>
+              <a:spcAft>
+                <a:spcPts val="600"/>
+              </a:spcAft>
+              <a:buFont typeface="Arial"/>
+              <a:buChar char="–"/>
+              <a:defRPr sz="1600" b="0" i="0" kern="1200">
+                <a:solidFill>
+                  <a:srgbClr val="092529"/>
+                </a:solidFill>
+                <a:latin typeface="Proxima Nova" charset="0"/>
+                <a:ea typeface="Proxima Nova" charset="0"/>
+                <a:cs typeface="Proxima Nova" charset="0"/>
+              </a:defRPr>
+            </a:lvl4pPr>
+            <a:lvl5pPr marL="3148272" indent="-349807" algn="l" defTabSz="699614" rtl="0" eaLnBrk="1" latinLnBrk="0" hangingPunct="1">
+              <a:spcBef>
+                <a:spcPct val="20000"/>
+              </a:spcBef>
+              <a:buFont typeface="Arial"/>
+              <a:buChar char="»"/>
+              <a:defRPr sz="1648" b="0" kern="1200">
+                <a:solidFill>
+                  <a:srgbClr val="092529"/>
+                </a:solidFill>
+                <a:latin typeface="Franklin Gothic Book" charset="0"/>
+                <a:ea typeface="Franklin Gothic Book" charset="0"/>
+                <a:cs typeface="Franklin Gothic Book" charset="0"/>
+              </a:defRPr>
+            </a:lvl5pPr>
+            <a:lvl6pPr marL="3847888" indent="-349807" algn="l" defTabSz="699614" rtl="0" eaLnBrk="1" latinLnBrk="0" hangingPunct="1">
+              <a:spcBef>
+                <a:spcPct val="20000"/>
+              </a:spcBef>
+              <a:buFont typeface="Arial"/>
+              <a:buChar char="•"/>
+              <a:defRPr sz="3022" kern="1200">
+                <a:solidFill>
+                  <a:schemeClr val="tx1"/>
+                </a:solidFill>
+                <a:latin typeface="+mn-lt"/>
+                <a:ea typeface="+mn-ea"/>
+                <a:cs typeface="+mn-cs"/>
+              </a:defRPr>
+            </a:lvl6pPr>
+            <a:lvl7pPr marL="4547505" indent="-349807" algn="l" defTabSz="699614" rtl="0" eaLnBrk="1" latinLnBrk="0" hangingPunct="1">
+              <a:spcBef>
+                <a:spcPct val="20000"/>
+              </a:spcBef>
+              <a:buFont typeface="Arial"/>
+              <a:buChar char="•"/>
+              <a:defRPr sz="3022" kern="1200">
+                <a:solidFill>
+                  <a:schemeClr val="tx1"/>
+                </a:solidFill>
+                <a:latin typeface="+mn-lt"/>
+                <a:ea typeface="+mn-ea"/>
+                <a:cs typeface="+mn-cs"/>
+              </a:defRPr>
+            </a:lvl7pPr>
+            <a:lvl8pPr marL="5247119" indent="-349807" algn="l" defTabSz="699614" rtl="0" eaLnBrk="1" latinLnBrk="0" hangingPunct="1">
+              <a:spcBef>
+                <a:spcPct val="20000"/>
+              </a:spcBef>
+              <a:buFont typeface="Arial"/>
+              <a:buChar char="•"/>
+              <a:defRPr sz="3022" kern="1200">
+                <a:solidFill>
+                  <a:schemeClr val="tx1"/>
+                </a:solidFill>
+                <a:latin typeface="+mn-lt"/>
+                <a:ea typeface="+mn-ea"/>
+                <a:cs typeface="+mn-cs"/>
+              </a:defRPr>
+            </a:lvl8pPr>
+            <a:lvl9pPr marL="5946736" indent="-349807" algn="l" defTabSz="699614" rtl="0" eaLnBrk="1" latinLnBrk="0" hangingPunct="1">
+              <a:spcBef>
+                <a:spcPct val="20000"/>
+              </a:spcBef>
+              <a:buFont typeface="Arial"/>
+              <a:buChar char="•"/>
+              <a:defRPr sz="3022" kern="1200">
+                <a:solidFill>
+                  <a:schemeClr val="tx1"/>
+                </a:solidFill>
+                <a:latin typeface="+mn-lt"/>
+                <a:ea typeface="+mn-ea"/>
+                <a:cs typeface="+mn-cs"/>
+              </a:defRPr>
+            </a:lvl9pPr>
+          </a:lstStyle>
+          <a:p>
+            <a:r>
+              <a:rPr lang="en-US" dirty="0"/>
+              <a:t>grabs each element</a:t>
+            </a:r>
+          </a:p>
+          <a:p>
+            <a:pPr lvl="1"/>
+            <a:r>
+              <a:rPr lang="en-US" dirty="0"/>
+              <a:t>in order</a:t>
+            </a:r>
+          </a:p>
+          <a:p>
+            <a:pPr lvl="1"/>
+            <a:r>
+              <a:rPr lang="en-US" dirty="0"/>
+              <a:t>ends when list ends</a:t>
+            </a:r>
+          </a:p>
+          <a:p>
+            <a:r>
+              <a:rPr lang="en-US" dirty="0"/>
+              <a:t>the above two loops – the  same thing!</a:t>
+            </a:r>
+          </a:p>
+        </p:txBody>
+      </p:sp>
+      <p:sp>
+        <p:nvSpPr>
+          <p:cNvPr id="9" name="Text Placeholder 2">
+            <a:extLst>
+              <a:ext uri="{FF2B5EF4-FFF2-40B4-BE49-F238E27FC236}">
+                <a16:creationId xmlns:a16="http://schemas.microsoft.com/office/drawing/2014/main" id="{2737F130-A060-7744-BB86-BFC8733A3B48}"/>
+              </a:ext>
+            </a:extLst>
+          </p:cNvPr>
+          <p:cNvSpPr txBox="1">
+            <a:spLocks/>
+          </p:cNvSpPr>
+          <p:nvPr/>
+        </p:nvSpPr>
+        <p:spPr>
+          <a:xfrm>
+            <a:off x="7205910" y="1801765"/>
+            <a:ext cx="4749023" cy="1230145"/>
+          </a:xfrm>
+          <a:prstGeom prst="rect">
+            <a:avLst/>
+          </a:prstGeom>
+        </p:spPr>
+        <p:txBody>
+          <a:bodyPr vert="horz" wrap="square" lIns="91440" tIns="91440" rIns="91440" bIns="91440" rtlCol="0">
+            <a:spAutoFit/>
+          </a:bodyPr>
+          <a:lstStyle>
+            <a:lvl1pPr marL="524712" indent="-524712" algn="l" defTabSz="699614" rtl="0" eaLnBrk="1" latinLnBrk="0" hangingPunct="1">
+              <a:lnSpc>
+                <a:spcPct val="120000"/>
+              </a:lnSpc>
+              <a:spcBef>
+                <a:spcPts val="600"/>
+              </a:spcBef>
+              <a:spcAft>
+                <a:spcPts val="600"/>
+              </a:spcAft>
+              <a:buFont typeface="Arial"/>
+              <a:buChar char="•"/>
+              <a:defRPr sz="1800" b="0" i="0" kern="1200">
+                <a:solidFill>
+                  <a:srgbClr val="092529"/>
+                </a:solidFill>
+                <a:latin typeface="Proxima Nova" charset="0"/>
+                <a:ea typeface="Proxima Nova" charset="0"/>
+                <a:cs typeface="Proxima Nova" charset="0"/>
+              </a:defRPr>
+            </a:lvl1pPr>
+            <a:lvl2pPr marL="1136875" indent="-437261" algn="l" defTabSz="699614" rtl="0" eaLnBrk="1" latinLnBrk="0" hangingPunct="1">
+              <a:lnSpc>
+                <a:spcPct val="120000"/>
+              </a:lnSpc>
+              <a:spcBef>
+                <a:spcPts val="0"/>
+              </a:spcBef>
+              <a:spcAft>
+                <a:spcPts val="600"/>
+              </a:spcAft>
+              <a:buFont typeface="Arial"/>
+              <a:buChar char="–"/>
+              <a:defRPr sz="1600" b="0" i="0" kern="1200">
+                <a:solidFill>
+                  <a:srgbClr val="092529"/>
+                </a:solidFill>
+                <a:latin typeface="Proxima Nova" charset="0"/>
+                <a:ea typeface="Proxima Nova" charset="0"/>
+                <a:cs typeface="Proxima Nova" charset="0"/>
+              </a:defRPr>
+            </a:lvl2pPr>
+            <a:lvl3pPr marL="1749040" indent="-349807" algn="l" defTabSz="699614" rtl="0" eaLnBrk="1" latinLnBrk="0" hangingPunct="1">
+              <a:lnSpc>
+                <a:spcPct val="120000"/>
+              </a:lnSpc>
+              <a:spcBef>
+                <a:spcPts val="0"/>
+              </a:spcBef>
+              <a:spcAft>
+                <a:spcPts val="600"/>
+              </a:spcAft>
+              <a:buFont typeface="Arial"/>
+              <a:buChar char="•"/>
+              <a:defRPr sz="1600" b="0" i="0" kern="1200">
+                <a:solidFill>
+                  <a:srgbClr val="092529"/>
+                </a:solidFill>
+                <a:latin typeface="Proxima Nova" charset="0"/>
+                <a:ea typeface="Proxima Nova" charset="0"/>
+                <a:cs typeface="Proxima Nova" charset="0"/>
+              </a:defRPr>
+            </a:lvl3pPr>
+            <a:lvl4pPr marL="2448655" indent="-349807" algn="l" defTabSz="699614" rtl="0" eaLnBrk="1" latinLnBrk="0" hangingPunct="1">
+              <a:lnSpc>
+                <a:spcPct val="120000"/>
+              </a:lnSpc>
+              <a:spcBef>
+                <a:spcPts val="0"/>
+              </a:spcBef>
+              <a:spcAft>
+                <a:spcPts val="600"/>
+              </a:spcAft>
+              <a:buFont typeface="Arial"/>
+              <a:buChar char="–"/>
+              <a:defRPr sz="1600" b="0" i="0" kern="1200">
+                <a:solidFill>
+                  <a:srgbClr val="092529"/>
+                </a:solidFill>
+                <a:latin typeface="Proxima Nova" charset="0"/>
+                <a:ea typeface="Proxima Nova" charset="0"/>
+                <a:cs typeface="Proxima Nova" charset="0"/>
+              </a:defRPr>
+            </a:lvl4pPr>
+            <a:lvl5pPr marL="3148272" indent="-349807" algn="l" defTabSz="699614" rtl="0" eaLnBrk="1" latinLnBrk="0" hangingPunct="1">
+              <a:spcBef>
+                <a:spcPct val="20000"/>
+              </a:spcBef>
+              <a:buFont typeface="Arial"/>
+              <a:buChar char="»"/>
+              <a:defRPr sz="1648" b="0" kern="1200">
+                <a:solidFill>
+                  <a:srgbClr val="092529"/>
+                </a:solidFill>
+                <a:latin typeface="Franklin Gothic Book" charset="0"/>
+                <a:ea typeface="Franklin Gothic Book" charset="0"/>
+                <a:cs typeface="Franklin Gothic Book" charset="0"/>
+              </a:defRPr>
+            </a:lvl5pPr>
+            <a:lvl6pPr marL="3847888" indent="-349807" algn="l" defTabSz="699614" rtl="0" eaLnBrk="1" latinLnBrk="0" hangingPunct="1">
+              <a:spcBef>
+                <a:spcPct val="20000"/>
+              </a:spcBef>
+              <a:buFont typeface="Arial"/>
+              <a:buChar char="•"/>
+              <a:defRPr sz="3022" kern="1200">
+                <a:solidFill>
+                  <a:schemeClr val="tx1"/>
+                </a:solidFill>
+                <a:latin typeface="+mn-lt"/>
+                <a:ea typeface="+mn-ea"/>
+                <a:cs typeface="+mn-cs"/>
+              </a:defRPr>
+            </a:lvl6pPr>
+            <a:lvl7pPr marL="4547505" indent="-349807" algn="l" defTabSz="699614" rtl="0" eaLnBrk="1" latinLnBrk="0" hangingPunct="1">
+              <a:spcBef>
+                <a:spcPct val="20000"/>
+              </a:spcBef>
+              <a:buFont typeface="Arial"/>
+              <a:buChar char="•"/>
+              <a:defRPr sz="3022" kern="1200">
+                <a:solidFill>
+                  <a:schemeClr val="tx1"/>
+                </a:solidFill>
+                <a:latin typeface="+mn-lt"/>
+                <a:ea typeface="+mn-ea"/>
+                <a:cs typeface="+mn-cs"/>
+              </a:defRPr>
+            </a:lvl7pPr>
+            <a:lvl8pPr marL="5247119" indent="-349807" algn="l" defTabSz="699614" rtl="0" eaLnBrk="1" latinLnBrk="0" hangingPunct="1">
+              <a:spcBef>
+                <a:spcPct val="20000"/>
+              </a:spcBef>
+              <a:buFont typeface="Arial"/>
+              <a:buChar char="•"/>
+              <a:defRPr sz="3022" kern="1200">
+                <a:solidFill>
+                  <a:schemeClr val="tx1"/>
+                </a:solidFill>
+                <a:latin typeface="+mn-lt"/>
+                <a:ea typeface="+mn-ea"/>
+                <a:cs typeface="+mn-cs"/>
+              </a:defRPr>
+            </a:lvl8pPr>
+            <a:lvl9pPr marL="5946736" indent="-349807" algn="l" defTabSz="699614" rtl="0" eaLnBrk="1" latinLnBrk="0" hangingPunct="1">
+              <a:spcBef>
+                <a:spcPct val="20000"/>
+              </a:spcBef>
+              <a:buFont typeface="Arial"/>
+              <a:buChar char="•"/>
+              <a:defRPr sz="3022" kern="1200">
+                <a:solidFill>
+                  <a:schemeClr val="tx1"/>
+                </a:solidFill>
+                <a:latin typeface="+mn-lt"/>
+                <a:ea typeface="+mn-ea"/>
+                <a:cs typeface="+mn-cs"/>
+              </a:defRPr>
+            </a:lvl9pPr>
+          </a:lstStyle>
+          <a:p>
+            <a:r>
+              <a:rPr lang="en-US" dirty="0"/>
+              <a:t>range(a, b)</a:t>
+            </a:r>
+          </a:p>
+          <a:p>
+            <a:pPr lvl="1"/>
+            <a:r>
+              <a:rPr lang="en-US" dirty="0"/>
+              <a:t>Creates a number list from a to b</a:t>
+            </a:r>
+          </a:p>
+          <a:p>
+            <a:pPr lvl="1"/>
+            <a:r>
+              <a:rPr lang="en-US" dirty="0"/>
+              <a:t>often used with for loops!  </a:t>
+            </a:r>
+          </a:p>
+        </p:txBody>
+      </p:sp>
+    </p:spTree>
+    <p:extLst>
+      <p:ext uri="{BB962C8B-B14F-4D97-AF65-F5344CB8AC3E}">
+        <p14:creationId xmlns:p14="http://schemas.microsoft.com/office/powerpoint/2010/main" val="2587885111"/>
+      </p:ext>
+    </p:extLst>
+  </p:cSld>
+  <p:clrMapOvr>
+    <a:masterClrMapping/>
+  </p:clrMapOvr>
+  <mc:AlternateContent xmlns:mc="http://schemas.openxmlformats.org/markup-compatibility/2006" xmlns:p14="http://schemas.microsoft.com/office/powerpoint/2010/main">
+    <mc:Choice Requires="p14">
+      <p:transition p14:dur="300">
+        <p:fade/>
+      </p:transition>
+    </mc:Choice>
+    <mc:Fallback xmlns="">
+      <p:transition>
+        <p:fade/>
+      </p:transition>
+    </mc:Fallback>
+  </mc:AlternateContent>
+</p:sld>
+</file>
+
+<file path=ppt/slides/slide12.xml><?xml version="1.0" encoding="utf-8"?>
+<p:sld xmlns:a="http://schemas.openxmlformats.org/drawingml/2006/main" xmlns:r="http://schemas.openxmlformats.org/officeDocument/2006/relationships" xmlns:p="http://schemas.openxmlformats.org/presentationml/2006/main">
+  <p:cSld>
+    <p:spTree>
+      <p:nvGrpSpPr>
+        <p:cNvPr id="1" name=""/>
+        <p:cNvGrpSpPr/>
+        <p:nvPr/>
+      </p:nvGrpSpPr>
+      <p:grpSpPr>
+        <a:xfrm>
+          <a:off x="0" y="0"/>
+          <a:ext cx="0" cy="0"/>
+          <a:chOff x="0" y="0"/>
+          <a:chExt cx="0" cy="0"/>
+        </a:xfrm>
+      </p:grpSpPr>
+      <p:sp>
+        <p:nvSpPr>
+          <p:cNvPr id="2" name="Title 1">
+            <a:extLst>
+              <a:ext uri="{FF2B5EF4-FFF2-40B4-BE49-F238E27FC236}">
+                <a16:creationId xmlns:a16="http://schemas.microsoft.com/office/drawing/2014/main" id="{DDE462E8-8C45-4831-BECB-6B460782FF06}"/>
+              </a:ext>
+            </a:extLst>
+          </p:cNvPr>
+          <p:cNvSpPr>
+            <a:spLocks noGrp="1"/>
+          </p:cNvSpPr>
+          <p:nvPr>
+            <p:ph type="title"/>
+          </p:nvPr>
+        </p:nvSpPr>
+        <p:spPr/>
+        <p:txBody>
+          <a:bodyPr/>
+          <a:lstStyle/>
+          <a:p>
+            <a:r>
+              <a:rPr lang="en-US" dirty="0"/>
+              <a:t>Coding Challenge</a:t>
+            </a:r>
+          </a:p>
+        </p:txBody>
+      </p:sp>
+      <p:sp>
+        <p:nvSpPr>
+          <p:cNvPr id="3" name="Text Placeholder 2">
+            <a:extLst>
+              <a:ext uri="{FF2B5EF4-FFF2-40B4-BE49-F238E27FC236}">
+                <a16:creationId xmlns:a16="http://schemas.microsoft.com/office/drawing/2014/main" id="{920D842F-2065-4125-8F5F-F122DF2B0265}"/>
+              </a:ext>
+            </a:extLst>
+          </p:cNvPr>
+          <p:cNvSpPr>
+            <a:spLocks noGrp="1"/>
+          </p:cNvSpPr>
+          <p:nvPr>
+            <p:ph type="body" sz="quarter" idx="10"/>
+          </p:nvPr>
+        </p:nvSpPr>
+        <p:spPr>
+          <a:xfrm>
+            <a:off x="628075" y="1776683"/>
+            <a:ext cx="12561453" cy="1974964"/>
+          </a:xfrm>
+        </p:spPr>
+        <p:txBody>
+          <a:bodyPr/>
+          <a:lstStyle/>
+          <a:p>
+            <a:r>
+              <a:rPr lang="en-US" dirty="0"/>
+              <a:t>Given a list of Numbers</a:t>
+            </a:r>
+          </a:p>
+          <a:p>
+            <a:pPr lvl="1"/>
+            <a:r>
+              <a:rPr lang="en-US" dirty="0"/>
+              <a:t>Add all the elements together </a:t>
+            </a:r>
+          </a:p>
+          <a:p>
+            <a:pPr lvl="1"/>
+            <a:r>
+              <a:rPr lang="en-US" dirty="0"/>
+              <a:t>Add all *even* elements together</a:t>
+            </a:r>
+          </a:p>
+          <a:p>
+            <a:pPr lvl="2"/>
+            <a:r>
+              <a:rPr lang="en-US" dirty="0"/>
+              <a:t>Hint: You will use a loop</a:t>
+            </a:r>
+          </a:p>
+          <a:p>
+            <a:pPr lvl="2"/>
+            <a:r>
+              <a:rPr lang="en-US" dirty="0"/>
+              <a:t>Hint: You will use modulo (%)</a:t>
+            </a:r>
+          </a:p>
+        </p:txBody>
+      </p:sp>
+    </p:spTree>
+    <p:extLst>
+      <p:ext uri="{BB962C8B-B14F-4D97-AF65-F5344CB8AC3E}">
+        <p14:creationId xmlns:p14="http://schemas.microsoft.com/office/powerpoint/2010/main" val="2877340586"/>
+      </p:ext>
+    </p:extLst>
+  </p:cSld>
+  <p:clrMapOvr>
+    <a:masterClrMapping/>
+  </p:clrMapOvr>
+  <mc:AlternateContent xmlns:mc="http://schemas.openxmlformats.org/markup-compatibility/2006" xmlns:p14="http://schemas.microsoft.com/office/powerpoint/2010/main">
+    <mc:Choice Requires="p14">
+      <p:transition p14:dur="300">
+        <p:fade/>
+      </p:transition>
+    </mc:Choice>
+    <mc:Fallback xmlns="">
+      <p:transition>
+        <p:fade/>
+      </p:transition>
+    </mc:Fallback>
+  </mc:AlternateContent>
+</p:sld>
+</file>
+
+<file path=ppt/slides/slide13.xml><?xml version="1.0" encoding="utf-8"?>
+<p:sld xmlns:a="http://schemas.openxmlformats.org/drawingml/2006/main" xmlns:r="http://schemas.openxmlformats.org/officeDocument/2006/relationships" xmlns:p="http://schemas.openxmlformats.org/presentationml/2006/main" show="0">
+  <p:cSld>
+    <p:spTree>
+      <p:nvGrpSpPr>
+        <p:cNvPr id="1" name=""/>
+        <p:cNvGrpSpPr/>
+        <p:nvPr/>
+      </p:nvGrpSpPr>
+      <p:grpSpPr>
+        <a:xfrm>
+          <a:off x="0" y="0"/>
+          <a:ext cx="0" cy="0"/>
+          <a:chOff x="0" y="0"/>
+          <a:chExt cx="0" cy="0"/>
+        </a:xfrm>
+      </p:grpSpPr>
+      <p:sp>
+        <p:nvSpPr>
+          <p:cNvPr id="2" name="Title 1">
+            <a:extLst>
+              <a:ext uri="{FF2B5EF4-FFF2-40B4-BE49-F238E27FC236}">
+                <a16:creationId xmlns:a16="http://schemas.microsoft.com/office/drawing/2014/main" id="{6E034072-C76E-AC48-B664-D409490A50E9}"/>
+              </a:ext>
+            </a:extLst>
+          </p:cNvPr>
+          <p:cNvSpPr>
+            <a:spLocks noGrp="1"/>
+          </p:cNvSpPr>
+          <p:nvPr>
+            <p:ph type="title"/>
+          </p:nvPr>
+        </p:nvSpPr>
+        <p:spPr/>
+        <p:txBody>
+          <a:bodyPr/>
+          <a:lstStyle/>
+          <a:p>
+            <a:r>
+              <a:rPr lang="en-US" dirty="0"/>
+              <a:t>Let’s  Code</a:t>
+            </a:r>
+          </a:p>
+        </p:txBody>
+      </p:sp>
+      <p:sp>
+        <p:nvSpPr>
+          <p:cNvPr id="4" name="Rectangle 3">
+            <a:extLst>
+              <a:ext uri="{FF2B5EF4-FFF2-40B4-BE49-F238E27FC236}">
+                <a16:creationId xmlns:a16="http://schemas.microsoft.com/office/drawing/2014/main" id="{42381418-DE1D-0346-8AB6-5B7D54BE121D}"/>
+              </a:ext>
+            </a:extLst>
+          </p:cNvPr>
+          <p:cNvSpPr/>
+          <p:nvPr/>
+        </p:nvSpPr>
+        <p:spPr>
+          <a:xfrm>
+            <a:off x="3872089" y="1377259"/>
+            <a:ext cx="6908800" cy="1631216"/>
+          </a:xfrm>
+          <a:prstGeom prst="rect">
+            <a:avLst/>
+          </a:prstGeom>
+        </p:spPr>
+        <p:txBody>
+          <a:bodyPr>
+            <a:spAutoFit/>
+          </a:bodyPr>
+          <a:lstStyle/>
+          <a:p>
+            <a:r>
+              <a:rPr lang="en-US" dirty="0">
+                <a:solidFill>
+                  <a:srgbClr val="CC7832"/>
+                </a:solidFill>
+                <a:latin typeface="Consolas" panose="020B0609020204030204" pitchFamily="49" charset="0"/>
+                <a:cs typeface="Consolas" panose="020B0609020204030204" pitchFamily="49" charset="0"/>
+              </a:rPr>
+              <a:t>def </a:t>
+            </a:r>
+            <a:r>
+              <a:rPr lang="en-US" dirty="0" err="1">
+                <a:solidFill>
+                  <a:srgbClr val="FFC66D"/>
+                </a:solidFill>
+                <a:latin typeface="Consolas" panose="020B0609020204030204" pitchFamily="49" charset="0"/>
+                <a:cs typeface="Consolas" panose="020B0609020204030204" pitchFamily="49" charset="0"/>
+              </a:rPr>
+              <a:t>simple_cipher</a:t>
+            </a:r>
+            <a:r>
+              <a:rPr lang="en-US" dirty="0">
+                <a:latin typeface="Consolas" panose="020B0609020204030204" pitchFamily="49" charset="0"/>
+                <a:cs typeface="Consolas" panose="020B0609020204030204" pitchFamily="49" charset="0"/>
+              </a:rPr>
+              <a:t>(msg</a:t>
+            </a:r>
+            <a:r>
+              <a:rPr lang="en-US" dirty="0">
+                <a:solidFill>
+                  <a:srgbClr val="CC7832"/>
+                </a:solidFill>
+                <a:latin typeface="Consolas" panose="020B0609020204030204" pitchFamily="49" charset="0"/>
+                <a:cs typeface="Consolas" panose="020B0609020204030204" pitchFamily="49" charset="0"/>
+              </a:rPr>
+              <a:t>, </a:t>
+            </a:r>
+            <a:r>
+              <a:rPr lang="en-US" dirty="0">
+                <a:latin typeface="Consolas" panose="020B0609020204030204" pitchFamily="49" charset="0"/>
+                <a:cs typeface="Consolas" panose="020B0609020204030204" pitchFamily="49" charset="0"/>
+              </a:rPr>
+              <a:t>shift):</a:t>
+            </a:r>
+            <a:br>
+              <a:rPr lang="en-US" dirty="0">
+                <a:latin typeface="Consolas" panose="020B0609020204030204" pitchFamily="49" charset="0"/>
+                <a:cs typeface="Consolas" panose="020B0609020204030204" pitchFamily="49" charset="0"/>
+              </a:rPr>
+            </a:br>
+            <a:r>
+              <a:rPr lang="en-US" dirty="0">
+                <a:latin typeface="Consolas" panose="020B0609020204030204" pitchFamily="49" charset="0"/>
+                <a:cs typeface="Consolas" panose="020B0609020204030204" pitchFamily="49" charset="0"/>
+              </a:rPr>
+              <a:t>    encrypt = </a:t>
+            </a:r>
+            <a:r>
+              <a:rPr lang="en-US" dirty="0">
+                <a:solidFill>
+                  <a:srgbClr val="6A8759"/>
+                </a:solidFill>
+                <a:latin typeface="Consolas" panose="020B0609020204030204" pitchFamily="49" charset="0"/>
+                <a:cs typeface="Consolas" panose="020B0609020204030204" pitchFamily="49" charset="0"/>
+              </a:rPr>
+              <a:t>''</a:t>
+            </a:r>
+            <a:br>
+              <a:rPr lang="en-US" dirty="0">
+                <a:solidFill>
+                  <a:srgbClr val="6A8759"/>
+                </a:solidFill>
+                <a:latin typeface="Consolas" panose="020B0609020204030204" pitchFamily="49" charset="0"/>
+                <a:cs typeface="Consolas" panose="020B0609020204030204" pitchFamily="49" charset="0"/>
+              </a:rPr>
+            </a:br>
+            <a:r>
+              <a:rPr lang="en-US" dirty="0">
+                <a:solidFill>
+                  <a:srgbClr val="6A8759"/>
+                </a:solidFill>
+                <a:latin typeface="Consolas" panose="020B0609020204030204" pitchFamily="49" charset="0"/>
+                <a:cs typeface="Consolas" panose="020B0609020204030204" pitchFamily="49" charset="0"/>
+              </a:rPr>
+              <a:t>    </a:t>
+            </a:r>
+            <a:r>
+              <a:rPr lang="en-US" dirty="0">
+                <a:solidFill>
+                  <a:srgbClr val="CC7832"/>
+                </a:solidFill>
+                <a:latin typeface="Consolas" panose="020B0609020204030204" pitchFamily="49" charset="0"/>
+                <a:cs typeface="Consolas" panose="020B0609020204030204" pitchFamily="49" charset="0"/>
+              </a:rPr>
+              <a:t>for </a:t>
+            </a:r>
+            <a:r>
+              <a:rPr lang="en-US" dirty="0">
+                <a:latin typeface="Consolas" panose="020B0609020204030204" pitchFamily="49" charset="0"/>
+                <a:cs typeface="Consolas" panose="020B0609020204030204" pitchFamily="49" charset="0"/>
+              </a:rPr>
+              <a:t>char </a:t>
+            </a:r>
+            <a:r>
+              <a:rPr lang="en-US" dirty="0">
+                <a:solidFill>
+                  <a:srgbClr val="CC7832"/>
+                </a:solidFill>
+                <a:latin typeface="Consolas" panose="020B0609020204030204" pitchFamily="49" charset="0"/>
+                <a:cs typeface="Consolas" panose="020B0609020204030204" pitchFamily="49" charset="0"/>
+              </a:rPr>
+              <a:t>in </a:t>
+            </a:r>
+            <a:r>
+              <a:rPr lang="en-US" dirty="0">
+                <a:latin typeface="Consolas" panose="020B0609020204030204" pitchFamily="49" charset="0"/>
+                <a:cs typeface="Consolas" panose="020B0609020204030204" pitchFamily="49" charset="0"/>
+              </a:rPr>
+              <a:t>msg:</a:t>
+            </a:r>
+            <a:br>
+              <a:rPr lang="en-US" dirty="0">
+                <a:latin typeface="Consolas" panose="020B0609020204030204" pitchFamily="49" charset="0"/>
+                <a:cs typeface="Consolas" panose="020B0609020204030204" pitchFamily="49" charset="0"/>
+              </a:rPr>
+            </a:br>
+            <a:r>
+              <a:rPr lang="en-US" dirty="0">
+                <a:latin typeface="Consolas" panose="020B0609020204030204" pitchFamily="49" charset="0"/>
+                <a:cs typeface="Consolas" panose="020B0609020204030204" pitchFamily="49" charset="0"/>
+              </a:rPr>
+              <a:t>        encrypt += </a:t>
+            </a:r>
+            <a:r>
+              <a:rPr lang="en-US" dirty="0" err="1">
+                <a:solidFill>
+                  <a:srgbClr val="8888C6"/>
+                </a:solidFill>
+                <a:latin typeface="Consolas" panose="020B0609020204030204" pitchFamily="49" charset="0"/>
+                <a:cs typeface="Consolas" panose="020B0609020204030204" pitchFamily="49" charset="0"/>
+              </a:rPr>
+              <a:t>chr</a:t>
+            </a:r>
+            <a:r>
+              <a:rPr lang="en-US" dirty="0">
+                <a:latin typeface="Consolas" panose="020B0609020204030204" pitchFamily="49" charset="0"/>
+                <a:cs typeface="Consolas" panose="020B0609020204030204" pitchFamily="49" charset="0"/>
+              </a:rPr>
+              <a:t>(</a:t>
+            </a:r>
+            <a:r>
+              <a:rPr lang="en-US" dirty="0" err="1">
+                <a:solidFill>
+                  <a:srgbClr val="8888C6"/>
+                </a:solidFill>
+                <a:latin typeface="Consolas" panose="020B0609020204030204" pitchFamily="49" charset="0"/>
+                <a:cs typeface="Consolas" panose="020B0609020204030204" pitchFamily="49" charset="0"/>
+              </a:rPr>
+              <a:t>ord</a:t>
+            </a:r>
+            <a:r>
+              <a:rPr lang="en-US" dirty="0">
+                <a:latin typeface="Consolas" panose="020B0609020204030204" pitchFamily="49" charset="0"/>
+                <a:cs typeface="Consolas" panose="020B0609020204030204" pitchFamily="49" charset="0"/>
+              </a:rPr>
+              <a:t>(char)+shift)</a:t>
+            </a:r>
+            <a:br>
+              <a:rPr lang="en-US" dirty="0">
+                <a:latin typeface="Consolas" panose="020B0609020204030204" pitchFamily="49" charset="0"/>
+                <a:cs typeface="Consolas" panose="020B0609020204030204" pitchFamily="49" charset="0"/>
+              </a:rPr>
+            </a:br>
+            <a:r>
+              <a:rPr lang="en-US" dirty="0">
+                <a:latin typeface="Consolas" panose="020B0609020204030204" pitchFamily="49" charset="0"/>
+                <a:cs typeface="Consolas" panose="020B0609020204030204" pitchFamily="49" charset="0"/>
+              </a:rPr>
+              <a:t>    </a:t>
+            </a:r>
+            <a:r>
+              <a:rPr lang="en-US" dirty="0">
+                <a:solidFill>
+                  <a:srgbClr val="CC7832"/>
+                </a:solidFill>
+                <a:latin typeface="Consolas" panose="020B0609020204030204" pitchFamily="49" charset="0"/>
+                <a:cs typeface="Consolas" panose="020B0609020204030204" pitchFamily="49" charset="0"/>
+              </a:rPr>
+              <a:t>return </a:t>
+            </a:r>
+            <a:r>
+              <a:rPr lang="en-US" dirty="0">
+                <a:latin typeface="Consolas" panose="020B0609020204030204" pitchFamily="49" charset="0"/>
+                <a:cs typeface="Consolas" panose="020B0609020204030204" pitchFamily="49" charset="0"/>
+              </a:rPr>
+              <a:t>encrypt</a:t>
+            </a:r>
+          </a:p>
+        </p:txBody>
+      </p:sp>
+      <p:sp>
+        <p:nvSpPr>
+          <p:cNvPr id="5" name="Rectangle 4">
+            <a:extLst>
+              <a:ext uri="{FF2B5EF4-FFF2-40B4-BE49-F238E27FC236}">
+                <a16:creationId xmlns:a16="http://schemas.microsoft.com/office/drawing/2014/main" id="{28E311D6-BABF-B247-879D-F9DB1309EE3E}"/>
+              </a:ext>
+            </a:extLst>
+          </p:cNvPr>
+          <p:cNvSpPr/>
+          <p:nvPr/>
+        </p:nvSpPr>
+        <p:spPr>
+          <a:xfrm>
+            <a:off x="3872089" y="3140208"/>
+            <a:ext cx="6908800" cy="3785652"/>
+          </a:xfrm>
+          <a:prstGeom prst="rect">
+            <a:avLst/>
+          </a:prstGeom>
+        </p:spPr>
+        <p:txBody>
+          <a:bodyPr>
+            <a:spAutoFit/>
+          </a:bodyPr>
+          <a:lstStyle/>
+          <a:p>
+            <a:r>
+              <a:rPr lang="en-US" dirty="0">
+                <a:solidFill>
+                  <a:srgbClr val="CC7832"/>
+                </a:solidFill>
+                <a:latin typeface="Consolas" panose="020B0609020204030204" pitchFamily="49" charset="0"/>
+                <a:cs typeface="Consolas" panose="020B0609020204030204" pitchFamily="49" charset="0"/>
+              </a:rPr>
+              <a:t>def </a:t>
+            </a:r>
+            <a:r>
+              <a:rPr lang="en-US" dirty="0" err="1">
+                <a:solidFill>
+                  <a:srgbClr val="FFC66D"/>
+                </a:solidFill>
+                <a:latin typeface="Consolas" panose="020B0609020204030204" pitchFamily="49" charset="0"/>
+                <a:cs typeface="Consolas" panose="020B0609020204030204" pitchFamily="49" charset="0"/>
+              </a:rPr>
+              <a:t>secure_message</a:t>
+            </a:r>
+            <a:r>
+              <a:rPr lang="en-US" dirty="0">
+                <a:latin typeface="Consolas" panose="020B0609020204030204" pitchFamily="49" charset="0"/>
+                <a:cs typeface="Consolas" panose="020B0609020204030204" pitchFamily="49" charset="0"/>
+              </a:rPr>
+              <a:t>(history</a:t>
+            </a:r>
+            <a:r>
+              <a:rPr lang="en-US" dirty="0">
+                <a:solidFill>
+                  <a:srgbClr val="CC7832"/>
+                </a:solidFill>
+                <a:latin typeface="Consolas" panose="020B0609020204030204" pitchFamily="49" charset="0"/>
+                <a:cs typeface="Consolas" panose="020B0609020204030204" pitchFamily="49" charset="0"/>
+              </a:rPr>
+              <a:t>, </a:t>
+            </a:r>
+            <a:r>
+              <a:rPr lang="en-US" dirty="0">
+                <a:latin typeface="Consolas" panose="020B0609020204030204" pitchFamily="49" charset="0"/>
+                <a:cs typeface="Consolas" panose="020B0609020204030204" pitchFamily="49" charset="0"/>
+              </a:rPr>
+              <a:t>key):</a:t>
+            </a:r>
+            <a:br>
+              <a:rPr lang="en-US" dirty="0">
+                <a:latin typeface="Consolas" panose="020B0609020204030204" pitchFamily="49" charset="0"/>
+                <a:cs typeface="Consolas" panose="020B0609020204030204" pitchFamily="49" charset="0"/>
+              </a:rPr>
+            </a:br>
+            <a:r>
+              <a:rPr lang="en-US" dirty="0">
+                <a:latin typeface="Consolas" panose="020B0609020204030204" pitchFamily="49" charset="0"/>
+                <a:cs typeface="Consolas" panose="020B0609020204030204" pitchFamily="49" charset="0"/>
+              </a:rPr>
+              <a:t>    encrypted = []</a:t>
+            </a:r>
+            <a:br>
+              <a:rPr lang="en-US" dirty="0">
+                <a:latin typeface="Consolas" panose="020B0609020204030204" pitchFamily="49" charset="0"/>
+                <a:cs typeface="Consolas" panose="020B0609020204030204" pitchFamily="49" charset="0"/>
+              </a:rPr>
+            </a:br>
+            <a:r>
+              <a:rPr lang="en-US" dirty="0">
+                <a:latin typeface="Consolas" panose="020B0609020204030204" pitchFamily="49" charset="0"/>
+                <a:cs typeface="Consolas" panose="020B0609020204030204" pitchFamily="49" charset="0"/>
+              </a:rPr>
+              <a:t>    </a:t>
+            </a:r>
+            <a:r>
+              <a:rPr lang="en-US" dirty="0">
+                <a:solidFill>
+                  <a:srgbClr val="CC7832"/>
+                </a:solidFill>
+                <a:latin typeface="Consolas" panose="020B0609020204030204" pitchFamily="49" charset="0"/>
+                <a:cs typeface="Consolas" panose="020B0609020204030204" pitchFamily="49" charset="0"/>
+              </a:rPr>
+              <a:t>for </a:t>
+            </a:r>
+            <a:r>
+              <a:rPr lang="en-US" dirty="0">
+                <a:latin typeface="Consolas" panose="020B0609020204030204" pitchFamily="49" charset="0"/>
+                <a:cs typeface="Consolas" panose="020B0609020204030204" pitchFamily="49" charset="0"/>
+              </a:rPr>
+              <a:t>msg </a:t>
+            </a:r>
+            <a:r>
+              <a:rPr lang="en-US" dirty="0">
+                <a:solidFill>
+                  <a:srgbClr val="CC7832"/>
+                </a:solidFill>
+                <a:latin typeface="Consolas" panose="020B0609020204030204" pitchFamily="49" charset="0"/>
+                <a:cs typeface="Consolas" panose="020B0609020204030204" pitchFamily="49" charset="0"/>
+              </a:rPr>
+              <a:t>in </a:t>
+            </a:r>
+            <a:r>
+              <a:rPr lang="en-US" dirty="0">
+                <a:latin typeface="Consolas" panose="020B0609020204030204" pitchFamily="49" charset="0"/>
+                <a:cs typeface="Consolas" panose="020B0609020204030204" pitchFamily="49" charset="0"/>
+              </a:rPr>
+              <a:t>history:</a:t>
+            </a:r>
+            <a:br>
+              <a:rPr lang="en-US" dirty="0">
+                <a:latin typeface="Consolas" panose="020B0609020204030204" pitchFamily="49" charset="0"/>
+                <a:cs typeface="Consolas" panose="020B0609020204030204" pitchFamily="49" charset="0"/>
+              </a:rPr>
+            </a:br>
+            <a:r>
+              <a:rPr lang="en-US" dirty="0">
+                <a:latin typeface="Consolas" panose="020B0609020204030204" pitchFamily="49" charset="0"/>
+                <a:cs typeface="Consolas" panose="020B0609020204030204" pitchFamily="49" charset="0"/>
+              </a:rPr>
+              <a:t>        encrypted += </a:t>
+            </a:r>
+            <a:r>
+              <a:rPr lang="en-US" dirty="0" err="1">
+                <a:latin typeface="Consolas" panose="020B0609020204030204" pitchFamily="49" charset="0"/>
+                <a:cs typeface="Consolas" panose="020B0609020204030204" pitchFamily="49" charset="0"/>
+              </a:rPr>
+              <a:t>simple_cipher</a:t>
+            </a:r>
+            <a:r>
+              <a:rPr lang="en-US" dirty="0">
+                <a:latin typeface="Consolas" panose="020B0609020204030204" pitchFamily="49" charset="0"/>
+                <a:cs typeface="Consolas" panose="020B0609020204030204" pitchFamily="49" charset="0"/>
+              </a:rPr>
+              <a:t>(msg</a:t>
+            </a:r>
+            <a:r>
+              <a:rPr lang="en-US" dirty="0">
+                <a:solidFill>
+                  <a:srgbClr val="CC7832"/>
+                </a:solidFill>
+                <a:latin typeface="Consolas" panose="020B0609020204030204" pitchFamily="49" charset="0"/>
+                <a:cs typeface="Consolas" panose="020B0609020204030204" pitchFamily="49" charset="0"/>
+              </a:rPr>
+              <a:t>, </a:t>
+            </a:r>
+            <a:r>
+              <a:rPr lang="en-US" dirty="0">
+                <a:latin typeface="Consolas" panose="020B0609020204030204" pitchFamily="49" charset="0"/>
+                <a:cs typeface="Consolas" panose="020B0609020204030204" pitchFamily="49" charset="0"/>
+              </a:rPr>
+              <a:t>key)</a:t>
+            </a:r>
+            <a:br>
+              <a:rPr lang="en-US" dirty="0">
+                <a:latin typeface="Consolas" panose="020B0609020204030204" pitchFamily="49" charset="0"/>
+                <a:cs typeface="Consolas" panose="020B0609020204030204" pitchFamily="49" charset="0"/>
+              </a:rPr>
+            </a:br>
+            <a:r>
+              <a:rPr lang="en-US" dirty="0">
+                <a:latin typeface="Consolas" panose="020B0609020204030204" pitchFamily="49" charset="0"/>
+                <a:cs typeface="Consolas" panose="020B0609020204030204" pitchFamily="49" charset="0"/>
+              </a:rPr>
+              <a:t>    </a:t>
+            </a:r>
+            <a:r>
+              <a:rPr lang="en-US" dirty="0">
+                <a:solidFill>
+                  <a:srgbClr val="CC7832"/>
+                </a:solidFill>
+                <a:latin typeface="Consolas" panose="020B0609020204030204" pitchFamily="49" charset="0"/>
+                <a:cs typeface="Consolas" panose="020B0609020204030204" pitchFamily="49" charset="0"/>
+              </a:rPr>
+              <a:t>return </a:t>
+            </a:r>
+            <a:r>
+              <a:rPr lang="en-US" dirty="0">
+                <a:latin typeface="Consolas" panose="020B0609020204030204" pitchFamily="49" charset="0"/>
+                <a:cs typeface="Consolas" panose="020B0609020204030204" pitchFamily="49" charset="0"/>
+              </a:rPr>
+              <a:t>encrypted</a:t>
+            </a:r>
+            <a:br>
+              <a:rPr lang="en-US" dirty="0">
+                <a:latin typeface="Consolas" panose="020B0609020204030204" pitchFamily="49" charset="0"/>
+                <a:cs typeface="Consolas" panose="020B0609020204030204" pitchFamily="49" charset="0"/>
+              </a:rPr>
+            </a:br>
+            <a:r>
+              <a:rPr lang="en-US" dirty="0">
+                <a:latin typeface="Consolas" panose="020B0609020204030204" pitchFamily="49" charset="0"/>
+                <a:cs typeface="Consolas" panose="020B0609020204030204" pitchFamily="49" charset="0"/>
+              </a:rPr>
+              <a:t>    </a:t>
+            </a:r>
+            <a:br>
+              <a:rPr lang="en-US" dirty="0">
+                <a:latin typeface="Consolas" panose="020B0609020204030204" pitchFamily="49" charset="0"/>
+                <a:cs typeface="Consolas" panose="020B0609020204030204" pitchFamily="49" charset="0"/>
+              </a:rPr>
+            </a:br>
+            <a:r>
+              <a:rPr lang="en-US" dirty="0">
+                <a:solidFill>
+                  <a:srgbClr val="CC7832"/>
+                </a:solidFill>
+                <a:latin typeface="Consolas" panose="020B0609020204030204" pitchFamily="49" charset="0"/>
+                <a:cs typeface="Consolas" panose="020B0609020204030204" pitchFamily="49" charset="0"/>
+              </a:rPr>
+              <a:t>def </a:t>
+            </a:r>
+            <a:r>
+              <a:rPr lang="en-US" dirty="0" err="1">
+                <a:solidFill>
+                  <a:srgbClr val="FFC66D"/>
+                </a:solidFill>
+                <a:latin typeface="Consolas" panose="020B0609020204030204" pitchFamily="49" charset="0"/>
+                <a:cs typeface="Consolas" panose="020B0609020204030204" pitchFamily="49" charset="0"/>
+              </a:rPr>
+              <a:t>decode_message</a:t>
+            </a:r>
+            <a:r>
+              <a:rPr lang="en-US" dirty="0">
+                <a:latin typeface="Consolas" panose="020B0609020204030204" pitchFamily="49" charset="0"/>
+                <a:cs typeface="Consolas" panose="020B0609020204030204" pitchFamily="49" charset="0"/>
+              </a:rPr>
+              <a:t>(history</a:t>
+            </a:r>
+            <a:r>
+              <a:rPr lang="en-US" dirty="0">
+                <a:solidFill>
+                  <a:srgbClr val="CC7832"/>
+                </a:solidFill>
+                <a:latin typeface="Consolas" panose="020B0609020204030204" pitchFamily="49" charset="0"/>
+                <a:cs typeface="Consolas" panose="020B0609020204030204" pitchFamily="49" charset="0"/>
+              </a:rPr>
+              <a:t>, </a:t>
+            </a:r>
+            <a:r>
+              <a:rPr lang="en-US" dirty="0">
+                <a:latin typeface="Consolas" panose="020B0609020204030204" pitchFamily="49" charset="0"/>
+                <a:cs typeface="Consolas" panose="020B0609020204030204" pitchFamily="49" charset="0"/>
+              </a:rPr>
+              <a:t>key):</a:t>
+            </a:r>
+            <a:br>
+              <a:rPr lang="en-US" dirty="0">
+                <a:latin typeface="Consolas" panose="020B0609020204030204" pitchFamily="49" charset="0"/>
+                <a:cs typeface="Consolas" panose="020B0609020204030204" pitchFamily="49" charset="0"/>
+              </a:rPr>
+            </a:br>
+            <a:r>
+              <a:rPr lang="en-US" dirty="0">
+                <a:latin typeface="Consolas" panose="020B0609020204030204" pitchFamily="49" charset="0"/>
+                <a:cs typeface="Consolas" panose="020B0609020204030204" pitchFamily="49" charset="0"/>
+              </a:rPr>
+              <a:t>    decoded = []</a:t>
+            </a:r>
+            <a:br>
+              <a:rPr lang="en-US" dirty="0">
+                <a:latin typeface="Consolas" panose="020B0609020204030204" pitchFamily="49" charset="0"/>
+                <a:cs typeface="Consolas" panose="020B0609020204030204" pitchFamily="49" charset="0"/>
+              </a:rPr>
+            </a:br>
+            <a:r>
+              <a:rPr lang="en-US" dirty="0">
+                <a:latin typeface="Consolas" panose="020B0609020204030204" pitchFamily="49" charset="0"/>
+                <a:cs typeface="Consolas" panose="020B0609020204030204" pitchFamily="49" charset="0"/>
+              </a:rPr>
+              <a:t>    </a:t>
+            </a:r>
+            <a:r>
+              <a:rPr lang="en-US" dirty="0">
+                <a:solidFill>
+                  <a:srgbClr val="CC7832"/>
+                </a:solidFill>
+                <a:latin typeface="Consolas" panose="020B0609020204030204" pitchFamily="49" charset="0"/>
+                <a:cs typeface="Consolas" panose="020B0609020204030204" pitchFamily="49" charset="0"/>
+              </a:rPr>
+              <a:t>for </a:t>
+            </a:r>
+            <a:r>
+              <a:rPr lang="en-US" dirty="0">
+                <a:latin typeface="Consolas" panose="020B0609020204030204" pitchFamily="49" charset="0"/>
+                <a:cs typeface="Consolas" panose="020B0609020204030204" pitchFamily="49" charset="0"/>
+              </a:rPr>
+              <a:t>msg </a:t>
+            </a:r>
+            <a:r>
+              <a:rPr lang="en-US" dirty="0">
+                <a:solidFill>
+                  <a:srgbClr val="CC7832"/>
+                </a:solidFill>
+                <a:latin typeface="Consolas" panose="020B0609020204030204" pitchFamily="49" charset="0"/>
+                <a:cs typeface="Consolas" panose="020B0609020204030204" pitchFamily="49" charset="0"/>
+              </a:rPr>
+              <a:t>in </a:t>
+            </a:r>
+            <a:r>
+              <a:rPr lang="en-US" dirty="0">
+                <a:latin typeface="Consolas" panose="020B0609020204030204" pitchFamily="49" charset="0"/>
+                <a:cs typeface="Consolas" panose="020B0609020204030204" pitchFamily="49" charset="0"/>
+              </a:rPr>
+              <a:t>history:</a:t>
+            </a:r>
+            <a:br>
+              <a:rPr lang="en-US" dirty="0">
+                <a:latin typeface="Consolas" panose="020B0609020204030204" pitchFamily="49" charset="0"/>
+                <a:cs typeface="Consolas" panose="020B0609020204030204" pitchFamily="49" charset="0"/>
+              </a:rPr>
+            </a:br>
+            <a:r>
+              <a:rPr lang="en-US" dirty="0">
+                <a:latin typeface="Consolas" panose="020B0609020204030204" pitchFamily="49" charset="0"/>
+                <a:cs typeface="Consolas" panose="020B0609020204030204" pitchFamily="49" charset="0"/>
+              </a:rPr>
+              <a:t>        decoded  +=  </a:t>
+            </a:r>
+            <a:r>
+              <a:rPr lang="en-US" dirty="0" err="1">
+                <a:latin typeface="Consolas" panose="020B0609020204030204" pitchFamily="49" charset="0"/>
+                <a:cs typeface="Consolas" panose="020B0609020204030204" pitchFamily="49" charset="0"/>
+              </a:rPr>
+              <a:t>simple_cipher</a:t>
+            </a:r>
+            <a:r>
+              <a:rPr lang="en-US" dirty="0">
+                <a:latin typeface="Consolas" panose="020B0609020204030204" pitchFamily="49" charset="0"/>
+                <a:cs typeface="Consolas" panose="020B0609020204030204" pitchFamily="49" charset="0"/>
+              </a:rPr>
+              <a:t>(msg</a:t>
+            </a:r>
+            <a:r>
+              <a:rPr lang="en-US" dirty="0">
+                <a:solidFill>
+                  <a:srgbClr val="CC7832"/>
+                </a:solidFill>
+                <a:latin typeface="Consolas" panose="020B0609020204030204" pitchFamily="49" charset="0"/>
+                <a:cs typeface="Consolas" panose="020B0609020204030204" pitchFamily="49" charset="0"/>
+              </a:rPr>
+              <a:t>, </a:t>
+            </a:r>
+            <a:r>
+              <a:rPr lang="en-US" dirty="0">
+                <a:latin typeface="Consolas" panose="020B0609020204030204" pitchFamily="49" charset="0"/>
+                <a:cs typeface="Consolas" panose="020B0609020204030204" pitchFamily="49" charset="0"/>
+              </a:rPr>
+              <a:t>-key)</a:t>
+            </a:r>
+            <a:br>
+              <a:rPr lang="en-US" dirty="0">
+                <a:latin typeface="Consolas" panose="020B0609020204030204" pitchFamily="49" charset="0"/>
+                <a:cs typeface="Consolas" panose="020B0609020204030204" pitchFamily="49" charset="0"/>
+              </a:rPr>
+            </a:br>
+            <a:r>
+              <a:rPr lang="en-US" dirty="0">
+                <a:latin typeface="Consolas" panose="020B0609020204030204" pitchFamily="49" charset="0"/>
+                <a:cs typeface="Consolas" panose="020B0609020204030204" pitchFamily="49" charset="0"/>
+              </a:rPr>
+              <a:t>    </a:t>
+            </a:r>
+            <a:r>
+              <a:rPr lang="en-US" dirty="0">
+                <a:solidFill>
+                  <a:srgbClr val="CC7832"/>
+                </a:solidFill>
+                <a:latin typeface="Consolas" panose="020B0609020204030204" pitchFamily="49" charset="0"/>
+                <a:cs typeface="Consolas" panose="020B0609020204030204" pitchFamily="49" charset="0"/>
+              </a:rPr>
+              <a:t>return </a:t>
+            </a:r>
+            <a:r>
+              <a:rPr lang="en-US" dirty="0">
+                <a:latin typeface="Consolas" panose="020B0609020204030204" pitchFamily="49" charset="0"/>
+                <a:cs typeface="Consolas" panose="020B0609020204030204" pitchFamily="49" charset="0"/>
+              </a:rPr>
+              <a:t>decoded</a:t>
+            </a:r>
+            <a:br>
+              <a:rPr lang="en-US" dirty="0">
+                <a:latin typeface="Consolas" panose="020B0609020204030204" pitchFamily="49" charset="0"/>
+                <a:cs typeface="Consolas" panose="020B0609020204030204" pitchFamily="49" charset="0"/>
+              </a:rPr>
+            </a:br>
+            <a:r>
+              <a:rPr lang="en-US" dirty="0">
+                <a:latin typeface="Consolas" panose="020B0609020204030204" pitchFamily="49" charset="0"/>
+                <a:cs typeface="Consolas" panose="020B0609020204030204" pitchFamily="49" charset="0"/>
+              </a:rPr>
+              <a:t> </a:t>
+            </a:r>
+          </a:p>
+        </p:txBody>
+      </p:sp>
+    </p:spTree>
+    <p:extLst>
+      <p:ext uri="{BB962C8B-B14F-4D97-AF65-F5344CB8AC3E}">
+        <p14:creationId xmlns:p14="http://schemas.microsoft.com/office/powerpoint/2010/main" val="1739107970"/>
+      </p:ext>
+    </p:extLst>
+  </p:cSld>
+  <p:clrMapOvr>
+    <a:masterClrMapping/>
+  </p:clrMapOvr>
+  <mc:AlternateContent xmlns:mc="http://schemas.openxmlformats.org/markup-compatibility/2006">
+    <mc:Choice xmlns:p14="http://schemas.microsoft.com/office/powerpoint/2010/main" Requires="p14">
+      <p:transition p14:dur="300">
+        <p:fade/>
+      </p:transition>
+    </mc:Choice>
+    <mc:Fallback>
+      <p:transition>
+        <p:fade/>
+      </p:transition>
+    </mc:Fallback>
+  </mc:AlternateContent>
+</p:sld>
+</file>
+
 <file path=ppt/slides/slide2.xml><?xml version="1.0" encoding="utf-8"?>
+<p:sld xmlns:a="http://schemas.openxmlformats.org/drawingml/2006/main" xmlns:r="http://schemas.openxmlformats.org/officeDocument/2006/relationships" xmlns:p="http://schemas.openxmlformats.org/presentationml/2006/main">
+  <p:cSld>
+    <p:spTree>
+      <p:nvGrpSpPr>
+        <p:cNvPr id="1" name=""/>
+        <p:cNvGrpSpPr/>
+        <p:nvPr/>
+      </p:nvGrpSpPr>
+      <p:grpSpPr>
+        <a:xfrm>
+          <a:off x="0" y="0"/>
+          <a:ext cx="0" cy="0"/>
+          <a:chOff x="0" y="0"/>
+          <a:chExt cx="0" cy="0"/>
+        </a:xfrm>
+      </p:grpSpPr>
+      <p:sp>
+        <p:nvSpPr>
+          <p:cNvPr id="2" name="Title 1">
+            <a:extLst>
+              <a:ext uri="{FF2B5EF4-FFF2-40B4-BE49-F238E27FC236}">
+                <a16:creationId xmlns:a16="http://schemas.microsoft.com/office/drawing/2014/main" id="{0073CBD6-0472-4E98-A541-A6F54AB59618}"/>
+              </a:ext>
+            </a:extLst>
+          </p:cNvPr>
+          <p:cNvSpPr>
+            <a:spLocks noGrp="1"/>
+          </p:cNvSpPr>
+          <p:nvPr>
+            <p:ph type="title"/>
+          </p:nvPr>
+        </p:nvSpPr>
+        <p:spPr/>
+        <p:txBody>
+          <a:bodyPr/>
+          <a:lstStyle/>
+          <a:p>
+            <a:r>
+              <a:rPr lang="en-US" dirty="0"/>
+              <a:t>Definitions </a:t>
+            </a:r>
+          </a:p>
+        </p:txBody>
+      </p:sp>
+      <p:sp>
+        <p:nvSpPr>
+          <p:cNvPr id="3" name="Text Placeholder 2">
+            <a:extLst>
+              <a:ext uri="{FF2B5EF4-FFF2-40B4-BE49-F238E27FC236}">
+                <a16:creationId xmlns:a16="http://schemas.microsoft.com/office/drawing/2014/main" id="{2202044C-DA7D-461B-8CD9-4227C6ADD2B6}"/>
+              </a:ext>
+            </a:extLst>
+          </p:cNvPr>
+          <p:cNvSpPr>
+            <a:spLocks noGrp="1"/>
+          </p:cNvSpPr>
+          <p:nvPr>
+            <p:ph type="body" idx="1"/>
+          </p:nvPr>
+        </p:nvSpPr>
+        <p:spPr>
+          <a:xfrm>
+            <a:off x="628076" y="1920724"/>
+            <a:ext cx="6582694" cy="5425924"/>
+          </a:xfrm>
+        </p:spPr>
+        <p:txBody>
+          <a:bodyPr/>
+          <a:lstStyle/>
+          <a:p>
+            <a:r>
+              <a:rPr lang="en-US" dirty="0"/>
+              <a:t>Accessible Design</a:t>
+            </a:r>
+          </a:p>
+          <a:p>
+            <a:pPr lvl="1"/>
+            <a:r>
+              <a:rPr lang="en-US" dirty="0"/>
+              <a:t>Meets compliance </a:t>
+            </a:r>
+          </a:p>
+          <a:p>
+            <a:pPr lvl="1"/>
+            <a:r>
+              <a:rPr lang="en-US" dirty="0"/>
+              <a:t>Often requires special tools or accommodations </a:t>
+            </a:r>
+          </a:p>
+          <a:p>
+            <a:r>
+              <a:rPr lang="en-US" dirty="0"/>
+              <a:t>Universal Design</a:t>
+            </a:r>
+          </a:p>
+          <a:p>
+            <a:pPr lvl="1"/>
+            <a:r>
+              <a:rPr lang="en-US" dirty="0"/>
+              <a:t>Makes it so compliance is met by default</a:t>
+            </a:r>
+          </a:p>
+          <a:p>
+            <a:pPr lvl="1"/>
+            <a:r>
+              <a:rPr lang="en-US" dirty="0"/>
+              <a:t>Websites – Colorblindness for example!</a:t>
+            </a:r>
+          </a:p>
+          <a:p>
+            <a:pPr lvl="2"/>
+            <a:r>
+              <a:rPr lang="en-US" dirty="0"/>
+              <a:t>Green and Blue</a:t>
+            </a:r>
+          </a:p>
+          <a:p>
+            <a:pPr lvl="2"/>
+            <a:r>
+              <a:rPr lang="en-US" dirty="0"/>
+              <a:t>Bad Color Combinations </a:t>
+            </a:r>
+          </a:p>
+          <a:p>
+            <a:pPr lvl="2"/>
+            <a:r>
+              <a:rPr lang="en-US" dirty="0"/>
+              <a:t>Design with contrasting, so no matter the way people see it, they can still see it! </a:t>
+            </a:r>
+          </a:p>
+          <a:p>
+            <a:r>
+              <a:rPr lang="en-US" dirty="0"/>
+              <a:t>Inclusive Design</a:t>
+            </a:r>
+          </a:p>
+          <a:p>
+            <a:pPr lvl="1"/>
+            <a:r>
+              <a:rPr lang="en-US" dirty="0"/>
+              <a:t>Accessible by different ability levels, gender identification, backgrounds, and cultural identities without alienation </a:t>
+            </a:r>
+          </a:p>
+          <a:p>
+            <a:pPr lvl="2"/>
+            <a:endParaRPr lang="en-US" dirty="0"/>
+          </a:p>
+          <a:p>
+            <a:pPr lvl="1"/>
+            <a:endParaRPr lang="en-US" dirty="0"/>
+          </a:p>
+        </p:txBody>
+      </p:sp>
+      <p:pic>
+        <p:nvPicPr>
+          <p:cNvPr id="5" name="Picture 4">
+            <a:extLst>
+              <a:ext uri="{FF2B5EF4-FFF2-40B4-BE49-F238E27FC236}">
+                <a16:creationId xmlns:a16="http://schemas.microsoft.com/office/drawing/2014/main" id="{934E8890-E9EB-47B1-AA66-254536C97BF6}"/>
+              </a:ext>
+            </a:extLst>
+          </p:cNvPr>
+          <p:cNvPicPr>
+            <a:picLocks noChangeAspect="1"/>
+          </p:cNvPicPr>
+          <p:nvPr/>
+        </p:nvPicPr>
+        <p:blipFill>
+          <a:blip r:embed="rId2"/>
+          <a:stretch>
+            <a:fillRect/>
+          </a:stretch>
+        </p:blipFill>
+        <p:spPr>
+          <a:xfrm>
+            <a:off x="7210770" y="87383"/>
+            <a:ext cx="6582694" cy="2343477"/>
+          </a:xfrm>
+          <a:prstGeom prst="rect">
+            <a:avLst/>
+          </a:prstGeom>
+        </p:spPr>
+      </p:pic>
+    </p:spTree>
+    <p:extLst>
+      <p:ext uri="{BB962C8B-B14F-4D97-AF65-F5344CB8AC3E}">
+        <p14:creationId xmlns:p14="http://schemas.microsoft.com/office/powerpoint/2010/main" val="24371409"/>
+      </p:ext>
+    </p:extLst>
+  </p:cSld>
+  <p:clrMapOvr>
+    <a:masterClrMapping/>
+  </p:clrMapOvr>
+  <p:transition>
+    <p:fade/>
+  </p:transition>
+</p:sld>
+</file>
+
+<file path=ppt/slides/slide3.xml><?xml version="1.0" encoding="utf-8"?>
 <p:sld xmlns:a="http://schemas.openxmlformats.org/drawingml/2006/main" xmlns:r="http://schemas.openxmlformats.org/officeDocument/2006/relationships" xmlns:p="http://schemas.openxmlformats.org/presentationml/2006/main">
   <p:cSld>
     <p:spTree>
@@ -7565,56 +10621,10 @@
             <a:endParaRPr dirty="0"/>
           </a:p>
           <a:p>
-            <a:pPr>
-              <a:spcBef>
-                <a:spcPts val="0"/>
-              </a:spcBef>
-              <a:buChar char="●"/>
+            <a:pPr marL="0" indent="0">
+              <a:buNone/>
             </a:pPr>
-            <a:r>
-              <a:rPr lang="en" dirty="0"/>
-              <a:t>Difficulties are on a spectrum of:</a:t>
-            </a:r>
-            <a:endParaRPr dirty="0"/>
-          </a:p>
-          <a:p>
-            <a:pPr lvl="1">
-              <a:spcBef>
-                <a:spcPts val="0"/>
-              </a:spcBef>
-              <a:buChar char="○"/>
-            </a:pPr>
-            <a:r>
-              <a:rPr lang="en" dirty="0"/>
-              <a:t>Permanent </a:t>
-            </a:r>
-            <a:endParaRPr dirty="0"/>
-          </a:p>
-          <a:p>
-            <a:pPr lvl="1">
-              <a:spcBef>
-                <a:spcPts val="0"/>
-              </a:spcBef>
-              <a:buChar char="○"/>
-            </a:pPr>
-            <a:r>
-              <a:rPr lang="en" dirty="0"/>
-              <a:t>Temporary </a:t>
-            </a:r>
-            <a:endParaRPr dirty="0"/>
-          </a:p>
-          <a:p>
-            <a:pPr lvl="1">
-              <a:spcBef>
-                <a:spcPts val="0"/>
-              </a:spcBef>
-              <a:buChar char="○"/>
-            </a:pPr>
-            <a:r>
-              <a:rPr lang="en" dirty="0"/>
-              <a:t>Situational</a:t>
-            </a:r>
-            <a:endParaRPr dirty="0"/>
+            <a:endParaRPr lang="en" dirty="0"/>
           </a:p>
           <a:p>
             <a:pPr marL="0" indent="0">
@@ -7811,7 +10821,1258 @@
 </p:sld>
 </file>
 
-<file path=ppt/slides/slide3.xml><?xml version="1.0" encoding="utf-8"?>
+<file path=ppt/slides/slide4.xml><?xml version="1.0" encoding="utf-8"?>
+<p:sld xmlns:a="http://schemas.openxmlformats.org/drawingml/2006/main" xmlns:r="http://schemas.openxmlformats.org/officeDocument/2006/relationships" xmlns:p="http://schemas.openxmlformats.org/presentationml/2006/main">
+  <p:cSld>
+    <p:spTree>
+      <p:nvGrpSpPr>
+        <p:cNvPr id="1" name=""/>
+        <p:cNvGrpSpPr/>
+        <p:nvPr/>
+      </p:nvGrpSpPr>
+      <p:grpSpPr>
+        <a:xfrm>
+          <a:off x="0" y="0"/>
+          <a:ext cx="0" cy="0"/>
+          <a:chOff x="0" y="0"/>
+          <a:chExt cx="0" cy="0"/>
+        </a:xfrm>
+      </p:grpSpPr>
+      <p:sp>
+        <p:nvSpPr>
+          <p:cNvPr id="2" name="Title 1">
+            <a:extLst>
+              <a:ext uri="{FF2B5EF4-FFF2-40B4-BE49-F238E27FC236}">
+                <a16:creationId xmlns:a16="http://schemas.microsoft.com/office/drawing/2014/main" id="{9F639CA8-89F3-43A5-A860-56CC5C05A760}"/>
+              </a:ext>
+            </a:extLst>
+          </p:cNvPr>
+          <p:cNvSpPr>
+            <a:spLocks noGrp="1"/>
+          </p:cNvSpPr>
+          <p:nvPr>
+            <p:ph type="title"/>
+          </p:nvPr>
+        </p:nvSpPr>
+        <p:spPr/>
+        <p:txBody>
+          <a:bodyPr/>
+          <a:lstStyle/>
+          <a:p>
+            <a:r>
+              <a:rPr lang="en-US" dirty="0"/>
+              <a:t>Variable Ability Levels</a:t>
+            </a:r>
+          </a:p>
+        </p:txBody>
+      </p:sp>
+      <p:sp>
+        <p:nvSpPr>
+          <p:cNvPr id="3" name="Text Placeholder 2">
+            <a:extLst>
+              <a:ext uri="{FF2B5EF4-FFF2-40B4-BE49-F238E27FC236}">
+                <a16:creationId xmlns:a16="http://schemas.microsoft.com/office/drawing/2014/main" id="{9DAE9BB8-31CF-4ED5-9DAD-F6CF5C69EEB3}"/>
+              </a:ext>
+            </a:extLst>
+          </p:cNvPr>
+          <p:cNvSpPr>
+            <a:spLocks noGrp="1"/>
+          </p:cNvSpPr>
+          <p:nvPr>
+            <p:ph type="body" idx="1"/>
+          </p:nvPr>
+        </p:nvSpPr>
+        <p:spPr>
+          <a:xfrm>
+            <a:off x="628076" y="1920724"/>
+            <a:ext cx="4800268" cy="2665789"/>
+          </a:xfrm>
+        </p:spPr>
+        <p:txBody>
+          <a:bodyPr/>
+          <a:lstStyle/>
+          <a:p>
+            <a:pPr>
+              <a:spcBef>
+                <a:spcPts val="0"/>
+              </a:spcBef>
+              <a:buChar char="●"/>
+            </a:pPr>
+            <a:r>
+              <a:rPr lang="en-US" dirty="0"/>
+              <a:t>Difficulties are on a spectrum of:</a:t>
+            </a:r>
+          </a:p>
+          <a:p>
+            <a:pPr lvl="1">
+              <a:spcBef>
+                <a:spcPts val="0"/>
+              </a:spcBef>
+              <a:buChar char="○"/>
+            </a:pPr>
+            <a:r>
+              <a:rPr lang="en-US" dirty="0"/>
+              <a:t>Permanent </a:t>
+            </a:r>
+          </a:p>
+          <a:p>
+            <a:pPr lvl="1">
+              <a:spcBef>
+                <a:spcPts val="0"/>
+              </a:spcBef>
+              <a:buChar char="○"/>
+            </a:pPr>
+            <a:r>
+              <a:rPr lang="en-US" dirty="0"/>
+              <a:t>Temporary </a:t>
+            </a:r>
+          </a:p>
+          <a:p>
+            <a:pPr lvl="1">
+              <a:spcBef>
+                <a:spcPts val="0"/>
+              </a:spcBef>
+              <a:buChar char="○"/>
+            </a:pPr>
+            <a:r>
+              <a:rPr lang="en-US" dirty="0"/>
+              <a:t>Situational</a:t>
+            </a:r>
+          </a:p>
+        </p:txBody>
+      </p:sp>
+      <p:sp>
+        <p:nvSpPr>
+          <p:cNvPr id="4" name="Text Placeholder 2">
+            <a:extLst>
+              <a:ext uri="{FF2B5EF4-FFF2-40B4-BE49-F238E27FC236}">
+                <a16:creationId xmlns:a16="http://schemas.microsoft.com/office/drawing/2014/main" id="{575274C4-20F6-4289-850D-4290A194ACD1}"/>
+              </a:ext>
+            </a:extLst>
+          </p:cNvPr>
+          <p:cNvSpPr txBox="1">
+            <a:spLocks/>
+          </p:cNvSpPr>
+          <p:nvPr/>
+        </p:nvSpPr>
+        <p:spPr>
+          <a:xfrm>
+            <a:off x="628076" y="3407486"/>
+            <a:ext cx="4611581" cy="1527371"/>
+          </a:xfrm>
+          <a:prstGeom prst="rect">
+            <a:avLst/>
+          </a:prstGeom>
+          <a:noFill/>
+          <a:ln>
+            <a:noFill/>
+          </a:ln>
+        </p:spPr>
+        <p:txBody>
+          <a:bodyPr spcFirstLastPara="1" vert="horz" wrap="square" lIns="60500" tIns="60500" rIns="60500" bIns="60500" rtlCol="0" anchor="t" anchorCtr="0">
+            <a:noAutofit/>
+          </a:bodyPr>
+          <a:lstStyle>
+            <a:lvl1pPr marL="690875" marR="0" lvl="0" indent="-460583" algn="l" defTabSz="699614" rtl="0" eaLnBrk="1" latinLnBrk="0" hangingPunct="1">
+              <a:lnSpc>
+                <a:spcPct val="120000"/>
+              </a:lnSpc>
+              <a:spcBef>
+                <a:spcPts val="604"/>
+              </a:spcBef>
+              <a:spcAft>
+                <a:spcPts val="0"/>
+              </a:spcAft>
+              <a:buClr>
+                <a:srgbClr val="000000"/>
+              </a:buClr>
+              <a:buSzPts val="1200"/>
+              <a:buFont typeface="Arial"/>
+              <a:buChar char="•"/>
+              <a:defRPr sz="1813" b="0" i="0" u="none" strike="noStrike" kern="1200" cap="none">
+                <a:solidFill>
+                  <a:srgbClr val="000000"/>
+                </a:solidFill>
+                <a:latin typeface="Proxima Nova"/>
+                <a:ea typeface="Proxima Nova"/>
+                <a:cs typeface="Proxima Nova"/>
+                <a:sym typeface="Proxima Nova"/>
+              </a:defRPr>
+            </a:lvl1pPr>
+            <a:lvl2pPr marL="1381750" marR="0" lvl="1" indent="-450988" algn="l" defTabSz="699614" rtl="0" eaLnBrk="1" latinLnBrk="0" hangingPunct="1">
+              <a:lnSpc>
+                <a:spcPct val="120000"/>
+              </a:lnSpc>
+              <a:spcBef>
+                <a:spcPts val="604"/>
+              </a:spcBef>
+              <a:spcAft>
+                <a:spcPts val="0"/>
+              </a:spcAft>
+              <a:buClr>
+                <a:srgbClr val="000000"/>
+              </a:buClr>
+              <a:buSzPts val="1100"/>
+              <a:buFont typeface="Arial"/>
+              <a:buChar char="–"/>
+              <a:defRPr sz="1662" b="0" i="0" u="none" strike="noStrike" kern="1200" cap="none">
+                <a:solidFill>
+                  <a:srgbClr val="000000"/>
+                </a:solidFill>
+                <a:latin typeface="Proxima Nova"/>
+                <a:ea typeface="Proxima Nova"/>
+                <a:cs typeface="Proxima Nova"/>
+                <a:sym typeface="Proxima Nova"/>
+              </a:defRPr>
+            </a:lvl2pPr>
+            <a:lvl3pPr marL="2072625" marR="0" lvl="2" indent="-450988" algn="l" defTabSz="699614" rtl="0" eaLnBrk="1" latinLnBrk="0" hangingPunct="1">
+              <a:lnSpc>
+                <a:spcPct val="120000"/>
+              </a:lnSpc>
+              <a:spcBef>
+                <a:spcPts val="604"/>
+              </a:spcBef>
+              <a:spcAft>
+                <a:spcPts val="0"/>
+              </a:spcAft>
+              <a:buClr>
+                <a:srgbClr val="000000"/>
+              </a:buClr>
+              <a:buSzPts val="1100"/>
+              <a:buFont typeface="Arial"/>
+              <a:buChar char="•"/>
+              <a:defRPr sz="1662" b="0" i="0" u="none" strike="noStrike" kern="1200" cap="none">
+                <a:solidFill>
+                  <a:srgbClr val="000000"/>
+                </a:solidFill>
+                <a:latin typeface="Proxima Nova"/>
+                <a:ea typeface="Proxima Nova"/>
+                <a:cs typeface="Proxima Nova"/>
+                <a:sym typeface="Proxima Nova"/>
+              </a:defRPr>
+            </a:lvl3pPr>
+            <a:lvl4pPr marL="2763500" marR="0" lvl="3" indent="-450988" algn="l" defTabSz="699614" rtl="0" eaLnBrk="1" latinLnBrk="0" hangingPunct="1">
+              <a:lnSpc>
+                <a:spcPct val="120000"/>
+              </a:lnSpc>
+              <a:spcBef>
+                <a:spcPts val="604"/>
+              </a:spcBef>
+              <a:spcAft>
+                <a:spcPts val="0"/>
+              </a:spcAft>
+              <a:buClr>
+                <a:srgbClr val="000000"/>
+              </a:buClr>
+              <a:buSzPts val="1100"/>
+              <a:buFont typeface="Arial"/>
+              <a:buChar char="–"/>
+              <a:defRPr sz="1662" b="0" i="0" u="none" strike="noStrike" kern="1200" cap="none">
+                <a:solidFill>
+                  <a:srgbClr val="000000"/>
+                </a:solidFill>
+                <a:latin typeface="Proxima Nova"/>
+                <a:ea typeface="Proxima Nova"/>
+                <a:cs typeface="Proxima Nova"/>
+                <a:sym typeface="Proxima Nova"/>
+              </a:defRPr>
+            </a:lvl4pPr>
+            <a:lvl5pPr marL="3454375" marR="0" lvl="4" indent="-450988" algn="l" defTabSz="699614" rtl="0" eaLnBrk="1" latinLnBrk="0" hangingPunct="1">
+              <a:spcBef>
+                <a:spcPts val="604"/>
+              </a:spcBef>
+              <a:spcAft>
+                <a:spcPts val="0"/>
+              </a:spcAft>
+              <a:buClr>
+                <a:srgbClr val="000000"/>
+              </a:buClr>
+              <a:buSzPts val="1100"/>
+              <a:buFont typeface="Arial"/>
+              <a:buChar char="»"/>
+              <a:defRPr sz="1662" b="0" i="0" u="none" strike="noStrike" kern="1200" cap="none">
+                <a:solidFill>
+                  <a:srgbClr val="000000"/>
+                </a:solidFill>
+                <a:latin typeface="Source Sans Pro"/>
+                <a:ea typeface="Source Sans Pro"/>
+                <a:cs typeface="Source Sans Pro"/>
+                <a:sym typeface="Source Sans Pro"/>
+              </a:defRPr>
+            </a:lvl5pPr>
+            <a:lvl6pPr marL="4145250" marR="0" lvl="5" indent="-537347" algn="l" defTabSz="699614" rtl="0" eaLnBrk="1" latinLnBrk="0" hangingPunct="1">
+              <a:spcBef>
+                <a:spcPts val="604"/>
+              </a:spcBef>
+              <a:spcAft>
+                <a:spcPts val="0"/>
+              </a:spcAft>
+              <a:buClr>
+                <a:srgbClr val="000000"/>
+              </a:buClr>
+              <a:buSzPts val="2000"/>
+              <a:buFont typeface="Arial"/>
+              <a:buChar char="•"/>
+              <a:defRPr sz="3022" b="0" i="0" u="none" strike="noStrike" kern="1200" cap="none">
+                <a:solidFill>
+                  <a:srgbClr val="000000"/>
+                </a:solidFill>
+                <a:latin typeface="Arial"/>
+                <a:ea typeface="Arial"/>
+                <a:cs typeface="Arial"/>
+                <a:sym typeface="Arial"/>
+              </a:defRPr>
+            </a:lvl6pPr>
+            <a:lvl7pPr marL="4836124" marR="0" lvl="6" indent="-537347" algn="l" defTabSz="699614" rtl="0" eaLnBrk="1" latinLnBrk="0" hangingPunct="1">
+              <a:spcBef>
+                <a:spcPts val="604"/>
+              </a:spcBef>
+              <a:spcAft>
+                <a:spcPts val="0"/>
+              </a:spcAft>
+              <a:buClr>
+                <a:srgbClr val="000000"/>
+              </a:buClr>
+              <a:buSzPts val="2000"/>
+              <a:buFont typeface="Arial"/>
+              <a:buChar char="•"/>
+              <a:defRPr sz="3022" b="0" i="0" u="none" strike="noStrike" kern="1200" cap="none">
+                <a:solidFill>
+                  <a:srgbClr val="000000"/>
+                </a:solidFill>
+                <a:latin typeface="Arial"/>
+                <a:ea typeface="Arial"/>
+                <a:cs typeface="Arial"/>
+                <a:sym typeface="Arial"/>
+              </a:defRPr>
+            </a:lvl7pPr>
+            <a:lvl8pPr marL="5526999" marR="0" lvl="7" indent="-537347" algn="l" defTabSz="699614" rtl="0" eaLnBrk="1" latinLnBrk="0" hangingPunct="1">
+              <a:spcBef>
+                <a:spcPts val="604"/>
+              </a:spcBef>
+              <a:spcAft>
+                <a:spcPts val="0"/>
+              </a:spcAft>
+              <a:buClr>
+                <a:srgbClr val="000000"/>
+              </a:buClr>
+              <a:buSzPts val="2000"/>
+              <a:buFont typeface="Arial"/>
+              <a:buChar char="•"/>
+              <a:defRPr sz="3022" b="0" i="0" u="none" strike="noStrike" kern="1200" cap="none">
+                <a:solidFill>
+                  <a:srgbClr val="000000"/>
+                </a:solidFill>
+                <a:latin typeface="Arial"/>
+                <a:ea typeface="Arial"/>
+                <a:cs typeface="Arial"/>
+                <a:sym typeface="Arial"/>
+              </a:defRPr>
+            </a:lvl8pPr>
+            <a:lvl9pPr marL="6217874" marR="0" lvl="8" indent="-537347" algn="l" defTabSz="699614" rtl="0" eaLnBrk="1" latinLnBrk="0" hangingPunct="1">
+              <a:spcBef>
+                <a:spcPts val="604"/>
+              </a:spcBef>
+              <a:spcAft>
+                <a:spcPts val="0"/>
+              </a:spcAft>
+              <a:buClr>
+                <a:srgbClr val="000000"/>
+              </a:buClr>
+              <a:buSzPts val="2000"/>
+              <a:buFont typeface="Arial"/>
+              <a:buChar char="•"/>
+              <a:defRPr sz="3022" b="0" i="0" u="none" strike="noStrike" kern="1200" cap="none">
+                <a:solidFill>
+                  <a:srgbClr val="000000"/>
+                </a:solidFill>
+                <a:latin typeface="Arial"/>
+                <a:ea typeface="Arial"/>
+                <a:cs typeface="Arial"/>
+                <a:sym typeface="Arial"/>
+              </a:defRPr>
+            </a:lvl9pPr>
+          </a:lstStyle>
+          <a:p>
+            <a:pPr>
+              <a:spcBef>
+                <a:spcPts val="0"/>
+              </a:spcBef>
+              <a:buFont typeface="Arial"/>
+              <a:buChar char="●"/>
+            </a:pPr>
+            <a:r>
+              <a:rPr lang="en-US" dirty="0"/>
+              <a:t>Situational Example:</a:t>
+            </a:r>
+          </a:p>
+          <a:p>
+            <a:pPr lvl="1">
+              <a:spcBef>
+                <a:spcPts val="0"/>
+              </a:spcBef>
+              <a:buFont typeface="Arial"/>
+              <a:buChar char="●"/>
+            </a:pPr>
+            <a:r>
+              <a:rPr lang="en-US" dirty="0"/>
+              <a:t>You are holding tea in your hand, so making difficult to text your friend.</a:t>
+            </a:r>
+          </a:p>
+        </p:txBody>
+      </p:sp>
+      <p:sp>
+        <p:nvSpPr>
+          <p:cNvPr id="5" name="Text Placeholder 2">
+            <a:extLst>
+              <a:ext uri="{FF2B5EF4-FFF2-40B4-BE49-F238E27FC236}">
+                <a16:creationId xmlns:a16="http://schemas.microsoft.com/office/drawing/2014/main" id="{90A87468-60C9-45E6-880A-40B718C497F6}"/>
+              </a:ext>
+            </a:extLst>
+          </p:cNvPr>
+          <p:cNvSpPr txBox="1">
+            <a:spLocks/>
+          </p:cNvSpPr>
+          <p:nvPr/>
+        </p:nvSpPr>
+        <p:spPr>
+          <a:xfrm>
+            <a:off x="6908781" y="1920724"/>
+            <a:ext cx="4611581" cy="1527371"/>
+          </a:xfrm>
+          <a:prstGeom prst="rect">
+            <a:avLst/>
+          </a:prstGeom>
+          <a:noFill/>
+          <a:ln>
+            <a:noFill/>
+          </a:ln>
+        </p:spPr>
+        <p:txBody>
+          <a:bodyPr spcFirstLastPara="1" vert="horz" wrap="square" lIns="60500" tIns="60500" rIns="60500" bIns="60500" rtlCol="0" anchor="t" anchorCtr="0">
+            <a:noAutofit/>
+          </a:bodyPr>
+          <a:lstStyle>
+            <a:lvl1pPr marL="690875" marR="0" lvl="0" indent="-460583" algn="l" defTabSz="699614" rtl="0" eaLnBrk="1" latinLnBrk="0" hangingPunct="1">
+              <a:lnSpc>
+                <a:spcPct val="120000"/>
+              </a:lnSpc>
+              <a:spcBef>
+                <a:spcPts val="604"/>
+              </a:spcBef>
+              <a:spcAft>
+                <a:spcPts val="0"/>
+              </a:spcAft>
+              <a:buClr>
+                <a:srgbClr val="000000"/>
+              </a:buClr>
+              <a:buSzPts val="1200"/>
+              <a:buFont typeface="Arial"/>
+              <a:buChar char="•"/>
+              <a:defRPr sz="1813" b="0" i="0" u="none" strike="noStrike" kern="1200" cap="none">
+                <a:solidFill>
+                  <a:srgbClr val="000000"/>
+                </a:solidFill>
+                <a:latin typeface="Proxima Nova"/>
+                <a:ea typeface="Proxima Nova"/>
+                <a:cs typeface="Proxima Nova"/>
+                <a:sym typeface="Proxima Nova"/>
+              </a:defRPr>
+            </a:lvl1pPr>
+            <a:lvl2pPr marL="1381750" marR="0" lvl="1" indent="-450988" algn="l" defTabSz="699614" rtl="0" eaLnBrk="1" latinLnBrk="0" hangingPunct="1">
+              <a:lnSpc>
+                <a:spcPct val="120000"/>
+              </a:lnSpc>
+              <a:spcBef>
+                <a:spcPts val="604"/>
+              </a:spcBef>
+              <a:spcAft>
+                <a:spcPts val="0"/>
+              </a:spcAft>
+              <a:buClr>
+                <a:srgbClr val="000000"/>
+              </a:buClr>
+              <a:buSzPts val="1100"/>
+              <a:buFont typeface="Arial"/>
+              <a:buChar char="–"/>
+              <a:defRPr sz="1662" b="0" i="0" u="none" strike="noStrike" kern="1200" cap="none">
+                <a:solidFill>
+                  <a:srgbClr val="000000"/>
+                </a:solidFill>
+                <a:latin typeface="Proxima Nova"/>
+                <a:ea typeface="Proxima Nova"/>
+                <a:cs typeface="Proxima Nova"/>
+                <a:sym typeface="Proxima Nova"/>
+              </a:defRPr>
+            </a:lvl2pPr>
+            <a:lvl3pPr marL="2072625" marR="0" lvl="2" indent="-450988" algn="l" defTabSz="699614" rtl="0" eaLnBrk="1" latinLnBrk="0" hangingPunct="1">
+              <a:lnSpc>
+                <a:spcPct val="120000"/>
+              </a:lnSpc>
+              <a:spcBef>
+                <a:spcPts val="604"/>
+              </a:spcBef>
+              <a:spcAft>
+                <a:spcPts val="0"/>
+              </a:spcAft>
+              <a:buClr>
+                <a:srgbClr val="000000"/>
+              </a:buClr>
+              <a:buSzPts val="1100"/>
+              <a:buFont typeface="Arial"/>
+              <a:buChar char="•"/>
+              <a:defRPr sz="1662" b="0" i="0" u="none" strike="noStrike" kern="1200" cap="none">
+                <a:solidFill>
+                  <a:srgbClr val="000000"/>
+                </a:solidFill>
+                <a:latin typeface="Proxima Nova"/>
+                <a:ea typeface="Proxima Nova"/>
+                <a:cs typeface="Proxima Nova"/>
+                <a:sym typeface="Proxima Nova"/>
+              </a:defRPr>
+            </a:lvl3pPr>
+            <a:lvl4pPr marL="2763500" marR="0" lvl="3" indent="-450988" algn="l" defTabSz="699614" rtl="0" eaLnBrk="1" latinLnBrk="0" hangingPunct="1">
+              <a:lnSpc>
+                <a:spcPct val="120000"/>
+              </a:lnSpc>
+              <a:spcBef>
+                <a:spcPts val="604"/>
+              </a:spcBef>
+              <a:spcAft>
+                <a:spcPts val="0"/>
+              </a:spcAft>
+              <a:buClr>
+                <a:srgbClr val="000000"/>
+              </a:buClr>
+              <a:buSzPts val="1100"/>
+              <a:buFont typeface="Arial"/>
+              <a:buChar char="–"/>
+              <a:defRPr sz="1662" b="0" i="0" u="none" strike="noStrike" kern="1200" cap="none">
+                <a:solidFill>
+                  <a:srgbClr val="000000"/>
+                </a:solidFill>
+                <a:latin typeface="Proxima Nova"/>
+                <a:ea typeface="Proxima Nova"/>
+                <a:cs typeface="Proxima Nova"/>
+                <a:sym typeface="Proxima Nova"/>
+              </a:defRPr>
+            </a:lvl4pPr>
+            <a:lvl5pPr marL="3454375" marR="0" lvl="4" indent="-450988" algn="l" defTabSz="699614" rtl="0" eaLnBrk="1" latinLnBrk="0" hangingPunct="1">
+              <a:spcBef>
+                <a:spcPts val="604"/>
+              </a:spcBef>
+              <a:spcAft>
+                <a:spcPts val="0"/>
+              </a:spcAft>
+              <a:buClr>
+                <a:srgbClr val="000000"/>
+              </a:buClr>
+              <a:buSzPts val="1100"/>
+              <a:buFont typeface="Arial"/>
+              <a:buChar char="»"/>
+              <a:defRPr sz="1662" b="0" i="0" u="none" strike="noStrike" kern="1200" cap="none">
+                <a:solidFill>
+                  <a:srgbClr val="000000"/>
+                </a:solidFill>
+                <a:latin typeface="Source Sans Pro"/>
+                <a:ea typeface="Source Sans Pro"/>
+                <a:cs typeface="Source Sans Pro"/>
+                <a:sym typeface="Source Sans Pro"/>
+              </a:defRPr>
+            </a:lvl5pPr>
+            <a:lvl6pPr marL="4145250" marR="0" lvl="5" indent="-537347" algn="l" defTabSz="699614" rtl="0" eaLnBrk="1" latinLnBrk="0" hangingPunct="1">
+              <a:spcBef>
+                <a:spcPts val="604"/>
+              </a:spcBef>
+              <a:spcAft>
+                <a:spcPts val="0"/>
+              </a:spcAft>
+              <a:buClr>
+                <a:srgbClr val="000000"/>
+              </a:buClr>
+              <a:buSzPts val="2000"/>
+              <a:buFont typeface="Arial"/>
+              <a:buChar char="•"/>
+              <a:defRPr sz="3022" b="0" i="0" u="none" strike="noStrike" kern="1200" cap="none">
+                <a:solidFill>
+                  <a:srgbClr val="000000"/>
+                </a:solidFill>
+                <a:latin typeface="Arial"/>
+                <a:ea typeface="Arial"/>
+                <a:cs typeface="Arial"/>
+                <a:sym typeface="Arial"/>
+              </a:defRPr>
+            </a:lvl6pPr>
+            <a:lvl7pPr marL="4836124" marR="0" lvl="6" indent="-537347" algn="l" defTabSz="699614" rtl="0" eaLnBrk="1" latinLnBrk="0" hangingPunct="1">
+              <a:spcBef>
+                <a:spcPts val="604"/>
+              </a:spcBef>
+              <a:spcAft>
+                <a:spcPts val="0"/>
+              </a:spcAft>
+              <a:buClr>
+                <a:srgbClr val="000000"/>
+              </a:buClr>
+              <a:buSzPts val="2000"/>
+              <a:buFont typeface="Arial"/>
+              <a:buChar char="•"/>
+              <a:defRPr sz="3022" b="0" i="0" u="none" strike="noStrike" kern="1200" cap="none">
+                <a:solidFill>
+                  <a:srgbClr val="000000"/>
+                </a:solidFill>
+                <a:latin typeface="Arial"/>
+                <a:ea typeface="Arial"/>
+                <a:cs typeface="Arial"/>
+                <a:sym typeface="Arial"/>
+              </a:defRPr>
+            </a:lvl7pPr>
+            <a:lvl8pPr marL="5526999" marR="0" lvl="7" indent="-537347" algn="l" defTabSz="699614" rtl="0" eaLnBrk="1" latinLnBrk="0" hangingPunct="1">
+              <a:spcBef>
+                <a:spcPts val="604"/>
+              </a:spcBef>
+              <a:spcAft>
+                <a:spcPts val="0"/>
+              </a:spcAft>
+              <a:buClr>
+                <a:srgbClr val="000000"/>
+              </a:buClr>
+              <a:buSzPts val="2000"/>
+              <a:buFont typeface="Arial"/>
+              <a:buChar char="•"/>
+              <a:defRPr sz="3022" b="0" i="0" u="none" strike="noStrike" kern="1200" cap="none">
+                <a:solidFill>
+                  <a:srgbClr val="000000"/>
+                </a:solidFill>
+                <a:latin typeface="Arial"/>
+                <a:ea typeface="Arial"/>
+                <a:cs typeface="Arial"/>
+                <a:sym typeface="Arial"/>
+              </a:defRPr>
+            </a:lvl8pPr>
+            <a:lvl9pPr marL="6217874" marR="0" lvl="8" indent="-537347" algn="l" defTabSz="699614" rtl="0" eaLnBrk="1" latinLnBrk="0" hangingPunct="1">
+              <a:spcBef>
+                <a:spcPts val="604"/>
+              </a:spcBef>
+              <a:spcAft>
+                <a:spcPts val="0"/>
+              </a:spcAft>
+              <a:buClr>
+                <a:srgbClr val="000000"/>
+              </a:buClr>
+              <a:buSzPts val="2000"/>
+              <a:buFont typeface="Arial"/>
+              <a:buChar char="•"/>
+              <a:defRPr sz="3022" b="0" i="0" u="none" strike="noStrike" kern="1200" cap="none">
+                <a:solidFill>
+                  <a:srgbClr val="000000"/>
+                </a:solidFill>
+                <a:latin typeface="Arial"/>
+                <a:ea typeface="Arial"/>
+                <a:cs typeface="Arial"/>
+                <a:sym typeface="Arial"/>
+              </a:defRPr>
+            </a:lvl9pPr>
+          </a:lstStyle>
+          <a:p>
+            <a:pPr>
+              <a:spcBef>
+                <a:spcPts val="0"/>
+              </a:spcBef>
+              <a:buFont typeface="Arial"/>
+              <a:buChar char="●"/>
+            </a:pPr>
+            <a:r>
+              <a:rPr lang="en-US" dirty="0"/>
+              <a:t>Temporary Example:</a:t>
+            </a:r>
+          </a:p>
+          <a:p>
+            <a:pPr lvl="1">
+              <a:spcBef>
+                <a:spcPts val="0"/>
+              </a:spcBef>
+              <a:buFont typeface="Arial"/>
+              <a:buChar char="●"/>
+            </a:pPr>
+            <a:r>
+              <a:rPr lang="en-US" dirty="0"/>
+              <a:t>You broke your hand, so will have difficulty texting for a few months.</a:t>
+            </a:r>
+          </a:p>
+        </p:txBody>
+      </p:sp>
+      <p:sp>
+        <p:nvSpPr>
+          <p:cNvPr id="6" name="Text Placeholder 2">
+            <a:extLst>
+              <a:ext uri="{FF2B5EF4-FFF2-40B4-BE49-F238E27FC236}">
+                <a16:creationId xmlns:a16="http://schemas.microsoft.com/office/drawing/2014/main" id="{1A00697C-5BE4-4BE8-8E79-DB3327CAD64B}"/>
+              </a:ext>
+            </a:extLst>
+          </p:cNvPr>
+          <p:cNvSpPr txBox="1">
+            <a:spLocks/>
+          </p:cNvSpPr>
+          <p:nvPr/>
+        </p:nvSpPr>
+        <p:spPr>
+          <a:xfrm>
+            <a:off x="6908781" y="3407485"/>
+            <a:ext cx="4611581" cy="1527371"/>
+          </a:xfrm>
+          <a:prstGeom prst="rect">
+            <a:avLst/>
+          </a:prstGeom>
+          <a:noFill/>
+          <a:ln>
+            <a:noFill/>
+          </a:ln>
+        </p:spPr>
+        <p:txBody>
+          <a:bodyPr spcFirstLastPara="1" vert="horz" wrap="square" lIns="60500" tIns="60500" rIns="60500" bIns="60500" rtlCol="0" anchor="t" anchorCtr="0">
+            <a:noAutofit/>
+          </a:bodyPr>
+          <a:lstStyle>
+            <a:lvl1pPr marL="690875" marR="0" lvl="0" indent="-460583" algn="l" defTabSz="699614" rtl="0" eaLnBrk="1" latinLnBrk="0" hangingPunct="1">
+              <a:lnSpc>
+                <a:spcPct val="120000"/>
+              </a:lnSpc>
+              <a:spcBef>
+                <a:spcPts val="604"/>
+              </a:spcBef>
+              <a:spcAft>
+                <a:spcPts val="0"/>
+              </a:spcAft>
+              <a:buClr>
+                <a:srgbClr val="000000"/>
+              </a:buClr>
+              <a:buSzPts val="1200"/>
+              <a:buFont typeface="Arial"/>
+              <a:buChar char="•"/>
+              <a:defRPr sz="1813" b="0" i="0" u="none" strike="noStrike" kern="1200" cap="none">
+                <a:solidFill>
+                  <a:srgbClr val="000000"/>
+                </a:solidFill>
+                <a:latin typeface="Proxima Nova"/>
+                <a:ea typeface="Proxima Nova"/>
+                <a:cs typeface="Proxima Nova"/>
+                <a:sym typeface="Proxima Nova"/>
+              </a:defRPr>
+            </a:lvl1pPr>
+            <a:lvl2pPr marL="1381750" marR="0" lvl="1" indent="-450988" algn="l" defTabSz="699614" rtl="0" eaLnBrk="1" latinLnBrk="0" hangingPunct="1">
+              <a:lnSpc>
+                <a:spcPct val="120000"/>
+              </a:lnSpc>
+              <a:spcBef>
+                <a:spcPts val="604"/>
+              </a:spcBef>
+              <a:spcAft>
+                <a:spcPts val="0"/>
+              </a:spcAft>
+              <a:buClr>
+                <a:srgbClr val="000000"/>
+              </a:buClr>
+              <a:buSzPts val="1100"/>
+              <a:buFont typeface="Arial"/>
+              <a:buChar char="–"/>
+              <a:defRPr sz="1662" b="0" i="0" u="none" strike="noStrike" kern="1200" cap="none">
+                <a:solidFill>
+                  <a:srgbClr val="000000"/>
+                </a:solidFill>
+                <a:latin typeface="Proxima Nova"/>
+                <a:ea typeface="Proxima Nova"/>
+                <a:cs typeface="Proxima Nova"/>
+                <a:sym typeface="Proxima Nova"/>
+              </a:defRPr>
+            </a:lvl2pPr>
+            <a:lvl3pPr marL="2072625" marR="0" lvl="2" indent="-450988" algn="l" defTabSz="699614" rtl="0" eaLnBrk="1" latinLnBrk="0" hangingPunct="1">
+              <a:lnSpc>
+                <a:spcPct val="120000"/>
+              </a:lnSpc>
+              <a:spcBef>
+                <a:spcPts val="604"/>
+              </a:spcBef>
+              <a:spcAft>
+                <a:spcPts val="0"/>
+              </a:spcAft>
+              <a:buClr>
+                <a:srgbClr val="000000"/>
+              </a:buClr>
+              <a:buSzPts val="1100"/>
+              <a:buFont typeface="Arial"/>
+              <a:buChar char="•"/>
+              <a:defRPr sz="1662" b="0" i="0" u="none" strike="noStrike" kern="1200" cap="none">
+                <a:solidFill>
+                  <a:srgbClr val="000000"/>
+                </a:solidFill>
+                <a:latin typeface="Proxima Nova"/>
+                <a:ea typeface="Proxima Nova"/>
+                <a:cs typeface="Proxima Nova"/>
+                <a:sym typeface="Proxima Nova"/>
+              </a:defRPr>
+            </a:lvl3pPr>
+            <a:lvl4pPr marL="2763500" marR="0" lvl="3" indent="-450988" algn="l" defTabSz="699614" rtl="0" eaLnBrk="1" latinLnBrk="0" hangingPunct="1">
+              <a:lnSpc>
+                <a:spcPct val="120000"/>
+              </a:lnSpc>
+              <a:spcBef>
+                <a:spcPts val="604"/>
+              </a:spcBef>
+              <a:spcAft>
+                <a:spcPts val="0"/>
+              </a:spcAft>
+              <a:buClr>
+                <a:srgbClr val="000000"/>
+              </a:buClr>
+              <a:buSzPts val="1100"/>
+              <a:buFont typeface="Arial"/>
+              <a:buChar char="–"/>
+              <a:defRPr sz="1662" b="0" i="0" u="none" strike="noStrike" kern="1200" cap="none">
+                <a:solidFill>
+                  <a:srgbClr val="000000"/>
+                </a:solidFill>
+                <a:latin typeface="Proxima Nova"/>
+                <a:ea typeface="Proxima Nova"/>
+                <a:cs typeface="Proxima Nova"/>
+                <a:sym typeface="Proxima Nova"/>
+              </a:defRPr>
+            </a:lvl4pPr>
+            <a:lvl5pPr marL="3454375" marR="0" lvl="4" indent="-450988" algn="l" defTabSz="699614" rtl="0" eaLnBrk="1" latinLnBrk="0" hangingPunct="1">
+              <a:spcBef>
+                <a:spcPts val="604"/>
+              </a:spcBef>
+              <a:spcAft>
+                <a:spcPts val="0"/>
+              </a:spcAft>
+              <a:buClr>
+                <a:srgbClr val="000000"/>
+              </a:buClr>
+              <a:buSzPts val="1100"/>
+              <a:buFont typeface="Arial"/>
+              <a:buChar char="»"/>
+              <a:defRPr sz="1662" b="0" i="0" u="none" strike="noStrike" kern="1200" cap="none">
+                <a:solidFill>
+                  <a:srgbClr val="000000"/>
+                </a:solidFill>
+                <a:latin typeface="Source Sans Pro"/>
+                <a:ea typeface="Source Sans Pro"/>
+                <a:cs typeface="Source Sans Pro"/>
+                <a:sym typeface="Source Sans Pro"/>
+              </a:defRPr>
+            </a:lvl5pPr>
+            <a:lvl6pPr marL="4145250" marR="0" lvl="5" indent="-537347" algn="l" defTabSz="699614" rtl="0" eaLnBrk="1" latinLnBrk="0" hangingPunct="1">
+              <a:spcBef>
+                <a:spcPts val="604"/>
+              </a:spcBef>
+              <a:spcAft>
+                <a:spcPts val="0"/>
+              </a:spcAft>
+              <a:buClr>
+                <a:srgbClr val="000000"/>
+              </a:buClr>
+              <a:buSzPts val="2000"/>
+              <a:buFont typeface="Arial"/>
+              <a:buChar char="•"/>
+              <a:defRPr sz="3022" b="0" i="0" u="none" strike="noStrike" kern="1200" cap="none">
+                <a:solidFill>
+                  <a:srgbClr val="000000"/>
+                </a:solidFill>
+                <a:latin typeface="Arial"/>
+                <a:ea typeface="Arial"/>
+                <a:cs typeface="Arial"/>
+                <a:sym typeface="Arial"/>
+              </a:defRPr>
+            </a:lvl6pPr>
+            <a:lvl7pPr marL="4836124" marR="0" lvl="6" indent="-537347" algn="l" defTabSz="699614" rtl="0" eaLnBrk="1" latinLnBrk="0" hangingPunct="1">
+              <a:spcBef>
+                <a:spcPts val="604"/>
+              </a:spcBef>
+              <a:spcAft>
+                <a:spcPts val="0"/>
+              </a:spcAft>
+              <a:buClr>
+                <a:srgbClr val="000000"/>
+              </a:buClr>
+              <a:buSzPts val="2000"/>
+              <a:buFont typeface="Arial"/>
+              <a:buChar char="•"/>
+              <a:defRPr sz="3022" b="0" i="0" u="none" strike="noStrike" kern="1200" cap="none">
+                <a:solidFill>
+                  <a:srgbClr val="000000"/>
+                </a:solidFill>
+                <a:latin typeface="Arial"/>
+                <a:ea typeface="Arial"/>
+                <a:cs typeface="Arial"/>
+                <a:sym typeface="Arial"/>
+              </a:defRPr>
+            </a:lvl7pPr>
+            <a:lvl8pPr marL="5526999" marR="0" lvl="7" indent="-537347" algn="l" defTabSz="699614" rtl="0" eaLnBrk="1" latinLnBrk="0" hangingPunct="1">
+              <a:spcBef>
+                <a:spcPts val="604"/>
+              </a:spcBef>
+              <a:spcAft>
+                <a:spcPts val="0"/>
+              </a:spcAft>
+              <a:buClr>
+                <a:srgbClr val="000000"/>
+              </a:buClr>
+              <a:buSzPts val="2000"/>
+              <a:buFont typeface="Arial"/>
+              <a:buChar char="•"/>
+              <a:defRPr sz="3022" b="0" i="0" u="none" strike="noStrike" kern="1200" cap="none">
+                <a:solidFill>
+                  <a:srgbClr val="000000"/>
+                </a:solidFill>
+                <a:latin typeface="Arial"/>
+                <a:ea typeface="Arial"/>
+                <a:cs typeface="Arial"/>
+                <a:sym typeface="Arial"/>
+              </a:defRPr>
+            </a:lvl8pPr>
+            <a:lvl9pPr marL="6217874" marR="0" lvl="8" indent="-537347" algn="l" defTabSz="699614" rtl="0" eaLnBrk="1" latinLnBrk="0" hangingPunct="1">
+              <a:spcBef>
+                <a:spcPts val="604"/>
+              </a:spcBef>
+              <a:spcAft>
+                <a:spcPts val="0"/>
+              </a:spcAft>
+              <a:buClr>
+                <a:srgbClr val="000000"/>
+              </a:buClr>
+              <a:buSzPts val="2000"/>
+              <a:buFont typeface="Arial"/>
+              <a:buChar char="•"/>
+              <a:defRPr sz="3022" b="0" i="0" u="none" strike="noStrike" kern="1200" cap="none">
+                <a:solidFill>
+                  <a:srgbClr val="000000"/>
+                </a:solidFill>
+                <a:latin typeface="Arial"/>
+                <a:ea typeface="Arial"/>
+                <a:cs typeface="Arial"/>
+                <a:sym typeface="Arial"/>
+              </a:defRPr>
+            </a:lvl9pPr>
+          </a:lstStyle>
+          <a:p>
+            <a:pPr>
+              <a:spcBef>
+                <a:spcPts val="0"/>
+              </a:spcBef>
+              <a:buFont typeface="Arial"/>
+              <a:buChar char="●"/>
+            </a:pPr>
+            <a:r>
+              <a:rPr lang="en-US" dirty="0"/>
+              <a:t>Permanent Example:</a:t>
+            </a:r>
+          </a:p>
+          <a:p>
+            <a:pPr lvl="1">
+              <a:spcBef>
+                <a:spcPts val="0"/>
+              </a:spcBef>
+              <a:buFont typeface="Arial"/>
+              <a:buChar char="●"/>
+            </a:pPr>
+            <a:r>
+              <a:rPr lang="en-US" dirty="0"/>
+              <a:t>You got in a car wreck from texting and driving and are paralyzed from the neck down. (also, don’t text and drive!)</a:t>
+            </a:r>
+          </a:p>
+        </p:txBody>
+      </p:sp>
+      <p:sp>
+        <p:nvSpPr>
+          <p:cNvPr id="7" name="TextBox 6">
+            <a:extLst>
+              <a:ext uri="{FF2B5EF4-FFF2-40B4-BE49-F238E27FC236}">
+                <a16:creationId xmlns:a16="http://schemas.microsoft.com/office/drawing/2014/main" id="{E21D6C38-D188-4463-A80B-69E9379B5170}"/>
+              </a:ext>
+            </a:extLst>
+          </p:cNvPr>
+          <p:cNvSpPr txBox="1"/>
+          <p:nvPr/>
+        </p:nvSpPr>
+        <p:spPr>
+          <a:xfrm>
+            <a:off x="3715638" y="5741367"/>
+            <a:ext cx="6386286" cy="400110"/>
+          </a:xfrm>
+          <a:prstGeom prst="rect">
+            <a:avLst/>
+          </a:prstGeom>
+          <a:noFill/>
+        </p:spPr>
+        <p:txBody>
+          <a:bodyPr wrap="square" rtlCol="0">
+            <a:spAutoFit/>
+          </a:bodyPr>
+          <a:lstStyle/>
+          <a:p>
+            <a:r>
+              <a:rPr lang="en-US" dirty="0"/>
+              <a:t>What are some examples you can think of?</a:t>
+            </a:r>
+          </a:p>
+        </p:txBody>
+      </p:sp>
+    </p:spTree>
+    <p:extLst>
+      <p:ext uri="{BB962C8B-B14F-4D97-AF65-F5344CB8AC3E}">
+        <p14:creationId xmlns:p14="http://schemas.microsoft.com/office/powerpoint/2010/main" val="3257289446"/>
+      </p:ext>
+    </p:extLst>
+  </p:cSld>
+  <p:clrMapOvr>
+    <a:masterClrMapping/>
+  </p:clrMapOvr>
+  <p:transition>
+    <p:fade/>
+  </p:transition>
+  <p:timing>
+    <p:tnLst>
+      <p:par>
+        <p:cTn id="1" dur="indefinite" restart="never" nodeType="tmRoot">
+          <p:childTnLst>
+            <p:seq concurrent="1" nextAc="seek">
+              <p:cTn id="2" dur="indefinite" nodeType="mainSeq">
+                <p:childTnLst>
+                  <p:par>
+                    <p:cTn id="3" fill="hold">
+                      <p:stCondLst>
+                        <p:cond delay="indefinite"/>
+                      </p:stCondLst>
+                      <p:childTnLst>
+                        <p:par>
+                          <p:cTn id="4" fill="hold">
+                            <p:stCondLst>
+                              <p:cond delay="0"/>
+                            </p:stCondLst>
+                            <p:childTnLst>
+                              <p:par>
+                                <p:cTn id="5" presetID="10" presetClass="entr" presetSubtype="0" fill="hold" grpId="0" nodeType="clickEffect">
+                                  <p:stCondLst>
+                                    <p:cond delay="0"/>
+                                  </p:stCondLst>
+                                  <p:childTnLst>
+                                    <p:set>
+                                      <p:cBhvr>
+                                        <p:cTn id="6" dur="1" fill="hold">
+                                          <p:stCondLst>
+                                            <p:cond delay="0"/>
+                                          </p:stCondLst>
+                                        </p:cTn>
+                                        <p:tgtEl>
+                                          <p:spTgt spid="4"/>
+                                        </p:tgtEl>
+                                        <p:attrNameLst>
+                                          <p:attrName>style.visibility</p:attrName>
+                                        </p:attrNameLst>
+                                      </p:cBhvr>
+                                      <p:to>
+                                        <p:strVal val="visible"/>
+                                      </p:to>
+                                    </p:set>
+                                    <p:animEffect transition="in" filter="fade">
+                                      <p:cBhvr>
+                                        <p:cTn id="7" dur="500"/>
+                                        <p:tgtEl>
+                                          <p:spTgt spid="4"/>
+                                        </p:tgtEl>
+                                      </p:cBhvr>
+                                    </p:animEffect>
+                                  </p:childTnLst>
+                                </p:cTn>
+                              </p:par>
+                            </p:childTnLst>
+                          </p:cTn>
+                        </p:par>
+                      </p:childTnLst>
+                    </p:cTn>
+                  </p:par>
+                  <p:par>
+                    <p:cTn id="8" fill="hold">
+                      <p:stCondLst>
+                        <p:cond delay="indefinite"/>
+                      </p:stCondLst>
+                      <p:childTnLst>
+                        <p:par>
+                          <p:cTn id="9" fill="hold">
+                            <p:stCondLst>
+                              <p:cond delay="0"/>
+                            </p:stCondLst>
+                            <p:childTnLst>
+                              <p:par>
+                                <p:cTn id="10" presetID="10" presetClass="entr" presetSubtype="0" fill="hold" grpId="0" nodeType="clickEffect">
+                                  <p:stCondLst>
+                                    <p:cond delay="0"/>
+                                  </p:stCondLst>
+                                  <p:childTnLst>
+                                    <p:set>
+                                      <p:cBhvr>
+                                        <p:cTn id="11" dur="1" fill="hold">
+                                          <p:stCondLst>
+                                            <p:cond delay="0"/>
+                                          </p:stCondLst>
+                                        </p:cTn>
+                                        <p:tgtEl>
+                                          <p:spTgt spid="5"/>
+                                        </p:tgtEl>
+                                        <p:attrNameLst>
+                                          <p:attrName>style.visibility</p:attrName>
+                                        </p:attrNameLst>
+                                      </p:cBhvr>
+                                      <p:to>
+                                        <p:strVal val="visible"/>
+                                      </p:to>
+                                    </p:set>
+                                    <p:animEffect transition="in" filter="fade">
+                                      <p:cBhvr>
+                                        <p:cTn id="12" dur="500"/>
+                                        <p:tgtEl>
+                                          <p:spTgt spid="5"/>
+                                        </p:tgtEl>
+                                      </p:cBhvr>
+                                    </p:animEffect>
+                                  </p:childTnLst>
+                                </p:cTn>
+                              </p:par>
+                            </p:childTnLst>
+                          </p:cTn>
+                        </p:par>
+                      </p:childTnLst>
+                    </p:cTn>
+                  </p:par>
+                  <p:par>
+                    <p:cTn id="13" fill="hold">
+                      <p:stCondLst>
+                        <p:cond delay="indefinite"/>
+                      </p:stCondLst>
+                      <p:childTnLst>
+                        <p:par>
+                          <p:cTn id="14" fill="hold">
+                            <p:stCondLst>
+                              <p:cond delay="0"/>
+                            </p:stCondLst>
+                            <p:childTnLst>
+                              <p:par>
+                                <p:cTn id="15" presetID="10" presetClass="entr" presetSubtype="0" fill="hold" grpId="0" nodeType="clickEffect">
+                                  <p:stCondLst>
+                                    <p:cond delay="0"/>
+                                  </p:stCondLst>
+                                  <p:childTnLst>
+                                    <p:set>
+                                      <p:cBhvr>
+                                        <p:cTn id="16" dur="1" fill="hold">
+                                          <p:stCondLst>
+                                            <p:cond delay="0"/>
+                                          </p:stCondLst>
+                                        </p:cTn>
+                                        <p:tgtEl>
+                                          <p:spTgt spid="6"/>
+                                        </p:tgtEl>
+                                        <p:attrNameLst>
+                                          <p:attrName>style.visibility</p:attrName>
+                                        </p:attrNameLst>
+                                      </p:cBhvr>
+                                      <p:to>
+                                        <p:strVal val="visible"/>
+                                      </p:to>
+                                    </p:set>
+                                    <p:animEffect transition="in" filter="fade">
+                                      <p:cBhvr>
+                                        <p:cTn id="17" dur="500"/>
+                                        <p:tgtEl>
+                                          <p:spTgt spid="6"/>
+                                        </p:tgtEl>
+                                      </p:cBhvr>
+                                    </p:animEffect>
+                                  </p:childTnLst>
+                                </p:cTn>
+                              </p:par>
+                            </p:childTnLst>
+                          </p:cTn>
+                        </p:par>
+                      </p:childTnLst>
+                    </p:cTn>
+                  </p:par>
+                  <p:par>
+                    <p:cTn id="18" fill="hold">
+                      <p:stCondLst>
+                        <p:cond delay="indefinite"/>
+                      </p:stCondLst>
+                      <p:childTnLst>
+                        <p:par>
+                          <p:cTn id="19" fill="hold">
+                            <p:stCondLst>
+                              <p:cond delay="0"/>
+                            </p:stCondLst>
+                            <p:childTnLst>
+                              <p:par>
+                                <p:cTn id="20" presetID="1" presetClass="entr" presetSubtype="0" fill="hold" grpId="0" nodeType="clickEffect">
+                                  <p:stCondLst>
+                                    <p:cond delay="0"/>
+                                  </p:stCondLst>
+                                  <p:childTnLst>
+                                    <p:set>
+                                      <p:cBhvr>
+                                        <p:cTn id="21" dur="1" fill="hold">
+                                          <p:stCondLst>
+                                            <p:cond delay="0"/>
+                                          </p:stCondLst>
+                                        </p:cTn>
+                                        <p:tgtEl>
+                                          <p:spTgt spid="7"/>
+                                        </p:tgtEl>
+                                        <p:attrNameLst>
+                                          <p:attrName>style.visibility</p:attrName>
+                                        </p:attrNameLst>
+                                      </p:cBhvr>
+                                      <p:to>
+                                        <p:strVal val="visible"/>
+                                      </p:to>
+                                    </p:set>
+                                  </p:childTnLst>
+                                </p:cTn>
+                              </p:par>
+                            </p:childTnLst>
+                          </p:cTn>
+                        </p:par>
+                      </p:childTnLst>
+                    </p:cTn>
+                  </p:par>
+                </p:childTnLst>
+              </p:cTn>
+              <p:prevCondLst>
+                <p:cond evt="onPrev" delay="0">
+                  <p:tgtEl>
+                    <p:sldTgt/>
+                  </p:tgtEl>
+                </p:cond>
+              </p:prevCondLst>
+              <p:nextCondLst>
+                <p:cond evt="onNext" delay="0">
+                  <p:tgtEl>
+                    <p:sldTgt/>
+                  </p:tgtEl>
+                </p:cond>
+              </p:nextCondLst>
+            </p:seq>
+          </p:childTnLst>
+        </p:cTn>
+      </p:par>
+    </p:tnLst>
+    <p:bldLst>
+      <p:bldP spid="4" grpId="0"/>
+      <p:bldP spid="5" grpId="0"/>
+      <p:bldP spid="6" grpId="0"/>
+      <p:bldP spid="7" grpId="0"/>
+    </p:bldLst>
+  </p:timing>
+</p:sld>
+</file>
+
+<file path=ppt/slides/slide5.xml><?xml version="1.0" encoding="utf-8"?>
 <p:sld xmlns:a="http://schemas.openxmlformats.org/drawingml/2006/main" xmlns:r="http://schemas.openxmlformats.org/officeDocument/2006/relationships" xmlns:p="http://schemas.openxmlformats.org/presentationml/2006/main">
   <p:cSld>
     <p:spTree>
@@ -7906,7 +12167,962 @@
 </p:sld>
 </file>
 
-<file path=ppt/slides/slide4.xml><?xml version="1.0" encoding="utf-8"?>
+<file path=ppt/slides/slide6.xml><?xml version="1.0" encoding="utf-8"?>
+<p:sld xmlns:a="http://schemas.openxmlformats.org/drawingml/2006/main" xmlns:r="http://schemas.openxmlformats.org/officeDocument/2006/relationships" xmlns:p="http://schemas.openxmlformats.org/presentationml/2006/main">
+  <p:cSld>
+    <p:spTree>
+      <p:nvGrpSpPr>
+        <p:cNvPr id="1" name=""/>
+        <p:cNvGrpSpPr/>
+        <p:nvPr/>
+      </p:nvGrpSpPr>
+      <p:grpSpPr>
+        <a:xfrm>
+          <a:off x="0" y="0"/>
+          <a:ext cx="0" cy="0"/>
+          <a:chOff x="0" y="0"/>
+          <a:chExt cx="0" cy="0"/>
+        </a:xfrm>
+      </p:grpSpPr>
+      <p:sp>
+        <p:nvSpPr>
+          <p:cNvPr id="4" name="Title 3">
+            <a:extLst>
+              <a:ext uri="{FF2B5EF4-FFF2-40B4-BE49-F238E27FC236}">
+                <a16:creationId xmlns:a16="http://schemas.microsoft.com/office/drawing/2014/main" id="{480F708C-DCF1-49A2-AFF0-1009ED6D3045}"/>
+              </a:ext>
+            </a:extLst>
+          </p:cNvPr>
+          <p:cNvSpPr>
+            <a:spLocks noGrp="1"/>
+          </p:cNvSpPr>
+          <p:nvPr>
+            <p:ph type="title"/>
+          </p:nvPr>
+        </p:nvSpPr>
+        <p:spPr/>
+        <p:txBody>
+          <a:bodyPr/>
+          <a:lstStyle/>
+          <a:p>
+            <a:r>
+              <a:rPr lang="en-US" dirty="0"/>
+              <a:t>Reading Checking</a:t>
+            </a:r>
+          </a:p>
+        </p:txBody>
+      </p:sp>
+      <p:sp>
+        <p:nvSpPr>
+          <p:cNvPr id="5" name="Text Placeholder 4">
+            <a:extLst>
+              <a:ext uri="{FF2B5EF4-FFF2-40B4-BE49-F238E27FC236}">
+                <a16:creationId xmlns:a16="http://schemas.microsoft.com/office/drawing/2014/main" id="{FBF0C43F-3B9D-44B7-B267-3D5126E16B4E}"/>
+              </a:ext>
+            </a:extLst>
+          </p:cNvPr>
+          <p:cNvSpPr>
+            <a:spLocks noGrp="1"/>
+          </p:cNvSpPr>
+          <p:nvPr>
+            <p:ph type="body" sz="quarter" idx="10"/>
+          </p:nvPr>
+        </p:nvSpPr>
+        <p:spPr>
+          <a:xfrm>
+            <a:off x="7393412" y="1776683"/>
+            <a:ext cx="5796116" cy="1015663"/>
+          </a:xfrm>
+        </p:spPr>
+        <p:txBody>
+          <a:bodyPr/>
+          <a:lstStyle/>
+          <a:p>
+            <a:r>
+              <a:rPr lang="en-US" dirty="0"/>
+              <a:t>Given the lists to the left. Answer the following questions as they appear</a:t>
+            </a:r>
+          </a:p>
+          <a:p>
+            <a:endParaRPr lang="en-US" dirty="0"/>
+          </a:p>
+          <a:p>
+            <a:endParaRPr lang="en-US" dirty="0"/>
+          </a:p>
+        </p:txBody>
+      </p:sp>
+      <p:sp>
+        <p:nvSpPr>
+          <p:cNvPr id="6" name="Rectangle 1">
+            <a:extLst>
+              <a:ext uri="{FF2B5EF4-FFF2-40B4-BE49-F238E27FC236}">
+                <a16:creationId xmlns:a16="http://schemas.microsoft.com/office/drawing/2014/main" id="{B1FDF118-4B2F-4D5A-8CDA-2E144770F86D}"/>
+              </a:ext>
+            </a:extLst>
+          </p:cNvPr>
+          <p:cNvSpPr>
+            <a:spLocks noChangeArrowheads="1"/>
+          </p:cNvSpPr>
+          <p:nvPr/>
+        </p:nvSpPr>
+        <p:spPr bwMode="auto">
+          <a:xfrm>
+            <a:off x="825909" y="1924868"/>
+            <a:ext cx="5796116" cy="1077218"/>
+          </a:xfrm>
+          <a:prstGeom prst="rect">
+            <a:avLst/>
+          </a:prstGeom>
+          <a:noFill/>
+          <a:ln>
+            <a:noFill/>
+          </a:ln>
+          <a:effectLst/>
+          <a:extLst>
+            <a:ext uri="{909E8E84-426E-40DD-AFC4-6F175D3DCCD1}">
+              <a14:hiddenFill xmlns:a14="http://schemas.microsoft.com/office/drawing/2010/main">
+                <a:solidFill>
+                  <a:schemeClr val="accent1"/>
+                </a:solidFill>
+              </a14:hiddenFill>
+            </a:ext>
+            <a:ext uri="{91240B29-F687-4F45-9708-019B960494DF}">
+              <a14:hiddenLine xmlns:a14="http://schemas.microsoft.com/office/drawing/2010/main" w="9525">
+                <a:solidFill>
+                  <a:schemeClr val="tx1"/>
+                </a:solidFill>
+                <a:miter lim="800000"/>
+                <a:headEnd/>
+                <a:tailEnd/>
+              </a14:hiddenLine>
+            </a:ext>
+            <a:ext uri="{AF507438-7753-43E0-B8FC-AC1667EBCBE1}">
+              <a14:hiddenEffects xmlns:a14="http://schemas.microsoft.com/office/drawing/2010/main">
+                <a:effectLst>
+                  <a:outerShdw dist="35921" dir="2700000" algn="ctr" rotWithShape="0">
+                    <a:schemeClr val="bg2"/>
+                  </a:outerShdw>
+                </a:effectLst>
+              </a14:hiddenEffects>
+            </a:ext>
+          </a:extLst>
+        </p:spPr>
+        <p:txBody>
+          <a:bodyPr vert="horz" wrap="square" lIns="91440" tIns="45720" rIns="91440" bIns="45720" numCol="1" anchor="ctr" anchorCtr="0" compatLnSpc="1">
+            <a:prstTxWarp prst="textNoShape">
+              <a:avLst/>
+            </a:prstTxWarp>
+            <a:spAutoFit/>
+          </a:bodyPr>
+          <a:lstStyle/>
+          <a:p>
+            <a:pPr marL="0" marR="0" lvl="0" indent="0" algn="l" defTabSz="914400" rtl="0" eaLnBrk="0" fontAlgn="base" latinLnBrk="0" hangingPunct="0">
+              <a:lnSpc>
+                <a:spcPct val="100000"/>
+              </a:lnSpc>
+              <a:spcBef>
+                <a:spcPct val="0"/>
+              </a:spcBef>
+              <a:spcAft>
+                <a:spcPct val="0"/>
+              </a:spcAft>
+              <a:buClrTx/>
+              <a:buSzTx/>
+              <a:buFontTx/>
+              <a:buNone/>
+              <a:tabLst/>
+            </a:pPr>
+            <a:r>
+              <a:rPr kumimoji="0" lang="en-US" altLang="en-US" sz="1600" b="0" i="0" u="none" strike="noStrike" cap="none" normalizeH="0" baseline="0" dirty="0" err="1">
+                <a:ln>
+                  <a:noFill/>
+                </a:ln>
+                <a:solidFill>
+                  <a:schemeClr val="tx1"/>
+                </a:solidFill>
+                <a:effectLst/>
+                <a:latin typeface="Consolas" panose="020B0609020204030204" pitchFamily="49" charset="0"/>
+              </a:rPr>
+              <a:t>powerball</a:t>
+            </a:r>
+            <a:r>
+              <a:rPr kumimoji="0" lang="en-US" altLang="en-US" sz="1600" b="0" i="0" u="none" strike="noStrike" cap="none" normalizeH="0" baseline="0" dirty="0">
+                <a:ln>
+                  <a:noFill/>
+                </a:ln>
+                <a:solidFill>
+                  <a:schemeClr val="tx1"/>
+                </a:solidFill>
+                <a:effectLst/>
+                <a:latin typeface="Consolas" panose="020B0609020204030204" pitchFamily="49" charset="0"/>
+              </a:rPr>
+              <a:t> = [4, 22, 35, 38, 39, 20, 2]</a:t>
+            </a:r>
+            <a:br>
+              <a:rPr kumimoji="0" lang="en-US" altLang="en-US" sz="1600" b="0" i="0" u="none" strike="noStrike" cap="none" normalizeH="0" baseline="0" dirty="0">
+                <a:ln>
+                  <a:noFill/>
+                </a:ln>
+                <a:solidFill>
+                  <a:schemeClr val="tx1"/>
+                </a:solidFill>
+                <a:effectLst/>
+                <a:latin typeface="Consolas" panose="020B0609020204030204" pitchFamily="49" charset="0"/>
+              </a:rPr>
+            </a:br>
+            <a:r>
+              <a:rPr kumimoji="0" lang="en-US" altLang="en-US" sz="1600" b="0" i="0" u="none" strike="noStrike" cap="none" normalizeH="0" baseline="0" dirty="0">
+                <a:ln>
+                  <a:noFill/>
+                </a:ln>
+                <a:solidFill>
+                  <a:schemeClr val="tx1"/>
+                </a:solidFill>
+                <a:effectLst/>
+                <a:latin typeface="Consolas" panose="020B0609020204030204" pitchFamily="49" charset="0"/>
+              </a:rPr>
+              <a:t>mega = [1, 26, 48, 51, 59, 25, 2] </a:t>
+            </a:r>
+            <a:br>
+              <a:rPr kumimoji="0" lang="en-US" altLang="en-US" sz="1600" b="0" i="0" u="none" strike="noStrike" cap="none" normalizeH="0" baseline="0" dirty="0">
+                <a:ln>
+                  <a:noFill/>
+                </a:ln>
+                <a:solidFill>
+                  <a:schemeClr val="tx1"/>
+                </a:solidFill>
+                <a:effectLst/>
+                <a:latin typeface="Consolas" panose="020B0609020204030204" pitchFamily="49" charset="0"/>
+              </a:rPr>
+            </a:br>
+            <a:r>
+              <a:rPr kumimoji="0" lang="en-US" altLang="en-US" sz="1600" b="0" i="0" u="none" strike="noStrike" cap="none" normalizeH="0" baseline="0" dirty="0">
+                <a:ln>
+                  <a:noFill/>
+                </a:ln>
+                <a:solidFill>
+                  <a:schemeClr val="tx1"/>
+                </a:solidFill>
+                <a:effectLst/>
+                <a:latin typeface="Consolas" panose="020B0609020204030204" pitchFamily="49" charset="0"/>
+              </a:rPr>
+              <a:t>lucky = [22, 28, 33, 38, 43, 17]</a:t>
+            </a:r>
+            <a:br>
+              <a:rPr kumimoji="0" lang="en-US" altLang="en-US" sz="1600" b="0" i="0" u="none" strike="noStrike" cap="none" normalizeH="0" baseline="0" dirty="0">
+                <a:ln>
+                  <a:noFill/>
+                </a:ln>
+                <a:solidFill>
+                  <a:schemeClr val="tx1"/>
+                </a:solidFill>
+                <a:effectLst/>
+                <a:latin typeface="Consolas" panose="020B0609020204030204" pitchFamily="49" charset="0"/>
+              </a:rPr>
+            </a:br>
+            <a:r>
+              <a:rPr kumimoji="0" lang="en-US" altLang="en-US" sz="1600" b="0" i="0" u="none" strike="noStrike" cap="none" normalizeH="0" baseline="0" dirty="0">
+                <a:ln>
+                  <a:noFill/>
+                </a:ln>
+                <a:solidFill>
+                  <a:schemeClr val="tx1"/>
+                </a:solidFill>
+                <a:effectLst/>
+                <a:latin typeface="Consolas" panose="020B0609020204030204" pitchFamily="49" charset="0"/>
+              </a:rPr>
+              <a:t>lotto = [9, 16, 22, 31, 33, 40]</a:t>
+            </a:r>
+          </a:p>
+        </p:txBody>
+      </p:sp>
+      <p:sp>
+        <p:nvSpPr>
+          <p:cNvPr id="7" name="Text Placeholder 4">
+            <a:extLst>
+              <a:ext uri="{FF2B5EF4-FFF2-40B4-BE49-F238E27FC236}">
+                <a16:creationId xmlns:a16="http://schemas.microsoft.com/office/drawing/2014/main" id="{BFF6315C-E4C7-439C-8A1D-819456793E9A}"/>
+              </a:ext>
+            </a:extLst>
+          </p:cNvPr>
+          <p:cNvSpPr txBox="1">
+            <a:spLocks/>
+          </p:cNvSpPr>
+          <p:nvPr/>
+        </p:nvSpPr>
+        <p:spPr>
+          <a:xfrm>
+            <a:off x="7393412" y="3002086"/>
+            <a:ext cx="5796116" cy="3171381"/>
+          </a:xfrm>
+          <a:prstGeom prst="rect">
+            <a:avLst/>
+          </a:prstGeom>
+        </p:spPr>
+        <p:txBody>
+          <a:bodyPr vert="horz" lIns="91440" tIns="91440" rIns="91440" bIns="91440" rtlCol="0">
+            <a:spAutoFit/>
+          </a:bodyPr>
+          <a:lstStyle>
+            <a:lvl1pPr marL="524712" indent="-524712" algn="l" defTabSz="699614" rtl="0" eaLnBrk="1" latinLnBrk="0" hangingPunct="1">
+              <a:lnSpc>
+                <a:spcPct val="120000"/>
+              </a:lnSpc>
+              <a:spcBef>
+                <a:spcPts val="600"/>
+              </a:spcBef>
+              <a:spcAft>
+                <a:spcPts val="600"/>
+              </a:spcAft>
+              <a:buFont typeface="Arial"/>
+              <a:buChar char="•"/>
+              <a:defRPr sz="1800" b="0" i="0" kern="1200">
+                <a:solidFill>
+                  <a:srgbClr val="092529"/>
+                </a:solidFill>
+                <a:latin typeface="Proxima Nova" charset="0"/>
+                <a:ea typeface="Proxima Nova" charset="0"/>
+                <a:cs typeface="Proxima Nova" charset="0"/>
+              </a:defRPr>
+            </a:lvl1pPr>
+            <a:lvl2pPr marL="1136875" indent="-437261" algn="l" defTabSz="699614" rtl="0" eaLnBrk="1" latinLnBrk="0" hangingPunct="1">
+              <a:lnSpc>
+                <a:spcPct val="120000"/>
+              </a:lnSpc>
+              <a:spcBef>
+                <a:spcPts val="0"/>
+              </a:spcBef>
+              <a:spcAft>
+                <a:spcPts val="600"/>
+              </a:spcAft>
+              <a:buFont typeface="Arial"/>
+              <a:buChar char="–"/>
+              <a:defRPr sz="1600" b="0" i="0" kern="1200">
+                <a:solidFill>
+                  <a:srgbClr val="092529"/>
+                </a:solidFill>
+                <a:latin typeface="Proxima Nova" charset="0"/>
+                <a:ea typeface="Proxima Nova" charset="0"/>
+                <a:cs typeface="Proxima Nova" charset="0"/>
+              </a:defRPr>
+            </a:lvl2pPr>
+            <a:lvl3pPr marL="1749040" indent="-349807" algn="l" defTabSz="699614" rtl="0" eaLnBrk="1" latinLnBrk="0" hangingPunct="1">
+              <a:lnSpc>
+                <a:spcPct val="120000"/>
+              </a:lnSpc>
+              <a:spcBef>
+                <a:spcPts val="0"/>
+              </a:spcBef>
+              <a:spcAft>
+                <a:spcPts val="600"/>
+              </a:spcAft>
+              <a:buFont typeface="Arial"/>
+              <a:buChar char="•"/>
+              <a:defRPr sz="1600" b="0" i="0" kern="1200">
+                <a:solidFill>
+                  <a:srgbClr val="092529"/>
+                </a:solidFill>
+                <a:latin typeface="Proxima Nova" charset="0"/>
+                <a:ea typeface="Proxima Nova" charset="0"/>
+                <a:cs typeface="Proxima Nova" charset="0"/>
+              </a:defRPr>
+            </a:lvl3pPr>
+            <a:lvl4pPr marL="2448655" indent="-349807" algn="l" defTabSz="699614" rtl="0" eaLnBrk="1" latinLnBrk="0" hangingPunct="1">
+              <a:lnSpc>
+                <a:spcPct val="120000"/>
+              </a:lnSpc>
+              <a:spcBef>
+                <a:spcPts val="0"/>
+              </a:spcBef>
+              <a:spcAft>
+                <a:spcPts val="600"/>
+              </a:spcAft>
+              <a:buFont typeface="Arial"/>
+              <a:buChar char="–"/>
+              <a:defRPr sz="1600" b="0" i="0" kern="1200">
+                <a:solidFill>
+                  <a:srgbClr val="092529"/>
+                </a:solidFill>
+                <a:latin typeface="Proxima Nova" charset="0"/>
+                <a:ea typeface="Proxima Nova" charset="0"/>
+                <a:cs typeface="Proxima Nova" charset="0"/>
+              </a:defRPr>
+            </a:lvl4pPr>
+            <a:lvl5pPr marL="3148272" indent="-349807" algn="l" defTabSz="699614" rtl="0" eaLnBrk="1" latinLnBrk="0" hangingPunct="1">
+              <a:spcBef>
+                <a:spcPct val="20000"/>
+              </a:spcBef>
+              <a:buFont typeface="Arial"/>
+              <a:buChar char="»"/>
+              <a:defRPr sz="1648" b="0" kern="1200">
+                <a:solidFill>
+                  <a:srgbClr val="092529"/>
+                </a:solidFill>
+                <a:latin typeface="Franklin Gothic Book" charset="0"/>
+                <a:ea typeface="Franklin Gothic Book" charset="0"/>
+                <a:cs typeface="Franklin Gothic Book" charset="0"/>
+              </a:defRPr>
+            </a:lvl5pPr>
+            <a:lvl6pPr marL="3847888" indent="-349807" algn="l" defTabSz="699614" rtl="0" eaLnBrk="1" latinLnBrk="0" hangingPunct="1">
+              <a:spcBef>
+                <a:spcPct val="20000"/>
+              </a:spcBef>
+              <a:buFont typeface="Arial"/>
+              <a:buChar char="•"/>
+              <a:defRPr sz="3022" kern="1200">
+                <a:solidFill>
+                  <a:schemeClr val="tx1"/>
+                </a:solidFill>
+                <a:latin typeface="+mn-lt"/>
+                <a:ea typeface="+mn-ea"/>
+                <a:cs typeface="+mn-cs"/>
+              </a:defRPr>
+            </a:lvl6pPr>
+            <a:lvl7pPr marL="4547505" indent="-349807" algn="l" defTabSz="699614" rtl="0" eaLnBrk="1" latinLnBrk="0" hangingPunct="1">
+              <a:spcBef>
+                <a:spcPct val="20000"/>
+              </a:spcBef>
+              <a:buFont typeface="Arial"/>
+              <a:buChar char="•"/>
+              <a:defRPr sz="3022" kern="1200">
+                <a:solidFill>
+                  <a:schemeClr val="tx1"/>
+                </a:solidFill>
+                <a:latin typeface="+mn-lt"/>
+                <a:ea typeface="+mn-ea"/>
+                <a:cs typeface="+mn-cs"/>
+              </a:defRPr>
+            </a:lvl7pPr>
+            <a:lvl8pPr marL="5247119" indent="-349807" algn="l" defTabSz="699614" rtl="0" eaLnBrk="1" latinLnBrk="0" hangingPunct="1">
+              <a:spcBef>
+                <a:spcPct val="20000"/>
+              </a:spcBef>
+              <a:buFont typeface="Arial"/>
+              <a:buChar char="•"/>
+              <a:defRPr sz="3022" kern="1200">
+                <a:solidFill>
+                  <a:schemeClr val="tx1"/>
+                </a:solidFill>
+                <a:latin typeface="+mn-lt"/>
+                <a:ea typeface="+mn-ea"/>
+                <a:cs typeface="+mn-cs"/>
+              </a:defRPr>
+            </a:lvl8pPr>
+            <a:lvl9pPr marL="5946736" indent="-349807" algn="l" defTabSz="699614" rtl="0" eaLnBrk="1" latinLnBrk="0" hangingPunct="1">
+              <a:spcBef>
+                <a:spcPct val="20000"/>
+              </a:spcBef>
+              <a:buFont typeface="Arial"/>
+              <a:buChar char="•"/>
+              <a:defRPr sz="3022" kern="1200">
+                <a:solidFill>
+                  <a:schemeClr val="tx1"/>
+                </a:solidFill>
+                <a:latin typeface="+mn-lt"/>
+                <a:ea typeface="+mn-ea"/>
+                <a:cs typeface="+mn-cs"/>
+              </a:defRPr>
+            </a:lvl9pPr>
+          </a:lstStyle>
+          <a:p>
+            <a:r>
+              <a:rPr lang="en-US" dirty="0" err="1">
+                <a:latin typeface="Consolas" panose="020B0609020204030204" pitchFamily="49" charset="0"/>
+              </a:rPr>
+              <a:t>len</a:t>
+            </a:r>
+            <a:r>
+              <a:rPr lang="en-US" dirty="0">
+                <a:latin typeface="Consolas" panose="020B0609020204030204" pitchFamily="49" charset="0"/>
+              </a:rPr>
+              <a:t>(mega)</a:t>
+            </a:r>
+          </a:p>
+          <a:p>
+            <a:pPr lvl="1"/>
+            <a:r>
+              <a:rPr lang="en-US" dirty="0"/>
+              <a:t>7</a:t>
+            </a:r>
+          </a:p>
+          <a:p>
+            <a:r>
+              <a:rPr lang="en-US" dirty="0">
+                <a:latin typeface="Consolas" panose="020B0609020204030204" pitchFamily="49" charset="0"/>
+              </a:rPr>
+              <a:t>min(</a:t>
+            </a:r>
+            <a:r>
+              <a:rPr lang="en-US" dirty="0" err="1">
+                <a:latin typeface="Consolas" panose="020B0609020204030204" pitchFamily="49" charset="0"/>
+              </a:rPr>
+              <a:t>powerball</a:t>
+            </a:r>
+            <a:r>
+              <a:rPr lang="en-US" dirty="0">
+                <a:latin typeface="Consolas" panose="020B0609020204030204" pitchFamily="49" charset="0"/>
+              </a:rPr>
+              <a:t>)</a:t>
+            </a:r>
+          </a:p>
+          <a:p>
+            <a:pPr lvl="1"/>
+            <a:r>
+              <a:rPr lang="en-US" dirty="0"/>
+              <a:t>2</a:t>
+            </a:r>
+          </a:p>
+          <a:p>
+            <a:r>
+              <a:rPr lang="en-US" dirty="0" err="1">
+                <a:latin typeface="Consolas" panose="020B0609020204030204" pitchFamily="49" charset="0"/>
+              </a:rPr>
+              <a:t>powerball</a:t>
+            </a:r>
+            <a:r>
+              <a:rPr lang="en-US" dirty="0">
+                <a:latin typeface="Consolas" panose="020B0609020204030204" pitchFamily="49" charset="0"/>
+              </a:rPr>
+              <a:t>[1:2]</a:t>
+            </a:r>
+          </a:p>
+          <a:p>
+            <a:pPr lvl="1"/>
+            <a:r>
+              <a:rPr lang="en-US" dirty="0"/>
+              <a:t>22</a:t>
+            </a:r>
+          </a:p>
+          <a:p>
+            <a:endParaRPr lang="en-US" dirty="0"/>
+          </a:p>
+        </p:txBody>
+      </p:sp>
+    </p:spTree>
+    <p:extLst>
+      <p:ext uri="{BB962C8B-B14F-4D97-AF65-F5344CB8AC3E}">
+        <p14:creationId xmlns:p14="http://schemas.microsoft.com/office/powerpoint/2010/main" val="2274450590"/>
+      </p:ext>
+    </p:extLst>
+  </p:cSld>
+  <p:clrMapOvr>
+    <a:masterClrMapping/>
+  </p:clrMapOvr>
+  <mc:AlternateContent xmlns:mc="http://schemas.openxmlformats.org/markup-compatibility/2006" xmlns:p14="http://schemas.microsoft.com/office/powerpoint/2010/main">
+    <mc:Choice Requires="p14">
+      <p:transition p14:dur="300">
+        <p:fade/>
+      </p:transition>
+    </mc:Choice>
+    <mc:Fallback xmlns="">
+      <p:transition>
+        <p:fade/>
+      </p:transition>
+    </mc:Fallback>
+  </mc:AlternateContent>
+  <p:timing>
+    <p:tnLst>
+      <p:par>
+        <p:cTn id="1" dur="indefinite" restart="never" nodeType="tmRoot">
+          <p:childTnLst>
+            <p:seq concurrent="1" nextAc="seek">
+              <p:cTn id="2" dur="indefinite" nodeType="mainSeq">
+                <p:childTnLst>
+                  <p:par>
+                    <p:cTn id="3" fill="hold">
+                      <p:stCondLst>
+                        <p:cond delay="indefinite"/>
+                      </p:stCondLst>
+                      <p:childTnLst>
+                        <p:par>
+                          <p:cTn id="4" fill="hold">
+                            <p:stCondLst>
+                              <p:cond delay="0"/>
+                            </p:stCondLst>
+                            <p:childTnLst>
+                              <p:par>
+                                <p:cTn id="5" presetID="22" presetClass="entr" presetSubtype="8" fill="hold" grpId="0" nodeType="clickEffect">
+                                  <p:stCondLst>
+                                    <p:cond delay="0"/>
+                                  </p:stCondLst>
+                                  <p:childTnLst>
+                                    <p:set>
+                                      <p:cBhvr>
+                                        <p:cTn id="6" dur="1" fill="hold">
+                                          <p:stCondLst>
+                                            <p:cond delay="0"/>
+                                          </p:stCondLst>
+                                        </p:cTn>
+                                        <p:tgtEl>
+                                          <p:spTgt spid="7">
+                                            <p:txEl>
+                                              <p:pRg st="0" end="0"/>
+                                            </p:txEl>
+                                          </p:spTgt>
+                                        </p:tgtEl>
+                                        <p:attrNameLst>
+                                          <p:attrName>style.visibility</p:attrName>
+                                        </p:attrNameLst>
+                                      </p:cBhvr>
+                                      <p:to>
+                                        <p:strVal val="visible"/>
+                                      </p:to>
+                                    </p:set>
+                                    <p:animEffect transition="in" filter="wipe(left)">
+                                      <p:cBhvr>
+                                        <p:cTn id="7" dur="500"/>
+                                        <p:tgtEl>
+                                          <p:spTgt spid="7">
+                                            <p:txEl>
+                                              <p:pRg st="0" end="0"/>
+                                            </p:txEl>
+                                          </p:spTgt>
+                                        </p:tgtEl>
+                                      </p:cBhvr>
+                                    </p:animEffect>
+                                  </p:childTnLst>
+                                </p:cTn>
+                              </p:par>
+                            </p:childTnLst>
+                          </p:cTn>
+                        </p:par>
+                      </p:childTnLst>
+                    </p:cTn>
+                  </p:par>
+                  <p:par>
+                    <p:cTn id="8" fill="hold">
+                      <p:stCondLst>
+                        <p:cond delay="indefinite"/>
+                      </p:stCondLst>
+                      <p:childTnLst>
+                        <p:par>
+                          <p:cTn id="9" fill="hold">
+                            <p:stCondLst>
+                              <p:cond delay="0"/>
+                            </p:stCondLst>
+                            <p:childTnLst>
+                              <p:par>
+                                <p:cTn id="10" presetID="22" presetClass="entr" presetSubtype="8" fill="hold" grpId="0" nodeType="clickEffect">
+                                  <p:stCondLst>
+                                    <p:cond delay="0"/>
+                                  </p:stCondLst>
+                                  <p:childTnLst>
+                                    <p:set>
+                                      <p:cBhvr>
+                                        <p:cTn id="11" dur="1" fill="hold">
+                                          <p:stCondLst>
+                                            <p:cond delay="0"/>
+                                          </p:stCondLst>
+                                        </p:cTn>
+                                        <p:tgtEl>
+                                          <p:spTgt spid="7">
+                                            <p:txEl>
+                                              <p:pRg st="1" end="1"/>
+                                            </p:txEl>
+                                          </p:spTgt>
+                                        </p:tgtEl>
+                                        <p:attrNameLst>
+                                          <p:attrName>style.visibility</p:attrName>
+                                        </p:attrNameLst>
+                                      </p:cBhvr>
+                                      <p:to>
+                                        <p:strVal val="visible"/>
+                                      </p:to>
+                                    </p:set>
+                                    <p:animEffect transition="in" filter="wipe(left)">
+                                      <p:cBhvr>
+                                        <p:cTn id="12" dur="500"/>
+                                        <p:tgtEl>
+                                          <p:spTgt spid="7">
+                                            <p:txEl>
+                                              <p:pRg st="1" end="1"/>
+                                            </p:txEl>
+                                          </p:spTgt>
+                                        </p:tgtEl>
+                                      </p:cBhvr>
+                                    </p:animEffect>
+                                  </p:childTnLst>
+                                </p:cTn>
+                              </p:par>
+                            </p:childTnLst>
+                          </p:cTn>
+                        </p:par>
+                      </p:childTnLst>
+                    </p:cTn>
+                  </p:par>
+                  <p:par>
+                    <p:cTn id="13" fill="hold">
+                      <p:stCondLst>
+                        <p:cond delay="indefinite"/>
+                      </p:stCondLst>
+                      <p:childTnLst>
+                        <p:par>
+                          <p:cTn id="14" fill="hold">
+                            <p:stCondLst>
+                              <p:cond delay="0"/>
+                            </p:stCondLst>
+                            <p:childTnLst>
+                              <p:par>
+                                <p:cTn id="15" presetID="22" presetClass="entr" presetSubtype="8" fill="hold" grpId="0" nodeType="clickEffect">
+                                  <p:stCondLst>
+                                    <p:cond delay="0"/>
+                                  </p:stCondLst>
+                                  <p:childTnLst>
+                                    <p:set>
+                                      <p:cBhvr>
+                                        <p:cTn id="16" dur="1" fill="hold">
+                                          <p:stCondLst>
+                                            <p:cond delay="0"/>
+                                          </p:stCondLst>
+                                        </p:cTn>
+                                        <p:tgtEl>
+                                          <p:spTgt spid="7">
+                                            <p:txEl>
+                                              <p:pRg st="2" end="2"/>
+                                            </p:txEl>
+                                          </p:spTgt>
+                                        </p:tgtEl>
+                                        <p:attrNameLst>
+                                          <p:attrName>style.visibility</p:attrName>
+                                        </p:attrNameLst>
+                                      </p:cBhvr>
+                                      <p:to>
+                                        <p:strVal val="visible"/>
+                                      </p:to>
+                                    </p:set>
+                                    <p:animEffect transition="in" filter="wipe(left)">
+                                      <p:cBhvr>
+                                        <p:cTn id="17" dur="500"/>
+                                        <p:tgtEl>
+                                          <p:spTgt spid="7">
+                                            <p:txEl>
+                                              <p:pRg st="2" end="2"/>
+                                            </p:txEl>
+                                          </p:spTgt>
+                                        </p:tgtEl>
+                                      </p:cBhvr>
+                                    </p:animEffect>
+                                  </p:childTnLst>
+                                </p:cTn>
+                              </p:par>
+                            </p:childTnLst>
+                          </p:cTn>
+                        </p:par>
+                      </p:childTnLst>
+                    </p:cTn>
+                  </p:par>
+                  <p:par>
+                    <p:cTn id="18" fill="hold">
+                      <p:stCondLst>
+                        <p:cond delay="indefinite"/>
+                      </p:stCondLst>
+                      <p:childTnLst>
+                        <p:par>
+                          <p:cTn id="19" fill="hold">
+                            <p:stCondLst>
+                              <p:cond delay="0"/>
+                            </p:stCondLst>
+                            <p:childTnLst>
+                              <p:par>
+                                <p:cTn id="20" presetID="22" presetClass="entr" presetSubtype="8" fill="hold" grpId="0" nodeType="clickEffect">
+                                  <p:stCondLst>
+                                    <p:cond delay="0"/>
+                                  </p:stCondLst>
+                                  <p:childTnLst>
+                                    <p:set>
+                                      <p:cBhvr>
+                                        <p:cTn id="21" dur="1" fill="hold">
+                                          <p:stCondLst>
+                                            <p:cond delay="0"/>
+                                          </p:stCondLst>
+                                        </p:cTn>
+                                        <p:tgtEl>
+                                          <p:spTgt spid="7">
+                                            <p:txEl>
+                                              <p:pRg st="3" end="3"/>
+                                            </p:txEl>
+                                          </p:spTgt>
+                                        </p:tgtEl>
+                                        <p:attrNameLst>
+                                          <p:attrName>style.visibility</p:attrName>
+                                        </p:attrNameLst>
+                                      </p:cBhvr>
+                                      <p:to>
+                                        <p:strVal val="visible"/>
+                                      </p:to>
+                                    </p:set>
+                                    <p:animEffect transition="in" filter="wipe(left)">
+                                      <p:cBhvr>
+                                        <p:cTn id="22" dur="500"/>
+                                        <p:tgtEl>
+                                          <p:spTgt spid="7">
+                                            <p:txEl>
+                                              <p:pRg st="3" end="3"/>
+                                            </p:txEl>
+                                          </p:spTgt>
+                                        </p:tgtEl>
+                                      </p:cBhvr>
+                                    </p:animEffect>
+                                  </p:childTnLst>
+                                </p:cTn>
+                              </p:par>
+                            </p:childTnLst>
+                          </p:cTn>
+                        </p:par>
+                      </p:childTnLst>
+                    </p:cTn>
+                  </p:par>
+                  <p:par>
+                    <p:cTn id="23" fill="hold">
+                      <p:stCondLst>
+                        <p:cond delay="indefinite"/>
+                      </p:stCondLst>
+                      <p:childTnLst>
+                        <p:par>
+                          <p:cTn id="24" fill="hold">
+                            <p:stCondLst>
+                              <p:cond delay="0"/>
+                            </p:stCondLst>
+                            <p:childTnLst>
+                              <p:par>
+                                <p:cTn id="25" presetID="22" presetClass="entr" presetSubtype="8" fill="hold" grpId="0" nodeType="clickEffect">
+                                  <p:stCondLst>
+                                    <p:cond delay="0"/>
+                                  </p:stCondLst>
+                                  <p:childTnLst>
+                                    <p:set>
+                                      <p:cBhvr>
+                                        <p:cTn id="26" dur="1" fill="hold">
+                                          <p:stCondLst>
+                                            <p:cond delay="0"/>
+                                          </p:stCondLst>
+                                        </p:cTn>
+                                        <p:tgtEl>
+                                          <p:spTgt spid="7">
+                                            <p:txEl>
+                                              <p:pRg st="4" end="4"/>
+                                            </p:txEl>
+                                          </p:spTgt>
+                                        </p:tgtEl>
+                                        <p:attrNameLst>
+                                          <p:attrName>style.visibility</p:attrName>
+                                        </p:attrNameLst>
+                                      </p:cBhvr>
+                                      <p:to>
+                                        <p:strVal val="visible"/>
+                                      </p:to>
+                                    </p:set>
+                                    <p:animEffect transition="in" filter="wipe(left)">
+                                      <p:cBhvr>
+                                        <p:cTn id="27" dur="500"/>
+                                        <p:tgtEl>
+                                          <p:spTgt spid="7">
+                                            <p:txEl>
+                                              <p:pRg st="4" end="4"/>
+                                            </p:txEl>
+                                          </p:spTgt>
+                                        </p:tgtEl>
+                                      </p:cBhvr>
+                                    </p:animEffect>
+                                  </p:childTnLst>
+                                </p:cTn>
+                              </p:par>
+                            </p:childTnLst>
+                          </p:cTn>
+                        </p:par>
+                      </p:childTnLst>
+                    </p:cTn>
+                  </p:par>
+                  <p:par>
+                    <p:cTn id="28" fill="hold">
+                      <p:stCondLst>
+                        <p:cond delay="indefinite"/>
+                      </p:stCondLst>
+                      <p:childTnLst>
+                        <p:par>
+                          <p:cTn id="29" fill="hold">
+                            <p:stCondLst>
+                              <p:cond delay="0"/>
+                            </p:stCondLst>
+                            <p:childTnLst>
+                              <p:par>
+                                <p:cTn id="30" presetID="22" presetClass="entr" presetSubtype="8" fill="hold" grpId="0" nodeType="clickEffect">
+                                  <p:stCondLst>
+                                    <p:cond delay="0"/>
+                                  </p:stCondLst>
+                                  <p:childTnLst>
+                                    <p:set>
+                                      <p:cBhvr>
+                                        <p:cTn id="31" dur="1" fill="hold">
+                                          <p:stCondLst>
+                                            <p:cond delay="0"/>
+                                          </p:stCondLst>
+                                        </p:cTn>
+                                        <p:tgtEl>
+                                          <p:spTgt spid="7">
+                                            <p:txEl>
+                                              <p:pRg st="5" end="5"/>
+                                            </p:txEl>
+                                          </p:spTgt>
+                                        </p:tgtEl>
+                                        <p:attrNameLst>
+                                          <p:attrName>style.visibility</p:attrName>
+                                        </p:attrNameLst>
+                                      </p:cBhvr>
+                                      <p:to>
+                                        <p:strVal val="visible"/>
+                                      </p:to>
+                                    </p:set>
+                                    <p:animEffect transition="in" filter="wipe(left)">
+                                      <p:cBhvr>
+                                        <p:cTn id="32" dur="500"/>
+                                        <p:tgtEl>
+                                          <p:spTgt spid="7">
+                                            <p:txEl>
+                                              <p:pRg st="5" end="5"/>
+                                            </p:txEl>
+                                          </p:spTgt>
+                                        </p:tgtEl>
+                                      </p:cBhvr>
+                                    </p:animEffect>
+                                  </p:childTnLst>
+                                </p:cTn>
+                              </p:par>
+                            </p:childTnLst>
+                          </p:cTn>
+                        </p:par>
+                      </p:childTnLst>
+                    </p:cTn>
+                  </p:par>
+                </p:childTnLst>
+              </p:cTn>
+              <p:prevCondLst>
+                <p:cond evt="onPrev" delay="0">
+                  <p:tgtEl>
+                    <p:sldTgt/>
+                  </p:tgtEl>
+                </p:cond>
+              </p:prevCondLst>
+              <p:nextCondLst>
+                <p:cond evt="onNext" delay="0">
+                  <p:tgtEl>
+                    <p:sldTgt/>
+                  </p:tgtEl>
+                </p:cond>
+              </p:nextCondLst>
+            </p:seq>
+          </p:childTnLst>
+        </p:cTn>
+      </p:par>
+    </p:tnLst>
+    <p:bldLst>
+      <p:bldP spid="7" grpId="0" build="p" bldLvl="2"/>
+    </p:bldLst>
+  </p:timing>
+</p:sld>
+</file>
+
+<file path=ppt/slides/slide7.xml><?xml version="1.0" encoding="utf-8"?>
 <p:sld xmlns:a="http://schemas.openxmlformats.org/drawingml/2006/main" xmlns:r="http://schemas.openxmlformats.org/officeDocument/2006/relationships" xmlns:p="http://schemas.openxmlformats.org/presentationml/2006/main">
   <p:cSld>
     <p:spTree>
@@ -8897,7 +14113,7 @@
 </p:sld>
 </file>
 
-<file path=ppt/slides/slide5.xml><?xml version="1.0" encoding="utf-8"?>
+<file path=ppt/slides/slide8.xml><?xml version="1.0" encoding="utf-8"?>
 <p:sld xmlns:a="http://schemas.openxmlformats.org/drawingml/2006/main" xmlns:r="http://schemas.openxmlformats.org/officeDocument/2006/relationships" xmlns:p="http://schemas.openxmlformats.org/presentationml/2006/main">
   <p:cSld>
     <p:spTree>
@@ -10041,7 +15257,7 @@
 </p:sld>
 </file>
 
-<file path=ppt/slides/slide6.xml><?xml version="1.0" encoding="utf-8"?>
+<file path=ppt/slides/slide9.xml><?xml version="1.0" encoding="utf-8"?>
 <p:sld xmlns:a="http://schemas.openxmlformats.org/drawingml/2006/main" xmlns:r="http://schemas.openxmlformats.org/officeDocument/2006/relationships" xmlns:p="http://schemas.openxmlformats.org/presentationml/2006/main">
   <p:cSld>
     <p:spTree>
@@ -10063,7 +15279,7 @@
           <p:cNvPr id="2" name="Title 1">
             <a:extLst>
               <a:ext uri="{FF2B5EF4-FFF2-40B4-BE49-F238E27FC236}">
-                <a16:creationId xmlns:a16="http://schemas.microsoft.com/office/drawing/2014/main" id="{0637E8C1-DE0C-9042-919B-3B548EFCE4CF}"/>
+                <a16:creationId xmlns:a16="http://schemas.microsoft.com/office/drawing/2014/main" id="{0F5D872D-0307-4ABC-95FF-6C337C368D3D}"/>
               </a:ext>
             </a:extLst>
           </p:cNvPr>
@@ -10081,7 +15297,7 @@
           <a:p>
             <a:r>
               <a:rPr lang="en-US" dirty="0"/>
-              <a:t>Tuples </a:t>
+              <a:t>Practice</a:t>
             </a:r>
           </a:p>
         </p:txBody>
@@ -10091,7 +15307,7 @@
           <p:cNvPr id="3" name="Text Placeholder 2">
             <a:extLst>
               <a:ext uri="{FF2B5EF4-FFF2-40B4-BE49-F238E27FC236}">
-                <a16:creationId xmlns:a16="http://schemas.microsoft.com/office/drawing/2014/main" id="{6AFE70F9-72E0-9F47-8125-ACBA4F43B029}"/>
+                <a16:creationId xmlns:a16="http://schemas.microsoft.com/office/drawing/2014/main" id="{171CB4FE-B20C-458D-A95D-F03B5E6A0138}"/>
               </a:ext>
             </a:extLst>
           </p:cNvPr>
@@ -10105,7 +15321,7 @@
         <p:spPr>
           <a:xfrm>
             <a:off x="628075" y="1776683"/>
-            <a:ext cx="5038947" cy="2571217"/>
+            <a:ext cx="12561453" cy="2912849"/>
           </a:xfrm>
         </p:spPr>
         <p:txBody>
@@ -10114,2632 +15330,84 @@
           <a:p>
             <a:r>
               <a:rPr lang="en-US" dirty="0"/>
-              <a:t>Like lists, but…</a:t>
+              <a:t>In a python coding window (</a:t>
+            </a:r>
+            <a:r>
+              <a:rPr lang="en-US" dirty="0" err="1"/>
+              <a:t>zybooks</a:t>
+            </a:r>
+            <a:r>
+              <a:rPr lang="en-US" dirty="0"/>
+              <a:t>)</a:t>
+            </a:r>
+          </a:p>
+          <a:p>
+            <a:r>
+              <a:rPr lang="en-US" dirty="0"/>
+              <a:t>Create list with each of your names as elements</a:t>
+            </a:r>
+          </a:p>
+          <a:p>
+            <a:r>
+              <a:rPr lang="en-US" dirty="0"/>
+              <a:t>Print the smallest name</a:t>
+            </a:r>
+          </a:p>
+          <a:p>
+            <a:r>
+              <a:rPr lang="en-US" dirty="0"/>
+              <a:t>Print the largest name</a:t>
+            </a:r>
+          </a:p>
+          <a:p>
+            <a:r>
+              <a:rPr lang="en-US" dirty="0"/>
+              <a:t>Will it allow you to ‘sum’ the list?</a:t>
             </a:r>
           </a:p>
           <a:p>
             <a:pPr lvl="1"/>
             <a:r>
               <a:rPr lang="en-US" dirty="0"/>
-              <a:t>immutable  (can’t be changed)</a:t>
-            </a:r>
-          </a:p>
-          <a:p>
-            <a:pPr lvl="1"/>
-            <a:r>
-              <a:rPr lang="en-US" dirty="0"/>
-              <a:t>common way to  “fix” data</a:t>
-            </a:r>
-          </a:p>
-          <a:p>
-            <a:r>
-              <a:rPr lang="en-US" dirty="0"/>
-              <a:t>Named Tuple</a:t>
-            </a:r>
-          </a:p>
-          <a:p>
-            <a:pPr lvl="1"/>
-            <a:r>
-              <a:rPr lang="en-US" dirty="0"/>
-              <a:t>Holds data in a named form</a:t>
-            </a:r>
-          </a:p>
-          <a:p>
-            <a:pPr marL="0" indent="0">
-              <a:buNone/>
-            </a:pPr>
-            <a:endParaRPr lang="en-US" dirty="0"/>
+              <a:t>A for yes, B for no</a:t>
+            </a:r>
           </a:p>
         </p:txBody>
       </p:sp>
-      <p:sp>
-        <p:nvSpPr>
-          <p:cNvPr id="4" name="Rectangle 3">
+      <p:pic>
+        <p:nvPicPr>
+          <p:cNvPr id="5" name="Picture 4">
             <a:extLst>
               <a:ext uri="{FF2B5EF4-FFF2-40B4-BE49-F238E27FC236}">
-                <a16:creationId xmlns:a16="http://schemas.microsoft.com/office/drawing/2014/main" id="{909EAE45-D747-B64D-926A-DBDF43AC4F69}"/>
+                <a16:creationId xmlns:a16="http://schemas.microsoft.com/office/drawing/2014/main" id="{591E3F6D-1046-4FEE-B439-6F14FD0ED3A2}"/>
               </a:ext>
             </a:extLst>
           </p:cNvPr>
-          <p:cNvSpPr/>
+          <p:cNvPicPr>
+            <a:picLocks noChangeAspect="1"/>
+          </p:cNvPicPr>
           <p:nvPr/>
-        </p:nvSpPr>
+        </p:nvPicPr>
+        <p:blipFill>
+          <a:blip r:embed="rId2"/>
+          <a:stretch>
+            <a:fillRect/>
+          </a:stretch>
+        </p:blipFill>
         <p:spPr>
           <a:xfrm>
-            <a:off x="628075" y="4347900"/>
-            <a:ext cx="4237439" cy="1323439"/>
+            <a:off x="6791158" y="127100"/>
+            <a:ext cx="7026442" cy="1469472"/>
           </a:xfrm>
           <a:prstGeom prst="rect">
             <a:avLst/>
           </a:prstGeom>
         </p:spPr>
-        <p:txBody>
-          <a:bodyPr wrap="square">
-            <a:spAutoFit/>
-          </a:bodyPr>
-          <a:lstStyle/>
-          <a:p>
-            <a:r>
-              <a:rPr lang="en-US" dirty="0">
-                <a:latin typeface="Consolas" panose="020B0609020204030204" pitchFamily="49" charset="0"/>
-                <a:cs typeface="Consolas" panose="020B0609020204030204" pitchFamily="49" charset="0"/>
-              </a:rPr>
-              <a:t>fixed = (</a:t>
-            </a:r>
-            <a:r>
-              <a:rPr lang="en-US" dirty="0">
-                <a:solidFill>
-                  <a:srgbClr val="6897BB"/>
-                </a:solidFill>
-                <a:latin typeface="Consolas" panose="020B0609020204030204" pitchFamily="49" charset="0"/>
-                <a:cs typeface="Consolas" panose="020B0609020204030204" pitchFamily="49" charset="0"/>
-              </a:rPr>
-              <a:t>1</a:t>
-            </a:r>
-            <a:r>
-              <a:rPr lang="en-US" dirty="0">
-                <a:solidFill>
-                  <a:srgbClr val="CC7832"/>
-                </a:solidFill>
-                <a:latin typeface="Consolas" panose="020B0609020204030204" pitchFamily="49" charset="0"/>
-                <a:cs typeface="Consolas" panose="020B0609020204030204" pitchFamily="49" charset="0"/>
-              </a:rPr>
-              <a:t>, </a:t>
-            </a:r>
-            <a:r>
-              <a:rPr lang="en-US" dirty="0">
-                <a:solidFill>
-                  <a:srgbClr val="6897BB"/>
-                </a:solidFill>
-                <a:latin typeface="Consolas" panose="020B0609020204030204" pitchFamily="49" charset="0"/>
-                <a:cs typeface="Consolas" panose="020B0609020204030204" pitchFamily="49" charset="0"/>
-              </a:rPr>
-              <a:t>2</a:t>
-            </a:r>
-            <a:r>
-              <a:rPr lang="en-US" dirty="0">
-                <a:solidFill>
-                  <a:srgbClr val="CC7832"/>
-                </a:solidFill>
-                <a:latin typeface="Consolas" panose="020B0609020204030204" pitchFamily="49" charset="0"/>
-                <a:cs typeface="Consolas" panose="020B0609020204030204" pitchFamily="49" charset="0"/>
-              </a:rPr>
-              <a:t>, </a:t>
-            </a:r>
-            <a:r>
-              <a:rPr lang="en-US" dirty="0">
-                <a:solidFill>
-                  <a:srgbClr val="6897BB"/>
-                </a:solidFill>
-                <a:latin typeface="Consolas" panose="020B0609020204030204" pitchFamily="49" charset="0"/>
-                <a:cs typeface="Consolas" panose="020B0609020204030204" pitchFamily="49" charset="0"/>
-              </a:rPr>
-              <a:t>3</a:t>
-            </a:r>
-            <a:r>
-              <a:rPr lang="en-US" dirty="0">
-                <a:latin typeface="Consolas" panose="020B0609020204030204" pitchFamily="49" charset="0"/>
-                <a:cs typeface="Consolas" panose="020B0609020204030204" pitchFamily="49" charset="0"/>
-              </a:rPr>
-              <a:t>)</a:t>
-            </a:r>
-            <a:br>
-              <a:rPr lang="en-US" dirty="0">
-                <a:latin typeface="Consolas" panose="020B0609020204030204" pitchFamily="49" charset="0"/>
-                <a:cs typeface="Consolas" panose="020B0609020204030204" pitchFamily="49" charset="0"/>
-              </a:rPr>
-            </a:br>
-            <a:r>
-              <a:rPr lang="en-US" dirty="0">
-                <a:solidFill>
-                  <a:srgbClr val="8888C6"/>
-                </a:solidFill>
-                <a:latin typeface="Consolas" panose="020B0609020204030204" pitchFamily="49" charset="0"/>
-                <a:cs typeface="Consolas" panose="020B0609020204030204" pitchFamily="49" charset="0"/>
-              </a:rPr>
-              <a:t>print</a:t>
-            </a:r>
-            <a:r>
-              <a:rPr lang="en-US" dirty="0">
-                <a:latin typeface="Consolas" panose="020B0609020204030204" pitchFamily="49" charset="0"/>
-                <a:cs typeface="Consolas" panose="020B0609020204030204" pitchFamily="49" charset="0"/>
-              </a:rPr>
-              <a:t>(fixed)</a:t>
-            </a:r>
-            <a:br>
-              <a:rPr lang="en-US" dirty="0">
-                <a:latin typeface="Consolas" panose="020B0609020204030204" pitchFamily="49" charset="0"/>
-                <a:cs typeface="Consolas" panose="020B0609020204030204" pitchFamily="49" charset="0"/>
-              </a:rPr>
-            </a:br>
-            <a:r>
-              <a:rPr lang="en-US" dirty="0">
-                <a:solidFill>
-                  <a:srgbClr val="8888C6"/>
-                </a:solidFill>
-                <a:latin typeface="Consolas" panose="020B0609020204030204" pitchFamily="49" charset="0"/>
-                <a:cs typeface="Consolas" panose="020B0609020204030204" pitchFamily="49" charset="0"/>
-              </a:rPr>
-              <a:t>print</a:t>
-            </a:r>
-            <a:r>
-              <a:rPr lang="en-US" dirty="0">
-                <a:latin typeface="Consolas" panose="020B0609020204030204" pitchFamily="49" charset="0"/>
-                <a:cs typeface="Consolas" panose="020B0609020204030204" pitchFamily="49" charset="0"/>
-              </a:rPr>
-              <a:t>(fixed[</a:t>
-            </a:r>
-            <a:r>
-              <a:rPr lang="en-US" dirty="0">
-                <a:solidFill>
-                  <a:srgbClr val="6897BB"/>
-                </a:solidFill>
-                <a:latin typeface="Consolas" panose="020B0609020204030204" pitchFamily="49" charset="0"/>
-                <a:cs typeface="Consolas" panose="020B0609020204030204" pitchFamily="49" charset="0"/>
-              </a:rPr>
-              <a:t>1</a:t>
-            </a:r>
-            <a:r>
-              <a:rPr lang="en-US" dirty="0">
-                <a:latin typeface="Consolas" panose="020B0609020204030204" pitchFamily="49" charset="0"/>
-                <a:cs typeface="Consolas" panose="020B0609020204030204" pitchFamily="49" charset="0"/>
-              </a:rPr>
-              <a:t>])</a:t>
-            </a:r>
-            <a:r>
-              <a:rPr lang="en-US" dirty="0">
-                <a:solidFill>
-                  <a:srgbClr val="808080"/>
-                </a:solidFill>
-                <a:latin typeface="Consolas" panose="020B0609020204030204" pitchFamily="49" charset="0"/>
-                <a:cs typeface="Consolas" panose="020B0609020204030204" pitchFamily="49" charset="0"/>
-              </a:rPr>
-              <a:t> #2</a:t>
-            </a:r>
-            <a:br>
-              <a:rPr lang="en-US" dirty="0">
-                <a:latin typeface="Consolas" panose="020B0609020204030204" pitchFamily="49" charset="0"/>
-                <a:cs typeface="Consolas" panose="020B0609020204030204" pitchFamily="49" charset="0"/>
-              </a:rPr>
-            </a:br>
-            <a:r>
-              <a:rPr lang="en-US" dirty="0">
-                <a:latin typeface="Consolas" panose="020B0609020204030204" pitchFamily="49" charset="0"/>
-                <a:cs typeface="Consolas" panose="020B0609020204030204" pitchFamily="49" charset="0"/>
-              </a:rPr>
-              <a:t>fixed[</a:t>
-            </a:r>
-            <a:r>
-              <a:rPr lang="en-US" dirty="0">
-                <a:solidFill>
-                  <a:srgbClr val="6897BB"/>
-                </a:solidFill>
-                <a:latin typeface="Consolas" panose="020B0609020204030204" pitchFamily="49" charset="0"/>
-                <a:cs typeface="Consolas" panose="020B0609020204030204" pitchFamily="49" charset="0"/>
-              </a:rPr>
-              <a:t>1</a:t>
-            </a:r>
-            <a:r>
-              <a:rPr lang="en-US" dirty="0">
-                <a:latin typeface="Consolas" panose="020B0609020204030204" pitchFamily="49" charset="0"/>
-                <a:cs typeface="Consolas" panose="020B0609020204030204" pitchFamily="49" charset="0"/>
-              </a:rPr>
-              <a:t>] = </a:t>
-            </a:r>
-            <a:r>
-              <a:rPr lang="en-US" dirty="0">
-                <a:solidFill>
-                  <a:srgbClr val="6897BB"/>
-                </a:solidFill>
-                <a:latin typeface="Consolas" panose="020B0609020204030204" pitchFamily="49" charset="0"/>
-                <a:cs typeface="Consolas" panose="020B0609020204030204" pitchFamily="49" charset="0"/>
-              </a:rPr>
-              <a:t>10 </a:t>
-            </a:r>
-            <a:r>
-              <a:rPr lang="en-US" dirty="0">
-                <a:solidFill>
-                  <a:srgbClr val="808080"/>
-                </a:solidFill>
-                <a:latin typeface="Consolas" panose="020B0609020204030204" pitchFamily="49" charset="0"/>
-                <a:cs typeface="Consolas" panose="020B0609020204030204" pitchFamily="49" charset="0"/>
-              </a:rPr>
-              <a:t>#ERROR!</a:t>
-            </a:r>
-            <a:endParaRPr lang="en-US" dirty="0">
-              <a:latin typeface="Consolas" panose="020B0609020204030204" pitchFamily="49" charset="0"/>
-              <a:cs typeface="Consolas" panose="020B0609020204030204" pitchFamily="49" charset="0"/>
-            </a:endParaRPr>
-          </a:p>
-        </p:txBody>
-      </p:sp>
-      <p:sp>
-        <p:nvSpPr>
-          <p:cNvPr id="6" name="Rectangle 5">
-            <a:extLst>
-              <a:ext uri="{FF2B5EF4-FFF2-40B4-BE49-F238E27FC236}">
-                <a16:creationId xmlns:a16="http://schemas.microsoft.com/office/drawing/2014/main" id="{0CC176CF-3278-A04A-BB5E-D74C553ABD13}"/>
-              </a:ext>
-            </a:extLst>
-          </p:cNvPr>
-          <p:cNvSpPr/>
-          <p:nvPr/>
-        </p:nvSpPr>
-        <p:spPr>
-          <a:xfrm>
-            <a:off x="6536266" y="2187503"/>
-            <a:ext cx="7012452" cy="1323439"/>
-          </a:xfrm>
-          <a:prstGeom prst="rect">
-            <a:avLst/>
-          </a:prstGeom>
-        </p:spPr>
-        <p:txBody>
-          <a:bodyPr wrap="square">
-            <a:spAutoFit/>
-          </a:bodyPr>
-          <a:lstStyle/>
-          <a:p>
-            <a:r>
-              <a:rPr lang="en-US" sz="1600" dirty="0" err="1">
-                <a:latin typeface="Consolas" panose="020B0609020204030204" pitchFamily="49" charset="0"/>
-                <a:cs typeface="Consolas" panose="020B0609020204030204" pitchFamily="49" charset="0"/>
-              </a:rPr>
-              <a:t>coords</a:t>
-            </a:r>
-            <a:r>
-              <a:rPr lang="en-US" sz="1600" dirty="0">
-                <a:latin typeface="Consolas" panose="020B0609020204030204" pitchFamily="49" charset="0"/>
-                <a:cs typeface="Consolas" panose="020B0609020204030204" pitchFamily="49" charset="0"/>
-              </a:rPr>
-              <a:t> = </a:t>
-            </a:r>
-            <a:r>
-              <a:rPr lang="en-US" sz="1600" dirty="0" err="1">
-                <a:latin typeface="Consolas" panose="020B0609020204030204" pitchFamily="49" charset="0"/>
-                <a:cs typeface="Consolas" panose="020B0609020204030204" pitchFamily="49" charset="0"/>
-              </a:rPr>
-              <a:t>namedtuple</a:t>
-            </a:r>
-            <a:r>
-              <a:rPr lang="en-US" sz="1600" dirty="0">
-                <a:latin typeface="Consolas" panose="020B0609020204030204" pitchFamily="49" charset="0"/>
-                <a:cs typeface="Consolas" panose="020B0609020204030204" pitchFamily="49" charset="0"/>
-              </a:rPr>
-              <a:t>(</a:t>
-            </a:r>
-            <a:r>
-              <a:rPr lang="en-US" sz="1600" dirty="0">
-                <a:solidFill>
-                  <a:srgbClr val="6A8759"/>
-                </a:solidFill>
-                <a:latin typeface="Consolas" panose="020B0609020204030204" pitchFamily="49" charset="0"/>
-                <a:cs typeface="Consolas" panose="020B0609020204030204" pitchFamily="49" charset="0"/>
-              </a:rPr>
-              <a:t>"Coordinates"</a:t>
-            </a:r>
-            <a:r>
-              <a:rPr lang="en-US" sz="1600" dirty="0">
-                <a:solidFill>
-                  <a:srgbClr val="CC7832"/>
-                </a:solidFill>
-                <a:latin typeface="Consolas" panose="020B0609020204030204" pitchFamily="49" charset="0"/>
-                <a:cs typeface="Consolas" panose="020B0609020204030204" pitchFamily="49" charset="0"/>
-              </a:rPr>
-              <a:t>, </a:t>
-            </a:r>
-            <a:r>
-              <a:rPr lang="en-US" sz="1600" dirty="0">
-                <a:latin typeface="Consolas" panose="020B0609020204030204" pitchFamily="49" charset="0"/>
-                <a:cs typeface="Consolas" panose="020B0609020204030204" pitchFamily="49" charset="0"/>
-              </a:rPr>
-              <a:t>[</a:t>
-            </a:r>
-            <a:r>
-              <a:rPr lang="en-US" sz="1600" dirty="0">
-                <a:solidFill>
-                  <a:srgbClr val="6A8759"/>
-                </a:solidFill>
-                <a:latin typeface="Consolas" panose="020B0609020204030204" pitchFamily="49" charset="0"/>
-                <a:cs typeface="Consolas" panose="020B0609020204030204" pitchFamily="49" charset="0"/>
-              </a:rPr>
-              <a:t>"Latitude"</a:t>
-            </a:r>
-            <a:r>
-              <a:rPr lang="en-US" sz="1600" dirty="0">
-                <a:solidFill>
-                  <a:srgbClr val="CC7832"/>
-                </a:solidFill>
-                <a:latin typeface="Consolas" panose="020B0609020204030204" pitchFamily="49" charset="0"/>
-                <a:cs typeface="Consolas" panose="020B0609020204030204" pitchFamily="49" charset="0"/>
-              </a:rPr>
-              <a:t>, </a:t>
-            </a:r>
-            <a:r>
-              <a:rPr lang="en-US" sz="1600" dirty="0">
-                <a:solidFill>
-                  <a:srgbClr val="6A8759"/>
-                </a:solidFill>
-                <a:latin typeface="Consolas" panose="020B0609020204030204" pitchFamily="49" charset="0"/>
-                <a:cs typeface="Consolas" panose="020B0609020204030204" pitchFamily="49" charset="0"/>
-              </a:rPr>
-              <a:t>"Longitude"</a:t>
-            </a:r>
-            <a:r>
-              <a:rPr lang="en-US" sz="1600" dirty="0">
-                <a:latin typeface="Consolas" panose="020B0609020204030204" pitchFamily="49" charset="0"/>
-                <a:cs typeface="Consolas" panose="020B0609020204030204" pitchFamily="49" charset="0"/>
-              </a:rPr>
-              <a:t>])</a:t>
-            </a:r>
-            <a:br>
-              <a:rPr lang="en-US" sz="1600" dirty="0">
-                <a:latin typeface="Consolas" panose="020B0609020204030204" pitchFamily="49" charset="0"/>
-                <a:cs typeface="Consolas" panose="020B0609020204030204" pitchFamily="49" charset="0"/>
-              </a:rPr>
-            </a:br>
-            <a:br>
-              <a:rPr lang="en-US" sz="1600" dirty="0">
-                <a:latin typeface="Consolas" panose="020B0609020204030204" pitchFamily="49" charset="0"/>
-                <a:cs typeface="Consolas" panose="020B0609020204030204" pitchFamily="49" charset="0"/>
-              </a:rPr>
-            </a:br>
-            <a:r>
-              <a:rPr lang="en-US" sz="1600" dirty="0" err="1">
-                <a:latin typeface="Consolas" panose="020B0609020204030204" pitchFamily="49" charset="0"/>
-                <a:cs typeface="Consolas" panose="020B0609020204030204" pitchFamily="49" charset="0"/>
-              </a:rPr>
-              <a:t>foco</a:t>
-            </a:r>
-            <a:r>
-              <a:rPr lang="en-US" sz="1600" dirty="0">
-                <a:latin typeface="Consolas" panose="020B0609020204030204" pitchFamily="49" charset="0"/>
-                <a:cs typeface="Consolas" panose="020B0609020204030204" pitchFamily="49" charset="0"/>
-              </a:rPr>
-              <a:t> = </a:t>
-            </a:r>
-            <a:r>
-              <a:rPr lang="en-US" sz="1600" dirty="0" err="1">
-                <a:latin typeface="Consolas" panose="020B0609020204030204" pitchFamily="49" charset="0"/>
-                <a:cs typeface="Consolas" panose="020B0609020204030204" pitchFamily="49" charset="0"/>
-              </a:rPr>
-              <a:t>coords</a:t>
-            </a:r>
-            <a:r>
-              <a:rPr lang="en-US" sz="1600" dirty="0">
-                <a:latin typeface="Consolas" panose="020B0609020204030204" pitchFamily="49" charset="0"/>
-                <a:cs typeface="Consolas" panose="020B0609020204030204" pitchFamily="49" charset="0"/>
-              </a:rPr>
-              <a:t>(</a:t>
-            </a:r>
-            <a:r>
-              <a:rPr lang="en-US" sz="1600" dirty="0">
-                <a:solidFill>
-                  <a:srgbClr val="6A8759"/>
-                </a:solidFill>
-                <a:latin typeface="Consolas" panose="020B0609020204030204" pitchFamily="49" charset="0"/>
-                <a:cs typeface="Consolas" panose="020B0609020204030204" pitchFamily="49" charset="0"/>
-              </a:rPr>
-              <a:t>"40.5853° N"</a:t>
-            </a:r>
-            <a:r>
-              <a:rPr lang="en-US" sz="1600" dirty="0">
-                <a:solidFill>
-                  <a:srgbClr val="CC7832"/>
-                </a:solidFill>
-                <a:latin typeface="Consolas" panose="020B0609020204030204" pitchFamily="49" charset="0"/>
-                <a:cs typeface="Consolas" panose="020B0609020204030204" pitchFamily="49" charset="0"/>
-              </a:rPr>
-              <a:t>, </a:t>
-            </a:r>
-            <a:r>
-              <a:rPr lang="en-US" sz="1600" dirty="0">
-                <a:solidFill>
-                  <a:srgbClr val="6A8759"/>
-                </a:solidFill>
-                <a:latin typeface="Consolas" panose="020B0609020204030204" pitchFamily="49" charset="0"/>
-                <a:cs typeface="Consolas" panose="020B0609020204030204" pitchFamily="49" charset="0"/>
-              </a:rPr>
-              <a:t>"105.0844° W"</a:t>
-            </a:r>
-            <a:r>
-              <a:rPr lang="en-US" sz="1600" dirty="0">
-                <a:latin typeface="Consolas" panose="020B0609020204030204" pitchFamily="49" charset="0"/>
-                <a:cs typeface="Consolas" panose="020B0609020204030204" pitchFamily="49" charset="0"/>
-              </a:rPr>
-              <a:t>)</a:t>
-            </a:r>
-            <a:br>
-              <a:rPr lang="en-US" sz="1600" dirty="0">
-                <a:latin typeface="Consolas" panose="020B0609020204030204" pitchFamily="49" charset="0"/>
-                <a:cs typeface="Consolas" panose="020B0609020204030204" pitchFamily="49" charset="0"/>
-              </a:rPr>
-            </a:br>
-            <a:r>
-              <a:rPr lang="en-US" sz="1600" dirty="0">
-                <a:solidFill>
-                  <a:srgbClr val="8888C6"/>
-                </a:solidFill>
-                <a:latin typeface="Consolas" panose="020B0609020204030204" pitchFamily="49" charset="0"/>
-                <a:cs typeface="Consolas" panose="020B0609020204030204" pitchFamily="49" charset="0"/>
-              </a:rPr>
-              <a:t>print</a:t>
-            </a:r>
-            <a:r>
-              <a:rPr lang="en-US" sz="1600" dirty="0">
-                <a:latin typeface="Consolas" panose="020B0609020204030204" pitchFamily="49" charset="0"/>
-                <a:cs typeface="Consolas" panose="020B0609020204030204" pitchFamily="49" charset="0"/>
-              </a:rPr>
-              <a:t>(</a:t>
-            </a:r>
-            <a:r>
-              <a:rPr lang="en-US" sz="1600" dirty="0" err="1">
-                <a:latin typeface="Consolas" panose="020B0609020204030204" pitchFamily="49" charset="0"/>
-                <a:cs typeface="Consolas" panose="020B0609020204030204" pitchFamily="49" charset="0"/>
-              </a:rPr>
-              <a:t>foco.Latitude</a:t>
-            </a:r>
-            <a:r>
-              <a:rPr lang="en-US" sz="1600" dirty="0">
-                <a:latin typeface="Consolas" panose="020B0609020204030204" pitchFamily="49" charset="0"/>
-                <a:cs typeface="Consolas" panose="020B0609020204030204" pitchFamily="49" charset="0"/>
-              </a:rPr>
-              <a:t>) </a:t>
-            </a:r>
-            <a:r>
-              <a:rPr lang="en-US" sz="1600" dirty="0">
-                <a:solidFill>
-                  <a:srgbClr val="808080"/>
-                </a:solidFill>
-                <a:latin typeface="Consolas" panose="020B0609020204030204" pitchFamily="49" charset="0"/>
-                <a:cs typeface="Consolas" panose="020B0609020204030204" pitchFamily="49" charset="0"/>
-              </a:rPr>
-              <a:t># 40.5853° N</a:t>
-            </a:r>
-            <a:br>
-              <a:rPr lang="en-US" sz="1600" dirty="0">
-                <a:solidFill>
-                  <a:srgbClr val="808080"/>
-                </a:solidFill>
-                <a:latin typeface="Consolas" panose="020B0609020204030204" pitchFamily="49" charset="0"/>
-                <a:cs typeface="Consolas" panose="020B0609020204030204" pitchFamily="49" charset="0"/>
-              </a:rPr>
-            </a:br>
-            <a:endParaRPr lang="en-US" sz="1600" dirty="0">
-              <a:latin typeface="Consolas" panose="020B0609020204030204" pitchFamily="49" charset="0"/>
-              <a:cs typeface="Consolas" panose="020B0609020204030204" pitchFamily="49" charset="0"/>
-            </a:endParaRPr>
-          </a:p>
-        </p:txBody>
-      </p:sp>
-      <p:sp>
-        <p:nvSpPr>
-          <p:cNvPr id="7" name="Text Placeholder 2">
-            <a:extLst>
-              <a:ext uri="{FF2B5EF4-FFF2-40B4-BE49-F238E27FC236}">
-                <a16:creationId xmlns:a16="http://schemas.microsoft.com/office/drawing/2014/main" id="{1053C5C7-57F8-F347-83EF-EDE19A45D64E}"/>
-              </a:ext>
-            </a:extLst>
-          </p:cNvPr>
-          <p:cNvSpPr txBox="1">
-            <a:spLocks/>
-          </p:cNvSpPr>
-          <p:nvPr/>
-        </p:nvSpPr>
-        <p:spPr>
-          <a:xfrm>
-            <a:off x="6570133" y="1219802"/>
-            <a:ext cx="5038947" cy="967701"/>
-          </a:xfrm>
-          <a:prstGeom prst="rect">
-            <a:avLst/>
-          </a:prstGeom>
-        </p:spPr>
-        <p:txBody>
-          <a:bodyPr vert="horz" lIns="91440" tIns="91440" rIns="91440" bIns="91440" rtlCol="0">
-            <a:spAutoFit/>
-          </a:bodyPr>
-          <a:lstStyle>
-            <a:lvl1pPr marL="524712" indent="-524712" algn="l" defTabSz="699614" rtl="0" eaLnBrk="1" latinLnBrk="0" hangingPunct="1">
-              <a:lnSpc>
-                <a:spcPct val="120000"/>
-              </a:lnSpc>
-              <a:spcBef>
-                <a:spcPts val="600"/>
-              </a:spcBef>
-              <a:spcAft>
-                <a:spcPts val="600"/>
-              </a:spcAft>
-              <a:buFont typeface="Arial"/>
-              <a:buChar char="•"/>
-              <a:defRPr sz="1800" b="0" i="0" kern="1200">
-                <a:solidFill>
-                  <a:srgbClr val="092529"/>
-                </a:solidFill>
-                <a:latin typeface="Proxima Nova" charset="0"/>
-                <a:ea typeface="Proxima Nova" charset="0"/>
-                <a:cs typeface="Proxima Nova" charset="0"/>
-              </a:defRPr>
-            </a:lvl1pPr>
-            <a:lvl2pPr marL="1136875" indent="-437261" algn="l" defTabSz="699614" rtl="0" eaLnBrk="1" latinLnBrk="0" hangingPunct="1">
-              <a:lnSpc>
-                <a:spcPct val="120000"/>
-              </a:lnSpc>
-              <a:spcBef>
-                <a:spcPts val="0"/>
-              </a:spcBef>
-              <a:spcAft>
-                <a:spcPts val="600"/>
-              </a:spcAft>
-              <a:buFont typeface="Arial"/>
-              <a:buChar char="–"/>
-              <a:defRPr sz="1600" b="0" i="0" kern="1200">
-                <a:solidFill>
-                  <a:srgbClr val="092529"/>
-                </a:solidFill>
-                <a:latin typeface="Proxima Nova" charset="0"/>
-                <a:ea typeface="Proxima Nova" charset="0"/>
-                <a:cs typeface="Proxima Nova" charset="0"/>
-              </a:defRPr>
-            </a:lvl2pPr>
-            <a:lvl3pPr marL="1749040" indent="-349807" algn="l" defTabSz="699614" rtl="0" eaLnBrk="1" latinLnBrk="0" hangingPunct="1">
-              <a:lnSpc>
-                <a:spcPct val="120000"/>
-              </a:lnSpc>
-              <a:spcBef>
-                <a:spcPts val="0"/>
-              </a:spcBef>
-              <a:spcAft>
-                <a:spcPts val="600"/>
-              </a:spcAft>
-              <a:buFont typeface="Arial"/>
-              <a:buChar char="•"/>
-              <a:defRPr sz="1600" b="0" i="0" kern="1200">
-                <a:solidFill>
-                  <a:srgbClr val="092529"/>
-                </a:solidFill>
-                <a:latin typeface="Proxima Nova" charset="0"/>
-                <a:ea typeface="Proxima Nova" charset="0"/>
-                <a:cs typeface="Proxima Nova" charset="0"/>
-              </a:defRPr>
-            </a:lvl3pPr>
-            <a:lvl4pPr marL="2448655" indent="-349807" algn="l" defTabSz="699614" rtl="0" eaLnBrk="1" latinLnBrk="0" hangingPunct="1">
-              <a:lnSpc>
-                <a:spcPct val="120000"/>
-              </a:lnSpc>
-              <a:spcBef>
-                <a:spcPts val="0"/>
-              </a:spcBef>
-              <a:spcAft>
-                <a:spcPts val="600"/>
-              </a:spcAft>
-              <a:buFont typeface="Arial"/>
-              <a:buChar char="–"/>
-              <a:defRPr sz="1600" b="0" i="0" kern="1200">
-                <a:solidFill>
-                  <a:srgbClr val="092529"/>
-                </a:solidFill>
-                <a:latin typeface="Proxima Nova" charset="0"/>
-                <a:ea typeface="Proxima Nova" charset="0"/>
-                <a:cs typeface="Proxima Nova" charset="0"/>
-              </a:defRPr>
-            </a:lvl4pPr>
-            <a:lvl5pPr marL="3148272" indent="-349807" algn="l" defTabSz="699614" rtl="0" eaLnBrk="1" latinLnBrk="0" hangingPunct="1">
-              <a:spcBef>
-                <a:spcPct val="20000"/>
-              </a:spcBef>
-              <a:buFont typeface="Arial"/>
-              <a:buChar char="»"/>
-              <a:defRPr sz="1648" b="0" kern="1200">
-                <a:solidFill>
-                  <a:srgbClr val="092529"/>
-                </a:solidFill>
-                <a:latin typeface="Franklin Gothic Book" charset="0"/>
-                <a:ea typeface="Franklin Gothic Book" charset="0"/>
-                <a:cs typeface="Franklin Gothic Book" charset="0"/>
-              </a:defRPr>
-            </a:lvl5pPr>
-            <a:lvl6pPr marL="3847888" indent="-349807" algn="l" defTabSz="699614" rtl="0" eaLnBrk="1" latinLnBrk="0" hangingPunct="1">
-              <a:spcBef>
-                <a:spcPct val="20000"/>
-              </a:spcBef>
-              <a:buFont typeface="Arial"/>
-              <a:buChar char="•"/>
-              <a:defRPr sz="3022" kern="1200">
-                <a:solidFill>
-                  <a:schemeClr val="tx1"/>
-                </a:solidFill>
-                <a:latin typeface="+mn-lt"/>
-                <a:ea typeface="+mn-ea"/>
-                <a:cs typeface="+mn-cs"/>
-              </a:defRPr>
-            </a:lvl6pPr>
-            <a:lvl7pPr marL="4547505" indent="-349807" algn="l" defTabSz="699614" rtl="0" eaLnBrk="1" latinLnBrk="0" hangingPunct="1">
-              <a:spcBef>
-                <a:spcPct val="20000"/>
-              </a:spcBef>
-              <a:buFont typeface="Arial"/>
-              <a:buChar char="•"/>
-              <a:defRPr sz="3022" kern="1200">
-                <a:solidFill>
-                  <a:schemeClr val="tx1"/>
-                </a:solidFill>
-                <a:latin typeface="+mn-lt"/>
-                <a:ea typeface="+mn-ea"/>
-                <a:cs typeface="+mn-cs"/>
-              </a:defRPr>
-            </a:lvl7pPr>
-            <a:lvl8pPr marL="5247119" indent="-349807" algn="l" defTabSz="699614" rtl="0" eaLnBrk="1" latinLnBrk="0" hangingPunct="1">
-              <a:spcBef>
-                <a:spcPct val="20000"/>
-              </a:spcBef>
-              <a:buFont typeface="Arial"/>
-              <a:buChar char="•"/>
-              <a:defRPr sz="3022" kern="1200">
-                <a:solidFill>
-                  <a:schemeClr val="tx1"/>
-                </a:solidFill>
-                <a:latin typeface="+mn-lt"/>
-                <a:ea typeface="+mn-ea"/>
-                <a:cs typeface="+mn-cs"/>
-              </a:defRPr>
-            </a:lvl8pPr>
-            <a:lvl9pPr marL="5946736" indent="-349807" algn="l" defTabSz="699614" rtl="0" eaLnBrk="1" latinLnBrk="0" hangingPunct="1">
-              <a:spcBef>
-                <a:spcPct val="20000"/>
-              </a:spcBef>
-              <a:buFont typeface="Arial"/>
-              <a:buChar char="•"/>
-              <a:defRPr sz="3022" kern="1200">
-                <a:solidFill>
-                  <a:schemeClr val="tx1"/>
-                </a:solidFill>
-                <a:latin typeface="+mn-lt"/>
-                <a:ea typeface="+mn-ea"/>
-                <a:cs typeface="+mn-cs"/>
-              </a:defRPr>
-            </a:lvl9pPr>
-          </a:lstStyle>
-          <a:p>
-            <a:pPr marL="0" indent="0">
-              <a:buNone/>
-            </a:pPr>
-            <a:r>
-              <a:rPr lang="en-US" dirty="0"/>
-              <a:t>Pro Skill: Named Tuple </a:t>
-            </a:r>
-          </a:p>
-          <a:p>
-            <a:r>
-              <a:rPr lang="en-US" dirty="0"/>
-              <a:t>Tuple but allows direct name references</a:t>
-            </a:r>
-          </a:p>
-        </p:txBody>
-      </p:sp>
+      </p:pic>
     </p:spTree>
     <p:extLst>
       <p:ext uri="{BB962C8B-B14F-4D97-AF65-F5344CB8AC3E}">
-        <p14:creationId xmlns:p14="http://schemas.microsoft.com/office/powerpoint/2010/main" val="4144621145"/>
-      </p:ext>
-    </p:extLst>
-  </p:cSld>
-  <p:clrMapOvr>
-    <a:masterClrMapping/>
-  </p:clrMapOvr>
-  <mc:AlternateContent xmlns:mc="http://schemas.openxmlformats.org/markup-compatibility/2006" xmlns:p14="http://schemas.microsoft.com/office/powerpoint/2010/main">
-    <mc:Choice Requires="p14">
-      <p:transition p14:dur="300">
-        <p:fade/>
-      </p:transition>
-    </mc:Choice>
-    <mc:Fallback xmlns="">
-      <p:transition>
-        <p:fade/>
-      </p:transition>
-    </mc:Fallback>
-  </mc:AlternateContent>
-  <p:timing>
-    <p:tnLst>
-      <p:par>
-        <p:cTn id="1" dur="indefinite" restart="never" nodeType="tmRoot">
-          <p:childTnLst>
-            <p:seq concurrent="1" nextAc="seek">
-              <p:cTn id="2" dur="indefinite" nodeType="mainSeq">
-                <p:childTnLst>
-                  <p:par>
-                    <p:cTn id="3" fill="hold">
-                      <p:stCondLst>
-                        <p:cond delay="indefinite"/>
-                      </p:stCondLst>
-                      <p:childTnLst>
-                        <p:par>
-                          <p:cTn id="4" fill="hold">
-                            <p:stCondLst>
-                              <p:cond delay="0"/>
-                            </p:stCondLst>
-                            <p:childTnLst>
-                              <p:par>
-                                <p:cTn id="5" presetID="9" presetClass="entr" presetSubtype="0" fill="hold" grpId="0" nodeType="clickEffect">
-                                  <p:stCondLst>
-                                    <p:cond delay="0"/>
-                                  </p:stCondLst>
-                                  <p:childTnLst>
-                                    <p:set>
-                                      <p:cBhvr>
-                                        <p:cTn id="6" dur="1" fill="hold">
-                                          <p:stCondLst>
-                                            <p:cond delay="0"/>
-                                          </p:stCondLst>
-                                        </p:cTn>
-                                        <p:tgtEl>
-                                          <p:spTgt spid="7"/>
-                                        </p:tgtEl>
-                                        <p:attrNameLst>
-                                          <p:attrName>style.visibility</p:attrName>
-                                        </p:attrNameLst>
-                                      </p:cBhvr>
-                                      <p:to>
-                                        <p:strVal val="visible"/>
-                                      </p:to>
-                                    </p:set>
-                                    <p:animEffect transition="in" filter="dissolve">
-                                      <p:cBhvr>
-                                        <p:cTn id="7" dur="500"/>
-                                        <p:tgtEl>
-                                          <p:spTgt spid="7"/>
-                                        </p:tgtEl>
-                                      </p:cBhvr>
-                                    </p:animEffect>
-                                  </p:childTnLst>
-                                </p:cTn>
-                              </p:par>
-                              <p:par>
-                                <p:cTn id="8" presetID="9" presetClass="entr" presetSubtype="0" fill="hold" grpId="0" nodeType="withEffect">
-                                  <p:stCondLst>
-                                    <p:cond delay="0"/>
-                                  </p:stCondLst>
-                                  <p:childTnLst>
-                                    <p:set>
-                                      <p:cBhvr>
-                                        <p:cTn id="9" dur="1" fill="hold">
-                                          <p:stCondLst>
-                                            <p:cond delay="0"/>
-                                          </p:stCondLst>
-                                        </p:cTn>
-                                        <p:tgtEl>
-                                          <p:spTgt spid="6"/>
-                                        </p:tgtEl>
-                                        <p:attrNameLst>
-                                          <p:attrName>style.visibility</p:attrName>
-                                        </p:attrNameLst>
-                                      </p:cBhvr>
-                                      <p:to>
-                                        <p:strVal val="visible"/>
-                                      </p:to>
-                                    </p:set>
-                                    <p:animEffect transition="in" filter="dissolve">
-                                      <p:cBhvr>
-                                        <p:cTn id="10" dur="500"/>
-                                        <p:tgtEl>
-                                          <p:spTgt spid="6"/>
-                                        </p:tgtEl>
-                                      </p:cBhvr>
-                                    </p:animEffect>
-                                  </p:childTnLst>
-                                </p:cTn>
-                              </p:par>
-                            </p:childTnLst>
-                          </p:cTn>
-                        </p:par>
-                      </p:childTnLst>
-                    </p:cTn>
-                  </p:par>
-                </p:childTnLst>
-              </p:cTn>
-              <p:prevCondLst>
-                <p:cond evt="onPrev" delay="0">
-                  <p:tgtEl>
-                    <p:sldTgt/>
-                  </p:tgtEl>
-                </p:cond>
-              </p:prevCondLst>
-              <p:nextCondLst>
-                <p:cond evt="onNext" delay="0">
-                  <p:tgtEl>
-                    <p:sldTgt/>
-                  </p:tgtEl>
-                </p:cond>
-              </p:nextCondLst>
-            </p:seq>
-          </p:childTnLst>
-        </p:cTn>
-      </p:par>
-    </p:tnLst>
-    <p:bldLst>
-      <p:bldP spid="6" grpId="0"/>
-      <p:bldP spid="7" grpId="0"/>
-    </p:bldLst>
-  </p:timing>
-</p:sld>
-</file>
-
-<file path=ppt/slides/slide7.xml><?xml version="1.0" encoding="utf-8"?>
-<p:sld xmlns:a="http://schemas.openxmlformats.org/drawingml/2006/main" xmlns:r="http://schemas.openxmlformats.org/officeDocument/2006/relationships" xmlns:p="http://schemas.openxmlformats.org/presentationml/2006/main">
-  <p:cSld>
-    <p:spTree>
-      <p:nvGrpSpPr>
-        <p:cNvPr id="1" name=""/>
-        <p:cNvGrpSpPr/>
-        <p:nvPr/>
-      </p:nvGrpSpPr>
-      <p:grpSpPr>
-        <a:xfrm>
-          <a:off x="0" y="0"/>
-          <a:ext cx="0" cy="0"/>
-          <a:chOff x="0" y="0"/>
-          <a:chExt cx="0" cy="0"/>
-        </a:xfrm>
-      </p:grpSpPr>
-      <p:sp>
-        <p:nvSpPr>
-          <p:cNvPr id="2" name="Title 1">
-            <a:extLst>
-              <a:ext uri="{FF2B5EF4-FFF2-40B4-BE49-F238E27FC236}">
-                <a16:creationId xmlns:a16="http://schemas.microsoft.com/office/drawing/2014/main" id="{818F0946-F262-2C49-9ABD-288B29AD0BE4}"/>
-              </a:ext>
-            </a:extLst>
-          </p:cNvPr>
-          <p:cNvSpPr>
-            <a:spLocks noGrp="1"/>
-          </p:cNvSpPr>
-          <p:nvPr>
-            <p:ph type="title"/>
-          </p:nvPr>
-        </p:nvSpPr>
-        <p:spPr/>
-        <p:txBody>
-          <a:bodyPr/>
-          <a:lstStyle/>
-          <a:p>
-            <a:r>
-              <a:rPr lang="en-US" dirty="0"/>
-              <a:t>Printing Elements In Lists?</a:t>
-            </a:r>
-          </a:p>
-        </p:txBody>
-      </p:sp>
-      <p:sp>
-        <p:nvSpPr>
-          <p:cNvPr id="3" name="Text Placeholder 2">
-            <a:extLst>
-              <a:ext uri="{FF2B5EF4-FFF2-40B4-BE49-F238E27FC236}">
-                <a16:creationId xmlns:a16="http://schemas.microsoft.com/office/drawing/2014/main" id="{6141502A-CCCA-C148-ABA4-7A23D0C584D1}"/>
-              </a:ext>
-            </a:extLst>
-          </p:cNvPr>
-          <p:cNvSpPr>
-            <a:spLocks noGrp="1"/>
-          </p:cNvSpPr>
-          <p:nvPr>
-            <p:ph type="body" sz="quarter" idx="10"/>
-          </p:nvPr>
-        </p:nvSpPr>
-        <p:spPr>
-          <a:xfrm>
-            <a:off x="628075" y="1776682"/>
-            <a:ext cx="2781169" cy="481414"/>
-          </a:xfrm>
-        </p:spPr>
-        <p:txBody>
-          <a:bodyPr/>
-          <a:lstStyle/>
-          <a:p>
-            <a:r>
-              <a:rPr lang="en-US" dirty="0"/>
-              <a:t>the while loop way</a:t>
-            </a:r>
-          </a:p>
-        </p:txBody>
-      </p:sp>
-      <p:sp>
-        <p:nvSpPr>
-          <p:cNvPr id="4" name="Rectangle 3">
-            <a:extLst>
-              <a:ext uri="{FF2B5EF4-FFF2-40B4-BE49-F238E27FC236}">
-                <a16:creationId xmlns:a16="http://schemas.microsoft.com/office/drawing/2014/main" id="{3CABFD07-2174-BD4C-99B8-542F6CB04C35}"/>
-              </a:ext>
-            </a:extLst>
-          </p:cNvPr>
-          <p:cNvSpPr/>
-          <p:nvPr/>
-        </p:nvSpPr>
-        <p:spPr>
-          <a:xfrm>
-            <a:off x="628075" y="2422970"/>
-            <a:ext cx="6908800" cy="1323439"/>
-          </a:xfrm>
-          <a:prstGeom prst="rect">
-            <a:avLst/>
-          </a:prstGeom>
-        </p:spPr>
-        <p:txBody>
-          <a:bodyPr>
-            <a:spAutoFit/>
-          </a:bodyPr>
-          <a:lstStyle/>
-          <a:p>
-            <a:r>
-              <a:rPr lang="en-US" dirty="0">
-                <a:latin typeface="Consolas" panose="020B0609020204030204" pitchFamily="49" charset="0"/>
-                <a:cs typeface="Consolas" panose="020B0609020204030204" pitchFamily="49" charset="0"/>
-              </a:rPr>
-              <a:t>index =  </a:t>
-            </a:r>
-            <a:r>
-              <a:rPr lang="en-US" dirty="0">
-                <a:solidFill>
-                  <a:srgbClr val="6897BB"/>
-                </a:solidFill>
-                <a:latin typeface="Consolas" panose="020B0609020204030204" pitchFamily="49" charset="0"/>
-                <a:cs typeface="Consolas" panose="020B0609020204030204" pitchFamily="49" charset="0"/>
-              </a:rPr>
-              <a:t>0</a:t>
-            </a:r>
-            <a:br>
-              <a:rPr lang="en-US" dirty="0">
-                <a:solidFill>
-                  <a:srgbClr val="6897BB"/>
-                </a:solidFill>
-                <a:latin typeface="Consolas" panose="020B0609020204030204" pitchFamily="49" charset="0"/>
-                <a:cs typeface="Consolas" panose="020B0609020204030204" pitchFamily="49" charset="0"/>
-              </a:rPr>
-            </a:br>
-            <a:r>
-              <a:rPr lang="en-US" dirty="0">
-                <a:solidFill>
-                  <a:srgbClr val="CC7832"/>
-                </a:solidFill>
-                <a:latin typeface="Consolas" panose="020B0609020204030204" pitchFamily="49" charset="0"/>
-                <a:cs typeface="Consolas" panose="020B0609020204030204" pitchFamily="49" charset="0"/>
-              </a:rPr>
-              <a:t>while </a:t>
-            </a:r>
-            <a:r>
-              <a:rPr lang="en-US" dirty="0">
-                <a:latin typeface="Consolas" panose="020B0609020204030204" pitchFamily="49" charset="0"/>
-                <a:cs typeface="Consolas" panose="020B0609020204030204" pitchFamily="49" charset="0"/>
-              </a:rPr>
-              <a:t>index &lt; </a:t>
-            </a:r>
-            <a:r>
-              <a:rPr lang="en-US" dirty="0" err="1">
-                <a:solidFill>
-                  <a:srgbClr val="8888C6"/>
-                </a:solidFill>
-                <a:latin typeface="Consolas" panose="020B0609020204030204" pitchFamily="49" charset="0"/>
-                <a:cs typeface="Consolas" panose="020B0609020204030204" pitchFamily="49" charset="0"/>
-              </a:rPr>
-              <a:t>len</a:t>
-            </a:r>
-            <a:r>
-              <a:rPr lang="en-US" dirty="0">
-                <a:latin typeface="Consolas" panose="020B0609020204030204" pitchFamily="49" charset="0"/>
-                <a:cs typeface="Consolas" panose="020B0609020204030204" pitchFamily="49" charset="0"/>
-              </a:rPr>
-              <a:t>(glaciers):</a:t>
-            </a:r>
-            <a:br>
-              <a:rPr lang="en-US" dirty="0">
-                <a:latin typeface="Consolas" panose="020B0609020204030204" pitchFamily="49" charset="0"/>
-                <a:cs typeface="Consolas" panose="020B0609020204030204" pitchFamily="49" charset="0"/>
-              </a:rPr>
-            </a:br>
-            <a:r>
-              <a:rPr lang="en-US" dirty="0">
-                <a:latin typeface="Consolas" panose="020B0609020204030204" pitchFamily="49" charset="0"/>
-                <a:cs typeface="Consolas" panose="020B0609020204030204" pitchFamily="49" charset="0"/>
-              </a:rPr>
-              <a:t>    </a:t>
-            </a:r>
-            <a:r>
-              <a:rPr lang="en-US" dirty="0">
-                <a:solidFill>
-                  <a:srgbClr val="8888C6"/>
-                </a:solidFill>
-                <a:latin typeface="Consolas" panose="020B0609020204030204" pitchFamily="49" charset="0"/>
-                <a:cs typeface="Consolas" panose="020B0609020204030204" pitchFamily="49" charset="0"/>
-              </a:rPr>
-              <a:t>print</a:t>
-            </a:r>
-            <a:r>
-              <a:rPr lang="en-US" dirty="0">
-                <a:latin typeface="Consolas" panose="020B0609020204030204" pitchFamily="49" charset="0"/>
-                <a:cs typeface="Consolas" panose="020B0609020204030204" pitchFamily="49" charset="0"/>
-              </a:rPr>
-              <a:t>(glaciers[index]</a:t>
-            </a:r>
-            <a:r>
-              <a:rPr lang="en-US" dirty="0">
-                <a:solidFill>
-                  <a:srgbClr val="CC7832"/>
-                </a:solidFill>
-                <a:latin typeface="Consolas" panose="020B0609020204030204" pitchFamily="49" charset="0"/>
-                <a:cs typeface="Consolas" panose="020B0609020204030204" pitchFamily="49" charset="0"/>
-              </a:rPr>
-              <a:t>, </a:t>
-            </a:r>
-            <a:r>
-              <a:rPr lang="en-US" dirty="0">
-                <a:solidFill>
-                  <a:srgbClr val="AA4926"/>
-                </a:solidFill>
-                <a:latin typeface="Consolas" panose="020B0609020204030204" pitchFamily="49" charset="0"/>
-                <a:cs typeface="Consolas" panose="020B0609020204030204" pitchFamily="49" charset="0"/>
-              </a:rPr>
-              <a:t>end </a:t>
-            </a:r>
-            <a:r>
-              <a:rPr lang="en-US" dirty="0">
-                <a:latin typeface="Consolas" panose="020B0609020204030204" pitchFamily="49" charset="0"/>
-                <a:cs typeface="Consolas" panose="020B0609020204030204" pitchFamily="49" charset="0"/>
-              </a:rPr>
-              <a:t>= </a:t>
-            </a:r>
-            <a:r>
-              <a:rPr lang="en-US" dirty="0">
-                <a:solidFill>
-                  <a:srgbClr val="6A8759"/>
-                </a:solidFill>
-                <a:latin typeface="Consolas" panose="020B0609020204030204" pitchFamily="49" charset="0"/>
-                <a:cs typeface="Consolas" panose="020B0609020204030204" pitchFamily="49" charset="0"/>
-              </a:rPr>
-              <a:t>' '</a:t>
-            </a:r>
-            <a:r>
-              <a:rPr lang="en-US" dirty="0">
-                <a:latin typeface="Consolas" panose="020B0609020204030204" pitchFamily="49" charset="0"/>
-                <a:cs typeface="Consolas" panose="020B0609020204030204" pitchFamily="49" charset="0"/>
-              </a:rPr>
-              <a:t>)</a:t>
-            </a:r>
-            <a:br>
-              <a:rPr lang="en-US" dirty="0">
-                <a:latin typeface="Consolas" panose="020B0609020204030204" pitchFamily="49" charset="0"/>
-                <a:cs typeface="Consolas" panose="020B0609020204030204" pitchFamily="49" charset="0"/>
-              </a:rPr>
-            </a:br>
-            <a:r>
-              <a:rPr lang="en-US" dirty="0">
-                <a:latin typeface="Consolas" panose="020B0609020204030204" pitchFamily="49" charset="0"/>
-                <a:cs typeface="Consolas" panose="020B0609020204030204" pitchFamily="49" charset="0"/>
-              </a:rPr>
-              <a:t>    index += </a:t>
-            </a:r>
-            <a:r>
-              <a:rPr lang="en-US" dirty="0">
-                <a:solidFill>
-                  <a:srgbClr val="6897BB"/>
-                </a:solidFill>
-                <a:latin typeface="Consolas" panose="020B0609020204030204" pitchFamily="49" charset="0"/>
-                <a:cs typeface="Consolas" panose="020B0609020204030204" pitchFamily="49" charset="0"/>
-              </a:rPr>
-              <a:t>1</a:t>
-            </a:r>
-            <a:endParaRPr lang="en-US" dirty="0">
-              <a:latin typeface="Consolas" panose="020B0609020204030204" pitchFamily="49" charset="0"/>
-              <a:cs typeface="Consolas" panose="020B0609020204030204" pitchFamily="49" charset="0"/>
-            </a:endParaRPr>
-          </a:p>
-        </p:txBody>
-      </p:sp>
-      <p:sp>
-        <p:nvSpPr>
-          <p:cNvPr id="5" name="Text Placeholder 2">
-            <a:extLst>
-              <a:ext uri="{FF2B5EF4-FFF2-40B4-BE49-F238E27FC236}">
-                <a16:creationId xmlns:a16="http://schemas.microsoft.com/office/drawing/2014/main" id="{2AF1A903-BF6F-A746-B482-90725A02D7DE}"/>
-              </a:ext>
-            </a:extLst>
-          </p:cNvPr>
-          <p:cNvSpPr txBox="1">
-            <a:spLocks/>
-          </p:cNvSpPr>
-          <p:nvPr/>
-        </p:nvSpPr>
-        <p:spPr>
-          <a:xfrm>
-            <a:off x="628074" y="3886200"/>
-            <a:ext cx="4847037" cy="481414"/>
-          </a:xfrm>
-          <a:prstGeom prst="rect">
-            <a:avLst/>
-          </a:prstGeom>
-        </p:spPr>
-        <p:txBody>
-          <a:bodyPr vert="horz" wrap="square" lIns="91440" tIns="91440" rIns="91440" bIns="91440" rtlCol="0">
-            <a:spAutoFit/>
-          </a:bodyPr>
-          <a:lstStyle>
-            <a:lvl1pPr marL="524712" indent="-524712" algn="l" defTabSz="699614" rtl="0" eaLnBrk="1" latinLnBrk="0" hangingPunct="1">
-              <a:lnSpc>
-                <a:spcPct val="120000"/>
-              </a:lnSpc>
-              <a:spcBef>
-                <a:spcPts val="600"/>
-              </a:spcBef>
-              <a:spcAft>
-                <a:spcPts val="600"/>
-              </a:spcAft>
-              <a:buFont typeface="Arial"/>
-              <a:buChar char="•"/>
-              <a:defRPr sz="1800" b="0" i="0" kern="1200">
-                <a:solidFill>
-                  <a:srgbClr val="092529"/>
-                </a:solidFill>
-                <a:latin typeface="Proxima Nova" charset="0"/>
-                <a:ea typeface="Proxima Nova" charset="0"/>
-                <a:cs typeface="Proxima Nova" charset="0"/>
-              </a:defRPr>
-            </a:lvl1pPr>
-            <a:lvl2pPr marL="1136875" indent="-437261" algn="l" defTabSz="699614" rtl="0" eaLnBrk="1" latinLnBrk="0" hangingPunct="1">
-              <a:lnSpc>
-                <a:spcPct val="120000"/>
-              </a:lnSpc>
-              <a:spcBef>
-                <a:spcPts val="0"/>
-              </a:spcBef>
-              <a:spcAft>
-                <a:spcPts val="600"/>
-              </a:spcAft>
-              <a:buFont typeface="Arial"/>
-              <a:buChar char="–"/>
-              <a:defRPr sz="1600" b="0" i="0" kern="1200">
-                <a:solidFill>
-                  <a:srgbClr val="092529"/>
-                </a:solidFill>
-                <a:latin typeface="Proxima Nova" charset="0"/>
-                <a:ea typeface="Proxima Nova" charset="0"/>
-                <a:cs typeface="Proxima Nova" charset="0"/>
-              </a:defRPr>
-            </a:lvl2pPr>
-            <a:lvl3pPr marL="1749040" indent="-349807" algn="l" defTabSz="699614" rtl="0" eaLnBrk="1" latinLnBrk="0" hangingPunct="1">
-              <a:lnSpc>
-                <a:spcPct val="120000"/>
-              </a:lnSpc>
-              <a:spcBef>
-                <a:spcPts val="0"/>
-              </a:spcBef>
-              <a:spcAft>
-                <a:spcPts val="600"/>
-              </a:spcAft>
-              <a:buFont typeface="Arial"/>
-              <a:buChar char="•"/>
-              <a:defRPr sz="1600" b="0" i="0" kern="1200">
-                <a:solidFill>
-                  <a:srgbClr val="092529"/>
-                </a:solidFill>
-                <a:latin typeface="Proxima Nova" charset="0"/>
-                <a:ea typeface="Proxima Nova" charset="0"/>
-                <a:cs typeface="Proxima Nova" charset="0"/>
-              </a:defRPr>
-            </a:lvl3pPr>
-            <a:lvl4pPr marL="2448655" indent="-349807" algn="l" defTabSz="699614" rtl="0" eaLnBrk="1" latinLnBrk="0" hangingPunct="1">
-              <a:lnSpc>
-                <a:spcPct val="120000"/>
-              </a:lnSpc>
-              <a:spcBef>
-                <a:spcPts val="0"/>
-              </a:spcBef>
-              <a:spcAft>
-                <a:spcPts val="600"/>
-              </a:spcAft>
-              <a:buFont typeface="Arial"/>
-              <a:buChar char="–"/>
-              <a:defRPr sz="1600" b="0" i="0" kern="1200">
-                <a:solidFill>
-                  <a:srgbClr val="092529"/>
-                </a:solidFill>
-                <a:latin typeface="Proxima Nova" charset="0"/>
-                <a:ea typeface="Proxima Nova" charset="0"/>
-                <a:cs typeface="Proxima Nova" charset="0"/>
-              </a:defRPr>
-            </a:lvl4pPr>
-            <a:lvl5pPr marL="3148272" indent="-349807" algn="l" defTabSz="699614" rtl="0" eaLnBrk="1" latinLnBrk="0" hangingPunct="1">
-              <a:spcBef>
-                <a:spcPct val="20000"/>
-              </a:spcBef>
-              <a:buFont typeface="Arial"/>
-              <a:buChar char="»"/>
-              <a:defRPr sz="1648" b="0" kern="1200">
-                <a:solidFill>
-                  <a:srgbClr val="092529"/>
-                </a:solidFill>
-                <a:latin typeface="Franklin Gothic Book" charset="0"/>
-                <a:ea typeface="Franklin Gothic Book" charset="0"/>
-                <a:cs typeface="Franklin Gothic Book" charset="0"/>
-              </a:defRPr>
-            </a:lvl5pPr>
-            <a:lvl6pPr marL="3847888" indent="-349807" algn="l" defTabSz="699614" rtl="0" eaLnBrk="1" latinLnBrk="0" hangingPunct="1">
-              <a:spcBef>
-                <a:spcPct val="20000"/>
-              </a:spcBef>
-              <a:buFont typeface="Arial"/>
-              <a:buChar char="•"/>
-              <a:defRPr sz="3022" kern="1200">
-                <a:solidFill>
-                  <a:schemeClr val="tx1"/>
-                </a:solidFill>
-                <a:latin typeface="+mn-lt"/>
-                <a:ea typeface="+mn-ea"/>
-                <a:cs typeface="+mn-cs"/>
-              </a:defRPr>
-            </a:lvl6pPr>
-            <a:lvl7pPr marL="4547505" indent="-349807" algn="l" defTabSz="699614" rtl="0" eaLnBrk="1" latinLnBrk="0" hangingPunct="1">
-              <a:spcBef>
-                <a:spcPct val="20000"/>
-              </a:spcBef>
-              <a:buFont typeface="Arial"/>
-              <a:buChar char="•"/>
-              <a:defRPr sz="3022" kern="1200">
-                <a:solidFill>
-                  <a:schemeClr val="tx1"/>
-                </a:solidFill>
-                <a:latin typeface="+mn-lt"/>
-                <a:ea typeface="+mn-ea"/>
-                <a:cs typeface="+mn-cs"/>
-              </a:defRPr>
-            </a:lvl7pPr>
-            <a:lvl8pPr marL="5247119" indent="-349807" algn="l" defTabSz="699614" rtl="0" eaLnBrk="1" latinLnBrk="0" hangingPunct="1">
-              <a:spcBef>
-                <a:spcPct val="20000"/>
-              </a:spcBef>
-              <a:buFont typeface="Arial"/>
-              <a:buChar char="•"/>
-              <a:defRPr sz="3022" kern="1200">
-                <a:solidFill>
-                  <a:schemeClr val="tx1"/>
-                </a:solidFill>
-                <a:latin typeface="+mn-lt"/>
-                <a:ea typeface="+mn-ea"/>
-                <a:cs typeface="+mn-cs"/>
-              </a:defRPr>
-            </a:lvl8pPr>
-            <a:lvl9pPr marL="5946736" indent="-349807" algn="l" defTabSz="699614" rtl="0" eaLnBrk="1" latinLnBrk="0" hangingPunct="1">
-              <a:spcBef>
-                <a:spcPct val="20000"/>
-              </a:spcBef>
-              <a:buFont typeface="Arial"/>
-              <a:buChar char="•"/>
-              <a:defRPr sz="3022" kern="1200">
-                <a:solidFill>
-                  <a:schemeClr val="tx1"/>
-                </a:solidFill>
-                <a:latin typeface="+mn-lt"/>
-                <a:ea typeface="+mn-ea"/>
-                <a:cs typeface="+mn-cs"/>
-              </a:defRPr>
-            </a:lvl9pPr>
-          </a:lstStyle>
-          <a:p>
-            <a:r>
-              <a:rPr lang="en-US" dirty="0"/>
-              <a:t>introducing </a:t>
-            </a:r>
-            <a:r>
-              <a:rPr lang="en-US" b="1" dirty="0"/>
-              <a:t>for</a:t>
-            </a:r>
-            <a:r>
-              <a:rPr lang="en-US" dirty="0"/>
-              <a:t> loop</a:t>
-            </a:r>
-          </a:p>
-        </p:txBody>
-      </p:sp>
-      <p:sp>
-        <p:nvSpPr>
-          <p:cNvPr id="6" name="Rectangle 5">
-            <a:extLst>
-              <a:ext uri="{FF2B5EF4-FFF2-40B4-BE49-F238E27FC236}">
-                <a16:creationId xmlns:a16="http://schemas.microsoft.com/office/drawing/2014/main" id="{0AE5F573-D3B8-1243-A6C5-10C678F7F756}"/>
-              </a:ext>
-            </a:extLst>
-          </p:cNvPr>
-          <p:cNvSpPr/>
-          <p:nvPr/>
-        </p:nvSpPr>
-        <p:spPr>
-          <a:xfrm>
-            <a:off x="628075" y="4507405"/>
-            <a:ext cx="6908800" cy="707886"/>
-          </a:xfrm>
-          <a:prstGeom prst="rect">
-            <a:avLst/>
-          </a:prstGeom>
-        </p:spPr>
-        <p:txBody>
-          <a:bodyPr>
-            <a:spAutoFit/>
-          </a:bodyPr>
-          <a:lstStyle/>
-          <a:p>
-            <a:r>
-              <a:rPr lang="en-US" dirty="0">
-                <a:solidFill>
-                  <a:srgbClr val="CC7832"/>
-                </a:solidFill>
-                <a:latin typeface="Consolas" panose="020B0609020204030204" pitchFamily="49" charset="0"/>
-                <a:cs typeface="Consolas" panose="020B0609020204030204" pitchFamily="49" charset="0"/>
-              </a:rPr>
-              <a:t>for </a:t>
-            </a:r>
-            <a:r>
-              <a:rPr lang="en-US" dirty="0">
-                <a:latin typeface="Consolas" panose="020B0609020204030204" pitchFamily="49" charset="0"/>
-                <a:cs typeface="Consolas" panose="020B0609020204030204" pitchFamily="49" charset="0"/>
-              </a:rPr>
-              <a:t>size </a:t>
-            </a:r>
-            <a:r>
-              <a:rPr lang="en-US" dirty="0">
-                <a:solidFill>
-                  <a:srgbClr val="CC7832"/>
-                </a:solidFill>
-                <a:latin typeface="Consolas" panose="020B0609020204030204" pitchFamily="49" charset="0"/>
-                <a:cs typeface="Consolas" panose="020B0609020204030204" pitchFamily="49" charset="0"/>
-              </a:rPr>
-              <a:t>in </a:t>
-            </a:r>
-            <a:r>
-              <a:rPr lang="en-US" dirty="0">
-                <a:latin typeface="Consolas" panose="020B0609020204030204" pitchFamily="49" charset="0"/>
-                <a:cs typeface="Consolas" panose="020B0609020204030204" pitchFamily="49" charset="0"/>
-              </a:rPr>
-              <a:t>glaciers:</a:t>
-            </a:r>
-            <a:br>
-              <a:rPr lang="en-US" dirty="0">
-                <a:latin typeface="Consolas" panose="020B0609020204030204" pitchFamily="49" charset="0"/>
-                <a:cs typeface="Consolas" panose="020B0609020204030204" pitchFamily="49" charset="0"/>
-              </a:rPr>
-            </a:br>
-            <a:r>
-              <a:rPr lang="en-US" dirty="0">
-                <a:latin typeface="Consolas" panose="020B0609020204030204" pitchFamily="49" charset="0"/>
-                <a:cs typeface="Consolas" panose="020B0609020204030204" pitchFamily="49" charset="0"/>
-              </a:rPr>
-              <a:t>    </a:t>
-            </a:r>
-            <a:r>
-              <a:rPr lang="en-US" dirty="0">
-                <a:solidFill>
-                  <a:srgbClr val="8888C6"/>
-                </a:solidFill>
-                <a:latin typeface="Consolas" panose="020B0609020204030204" pitchFamily="49" charset="0"/>
-                <a:cs typeface="Consolas" panose="020B0609020204030204" pitchFamily="49" charset="0"/>
-              </a:rPr>
-              <a:t>print</a:t>
-            </a:r>
-            <a:r>
-              <a:rPr lang="en-US" dirty="0">
-                <a:latin typeface="Consolas" panose="020B0609020204030204" pitchFamily="49" charset="0"/>
-                <a:cs typeface="Consolas" panose="020B0609020204030204" pitchFamily="49" charset="0"/>
-              </a:rPr>
-              <a:t>(size</a:t>
-            </a:r>
-            <a:r>
-              <a:rPr lang="en-US" dirty="0">
-                <a:solidFill>
-                  <a:srgbClr val="CC7832"/>
-                </a:solidFill>
-                <a:latin typeface="Consolas" panose="020B0609020204030204" pitchFamily="49" charset="0"/>
-                <a:cs typeface="Consolas" panose="020B0609020204030204" pitchFamily="49" charset="0"/>
-              </a:rPr>
-              <a:t>,  </a:t>
-            </a:r>
-            <a:r>
-              <a:rPr lang="en-US" dirty="0">
-                <a:solidFill>
-                  <a:srgbClr val="AA4926"/>
-                </a:solidFill>
-                <a:latin typeface="Consolas" panose="020B0609020204030204" pitchFamily="49" charset="0"/>
-                <a:cs typeface="Consolas" panose="020B0609020204030204" pitchFamily="49" charset="0"/>
-              </a:rPr>
-              <a:t>end</a:t>
-            </a:r>
-            <a:r>
-              <a:rPr lang="en-US" dirty="0">
-                <a:latin typeface="Consolas" panose="020B0609020204030204" pitchFamily="49" charset="0"/>
-                <a:cs typeface="Consolas" panose="020B0609020204030204" pitchFamily="49" charset="0"/>
-              </a:rPr>
-              <a:t>=</a:t>
-            </a:r>
-            <a:r>
-              <a:rPr lang="en-US" dirty="0">
-                <a:solidFill>
-                  <a:srgbClr val="6A8759"/>
-                </a:solidFill>
-                <a:latin typeface="Consolas" panose="020B0609020204030204" pitchFamily="49" charset="0"/>
-                <a:cs typeface="Consolas" panose="020B0609020204030204" pitchFamily="49" charset="0"/>
-              </a:rPr>
-              <a:t>' '</a:t>
-            </a:r>
-            <a:r>
-              <a:rPr lang="en-US" dirty="0">
-                <a:latin typeface="Consolas" panose="020B0609020204030204" pitchFamily="49" charset="0"/>
-                <a:cs typeface="Consolas" panose="020B0609020204030204" pitchFamily="49" charset="0"/>
-              </a:rPr>
-              <a:t>)</a:t>
-            </a:r>
-          </a:p>
-        </p:txBody>
-      </p:sp>
-      <p:sp>
-        <p:nvSpPr>
-          <p:cNvPr id="7" name="Text Placeholder 2">
-            <a:extLst>
-              <a:ext uri="{FF2B5EF4-FFF2-40B4-BE49-F238E27FC236}">
-                <a16:creationId xmlns:a16="http://schemas.microsoft.com/office/drawing/2014/main" id="{1507E006-1AB0-4845-883D-93D29AAF1A18}"/>
-              </a:ext>
-            </a:extLst>
-          </p:cNvPr>
-          <p:cNvSpPr txBox="1">
-            <a:spLocks/>
-          </p:cNvSpPr>
-          <p:nvPr/>
-        </p:nvSpPr>
-        <p:spPr>
-          <a:xfrm>
-            <a:off x="628074" y="5317074"/>
-            <a:ext cx="4847037" cy="1712520"/>
-          </a:xfrm>
-          <a:prstGeom prst="rect">
-            <a:avLst/>
-          </a:prstGeom>
-        </p:spPr>
-        <p:txBody>
-          <a:bodyPr vert="horz" wrap="square" lIns="91440" tIns="91440" rIns="91440" bIns="91440" rtlCol="0">
-            <a:spAutoFit/>
-          </a:bodyPr>
-          <a:lstStyle>
-            <a:lvl1pPr marL="524712" indent="-524712" algn="l" defTabSz="699614" rtl="0" eaLnBrk="1" latinLnBrk="0" hangingPunct="1">
-              <a:lnSpc>
-                <a:spcPct val="120000"/>
-              </a:lnSpc>
-              <a:spcBef>
-                <a:spcPts val="600"/>
-              </a:spcBef>
-              <a:spcAft>
-                <a:spcPts val="600"/>
-              </a:spcAft>
-              <a:buFont typeface="Arial"/>
-              <a:buChar char="•"/>
-              <a:defRPr sz="1800" b="0" i="0" kern="1200">
-                <a:solidFill>
-                  <a:srgbClr val="092529"/>
-                </a:solidFill>
-                <a:latin typeface="Proxima Nova" charset="0"/>
-                <a:ea typeface="Proxima Nova" charset="0"/>
-                <a:cs typeface="Proxima Nova" charset="0"/>
-              </a:defRPr>
-            </a:lvl1pPr>
-            <a:lvl2pPr marL="1136875" indent="-437261" algn="l" defTabSz="699614" rtl="0" eaLnBrk="1" latinLnBrk="0" hangingPunct="1">
-              <a:lnSpc>
-                <a:spcPct val="120000"/>
-              </a:lnSpc>
-              <a:spcBef>
-                <a:spcPts val="0"/>
-              </a:spcBef>
-              <a:spcAft>
-                <a:spcPts val="600"/>
-              </a:spcAft>
-              <a:buFont typeface="Arial"/>
-              <a:buChar char="–"/>
-              <a:defRPr sz="1600" b="0" i="0" kern="1200">
-                <a:solidFill>
-                  <a:srgbClr val="092529"/>
-                </a:solidFill>
-                <a:latin typeface="Proxima Nova" charset="0"/>
-                <a:ea typeface="Proxima Nova" charset="0"/>
-                <a:cs typeface="Proxima Nova" charset="0"/>
-              </a:defRPr>
-            </a:lvl2pPr>
-            <a:lvl3pPr marL="1749040" indent="-349807" algn="l" defTabSz="699614" rtl="0" eaLnBrk="1" latinLnBrk="0" hangingPunct="1">
-              <a:lnSpc>
-                <a:spcPct val="120000"/>
-              </a:lnSpc>
-              <a:spcBef>
-                <a:spcPts val="0"/>
-              </a:spcBef>
-              <a:spcAft>
-                <a:spcPts val="600"/>
-              </a:spcAft>
-              <a:buFont typeface="Arial"/>
-              <a:buChar char="•"/>
-              <a:defRPr sz="1600" b="0" i="0" kern="1200">
-                <a:solidFill>
-                  <a:srgbClr val="092529"/>
-                </a:solidFill>
-                <a:latin typeface="Proxima Nova" charset="0"/>
-                <a:ea typeface="Proxima Nova" charset="0"/>
-                <a:cs typeface="Proxima Nova" charset="0"/>
-              </a:defRPr>
-            </a:lvl3pPr>
-            <a:lvl4pPr marL="2448655" indent="-349807" algn="l" defTabSz="699614" rtl="0" eaLnBrk="1" latinLnBrk="0" hangingPunct="1">
-              <a:lnSpc>
-                <a:spcPct val="120000"/>
-              </a:lnSpc>
-              <a:spcBef>
-                <a:spcPts val="0"/>
-              </a:spcBef>
-              <a:spcAft>
-                <a:spcPts val="600"/>
-              </a:spcAft>
-              <a:buFont typeface="Arial"/>
-              <a:buChar char="–"/>
-              <a:defRPr sz="1600" b="0" i="0" kern="1200">
-                <a:solidFill>
-                  <a:srgbClr val="092529"/>
-                </a:solidFill>
-                <a:latin typeface="Proxima Nova" charset="0"/>
-                <a:ea typeface="Proxima Nova" charset="0"/>
-                <a:cs typeface="Proxima Nova" charset="0"/>
-              </a:defRPr>
-            </a:lvl4pPr>
-            <a:lvl5pPr marL="3148272" indent="-349807" algn="l" defTabSz="699614" rtl="0" eaLnBrk="1" latinLnBrk="0" hangingPunct="1">
-              <a:spcBef>
-                <a:spcPct val="20000"/>
-              </a:spcBef>
-              <a:buFont typeface="Arial"/>
-              <a:buChar char="»"/>
-              <a:defRPr sz="1648" b="0" kern="1200">
-                <a:solidFill>
-                  <a:srgbClr val="092529"/>
-                </a:solidFill>
-                <a:latin typeface="Franklin Gothic Book" charset="0"/>
-                <a:ea typeface="Franklin Gothic Book" charset="0"/>
-                <a:cs typeface="Franklin Gothic Book" charset="0"/>
-              </a:defRPr>
-            </a:lvl5pPr>
-            <a:lvl6pPr marL="3847888" indent="-349807" algn="l" defTabSz="699614" rtl="0" eaLnBrk="1" latinLnBrk="0" hangingPunct="1">
-              <a:spcBef>
-                <a:spcPct val="20000"/>
-              </a:spcBef>
-              <a:buFont typeface="Arial"/>
-              <a:buChar char="•"/>
-              <a:defRPr sz="3022" kern="1200">
-                <a:solidFill>
-                  <a:schemeClr val="tx1"/>
-                </a:solidFill>
-                <a:latin typeface="+mn-lt"/>
-                <a:ea typeface="+mn-ea"/>
-                <a:cs typeface="+mn-cs"/>
-              </a:defRPr>
-            </a:lvl6pPr>
-            <a:lvl7pPr marL="4547505" indent="-349807" algn="l" defTabSz="699614" rtl="0" eaLnBrk="1" latinLnBrk="0" hangingPunct="1">
-              <a:spcBef>
-                <a:spcPct val="20000"/>
-              </a:spcBef>
-              <a:buFont typeface="Arial"/>
-              <a:buChar char="•"/>
-              <a:defRPr sz="3022" kern="1200">
-                <a:solidFill>
-                  <a:schemeClr val="tx1"/>
-                </a:solidFill>
-                <a:latin typeface="+mn-lt"/>
-                <a:ea typeface="+mn-ea"/>
-                <a:cs typeface="+mn-cs"/>
-              </a:defRPr>
-            </a:lvl7pPr>
-            <a:lvl8pPr marL="5247119" indent="-349807" algn="l" defTabSz="699614" rtl="0" eaLnBrk="1" latinLnBrk="0" hangingPunct="1">
-              <a:spcBef>
-                <a:spcPct val="20000"/>
-              </a:spcBef>
-              <a:buFont typeface="Arial"/>
-              <a:buChar char="•"/>
-              <a:defRPr sz="3022" kern="1200">
-                <a:solidFill>
-                  <a:schemeClr val="tx1"/>
-                </a:solidFill>
-                <a:latin typeface="+mn-lt"/>
-                <a:ea typeface="+mn-ea"/>
-                <a:cs typeface="+mn-cs"/>
-              </a:defRPr>
-            </a:lvl8pPr>
-            <a:lvl9pPr marL="5946736" indent="-349807" algn="l" defTabSz="699614" rtl="0" eaLnBrk="1" latinLnBrk="0" hangingPunct="1">
-              <a:spcBef>
-                <a:spcPct val="20000"/>
-              </a:spcBef>
-              <a:buFont typeface="Arial"/>
-              <a:buChar char="•"/>
-              <a:defRPr sz="3022" kern="1200">
-                <a:solidFill>
-                  <a:schemeClr val="tx1"/>
-                </a:solidFill>
-                <a:latin typeface="+mn-lt"/>
-                <a:ea typeface="+mn-ea"/>
-                <a:cs typeface="+mn-cs"/>
-              </a:defRPr>
-            </a:lvl9pPr>
-          </a:lstStyle>
-          <a:p>
-            <a:r>
-              <a:rPr lang="en-US" dirty="0"/>
-              <a:t>grabs each element</a:t>
-            </a:r>
-          </a:p>
-          <a:p>
-            <a:pPr lvl="1"/>
-            <a:r>
-              <a:rPr lang="en-US" dirty="0"/>
-              <a:t>in order</a:t>
-            </a:r>
-          </a:p>
-          <a:p>
-            <a:pPr lvl="1"/>
-            <a:r>
-              <a:rPr lang="en-US" dirty="0"/>
-              <a:t>ends when list ends</a:t>
-            </a:r>
-          </a:p>
-          <a:p>
-            <a:r>
-              <a:rPr lang="en-US" dirty="0"/>
-              <a:t>the above two loops – the  same thing!</a:t>
-            </a:r>
-          </a:p>
-        </p:txBody>
-      </p:sp>
-      <p:sp>
-        <p:nvSpPr>
-          <p:cNvPr id="9" name="Text Placeholder 2">
-            <a:extLst>
-              <a:ext uri="{FF2B5EF4-FFF2-40B4-BE49-F238E27FC236}">
-                <a16:creationId xmlns:a16="http://schemas.microsoft.com/office/drawing/2014/main" id="{2737F130-A060-7744-BB86-BFC8733A3B48}"/>
-              </a:ext>
-            </a:extLst>
-          </p:cNvPr>
-          <p:cNvSpPr txBox="1">
-            <a:spLocks/>
-          </p:cNvSpPr>
-          <p:nvPr/>
-        </p:nvSpPr>
-        <p:spPr>
-          <a:xfrm>
-            <a:off x="7205910" y="1801765"/>
-            <a:ext cx="4749023" cy="1230145"/>
-          </a:xfrm>
-          <a:prstGeom prst="rect">
-            <a:avLst/>
-          </a:prstGeom>
-        </p:spPr>
-        <p:txBody>
-          <a:bodyPr vert="horz" wrap="square" lIns="91440" tIns="91440" rIns="91440" bIns="91440" rtlCol="0">
-            <a:spAutoFit/>
-          </a:bodyPr>
-          <a:lstStyle>
-            <a:lvl1pPr marL="524712" indent="-524712" algn="l" defTabSz="699614" rtl="0" eaLnBrk="1" latinLnBrk="0" hangingPunct="1">
-              <a:lnSpc>
-                <a:spcPct val="120000"/>
-              </a:lnSpc>
-              <a:spcBef>
-                <a:spcPts val="600"/>
-              </a:spcBef>
-              <a:spcAft>
-                <a:spcPts val="600"/>
-              </a:spcAft>
-              <a:buFont typeface="Arial"/>
-              <a:buChar char="•"/>
-              <a:defRPr sz="1800" b="0" i="0" kern="1200">
-                <a:solidFill>
-                  <a:srgbClr val="092529"/>
-                </a:solidFill>
-                <a:latin typeface="Proxima Nova" charset="0"/>
-                <a:ea typeface="Proxima Nova" charset="0"/>
-                <a:cs typeface="Proxima Nova" charset="0"/>
-              </a:defRPr>
-            </a:lvl1pPr>
-            <a:lvl2pPr marL="1136875" indent="-437261" algn="l" defTabSz="699614" rtl="0" eaLnBrk="1" latinLnBrk="0" hangingPunct="1">
-              <a:lnSpc>
-                <a:spcPct val="120000"/>
-              </a:lnSpc>
-              <a:spcBef>
-                <a:spcPts val="0"/>
-              </a:spcBef>
-              <a:spcAft>
-                <a:spcPts val="600"/>
-              </a:spcAft>
-              <a:buFont typeface="Arial"/>
-              <a:buChar char="–"/>
-              <a:defRPr sz="1600" b="0" i="0" kern="1200">
-                <a:solidFill>
-                  <a:srgbClr val="092529"/>
-                </a:solidFill>
-                <a:latin typeface="Proxima Nova" charset="0"/>
-                <a:ea typeface="Proxima Nova" charset="0"/>
-                <a:cs typeface="Proxima Nova" charset="0"/>
-              </a:defRPr>
-            </a:lvl2pPr>
-            <a:lvl3pPr marL="1749040" indent="-349807" algn="l" defTabSz="699614" rtl="0" eaLnBrk="1" latinLnBrk="0" hangingPunct="1">
-              <a:lnSpc>
-                <a:spcPct val="120000"/>
-              </a:lnSpc>
-              <a:spcBef>
-                <a:spcPts val="0"/>
-              </a:spcBef>
-              <a:spcAft>
-                <a:spcPts val="600"/>
-              </a:spcAft>
-              <a:buFont typeface="Arial"/>
-              <a:buChar char="•"/>
-              <a:defRPr sz="1600" b="0" i="0" kern="1200">
-                <a:solidFill>
-                  <a:srgbClr val="092529"/>
-                </a:solidFill>
-                <a:latin typeface="Proxima Nova" charset="0"/>
-                <a:ea typeface="Proxima Nova" charset="0"/>
-                <a:cs typeface="Proxima Nova" charset="0"/>
-              </a:defRPr>
-            </a:lvl3pPr>
-            <a:lvl4pPr marL="2448655" indent="-349807" algn="l" defTabSz="699614" rtl="0" eaLnBrk="1" latinLnBrk="0" hangingPunct="1">
-              <a:lnSpc>
-                <a:spcPct val="120000"/>
-              </a:lnSpc>
-              <a:spcBef>
-                <a:spcPts val="0"/>
-              </a:spcBef>
-              <a:spcAft>
-                <a:spcPts val="600"/>
-              </a:spcAft>
-              <a:buFont typeface="Arial"/>
-              <a:buChar char="–"/>
-              <a:defRPr sz="1600" b="0" i="0" kern="1200">
-                <a:solidFill>
-                  <a:srgbClr val="092529"/>
-                </a:solidFill>
-                <a:latin typeface="Proxima Nova" charset="0"/>
-                <a:ea typeface="Proxima Nova" charset="0"/>
-                <a:cs typeface="Proxima Nova" charset="0"/>
-              </a:defRPr>
-            </a:lvl4pPr>
-            <a:lvl5pPr marL="3148272" indent="-349807" algn="l" defTabSz="699614" rtl="0" eaLnBrk="1" latinLnBrk="0" hangingPunct="1">
-              <a:spcBef>
-                <a:spcPct val="20000"/>
-              </a:spcBef>
-              <a:buFont typeface="Arial"/>
-              <a:buChar char="»"/>
-              <a:defRPr sz="1648" b="0" kern="1200">
-                <a:solidFill>
-                  <a:srgbClr val="092529"/>
-                </a:solidFill>
-                <a:latin typeface="Franklin Gothic Book" charset="0"/>
-                <a:ea typeface="Franklin Gothic Book" charset="0"/>
-                <a:cs typeface="Franklin Gothic Book" charset="0"/>
-              </a:defRPr>
-            </a:lvl5pPr>
-            <a:lvl6pPr marL="3847888" indent="-349807" algn="l" defTabSz="699614" rtl="0" eaLnBrk="1" latinLnBrk="0" hangingPunct="1">
-              <a:spcBef>
-                <a:spcPct val="20000"/>
-              </a:spcBef>
-              <a:buFont typeface="Arial"/>
-              <a:buChar char="•"/>
-              <a:defRPr sz="3022" kern="1200">
-                <a:solidFill>
-                  <a:schemeClr val="tx1"/>
-                </a:solidFill>
-                <a:latin typeface="+mn-lt"/>
-                <a:ea typeface="+mn-ea"/>
-                <a:cs typeface="+mn-cs"/>
-              </a:defRPr>
-            </a:lvl6pPr>
-            <a:lvl7pPr marL="4547505" indent="-349807" algn="l" defTabSz="699614" rtl="0" eaLnBrk="1" latinLnBrk="0" hangingPunct="1">
-              <a:spcBef>
-                <a:spcPct val="20000"/>
-              </a:spcBef>
-              <a:buFont typeface="Arial"/>
-              <a:buChar char="•"/>
-              <a:defRPr sz="3022" kern="1200">
-                <a:solidFill>
-                  <a:schemeClr val="tx1"/>
-                </a:solidFill>
-                <a:latin typeface="+mn-lt"/>
-                <a:ea typeface="+mn-ea"/>
-                <a:cs typeface="+mn-cs"/>
-              </a:defRPr>
-            </a:lvl7pPr>
-            <a:lvl8pPr marL="5247119" indent="-349807" algn="l" defTabSz="699614" rtl="0" eaLnBrk="1" latinLnBrk="0" hangingPunct="1">
-              <a:spcBef>
-                <a:spcPct val="20000"/>
-              </a:spcBef>
-              <a:buFont typeface="Arial"/>
-              <a:buChar char="•"/>
-              <a:defRPr sz="3022" kern="1200">
-                <a:solidFill>
-                  <a:schemeClr val="tx1"/>
-                </a:solidFill>
-                <a:latin typeface="+mn-lt"/>
-                <a:ea typeface="+mn-ea"/>
-                <a:cs typeface="+mn-cs"/>
-              </a:defRPr>
-            </a:lvl8pPr>
-            <a:lvl9pPr marL="5946736" indent="-349807" algn="l" defTabSz="699614" rtl="0" eaLnBrk="1" latinLnBrk="0" hangingPunct="1">
-              <a:spcBef>
-                <a:spcPct val="20000"/>
-              </a:spcBef>
-              <a:buFont typeface="Arial"/>
-              <a:buChar char="•"/>
-              <a:defRPr sz="3022" kern="1200">
-                <a:solidFill>
-                  <a:schemeClr val="tx1"/>
-                </a:solidFill>
-                <a:latin typeface="+mn-lt"/>
-                <a:ea typeface="+mn-ea"/>
-                <a:cs typeface="+mn-cs"/>
-              </a:defRPr>
-            </a:lvl9pPr>
-          </a:lstStyle>
-          <a:p>
-            <a:r>
-              <a:rPr lang="en-US" dirty="0"/>
-              <a:t>range(a, b)</a:t>
-            </a:r>
-          </a:p>
-          <a:p>
-            <a:pPr lvl="1"/>
-            <a:r>
-              <a:rPr lang="en-US" dirty="0"/>
-              <a:t>Creates a number list from a to b</a:t>
-            </a:r>
-          </a:p>
-          <a:p>
-            <a:pPr lvl="1"/>
-            <a:r>
-              <a:rPr lang="en-US" dirty="0"/>
-              <a:t>often used with for loops!  </a:t>
-            </a:r>
-          </a:p>
-        </p:txBody>
-      </p:sp>
-    </p:spTree>
-    <p:extLst>
-      <p:ext uri="{BB962C8B-B14F-4D97-AF65-F5344CB8AC3E}">
-        <p14:creationId xmlns:p14="http://schemas.microsoft.com/office/powerpoint/2010/main" val="2587885111"/>
-      </p:ext>
-    </p:extLst>
-  </p:cSld>
-  <p:clrMapOvr>
-    <a:masterClrMapping/>
-  </p:clrMapOvr>
-  <mc:AlternateContent xmlns:mc="http://schemas.openxmlformats.org/markup-compatibility/2006" xmlns:p14="http://schemas.microsoft.com/office/powerpoint/2010/main">
-    <mc:Choice Requires="p14">
-      <p:transition p14:dur="300">
-        <p:fade/>
-      </p:transition>
-    </mc:Choice>
-    <mc:Fallback xmlns="">
-      <p:transition>
-        <p:fade/>
-      </p:transition>
-    </mc:Fallback>
-  </mc:AlternateContent>
-</p:sld>
-</file>
-
-<file path=ppt/slides/slide8.xml><?xml version="1.0" encoding="utf-8"?>
-<p:sld xmlns:a="http://schemas.openxmlformats.org/drawingml/2006/main" xmlns:r="http://schemas.openxmlformats.org/officeDocument/2006/relationships" xmlns:p="http://schemas.openxmlformats.org/presentationml/2006/main">
-  <p:cSld>
-    <p:spTree>
-      <p:nvGrpSpPr>
-        <p:cNvPr id="1" name=""/>
-        <p:cNvGrpSpPr/>
-        <p:nvPr/>
-      </p:nvGrpSpPr>
-      <p:grpSpPr>
-        <a:xfrm>
-          <a:off x="0" y="0"/>
-          <a:ext cx="0" cy="0"/>
-          <a:chOff x="0" y="0"/>
-          <a:chExt cx="0" cy="0"/>
-        </a:xfrm>
-      </p:grpSpPr>
-      <p:sp>
-        <p:nvSpPr>
-          <p:cNvPr id="2" name="Title 1">
-            <a:extLst>
-              <a:ext uri="{FF2B5EF4-FFF2-40B4-BE49-F238E27FC236}">
-                <a16:creationId xmlns:a16="http://schemas.microsoft.com/office/drawing/2014/main" id="{6E034072-C76E-AC48-B664-D409490A50E9}"/>
-              </a:ext>
-            </a:extLst>
-          </p:cNvPr>
-          <p:cNvSpPr>
-            <a:spLocks noGrp="1"/>
-          </p:cNvSpPr>
-          <p:nvPr>
-            <p:ph type="title"/>
-          </p:nvPr>
-        </p:nvSpPr>
-        <p:spPr/>
-        <p:txBody>
-          <a:bodyPr/>
-          <a:lstStyle/>
-          <a:p>
-            <a:r>
-              <a:rPr lang="en-US" dirty="0"/>
-              <a:t>Let’s  Code</a:t>
-            </a:r>
-          </a:p>
-        </p:txBody>
-      </p:sp>
-      <p:sp>
-        <p:nvSpPr>
-          <p:cNvPr id="4" name="Rectangle 3">
-            <a:extLst>
-              <a:ext uri="{FF2B5EF4-FFF2-40B4-BE49-F238E27FC236}">
-                <a16:creationId xmlns:a16="http://schemas.microsoft.com/office/drawing/2014/main" id="{42381418-DE1D-0346-8AB6-5B7D54BE121D}"/>
-              </a:ext>
-            </a:extLst>
-          </p:cNvPr>
-          <p:cNvSpPr/>
-          <p:nvPr/>
-        </p:nvSpPr>
-        <p:spPr>
-          <a:xfrm>
-            <a:off x="3872089" y="1377259"/>
-            <a:ext cx="6908800" cy="1631216"/>
-          </a:xfrm>
-          <a:prstGeom prst="rect">
-            <a:avLst/>
-          </a:prstGeom>
-        </p:spPr>
-        <p:txBody>
-          <a:bodyPr>
-            <a:spAutoFit/>
-          </a:bodyPr>
-          <a:lstStyle/>
-          <a:p>
-            <a:r>
-              <a:rPr lang="en-US" dirty="0">
-                <a:solidFill>
-                  <a:srgbClr val="CC7832"/>
-                </a:solidFill>
-                <a:latin typeface="Consolas" panose="020B0609020204030204" pitchFamily="49" charset="0"/>
-                <a:cs typeface="Consolas" panose="020B0609020204030204" pitchFamily="49" charset="0"/>
-              </a:rPr>
-              <a:t>def </a:t>
-            </a:r>
-            <a:r>
-              <a:rPr lang="en-US" dirty="0" err="1">
-                <a:solidFill>
-                  <a:srgbClr val="FFC66D"/>
-                </a:solidFill>
-                <a:latin typeface="Consolas" panose="020B0609020204030204" pitchFamily="49" charset="0"/>
-                <a:cs typeface="Consolas" panose="020B0609020204030204" pitchFamily="49" charset="0"/>
-              </a:rPr>
-              <a:t>simple_cipher</a:t>
-            </a:r>
-            <a:r>
-              <a:rPr lang="en-US" dirty="0">
-                <a:latin typeface="Consolas" panose="020B0609020204030204" pitchFamily="49" charset="0"/>
-                <a:cs typeface="Consolas" panose="020B0609020204030204" pitchFamily="49" charset="0"/>
-              </a:rPr>
-              <a:t>(msg</a:t>
-            </a:r>
-            <a:r>
-              <a:rPr lang="en-US" dirty="0">
-                <a:solidFill>
-                  <a:srgbClr val="CC7832"/>
-                </a:solidFill>
-                <a:latin typeface="Consolas" panose="020B0609020204030204" pitchFamily="49" charset="0"/>
-                <a:cs typeface="Consolas" panose="020B0609020204030204" pitchFamily="49" charset="0"/>
-              </a:rPr>
-              <a:t>, </a:t>
-            </a:r>
-            <a:r>
-              <a:rPr lang="en-US" dirty="0">
-                <a:latin typeface="Consolas" panose="020B0609020204030204" pitchFamily="49" charset="0"/>
-                <a:cs typeface="Consolas" panose="020B0609020204030204" pitchFamily="49" charset="0"/>
-              </a:rPr>
-              <a:t>shift):</a:t>
-            </a:r>
-            <a:br>
-              <a:rPr lang="en-US" dirty="0">
-                <a:latin typeface="Consolas" panose="020B0609020204030204" pitchFamily="49" charset="0"/>
-                <a:cs typeface="Consolas" panose="020B0609020204030204" pitchFamily="49" charset="0"/>
-              </a:rPr>
-            </a:br>
-            <a:r>
-              <a:rPr lang="en-US" dirty="0">
-                <a:latin typeface="Consolas" panose="020B0609020204030204" pitchFamily="49" charset="0"/>
-                <a:cs typeface="Consolas" panose="020B0609020204030204" pitchFamily="49" charset="0"/>
-              </a:rPr>
-              <a:t>    encrypt = </a:t>
-            </a:r>
-            <a:r>
-              <a:rPr lang="en-US" dirty="0">
-                <a:solidFill>
-                  <a:srgbClr val="6A8759"/>
-                </a:solidFill>
-                <a:latin typeface="Consolas" panose="020B0609020204030204" pitchFamily="49" charset="0"/>
-                <a:cs typeface="Consolas" panose="020B0609020204030204" pitchFamily="49" charset="0"/>
-              </a:rPr>
-              <a:t>''</a:t>
-            </a:r>
-            <a:br>
-              <a:rPr lang="en-US" dirty="0">
-                <a:solidFill>
-                  <a:srgbClr val="6A8759"/>
-                </a:solidFill>
-                <a:latin typeface="Consolas" panose="020B0609020204030204" pitchFamily="49" charset="0"/>
-                <a:cs typeface="Consolas" panose="020B0609020204030204" pitchFamily="49" charset="0"/>
-              </a:rPr>
-            </a:br>
-            <a:r>
-              <a:rPr lang="en-US" dirty="0">
-                <a:solidFill>
-                  <a:srgbClr val="6A8759"/>
-                </a:solidFill>
-                <a:latin typeface="Consolas" panose="020B0609020204030204" pitchFamily="49" charset="0"/>
-                <a:cs typeface="Consolas" panose="020B0609020204030204" pitchFamily="49" charset="0"/>
-              </a:rPr>
-              <a:t>    </a:t>
-            </a:r>
-            <a:r>
-              <a:rPr lang="en-US" dirty="0">
-                <a:solidFill>
-                  <a:srgbClr val="CC7832"/>
-                </a:solidFill>
-                <a:latin typeface="Consolas" panose="020B0609020204030204" pitchFamily="49" charset="0"/>
-                <a:cs typeface="Consolas" panose="020B0609020204030204" pitchFamily="49" charset="0"/>
-              </a:rPr>
-              <a:t>for </a:t>
-            </a:r>
-            <a:r>
-              <a:rPr lang="en-US" dirty="0">
-                <a:latin typeface="Consolas" panose="020B0609020204030204" pitchFamily="49" charset="0"/>
-                <a:cs typeface="Consolas" panose="020B0609020204030204" pitchFamily="49" charset="0"/>
-              </a:rPr>
-              <a:t>char </a:t>
-            </a:r>
-            <a:r>
-              <a:rPr lang="en-US" dirty="0">
-                <a:solidFill>
-                  <a:srgbClr val="CC7832"/>
-                </a:solidFill>
-                <a:latin typeface="Consolas" panose="020B0609020204030204" pitchFamily="49" charset="0"/>
-                <a:cs typeface="Consolas" panose="020B0609020204030204" pitchFamily="49" charset="0"/>
-              </a:rPr>
-              <a:t>in </a:t>
-            </a:r>
-            <a:r>
-              <a:rPr lang="en-US" dirty="0">
-                <a:latin typeface="Consolas" panose="020B0609020204030204" pitchFamily="49" charset="0"/>
-                <a:cs typeface="Consolas" panose="020B0609020204030204" pitchFamily="49" charset="0"/>
-              </a:rPr>
-              <a:t>msg:</a:t>
-            </a:r>
-            <a:br>
-              <a:rPr lang="en-US" dirty="0">
-                <a:latin typeface="Consolas" panose="020B0609020204030204" pitchFamily="49" charset="0"/>
-                <a:cs typeface="Consolas" panose="020B0609020204030204" pitchFamily="49" charset="0"/>
-              </a:rPr>
-            </a:br>
-            <a:r>
-              <a:rPr lang="en-US" dirty="0">
-                <a:latin typeface="Consolas" panose="020B0609020204030204" pitchFamily="49" charset="0"/>
-                <a:cs typeface="Consolas" panose="020B0609020204030204" pitchFamily="49" charset="0"/>
-              </a:rPr>
-              <a:t>        encrypt += </a:t>
-            </a:r>
-            <a:r>
-              <a:rPr lang="en-US" dirty="0" err="1">
-                <a:solidFill>
-                  <a:srgbClr val="8888C6"/>
-                </a:solidFill>
-                <a:latin typeface="Consolas" panose="020B0609020204030204" pitchFamily="49" charset="0"/>
-                <a:cs typeface="Consolas" panose="020B0609020204030204" pitchFamily="49" charset="0"/>
-              </a:rPr>
-              <a:t>chr</a:t>
-            </a:r>
-            <a:r>
-              <a:rPr lang="en-US" dirty="0">
-                <a:latin typeface="Consolas" panose="020B0609020204030204" pitchFamily="49" charset="0"/>
-                <a:cs typeface="Consolas" panose="020B0609020204030204" pitchFamily="49" charset="0"/>
-              </a:rPr>
-              <a:t>(</a:t>
-            </a:r>
-            <a:r>
-              <a:rPr lang="en-US" dirty="0" err="1">
-                <a:solidFill>
-                  <a:srgbClr val="8888C6"/>
-                </a:solidFill>
-                <a:latin typeface="Consolas" panose="020B0609020204030204" pitchFamily="49" charset="0"/>
-                <a:cs typeface="Consolas" panose="020B0609020204030204" pitchFamily="49" charset="0"/>
-              </a:rPr>
-              <a:t>ord</a:t>
-            </a:r>
-            <a:r>
-              <a:rPr lang="en-US" dirty="0">
-                <a:latin typeface="Consolas" panose="020B0609020204030204" pitchFamily="49" charset="0"/>
-                <a:cs typeface="Consolas" panose="020B0609020204030204" pitchFamily="49" charset="0"/>
-              </a:rPr>
-              <a:t>(char)+shift)</a:t>
-            </a:r>
-            <a:br>
-              <a:rPr lang="en-US" dirty="0">
-                <a:latin typeface="Consolas" panose="020B0609020204030204" pitchFamily="49" charset="0"/>
-                <a:cs typeface="Consolas" panose="020B0609020204030204" pitchFamily="49" charset="0"/>
-              </a:rPr>
-            </a:br>
-            <a:r>
-              <a:rPr lang="en-US" dirty="0">
-                <a:latin typeface="Consolas" panose="020B0609020204030204" pitchFamily="49" charset="0"/>
-                <a:cs typeface="Consolas" panose="020B0609020204030204" pitchFamily="49" charset="0"/>
-              </a:rPr>
-              <a:t>    </a:t>
-            </a:r>
-            <a:r>
-              <a:rPr lang="en-US" dirty="0">
-                <a:solidFill>
-                  <a:srgbClr val="CC7832"/>
-                </a:solidFill>
-                <a:latin typeface="Consolas" panose="020B0609020204030204" pitchFamily="49" charset="0"/>
-                <a:cs typeface="Consolas" panose="020B0609020204030204" pitchFamily="49" charset="0"/>
-              </a:rPr>
-              <a:t>return </a:t>
-            </a:r>
-            <a:r>
-              <a:rPr lang="en-US" dirty="0">
-                <a:latin typeface="Consolas" panose="020B0609020204030204" pitchFamily="49" charset="0"/>
-                <a:cs typeface="Consolas" panose="020B0609020204030204" pitchFamily="49" charset="0"/>
-              </a:rPr>
-              <a:t>encrypt</a:t>
-            </a:r>
-          </a:p>
-        </p:txBody>
-      </p:sp>
-      <p:sp>
-        <p:nvSpPr>
-          <p:cNvPr id="5" name="Rectangle 4">
-            <a:extLst>
-              <a:ext uri="{FF2B5EF4-FFF2-40B4-BE49-F238E27FC236}">
-                <a16:creationId xmlns:a16="http://schemas.microsoft.com/office/drawing/2014/main" id="{28E311D6-BABF-B247-879D-F9DB1309EE3E}"/>
-              </a:ext>
-            </a:extLst>
-          </p:cNvPr>
-          <p:cNvSpPr/>
-          <p:nvPr/>
-        </p:nvSpPr>
-        <p:spPr>
-          <a:xfrm>
-            <a:off x="3872089" y="3140208"/>
-            <a:ext cx="6908800" cy="3785652"/>
-          </a:xfrm>
-          <a:prstGeom prst="rect">
-            <a:avLst/>
-          </a:prstGeom>
-        </p:spPr>
-        <p:txBody>
-          <a:bodyPr>
-            <a:spAutoFit/>
-          </a:bodyPr>
-          <a:lstStyle/>
-          <a:p>
-            <a:r>
-              <a:rPr lang="en-US" dirty="0">
-                <a:solidFill>
-                  <a:srgbClr val="CC7832"/>
-                </a:solidFill>
-                <a:latin typeface="Consolas" panose="020B0609020204030204" pitchFamily="49" charset="0"/>
-                <a:cs typeface="Consolas" panose="020B0609020204030204" pitchFamily="49" charset="0"/>
-              </a:rPr>
-              <a:t>def </a:t>
-            </a:r>
-            <a:r>
-              <a:rPr lang="en-US" dirty="0" err="1">
-                <a:solidFill>
-                  <a:srgbClr val="FFC66D"/>
-                </a:solidFill>
-                <a:latin typeface="Consolas" panose="020B0609020204030204" pitchFamily="49" charset="0"/>
-                <a:cs typeface="Consolas" panose="020B0609020204030204" pitchFamily="49" charset="0"/>
-              </a:rPr>
-              <a:t>secure_message</a:t>
-            </a:r>
-            <a:r>
-              <a:rPr lang="en-US" dirty="0">
-                <a:latin typeface="Consolas" panose="020B0609020204030204" pitchFamily="49" charset="0"/>
-                <a:cs typeface="Consolas" panose="020B0609020204030204" pitchFamily="49" charset="0"/>
-              </a:rPr>
-              <a:t>(history</a:t>
-            </a:r>
-            <a:r>
-              <a:rPr lang="en-US" dirty="0">
-                <a:solidFill>
-                  <a:srgbClr val="CC7832"/>
-                </a:solidFill>
-                <a:latin typeface="Consolas" panose="020B0609020204030204" pitchFamily="49" charset="0"/>
-                <a:cs typeface="Consolas" panose="020B0609020204030204" pitchFamily="49" charset="0"/>
-              </a:rPr>
-              <a:t>, </a:t>
-            </a:r>
-            <a:r>
-              <a:rPr lang="en-US" dirty="0">
-                <a:latin typeface="Consolas" panose="020B0609020204030204" pitchFamily="49" charset="0"/>
-                <a:cs typeface="Consolas" panose="020B0609020204030204" pitchFamily="49" charset="0"/>
-              </a:rPr>
-              <a:t>key):</a:t>
-            </a:r>
-            <a:br>
-              <a:rPr lang="en-US" dirty="0">
-                <a:latin typeface="Consolas" panose="020B0609020204030204" pitchFamily="49" charset="0"/>
-                <a:cs typeface="Consolas" panose="020B0609020204030204" pitchFamily="49" charset="0"/>
-              </a:rPr>
-            </a:br>
-            <a:r>
-              <a:rPr lang="en-US" dirty="0">
-                <a:latin typeface="Consolas" panose="020B0609020204030204" pitchFamily="49" charset="0"/>
-                <a:cs typeface="Consolas" panose="020B0609020204030204" pitchFamily="49" charset="0"/>
-              </a:rPr>
-              <a:t>    encrypted = []</a:t>
-            </a:r>
-            <a:br>
-              <a:rPr lang="en-US" dirty="0">
-                <a:latin typeface="Consolas" panose="020B0609020204030204" pitchFamily="49" charset="0"/>
-                <a:cs typeface="Consolas" panose="020B0609020204030204" pitchFamily="49" charset="0"/>
-              </a:rPr>
-            </a:br>
-            <a:r>
-              <a:rPr lang="en-US" dirty="0">
-                <a:latin typeface="Consolas" panose="020B0609020204030204" pitchFamily="49" charset="0"/>
-                <a:cs typeface="Consolas" panose="020B0609020204030204" pitchFamily="49" charset="0"/>
-              </a:rPr>
-              <a:t>    </a:t>
-            </a:r>
-            <a:r>
-              <a:rPr lang="en-US" dirty="0">
-                <a:solidFill>
-                  <a:srgbClr val="CC7832"/>
-                </a:solidFill>
-                <a:latin typeface="Consolas" panose="020B0609020204030204" pitchFamily="49" charset="0"/>
-                <a:cs typeface="Consolas" panose="020B0609020204030204" pitchFamily="49" charset="0"/>
-              </a:rPr>
-              <a:t>for </a:t>
-            </a:r>
-            <a:r>
-              <a:rPr lang="en-US" dirty="0">
-                <a:latin typeface="Consolas" panose="020B0609020204030204" pitchFamily="49" charset="0"/>
-                <a:cs typeface="Consolas" panose="020B0609020204030204" pitchFamily="49" charset="0"/>
-              </a:rPr>
-              <a:t>msg </a:t>
-            </a:r>
-            <a:r>
-              <a:rPr lang="en-US" dirty="0">
-                <a:solidFill>
-                  <a:srgbClr val="CC7832"/>
-                </a:solidFill>
-                <a:latin typeface="Consolas" panose="020B0609020204030204" pitchFamily="49" charset="0"/>
-                <a:cs typeface="Consolas" panose="020B0609020204030204" pitchFamily="49" charset="0"/>
-              </a:rPr>
-              <a:t>in </a:t>
-            </a:r>
-            <a:r>
-              <a:rPr lang="en-US" dirty="0">
-                <a:latin typeface="Consolas" panose="020B0609020204030204" pitchFamily="49" charset="0"/>
-                <a:cs typeface="Consolas" panose="020B0609020204030204" pitchFamily="49" charset="0"/>
-              </a:rPr>
-              <a:t>history:</a:t>
-            </a:r>
-            <a:br>
-              <a:rPr lang="en-US" dirty="0">
-                <a:latin typeface="Consolas" panose="020B0609020204030204" pitchFamily="49" charset="0"/>
-                <a:cs typeface="Consolas" panose="020B0609020204030204" pitchFamily="49" charset="0"/>
-              </a:rPr>
-            </a:br>
-            <a:r>
-              <a:rPr lang="en-US" dirty="0">
-                <a:latin typeface="Consolas" panose="020B0609020204030204" pitchFamily="49" charset="0"/>
-                <a:cs typeface="Consolas" panose="020B0609020204030204" pitchFamily="49" charset="0"/>
-              </a:rPr>
-              <a:t>        encrypted += </a:t>
-            </a:r>
-            <a:r>
-              <a:rPr lang="en-US" dirty="0" err="1">
-                <a:latin typeface="Consolas" panose="020B0609020204030204" pitchFamily="49" charset="0"/>
-                <a:cs typeface="Consolas" panose="020B0609020204030204" pitchFamily="49" charset="0"/>
-              </a:rPr>
-              <a:t>simple_cipher</a:t>
-            </a:r>
-            <a:r>
-              <a:rPr lang="en-US" dirty="0">
-                <a:latin typeface="Consolas" panose="020B0609020204030204" pitchFamily="49" charset="0"/>
-                <a:cs typeface="Consolas" panose="020B0609020204030204" pitchFamily="49" charset="0"/>
-              </a:rPr>
-              <a:t>(msg</a:t>
-            </a:r>
-            <a:r>
-              <a:rPr lang="en-US" dirty="0">
-                <a:solidFill>
-                  <a:srgbClr val="CC7832"/>
-                </a:solidFill>
-                <a:latin typeface="Consolas" panose="020B0609020204030204" pitchFamily="49" charset="0"/>
-                <a:cs typeface="Consolas" panose="020B0609020204030204" pitchFamily="49" charset="0"/>
-              </a:rPr>
-              <a:t>, </a:t>
-            </a:r>
-            <a:r>
-              <a:rPr lang="en-US" dirty="0">
-                <a:latin typeface="Consolas" panose="020B0609020204030204" pitchFamily="49" charset="0"/>
-                <a:cs typeface="Consolas" panose="020B0609020204030204" pitchFamily="49" charset="0"/>
-              </a:rPr>
-              <a:t>key)</a:t>
-            </a:r>
-            <a:br>
-              <a:rPr lang="en-US" dirty="0">
-                <a:latin typeface="Consolas" panose="020B0609020204030204" pitchFamily="49" charset="0"/>
-                <a:cs typeface="Consolas" panose="020B0609020204030204" pitchFamily="49" charset="0"/>
-              </a:rPr>
-            </a:br>
-            <a:r>
-              <a:rPr lang="en-US" dirty="0">
-                <a:latin typeface="Consolas" panose="020B0609020204030204" pitchFamily="49" charset="0"/>
-                <a:cs typeface="Consolas" panose="020B0609020204030204" pitchFamily="49" charset="0"/>
-              </a:rPr>
-              <a:t>    </a:t>
-            </a:r>
-            <a:r>
-              <a:rPr lang="en-US" dirty="0">
-                <a:solidFill>
-                  <a:srgbClr val="CC7832"/>
-                </a:solidFill>
-                <a:latin typeface="Consolas" panose="020B0609020204030204" pitchFamily="49" charset="0"/>
-                <a:cs typeface="Consolas" panose="020B0609020204030204" pitchFamily="49" charset="0"/>
-              </a:rPr>
-              <a:t>return </a:t>
-            </a:r>
-            <a:r>
-              <a:rPr lang="en-US" dirty="0">
-                <a:latin typeface="Consolas" panose="020B0609020204030204" pitchFamily="49" charset="0"/>
-                <a:cs typeface="Consolas" panose="020B0609020204030204" pitchFamily="49" charset="0"/>
-              </a:rPr>
-              <a:t>encrypted</a:t>
-            </a:r>
-            <a:br>
-              <a:rPr lang="en-US" dirty="0">
-                <a:latin typeface="Consolas" panose="020B0609020204030204" pitchFamily="49" charset="0"/>
-                <a:cs typeface="Consolas" panose="020B0609020204030204" pitchFamily="49" charset="0"/>
-              </a:rPr>
-            </a:br>
-            <a:r>
-              <a:rPr lang="en-US" dirty="0">
-                <a:latin typeface="Consolas" panose="020B0609020204030204" pitchFamily="49" charset="0"/>
-                <a:cs typeface="Consolas" panose="020B0609020204030204" pitchFamily="49" charset="0"/>
-              </a:rPr>
-              <a:t>    </a:t>
-            </a:r>
-            <a:br>
-              <a:rPr lang="en-US" dirty="0">
-                <a:latin typeface="Consolas" panose="020B0609020204030204" pitchFamily="49" charset="0"/>
-                <a:cs typeface="Consolas" panose="020B0609020204030204" pitchFamily="49" charset="0"/>
-              </a:rPr>
-            </a:br>
-            <a:r>
-              <a:rPr lang="en-US" dirty="0">
-                <a:solidFill>
-                  <a:srgbClr val="CC7832"/>
-                </a:solidFill>
-                <a:latin typeface="Consolas" panose="020B0609020204030204" pitchFamily="49" charset="0"/>
-                <a:cs typeface="Consolas" panose="020B0609020204030204" pitchFamily="49" charset="0"/>
-              </a:rPr>
-              <a:t>def </a:t>
-            </a:r>
-            <a:r>
-              <a:rPr lang="en-US" dirty="0" err="1">
-                <a:solidFill>
-                  <a:srgbClr val="FFC66D"/>
-                </a:solidFill>
-                <a:latin typeface="Consolas" panose="020B0609020204030204" pitchFamily="49" charset="0"/>
-                <a:cs typeface="Consolas" panose="020B0609020204030204" pitchFamily="49" charset="0"/>
-              </a:rPr>
-              <a:t>decode_message</a:t>
-            </a:r>
-            <a:r>
-              <a:rPr lang="en-US" dirty="0">
-                <a:latin typeface="Consolas" panose="020B0609020204030204" pitchFamily="49" charset="0"/>
-                <a:cs typeface="Consolas" panose="020B0609020204030204" pitchFamily="49" charset="0"/>
-              </a:rPr>
-              <a:t>(history</a:t>
-            </a:r>
-            <a:r>
-              <a:rPr lang="en-US" dirty="0">
-                <a:solidFill>
-                  <a:srgbClr val="CC7832"/>
-                </a:solidFill>
-                <a:latin typeface="Consolas" panose="020B0609020204030204" pitchFamily="49" charset="0"/>
-                <a:cs typeface="Consolas" panose="020B0609020204030204" pitchFamily="49" charset="0"/>
-              </a:rPr>
-              <a:t>, </a:t>
-            </a:r>
-            <a:r>
-              <a:rPr lang="en-US" dirty="0">
-                <a:latin typeface="Consolas" panose="020B0609020204030204" pitchFamily="49" charset="0"/>
-                <a:cs typeface="Consolas" panose="020B0609020204030204" pitchFamily="49" charset="0"/>
-              </a:rPr>
-              <a:t>key):</a:t>
-            </a:r>
-            <a:br>
-              <a:rPr lang="en-US" dirty="0">
-                <a:latin typeface="Consolas" panose="020B0609020204030204" pitchFamily="49" charset="0"/>
-                <a:cs typeface="Consolas" panose="020B0609020204030204" pitchFamily="49" charset="0"/>
-              </a:rPr>
-            </a:br>
-            <a:r>
-              <a:rPr lang="en-US" dirty="0">
-                <a:latin typeface="Consolas" panose="020B0609020204030204" pitchFamily="49" charset="0"/>
-                <a:cs typeface="Consolas" panose="020B0609020204030204" pitchFamily="49" charset="0"/>
-              </a:rPr>
-              <a:t>    decoded = []</a:t>
-            </a:r>
-            <a:br>
-              <a:rPr lang="en-US" dirty="0">
-                <a:latin typeface="Consolas" panose="020B0609020204030204" pitchFamily="49" charset="0"/>
-                <a:cs typeface="Consolas" panose="020B0609020204030204" pitchFamily="49" charset="0"/>
-              </a:rPr>
-            </a:br>
-            <a:r>
-              <a:rPr lang="en-US" dirty="0">
-                <a:latin typeface="Consolas" panose="020B0609020204030204" pitchFamily="49" charset="0"/>
-                <a:cs typeface="Consolas" panose="020B0609020204030204" pitchFamily="49" charset="0"/>
-              </a:rPr>
-              <a:t>    </a:t>
-            </a:r>
-            <a:r>
-              <a:rPr lang="en-US" dirty="0">
-                <a:solidFill>
-                  <a:srgbClr val="CC7832"/>
-                </a:solidFill>
-                <a:latin typeface="Consolas" panose="020B0609020204030204" pitchFamily="49" charset="0"/>
-                <a:cs typeface="Consolas" panose="020B0609020204030204" pitchFamily="49" charset="0"/>
-              </a:rPr>
-              <a:t>for </a:t>
-            </a:r>
-            <a:r>
-              <a:rPr lang="en-US" dirty="0">
-                <a:latin typeface="Consolas" panose="020B0609020204030204" pitchFamily="49" charset="0"/>
-                <a:cs typeface="Consolas" panose="020B0609020204030204" pitchFamily="49" charset="0"/>
-              </a:rPr>
-              <a:t>msg </a:t>
-            </a:r>
-            <a:r>
-              <a:rPr lang="en-US" dirty="0">
-                <a:solidFill>
-                  <a:srgbClr val="CC7832"/>
-                </a:solidFill>
-                <a:latin typeface="Consolas" panose="020B0609020204030204" pitchFamily="49" charset="0"/>
-                <a:cs typeface="Consolas" panose="020B0609020204030204" pitchFamily="49" charset="0"/>
-              </a:rPr>
-              <a:t>in </a:t>
-            </a:r>
-            <a:r>
-              <a:rPr lang="en-US" dirty="0">
-                <a:latin typeface="Consolas" panose="020B0609020204030204" pitchFamily="49" charset="0"/>
-                <a:cs typeface="Consolas" panose="020B0609020204030204" pitchFamily="49" charset="0"/>
-              </a:rPr>
-              <a:t>history:</a:t>
-            </a:r>
-            <a:br>
-              <a:rPr lang="en-US" dirty="0">
-                <a:latin typeface="Consolas" panose="020B0609020204030204" pitchFamily="49" charset="0"/>
-                <a:cs typeface="Consolas" panose="020B0609020204030204" pitchFamily="49" charset="0"/>
-              </a:rPr>
-            </a:br>
-            <a:r>
-              <a:rPr lang="en-US" dirty="0">
-                <a:latin typeface="Consolas" panose="020B0609020204030204" pitchFamily="49" charset="0"/>
-                <a:cs typeface="Consolas" panose="020B0609020204030204" pitchFamily="49" charset="0"/>
-              </a:rPr>
-              <a:t>        decoded  +=  </a:t>
-            </a:r>
-            <a:r>
-              <a:rPr lang="en-US" dirty="0" err="1">
-                <a:latin typeface="Consolas" panose="020B0609020204030204" pitchFamily="49" charset="0"/>
-                <a:cs typeface="Consolas" panose="020B0609020204030204" pitchFamily="49" charset="0"/>
-              </a:rPr>
-              <a:t>simple_cipher</a:t>
-            </a:r>
-            <a:r>
-              <a:rPr lang="en-US" dirty="0">
-                <a:latin typeface="Consolas" panose="020B0609020204030204" pitchFamily="49" charset="0"/>
-                <a:cs typeface="Consolas" panose="020B0609020204030204" pitchFamily="49" charset="0"/>
-              </a:rPr>
-              <a:t>(msg</a:t>
-            </a:r>
-            <a:r>
-              <a:rPr lang="en-US" dirty="0">
-                <a:solidFill>
-                  <a:srgbClr val="CC7832"/>
-                </a:solidFill>
-                <a:latin typeface="Consolas" panose="020B0609020204030204" pitchFamily="49" charset="0"/>
-                <a:cs typeface="Consolas" panose="020B0609020204030204" pitchFamily="49" charset="0"/>
-              </a:rPr>
-              <a:t>, </a:t>
-            </a:r>
-            <a:r>
-              <a:rPr lang="en-US" dirty="0">
-                <a:latin typeface="Consolas" panose="020B0609020204030204" pitchFamily="49" charset="0"/>
-                <a:cs typeface="Consolas" panose="020B0609020204030204" pitchFamily="49" charset="0"/>
-              </a:rPr>
-              <a:t>-key)</a:t>
-            </a:r>
-            <a:br>
-              <a:rPr lang="en-US" dirty="0">
-                <a:latin typeface="Consolas" panose="020B0609020204030204" pitchFamily="49" charset="0"/>
-                <a:cs typeface="Consolas" panose="020B0609020204030204" pitchFamily="49" charset="0"/>
-              </a:rPr>
-            </a:br>
-            <a:r>
-              <a:rPr lang="en-US" dirty="0">
-                <a:latin typeface="Consolas" panose="020B0609020204030204" pitchFamily="49" charset="0"/>
-                <a:cs typeface="Consolas" panose="020B0609020204030204" pitchFamily="49" charset="0"/>
-              </a:rPr>
-              <a:t>    </a:t>
-            </a:r>
-            <a:r>
-              <a:rPr lang="en-US" dirty="0">
-                <a:solidFill>
-                  <a:srgbClr val="CC7832"/>
-                </a:solidFill>
-                <a:latin typeface="Consolas" panose="020B0609020204030204" pitchFamily="49" charset="0"/>
-                <a:cs typeface="Consolas" panose="020B0609020204030204" pitchFamily="49" charset="0"/>
-              </a:rPr>
-              <a:t>return </a:t>
-            </a:r>
-            <a:r>
-              <a:rPr lang="en-US" dirty="0">
-                <a:latin typeface="Consolas" panose="020B0609020204030204" pitchFamily="49" charset="0"/>
-                <a:cs typeface="Consolas" panose="020B0609020204030204" pitchFamily="49" charset="0"/>
-              </a:rPr>
-              <a:t>decoded</a:t>
-            </a:r>
-            <a:br>
-              <a:rPr lang="en-US" dirty="0">
-                <a:latin typeface="Consolas" panose="020B0609020204030204" pitchFamily="49" charset="0"/>
-                <a:cs typeface="Consolas" panose="020B0609020204030204" pitchFamily="49" charset="0"/>
-              </a:rPr>
-            </a:br>
-            <a:r>
-              <a:rPr lang="en-US" dirty="0">
-                <a:latin typeface="Consolas" panose="020B0609020204030204" pitchFamily="49" charset="0"/>
-                <a:cs typeface="Consolas" panose="020B0609020204030204" pitchFamily="49" charset="0"/>
-              </a:rPr>
-              <a:t> </a:t>
-            </a:r>
-          </a:p>
-        </p:txBody>
-      </p:sp>
-    </p:spTree>
-    <p:extLst>
-      <p:ext uri="{BB962C8B-B14F-4D97-AF65-F5344CB8AC3E}">
-        <p14:creationId xmlns:p14="http://schemas.microsoft.com/office/powerpoint/2010/main" val="1739107970"/>
+        <p14:creationId xmlns:p14="http://schemas.microsoft.com/office/powerpoint/2010/main" val="1571158271"/>
       </p:ext>
     </p:extLst>
   </p:cSld>

--- a/Slides/On-Campus/06_01_ListsAndLoops.pptx
+++ b/Slides/On-Campus/06_01_ListsAndLoops.pptx
@@ -5,25 +5,26 @@
     <p:sldMasterId id="2147483648" r:id="rId1"/>
   </p:sldMasterIdLst>
   <p:notesMasterIdLst>
-    <p:notesMasterId r:id="rId15"/>
+    <p:notesMasterId r:id="rId16"/>
   </p:notesMasterIdLst>
   <p:handoutMasterIdLst>
-    <p:handoutMasterId r:id="rId16"/>
+    <p:handoutMasterId r:id="rId17"/>
   </p:handoutMasterIdLst>
   <p:sldIdLst>
     <p:sldId id="256" r:id="rId2"/>
-    <p:sldId id="269" r:id="rId3"/>
-    <p:sldId id="266" r:id="rId4"/>
-    <p:sldId id="270" r:id="rId5"/>
-    <p:sldId id="268" r:id="rId6"/>
-    <p:sldId id="271" r:id="rId7"/>
-    <p:sldId id="257" r:id="rId8"/>
-    <p:sldId id="258" r:id="rId9"/>
-    <p:sldId id="273" r:id="rId10"/>
-    <p:sldId id="260" r:id="rId11"/>
-    <p:sldId id="261" r:id="rId12"/>
-    <p:sldId id="272" r:id="rId13"/>
-    <p:sldId id="262" r:id="rId14"/>
+    <p:sldId id="274" r:id="rId3"/>
+    <p:sldId id="269" r:id="rId4"/>
+    <p:sldId id="266" r:id="rId5"/>
+    <p:sldId id="270" r:id="rId6"/>
+    <p:sldId id="268" r:id="rId7"/>
+    <p:sldId id="271" r:id="rId8"/>
+    <p:sldId id="257" r:id="rId9"/>
+    <p:sldId id="258" r:id="rId10"/>
+    <p:sldId id="273" r:id="rId11"/>
+    <p:sldId id="260" r:id="rId12"/>
+    <p:sldId id="261" r:id="rId13"/>
+    <p:sldId id="272" r:id="rId14"/>
+    <p:sldId id="262" r:id="rId15"/>
   </p:sldIdLst>
   <p:sldSz cx="13817600" cy="7772400"/>
   <p:notesSz cx="6858000" cy="9144000"/>
@@ -226,7 +227,7 @@
           <a:p>
             <a:fld id="{4D7E51A5-B478-1E40-8CBB-0DAA8831E99D}" type="datetimeFigureOut">
               <a:rPr lang="en-US" smtClean="0"/>
-              <a:t>9/27/2021</a:t>
+              <a:t>9/28/2021</a:t>
             </a:fld>
             <a:endParaRPr lang="en-US"/>
           </a:p>
@@ -391,7 +392,7 @@
           <a:p>
             <a:fld id="{D0ED587F-861E-6740-9643-E3DDAE89B8D6}" type="datetimeFigureOut">
               <a:rPr lang="en-US" smtClean="0"/>
-              <a:t>9/27/2021</a:t>
+              <a:t>9/28/2021</a:t>
             </a:fld>
             <a:endParaRPr lang="en-US"/>
           </a:p>
@@ -7445,6 +7446,178 @@
           <p:cNvPr id="2" name="Title 1">
             <a:extLst>
               <a:ext uri="{FF2B5EF4-FFF2-40B4-BE49-F238E27FC236}">
+                <a16:creationId xmlns:a16="http://schemas.microsoft.com/office/drawing/2014/main" id="{0F5D872D-0307-4ABC-95FF-6C337C368D3D}"/>
+              </a:ext>
+            </a:extLst>
+          </p:cNvPr>
+          <p:cNvSpPr>
+            <a:spLocks noGrp="1"/>
+          </p:cNvSpPr>
+          <p:nvPr>
+            <p:ph type="title"/>
+          </p:nvPr>
+        </p:nvSpPr>
+        <p:spPr/>
+        <p:txBody>
+          <a:bodyPr/>
+          <a:lstStyle/>
+          <a:p>
+            <a:r>
+              <a:rPr lang="en-US" dirty="0"/>
+              <a:t>Practice</a:t>
+            </a:r>
+          </a:p>
+        </p:txBody>
+      </p:sp>
+      <p:sp>
+        <p:nvSpPr>
+          <p:cNvPr id="3" name="Text Placeholder 2">
+            <a:extLst>
+              <a:ext uri="{FF2B5EF4-FFF2-40B4-BE49-F238E27FC236}">
+                <a16:creationId xmlns:a16="http://schemas.microsoft.com/office/drawing/2014/main" id="{171CB4FE-B20C-458D-A95D-F03B5E6A0138}"/>
+              </a:ext>
+            </a:extLst>
+          </p:cNvPr>
+          <p:cNvSpPr>
+            <a:spLocks noGrp="1"/>
+          </p:cNvSpPr>
+          <p:nvPr>
+            <p:ph type="body" sz="quarter" idx="10"/>
+          </p:nvPr>
+        </p:nvSpPr>
+        <p:spPr>
+          <a:xfrm>
+            <a:off x="628075" y="1776683"/>
+            <a:ext cx="12561453" cy="2912849"/>
+          </a:xfrm>
+        </p:spPr>
+        <p:txBody>
+          <a:bodyPr/>
+          <a:lstStyle/>
+          <a:p>
+            <a:r>
+              <a:rPr lang="en-US" dirty="0"/>
+              <a:t>In a python coding window (</a:t>
+            </a:r>
+            <a:r>
+              <a:rPr lang="en-US" dirty="0" err="1"/>
+              <a:t>zybooks</a:t>
+            </a:r>
+            <a:r>
+              <a:rPr lang="en-US" dirty="0"/>
+              <a:t>)</a:t>
+            </a:r>
+          </a:p>
+          <a:p>
+            <a:r>
+              <a:rPr lang="en-US" dirty="0"/>
+              <a:t>Create list with each of your names as elements</a:t>
+            </a:r>
+          </a:p>
+          <a:p>
+            <a:r>
+              <a:rPr lang="en-US" dirty="0"/>
+              <a:t>Print the smallest name</a:t>
+            </a:r>
+          </a:p>
+          <a:p>
+            <a:r>
+              <a:rPr lang="en-US" dirty="0"/>
+              <a:t>Print the largest name</a:t>
+            </a:r>
+          </a:p>
+          <a:p>
+            <a:r>
+              <a:rPr lang="en-US" dirty="0"/>
+              <a:t>Will it allow you to ‘sum’ the list?</a:t>
+            </a:r>
+          </a:p>
+          <a:p>
+            <a:pPr lvl="1"/>
+            <a:r>
+              <a:rPr lang="en-US" dirty="0"/>
+              <a:t>A for yes, B for no</a:t>
+            </a:r>
+          </a:p>
+        </p:txBody>
+      </p:sp>
+      <p:pic>
+        <p:nvPicPr>
+          <p:cNvPr id="5" name="Picture 4">
+            <a:extLst>
+              <a:ext uri="{FF2B5EF4-FFF2-40B4-BE49-F238E27FC236}">
+                <a16:creationId xmlns:a16="http://schemas.microsoft.com/office/drawing/2014/main" id="{591E3F6D-1046-4FEE-B439-6F14FD0ED3A2}"/>
+              </a:ext>
+            </a:extLst>
+          </p:cNvPr>
+          <p:cNvPicPr>
+            <a:picLocks noChangeAspect="1"/>
+          </p:cNvPicPr>
+          <p:nvPr/>
+        </p:nvPicPr>
+        <p:blipFill>
+          <a:blip r:embed="rId2"/>
+          <a:stretch>
+            <a:fillRect/>
+          </a:stretch>
+        </p:blipFill>
+        <p:spPr>
+          <a:xfrm>
+            <a:off x="6791158" y="127100"/>
+            <a:ext cx="7026442" cy="1469472"/>
+          </a:xfrm>
+          <a:prstGeom prst="rect">
+            <a:avLst/>
+          </a:prstGeom>
+        </p:spPr>
+      </p:pic>
+    </p:spTree>
+    <p:extLst>
+      <p:ext uri="{BB962C8B-B14F-4D97-AF65-F5344CB8AC3E}">
+        <p14:creationId xmlns:p14="http://schemas.microsoft.com/office/powerpoint/2010/main" val="1571158271"/>
+      </p:ext>
+    </p:extLst>
+  </p:cSld>
+  <p:clrMapOvr>
+    <a:masterClrMapping/>
+  </p:clrMapOvr>
+  <mc:AlternateContent xmlns:mc="http://schemas.openxmlformats.org/markup-compatibility/2006" xmlns:p14="http://schemas.microsoft.com/office/powerpoint/2010/main">
+    <mc:Choice Requires="p14">
+      <p:transition p14:dur="300">
+        <p:fade/>
+      </p:transition>
+    </mc:Choice>
+    <mc:Fallback xmlns="">
+      <p:transition>
+        <p:fade/>
+      </p:transition>
+    </mc:Fallback>
+  </mc:AlternateContent>
+</p:sld>
+</file>
+
+<file path=ppt/slides/slide11.xml><?xml version="1.0" encoding="utf-8"?>
+<p:sld xmlns:a="http://schemas.openxmlformats.org/drawingml/2006/main" xmlns:r="http://schemas.openxmlformats.org/officeDocument/2006/relationships" xmlns:p="http://schemas.openxmlformats.org/presentationml/2006/main">
+  <p:cSld>
+    <p:spTree>
+      <p:nvGrpSpPr>
+        <p:cNvPr id="1" name=""/>
+        <p:cNvGrpSpPr/>
+        <p:nvPr/>
+      </p:nvGrpSpPr>
+      <p:grpSpPr>
+        <a:xfrm>
+          <a:off x="0" y="0"/>
+          <a:ext cx="0" cy="0"/>
+          <a:chOff x="0" y="0"/>
+          <a:chExt cx="0" cy="0"/>
+        </a:xfrm>
+      </p:grpSpPr>
+      <p:sp>
+        <p:nvSpPr>
+          <p:cNvPr id="2" name="Title 1">
+            <a:extLst>
+              <a:ext uri="{FF2B5EF4-FFF2-40B4-BE49-F238E27FC236}">
                 <a16:creationId xmlns:a16="http://schemas.microsoft.com/office/drawing/2014/main" id="{0637E8C1-DE0C-9042-919B-3B548EFCE4CF}"/>
               </a:ext>
             </a:extLst>
@@ -8366,7 +8539,7 @@
 </p:sld>
 </file>
 
-<file path=ppt/slides/slide11.xml><?xml version="1.0" encoding="utf-8"?>
+<file path=ppt/slides/slide12.xml><?xml version="1.0" encoding="utf-8"?>
 <p:sld xmlns:a="http://schemas.openxmlformats.org/drawingml/2006/main" xmlns:r="http://schemas.openxmlformats.org/officeDocument/2006/relationships" xmlns:p="http://schemas.openxmlformats.org/presentationml/2006/main">
   <p:cSld>
     <p:spTree>
@@ -9428,7 +9601,7 @@
 </p:sld>
 </file>
 
-<file path=ppt/slides/slide12.xml><?xml version="1.0" encoding="utf-8"?>
+<file path=ppt/slides/slide13.xml><?xml version="1.0" encoding="utf-8"?>
 <p:sld xmlns:a="http://schemas.openxmlformats.org/drawingml/2006/main" xmlns:r="http://schemas.openxmlformats.org/officeDocument/2006/relationships" xmlns:p="http://schemas.openxmlformats.org/presentationml/2006/main">
   <p:cSld>
     <p:spTree>
@@ -9559,7 +9732,7 @@
 </p:sld>
 </file>
 
-<file path=ppt/slides/slide13.xml><?xml version="1.0" encoding="utf-8"?>
+<file path=ppt/slides/slide14.xml><?xml version="1.0" encoding="utf-8"?>
 <p:sld xmlns:a="http://schemas.openxmlformats.org/drawingml/2006/main" xmlns:r="http://schemas.openxmlformats.org/officeDocument/2006/relationships" xmlns:p="http://schemas.openxmlformats.org/presentationml/2006/main" show="0">
   <p:cSld>
     <p:spTree>
@@ -10259,13 +10432,13 @@
   <p:clrMapOvr>
     <a:masterClrMapping/>
   </p:clrMapOvr>
-  <mc:AlternateContent xmlns:mc="http://schemas.openxmlformats.org/markup-compatibility/2006">
-    <mc:Choice xmlns:p14="http://schemas.microsoft.com/office/powerpoint/2010/main" Requires="p14">
+  <mc:AlternateContent xmlns:mc="http://schemas.openxmlformats.org/markup-compatibility/2006" xmlns:p14="http://schemas.microsoft.com/office/powerpoint/2010/main">
+    <mc:Choice Requires="p14">
       <p:transition p14:dur="300">
         <p:fade/>
       </p:transition>
     </mc:Choice>
-    <mc:Fallback>
+    <mc:Fallback xmlns="">
       <p:transition>
         <p:fade/>
       </p:transition>
@@ -10275,6 +10448,304 @@
 </file>
 
 <file path=ppt/slides/slide2.xml><?xml version="1.0" encoding="utf-8"?>
+<p:sld xmlns:a="http://schemas.openxmlformats.org/drawingml/2006/main" xmlns:r="http://schemas.openxmlformats.org/officeDocument/2006/relationships" xmlns:p="http://schemas.openxmlformats.org/presentationml/2006/main">
+  <p:cSld>
+    <p:spTree>
+      <p:nvGrpSpPr>
+        <p:cNvPr id="1" name=""/>
+        <p:cNvGrpSpPr/>
+        <p:nvPr/>
+      </p:nvGrpSpPr>
+      <p:grpSpPr>
+        <a:xfrm>
+          <a:off x="0" y="0"/>
+          <a:ext cx="0" cy="0"/>
+          <a:chOff x="0" y="0"/>
+          <a:chExt cx="0" cy="0"/>
+        </a:xfrm>
+      </p:grpSpPr>
+      <p:sp>
+        <p:nvSpPr>
+          <p:cNvPr id="4" name="Title 3">
+            <a:extLst>
+              <a:ext uri="{FF2B5EF4-FFF2-40B4-BE49-F238E27FC236}">
+                <a16:creationId xmlns:a16="http://schemas.microsoft.com/office/drawing/2014/main" id="{119AD8F2-D5DB-A84B-A5B3-F7935E3E6D1D}"/>
+              </a:ext>
+            </a:extLst>
+          </p:cNvPr>
+          <p:cNvSpPr>
+            <a:spLocks noGrp="1"/>
+          </p:cNvSpPr>
+          <p:nvPr>
+            <p:ph type="title"/>
+          </p:nvPr>
+        </p:nvSpPr>
+        <p:spPr>
+          <a:xfrm>
+            <a:off x="628076" y="607804"/>
+            <a:ext cx="5642096" cy="916848"/>
+          </a:xfrm>
+        </p:spPr>
+        <p:txBody>
+          <a:bodyPr/>
+          <a:lstStyle/>
+          <a:p>
+            <a:r>
+              <a:rPr lang="en-US" dirty="0"/>
+              <a:t>Announcements</a:t>
+            </a:r>
+          </a:p>
+        </p:txBody>
+      </p:sp>
+      <p:sp>
+        <p:nvSpPr>
+          <p:cNvPr id="5" name="Text Placeholder 4">
+            <a:extLst>
+              <a:ext uri="{FF2B5EF4-FFF2-40B4-BE49-F238E27FC236}">
+                <a16:creationId xmlns:a16="http://schemas.microsoft.com/office/drawing/2014/main" id="{1BBD0DB5-379A-304F-9307-E7B1A89B08F7}"/>
+              </a:ext>
+            </a:extLst>
+          </p:cNvPr>
+          <p:cNvSpPr>
+            <a:spLocks noGrp="1"/>
+          </p:cNvSpPr>
+          <p:nvPr>
+            <p:ph type="body" idx="1"/>
+          </p:nvPr>
+        </p:nvSpPr>
+        <p:spPr>
+          <a:xfrm>
+            <a:off x="628075" y="1647163"/>
+            <a:ext cx="8395419" cy="4379259"/>
+          </a:xfrm>
+        </p:spPr>
+        <p:txBody>
+          <a:bodyPr/>
+          <a:lstStyle/>
+          <a:p>
+            <a:pPr marL="930762" lvl="1" indent="0">
+              <a:buNone/>
+            </a:pPr>
+            <a:endParaRPr lang="en-US" dirty="0"/>
+          </a:p>
+          <a:p>
+            <a:r>
+              <a:rPr lang="en-US" dirty="0"/>
+              <a:t>Reminder – readings are due </a:t>
+            </a:r>
+            <a:r>
+              <a:rPr lang="en-US" b="1" dirty="0"/>
+              <a:t>before</a:t>
+            </a:r>
+            <a:r>
+              <a:rPr lang="en-US" dirty="0"/>
+              <a:t> lecture</a:t>
+            </a:r>
+          </a:p>
+          <a:p>
+            <a:pPr lvl="1"/>
+            <a:r>
+              <a:rPr lang="en-US" dirty="0"/>
+              <a:t>You don’t have to do all of it - challenge problems can be challenging…</a:t>
+            </a:r>
+          </a:p>
+          <a:p>
+            <a:pPr lvl="1"/>
+            <a:r>
+              <a:rPr lang="en-US" dirty="0"/>
+              <a:t>You can return to them. </a:t>
+            </a:r>
+          </a:p>
+          <a:p>
+            <a:pPr lvl="1"/>
+            <a:r>
+              <a:rPr lang="en-US" dirty="0"/>
+              <a:t>We start off each lecture with a quiz from your reading! </a:t>
+            </a:r>
+          </a:p>
+          <a:p>
+            <a:r>
+              <a:rPr lang="en-US" dirty="0"/>
+              <a:t>Make sure to review knowledge checks and spread out their use! </a:t>
+            </a:r>
+          </a:p>
+          <a:p>
+            <a:endParaRPr lang="en-US" dirty="0"/>
+          </a:p>
+          <a:p>
+            <a:r>
+              <a:rPr lang="en-US" dirty="0"/>
+              <a:t>Grace Hopper Celebration – Check Canvas Announcement</a:t>
+            </a:r>
+          </a:p>
+        </p:txBody>
+      </p:sp>
+      <p:sp>
+        <p:nvSpPr>
+          <p:cNvPr id="6" name="TextBox 5">
+            <a:extLst>
+              <a:ext uri="{FF2B5EF4-FFF2-40B4-BE49-F238E27FC236}">
+                <a16:creationId xmlns:a16="http://schemas.microsoft.com/office/drawing/2014/main" id="{32A3B87A-BBC0-704B-AC99-3984206450D5}"/>
+              </a:ext>
+            </a:extLst>
+          </p:cNvPr>
+          <p:cNvSpPr txBox="1"/>
+          <p:nvPr/>
+        </p:nvSpPr>
+        <p:spPr>
+          <a:xfrm>
+            <a:off x="9744412" y="2150737"/>
+            <a:ext cx="3892958" cy="2882712"/>
+          </a:xfrm>
+          <a:prstGeom prst="rect">
+            <a:avLst/>
+          </a:prstGeom>
+          <a:noFill/>
+        </p:spPr>
+        <p:txBody>
+          <a:bodyPr wrap="square" rtlCol="0">
+            <a:spAutoFit/>
+          </a:bodyPr>
+          <a:lstStyle/>
+          <a:p>
+            <a:r>
+              <a:rPr lang="en-US" sz="3022" dirty="0" err="1"/>
+              <a:t>Todo</a:t>
+            </a:r>
+            <a:r>
+              <a:rPr lang="en-US" sz="3022" dirty="0"/>
+              <a:t>:</a:t>
+            </a:r>
+          </a:p>
+          <a:p>
+            <a:r>
+              <a:rPr lang="en-US" sz="3022" dirty="0"/>
+              <a:t>Start on Inclusive Design Paper (due next week)</a:t>
+            </a:r>
+          </a:p>
+          <a:p>
+            <a:endParaRPr lang="en-US" sz="3022" dirty="0"/>
+          </a:p>
+          <a:p>
+            <a:endParaRPr lang="en-US" sz="3022" dirty="0"/>
+          </a:p>
+        </p:txBody>
+      </p:sp>
+      <p:sp>
+        <p:nvSpPr>
+          <p:cNvPr id="3" name="TextBox 2">
+            <a:extLst>
+              <a:ext uri="{FF2B5EF4-FFF2-40B4-BE49-F238E27FC236}">
+                <a16:creationId xmlns:a16="http://schemas.microsoft.com/office/drawing/2014/main" id="{219403AF-FCA0-4FAD-B2CD-E3D24CF8DD27}"/>
+              </a:ext>
+            </a:extLst>
+          </p:cNvPr>
+          <p:cNvSpPr txBox="1"/>
+          <p:nvPr/>
+        </p:nvSpPr>
+        <p:spPr>
+          <a:xfrm>
+            <a:off x="628075" y="6148934"/>
+            <a:ext cx="10580915" cy="1015663"/>
+          </a:xfrm>
+          <a:prstGeom prst="rect">
+            <a:avLst/>
+          </a:prstGeom>
+          <a:noFill/>
+        </p:spPr>
+        <p:txBody>
+          <a:bodyPr wrap="square" rtlCol="0">
+            <a:spAutoFit/>
+          </a:bodyPr>
+          <a:lstStyle/>
+          <a:p>
+            <a:r>
+              <a:rPr lang="en-US" dirty="0"/>
+              <a:t>CS 164 – Next Course In Sequence, also consider CS 220 (math and stats especially) </a:t>
+            </a:r>
+          </a:p>
+          <a:p>
+            <a:r>
+              <a:rPr lang="en-US" dirty="0"/>
+              <a:t>CO Jobs Report 2021 – 77% of *all* new jobs in Colorado require programming</a:t>
+            </a:r>
+          </a:p>
+          <a:p>
+            <a:r>
+              <a:rPr lang="en-US" dirty="0"/>
+              <a:t>60% of all STEM jobs requires *advanced* (200-300 level) </a:t>
+            </a:r>
+          </a:p>
+        </p:txBody>
+      </p:sp>
+      <p:sp>
+        <p:nvSpPr>
+          <p:cNvPr id="7" name="TextBox 6">
+            <a:extLst>
+              <a:ext uri="{FF2B5EF4-FFF2-40B4-BE49-F238E27FC236}">
+                <a16:creationId xmlns:a16="http://schemas.microsoft.com/office/drawing/2014/main" id="{BF16D510-BC74-4FA5-AFD2-193B039115A5}"/>
+              </a:ext>
+            </a:extLst>
+          </p:cNvPr>
+          <p:cNvSpPr txBox="1"/>
+          <p:nvPr/>
+        </p:nvSpPr>
+        <p:spPr>
+          <a:xfrm>
+            <a:off x="7228114" y="362857"/>
+            <a:ext cx="6125029" cy="1015663"/>
+          </a:xfrm>
+          <a:prstGeom prst="rect">
+            <a:avLst/>
+          </a:prstGeom>
+          <a:solidFill>
+            <a:schemeClr val="accent2"/>
+          </a:solidFill>
+        </p:spPr>
+        <p:txBody>
+          <a:bodyPr wrap="square" rtlCol="0">
+            <a:spAutoFit/>
+          </a:bodyPr>
+          <a:lstStyle/>
+          <a:p>
+            <a:r>
+              <a:rPr lang="en-US" b="1" dirty="0"/>
+              <a:t>Opening Question: </a:t>
+            </a:r>
+          </a:p>
+          <a:p>
+            <a:r>
+              <a:rPr lang="en-US" dirty="0"/>
+              <a:t>How are you studying for this course? Knowledge checks, practice coding assignments, </a:t>
+            </a:r>
+            <a:r>
+              <a:rPr lang="en-US" dirty="0" err="1"/>
+              <a:t>etc</a:t>
+            </a:r>
+            <a:r>
+              <a:rPr lang="en-US" dirty="0"/>
+              <a:t>?</a:t>
+            </a:r>
+          </a:p>
+        </p:txBody>
+      </p:sp>
+    </p:spTree>
+    <p:extLst>
+      <p:ext uri="{BB962C8B-B14F-4D97-AF65-F5344CB8AC3E}">
+        <p14:creationId xmlns:p14="http://schemas.microsoft.com/office/powerpoint/2010/main" val="926474781"/>
+      </p:ext>
+    </p:extLst>
+  </p:cSld>
+  <p:clrMapOvr>
+    <a:masterClrMapping/>
+  </p:clrMapOvr>
+  <p:transition>
+    <p:fade/>
+  </p:transition>
+</p:sld>
+</file>
+
+<file path=ppt/slides/slide3.xml><?xml version="1.0" encoding="utf-8"?>
 <p:sld xmlns:a="http://schemas.openxmlformats.org/drawingml/2006/main" xmlns:r="http://schemas.openxmlformats.org/officeDocument/2006/relationships" xmlns:p="http://schemas.openxmlformats.org/presentationml/2006/main">
   <p:cSld>
     <p:spTree>
@@ -10474,7 +10945,7 @@
 </p:sld>
 </file>
 
-<file path=ppt/slides/slide3.xml><?xml version="1.0" encoding="utf-8"?>
+<file path=ppt/slides/slide4.xml><?xml version="1.0" encoding="utf-8"?>
 <p:sld xmlns:a="http://schemas.openxmlformats.org/drawingml/2006/main" xmlns:r="http://schemas.openxmlformats.org/officeDocument/2006/relationships" xmlns:p="http://schemas.openxmlformats.org/presentationml/2006/main">
   <p:cSld>
     <p:spTree>
@@ -10821,7 +11292,7 @@
 </p:sld>
 </file>
 
-<file path=ppt/slides/slide4.xml><?xml version="1.0" encoding="utf-8"?>
+<file path=ppt/slides/slide5.xml><?xml version="1.0" encoding="utf-8"?>
 <p:sld xmlns:a="http://schemas.openxmlformats.org/drawingml/2006/main" xmlns:r="http://schemas.openxmlformats.org/officeDocument/2006/relationships" xmlns:p="http://schemas.openxmlformats.org/presentationml/2006/main">
   <p:cSld>
     <p:spTree>
@@ -12072,7 +12543,7 @@
 </p:sld>
 </file>
 
-<file path=ppt/slides/slide5.xml><?xml version="1.0" encoding="utf-8"?>
+<file path=ppt/slides/slide6.xml><?xml version="1.0" encoding="utf-8"?>
 <p:sld xmlns:a="http://schemas.openxmlformats.org/drawingml/2006/main" xmlns:r="http://schemas.openxmlformats.org/officeDocument/2006/relationships" xmlns:p="http://schemas.openxmlformats.org/presentationml/2006/main">
   <p:cSld>
     <p:spTree>
@@ -12167,7 +12638,7 @@
 </p:sld>
 </file>
 
-<file path=ppt/slides/slide6.xml><?xml version="1.0" encoding="utf-8"?>
+<file path=ppt/slides/slide7.xml><?xml version="1.0" encoding="utf-8"?>
 <p:sld xmlns:a="http://schemas.openxmlformats.org/drawingml/2006/main" xmlns:r="http://schemas.openxmlformats.org/officeDocument/2006/relationships" xmlns:p="http://schemas.openxmlformats.org/presentationml/2006/main">
   <p:cSld>
     <p:spTree>
@@ -13122,7 +13593,7 @@
 </p:sld>
 </file>
 
-<file path=ppt/slides/slide7.xml><?xml version="1.0" encoding="utf-8"?>
+<file path=ppt/slides/slide8.xml><?xml version="1.0" encoding="utf-8"?>
 <p:sld xmlns:a="http://schemas.openxmlformats.org/drawingml/2006/main" xmlns:r="http://schemas.openxmlformats.org/officeDocument/2006/relationships" xmlns:p="http://schemas.openxmlformats.org/presentationml/2006/main">
   <p:cSld>
     <p:spTree>
@@ -14113,7 +14584,7 @@
 </p:sld>
 </file>
 
-<file path=ppt/slides/slide8.xml><?xml version="1.0" encoding="utf-8"?>
+<file path=ppt/slides/slide9.xml><?xml version="1.0" encoding="utf-8"?>
 <p:sld xmlns:a="http://schemas.openxmlformats.org/drawingml/2006/main" xmlns:r="http://schemas.openxmlformats.org/officeDocument/2006/relationships" xmlns:p="http://schemas.openxmlformats.org/presentationml/2006/main">
   <p:cSld>
     <p:spTree>
@@ -15236,178 +15707,6 @@
     <p:extLst>
       <p:ext uri="{BB962C8B-B14F-4D97-AF65-F5344CB8AC3E}">
         <p14:creationId xmlns:p14="http://schemas.microsoft.com/office/powerpoint/2010/main" val="1184501461"/>
-      </p:ext>
-    </p:extLst>
-  </p:cSld>
-  <p:clrMapOvr>
-    <a:masterClrMapping/>
-  </p:clrMapOvr>
-  <mc:AlternateContent xmlns:mc="http://schemas.openxmlformats.org/markup-compatibility/2006" xmlns:p14="http://schemas.microsoft.com/office/powerpoint/2010/main">
-    <mc:Choice Requires="p14">
-      <p:transition p14:dur="300">
-        <p:fade/>
-      </p:transition>
-    </mc:Choice>
-    <mc:Fallback xmlns="">
-      <p:transition>
-        <p:fade/>
-      </p:transition>
-    </mc:Fallback>
-  </mc:AlternateContent>
-</p:sld>
-</file>
-
-<file path=ppt/slides/slide9.xml><?xml version="1.0" encoding="utf-8"?>
-<p:sld xmlns:a="http://schemas.openxmlformats.org/drawingml/2006/main" xmlns:r="http://schemas.openxmlformats.org/officeDocument/2006/relationships" xmlns:p="http://schemas.openxmlformats.org/presentationml/2006/main">
-  <p:cSld>
-    <p:spTree>
-      <p:nvGrpSpPr>
-        <p:cNvPr id="1" name=""/>
-        <p:cNvGrpSpPr/>
-        <p:nvPr/>
-      </p:nvGrpSpPr>
-      <p:grpSpPr>
-        <a:xfrm>
-          <a:off x="0" y="0"/>
-          <a:ext cx="0" cy="0"/>
-          <a:chOff x="0" y="0"/>
-          <a:chExt cx="0" cy="0"/>
-        </a:xfrm>
-      </p:grpSpPr>
-      <p:sp>
-        <p:nvSpPr>
-          <p:cNvPr id="2" name="Title 1">
-            <a:extLst>
-              <a:ext uri="{FF2B5EF4-FFF2-40B4-BE49-F238E27FC236}">
-                <a16:creationId xmlns:a16="http://schemas.microsoft.com/office/drawing/2014/main" id="{0F5D872D-0307-4ABC-95FF-6C337C368D3D}"/>
-              </a:ext>
-            </a:extLst>
-          </p:cNvPr>
-          <p:cNvSpPr>
-            <a:spLocks noGrp="1"/>
-          </p:cNvSpPr>
-          <p:nvPr>
-            <p:ph type="title"/>
-          </p:nvPr>
-        </p:nvSpPr>
-        <p:spPr/>
-        <p:txBody>
-          <a:bodyPr/>
-          <a:lstStyle/>
-          <a:p>
-            <a:r>
-              <a:rPr lang="en-US" dirty="0"/>
-              <a:t>Practice</a:t>
-            </a:r>
-          </a:p>
-        </p:txBody>
-      </p:sp>
-      <p:sp>
-        <p:nvSpPr>
-          <p:cNvPr id="3" name="Text Placeholder 2">
-            <a:extLst>
-              <a:ext uri="{FF2B5EF4-FFF2-40B4-BE49-F238E27FC236}">
-                <a16:creationId xmlns:a16="http://schemas.microsoft.com/office/drawing/2014/main" id="{171CB4FE-B20C-458D-A95D-F03B5E6A0138}"/>
-              </a:ext>
-            </a:extLst>
-          </p:cNvPr>
-          <p:cNvSpPr>
-            <a:spLocks noGrp="1"/>
-          </p:cNvSpPr>
-          <p:nvPr>
-            <p:ph type="body" sz="quarter" idx="10"/>
-          </p:nvPr>
-        </p:nvSpPr>
-        <p:spPr>
-          <a:xfrm>
-            <a:off x="628075" y="1776683"/>
-            <a:ext cx="12561453" cy="2912849"/>
-          </a:xfrm>
-        </p:spPr>
-        <p:txBody>
-          <a:bodyPr/>
-          <a:lstStyle/>
-          <a:p>
-            <a:r>
-              <a:rPr lang="en-US" dirty="0"/>
-              <a:t>In a python coding window (</a:t>
-            </a:r>
-            <a:r>
-              <a:rPr lang="en-US" dirty="0" err="1"/>
-              <a:t>zybooks</a:t>
-            </a:r>
-            <a:r>
-              <a:rPr lang="en-US" dirty="0"/>
-              <a:t>)</a:t>
-            </a:r>
-          </a:p>
-          <a:p>
-            <a:r>
-              <a:rPr lang="en-US" dirty="0"/>
-              <a:t>Create list with each of your names as elements</a:t>
-            </a:r>
-          </a:p>
-          <a:p>
-            <a:r>
-              <a:rPr lang="en-US" dirty="0"/>
-              <a:t>Print the smallest name</a:t>
-            </a:r>
-          </a:p>
-          <a:p>
-            <a:r>
-              <a:rPr lang="en-US" dirty="0"/>
-              <a:t>Print the largest name</a:t>
-            </a:r>
-          </a:p>
-          <a:p>
-            <a:r>
-              <a:rPr lang="en-US" dirty="0"/>
-              <a:t>Will it allow you to ‘sum’ the list?</a:t>
-            </a:r>
-          </a:p>
-          <a:p>
-            <a:pPr lvl="1"/>
-            <a:r>
-              <a:rPr lang="en-US" dirty="0"/>
-              <a:t>A for yes, B for no</a:t>
-            </a:r>
-          </a:p>
-        </p:txBody>
-      </p:sp>
-      <p:pic>
-        <p:nvPicPr>
-          <p:cNvPr id="5" name="Picture 4">
-            <a:extLst>
-              <a:ext uri="{FF2B5EF4-FFF2-40B4-BE49-F238E27FC236}">
-                <a16:creationId xmlns:a16="http://schemas.microsoft.com/office/drawing/2014/main" id="{591E3F6D-1046-4FEE-B439-6F14FD0ED3A2}"/>
-              </a:ext>
-            </a:extLst>
-          </p:cNvPr>
-          <p:cNvPicPr>
-            <a:picLocks noChangeAspect="1"/>
-          </p:cNvPicPr>
-          <p:nvPr/>
-        </p:nvPicPr>
-        <p:blipFill>
-          <a:blip r:embed="rId2"/>
-          <a:stretch>
-            <a:fillRect/>
-          </a:stretch>
-        </p:blipFill>
-        <p:spPr>
-          <a:xfrm>
-            <a:off x="6791158" y="127100"/>
-            <a:ext cx="7026442" cy="1469472"/>
-          </a:xfrm>
-          <a:prstGeom prst="rect">
-            <a:avLst/>
-          </a:prstGeom>
-        </p:spPr>
-      </p:pic>
-    </p:spTree>
-    <p:extLst>
-      <p:ext uri="{BB962C8B-B14F-4D97-AF65-F5344CB8AC3E}">
-        <p14:creationId xmlns:p14="http://schemas.microsoft.com/office/powerpoint/2010/main" val="1571158271"/>
       </p:ext>
     </p:extLst>
   </p:cSld>

--- a/Slides/On-Campus/06_01_ListsAndLoops.pptx
+++ b/Slides/On-Campus/06_01_ListsAndLoops.pptx
@@ -227,7 +227,7 @@
           <a:p>
             <a:fld id="{4D7E51A5-B478-1E40-8CBB-0DAA8831E99D}" type="datetimeFigureOut">
               <a:rPr lang="en-US" smtClean="0"/>
-              <a:t>9/28/2021</a:t>
+              <a:t>9/28/21</a:t>
             </a:fld>
             <a:endParaRPr lang="en-US"/>
           </a:p>
@@ -392,7 +392,7 @@
           <a:p>
             <a:fld id="{D0ED587F-861E-6740-9643-E3DDAE89B8D6}" type="datetimeFigureOut">
               <a:rPr lang="en-US" smtClean="0"/>
-              <a:t>9/28/2021</a:t>
+              <a:t>9/28/21</a:t>
             </a:fld>
             <a:endParaRPr lang="en-US"/>
           </a:p>
@@ -10574,7 +10574,7 @@
           </a:p>
           <a:p>
             <a:r>
-              <a:rPr lang="en-US" dirty="0"/>
+              <a:rPr lang="en-US" u="sng" dirty="0"/>
               <a:t>Grace Hopper Celebration – Check Canvas Announcement</a:t>
             </a:r>
           </a:p>
